--- a/Case Study – Budweiser Brewery Insights.pptx
+++ b/Case Study – Budweiser Brewery Insights.pptx
@@ -4,17 +4,24 @@
   <p:sldMasterIdLst>
     <p:sldMasterId id="2147483738" r:id="rId4"/>
   </p:sldMasterIdLst>
+  <p:notesMasterIdLst>
+    <p:notesMasterId r:id="rId19"/>
+  </p:notesMasterIdLst>
   <p:sldIdLst>
     <p:sldId id="256" r:id="rId5"/>
     <p:sldId id="263" r:id="rId6"/>
-    <p:sldId id="261" r:id="rId7"/>
-    <p:sldId id="264" r:id="rId8"/>
-    <p:sldId id="265" r:id="rId9"/>
-    <p:sldId id="266" r:id="rId10"/>
-    <p:sldId id="267" r:id="rId11"/>
-    <p:sldId id="260" r:id="rId12"/>
-    <p:sldId id="257" r:id="rId13"/>
-    <p:sldId id="258" r:id="rId14"/>
+    <p:sldId id="268" r:id="rId7"/>
+    <p:sldId id="269" r:id="rId8"/>
+    <p:sldId id="270" r:id="rId9"/>
+    <p:sldId id="271" r:id="rId10"/>
+    <p:sldId id="264" r:id="rId11"/>
+    <p:sldId id="265" r:id="rId12"/>
+    <p:sldId id="272" r:id="rId13"/>
+    <p:sldId id="267" r:id="rId14"/>
+    <p:sldId id="266" r:id="rId15"/>
+    <p:sldId id="260" r:id="rId16"/>
+    <p:sldId id="257" r:id="rId17"/>
+    <p:sldId id="258" r:id="rId18"/>
   </p:sldIdLst>
   <p:sldSz cx="12192000" cy="6858000"/>
   <p:notesSz cx="6858000" cy="9144000"/>
@@ -120,11 +127,15 @@
           <p14:sldIdLst>
             <p14:sldId id="256"/>
             <p14:sldId id="263"/>
-            <p14:sldId id="261"/>
+            <p14:sldId id="268"/>
+            <p14:sldId id="269"/>
+            <p14:sldId id="270"/>
+            <p14:sldId id="271"/>
             <p14:sldId id="264"/>
             <p14:sldId id="265"/>
+            <p14:sldId id="272"/>
+            <p14:sldId id="267"/>
             <p14:sldId id="266"/>
-            <p14:sldId id="267"/>
             <p14:sldId id="260"/>
           </p14:sldIdLst>
         </p14:section>
@@ -136,6 +147,9 @@
         </p14:section>
       </p14:sectionLst>
     </p:ext>
+    <p:ext uri="{EFAFB233-063F-42B5-8137-9DF3F51BA10A}">
+      <p15:sldGuideLst xmlns:p15="http://schemas.microsoft.com/office/powerpoint/2012/main"/>
+    </p:ext>
   </p:extLst>
 </p:presentation>
 </file>
@@ -144,11 +158,26 @@
 <pc:chgInfo xmlns:a="http://schemas.openxmlformats.org/drawingml/2006/main" xmlns:r="http://schemas.openxmlformats.org/officeDocument/2006/relationships" xmlns:ac="http://schemas.microsoft.com/office/drawing/2013/main/command" xmlns:pc="http://schemas.microsoft.com/office/powerpoint/2013/main/command">
   <pc:docChgLst>
     <pc:chgData name="Blair, Nick" userId="319c0f44-7eb0-4c97-bcdf-c55a65605a60" providerId="ADAL" clId="{B4E288FF-C251-45A1-93AC-72F36BAB82CE}"/>
-    <pc:docChg chg="undo redo custSel addSld delSld modSld modSection">
-      <pc:chgData name="Blair, Nick" userId="319c0f44-7eb0-4c97-bcdf-c55a65605a60" providerId="ADAL" clId="{B4E288FF-C251-45A1-93AC-72F36BAB82CE}" dt="2020-02-26T01:10:45.915" v="1179" actId="207"/>
+    <pc:docChg chg="undo redo custSel addSld delSld modSld sldOrd modSection">
+      <pc:chgData name="Blair, Nick" userId="319c0f44-7eb0-4c97-bcdf-c55a65605a60" providerId="ADAL" clId="{B4E288FF-C251-45A1-93AC-72F36BAB82CE}" dt="2020-03-01T00:44:20.123" v="2939"/>
       <pc:docMkLst>
         <pc:docMk/>
       </pc:docMkLst>
+      <pc:sldChg chg="modSp">
+        <pc:chgData name="Blair, Nick" userId="319c0f44-7eb0-4c97-bcdf-c55a65605a60" providerId="ADAL" clId="{B4E288FF-C251-45A1-93AC-72F36BAB82CE}" dt="2020-02-29T23:09:34.274" v="1181" actId="20577"/>
+        <pc:sldMkLst>
+          <pc:docMk/>
+          <pc:sldMk cId="66014416" sldId="256"/>
+        </pc:sldMkLst>
+        <pc:spChg chg="mod">
+          <ac:chgData name="Blair, Nick" userId="319c0f44-7eb0-4c97-bcdf-c55a65605a60" providerId="ADAL" clId="{B4E288FF-C251-45A1-93AC-72F36BAB82CE}" dt="2020-02-29T23:09:34.274" v="1181" actId="20577"/>
+          <ac:spMkLst>
+            <pc:docMk/>
+            <pc:sldMk cId="66014416" sldId="256"/>
+            <ac:spMk id="3" creationId="{09E5057A-C657-44EB-83B7-3D9D0755398A}"/>
+          </ac:spMkLst>
+        </pc:spChg>
+      </pc:sldChg>
       <pc:sldChg chg="modSp">
         <pc:chgData name="Blair, Nick" userId="319c0f44-7eb0-4c97-bcdf-c55a65605a60" providerId="ADAL" clId="{B4E288FF-C251-45A1-93AC-72F36BAB82CE}" dt="2020-02-25T23:26:47.816" v="44" actId="20577"/>
         <pc:sldMkLst>
@@ -164,15 +193,8 @@
           </ac:spMkLst>
         </pc:spChg>
       </pc:sldChg>
-      <pc:sldChg chg="del">
-        <pc:chgData name="Blair, Nick" userId="319c0f44-7eb0-4c97-bcdf-c55a65605a60" providerId="ADAL" clId="{B4E288FF-C251-45A1-93AC-72F36BAB82CE}" dt="2020-02-25T23:34:33.568" v="286" actId="2696"/>
-        <pc:sldMkLst>
-          <pc:docMk/>
-          <pc:sldMk cId="3685202749" sldId="259"/>
-        </pc:sldMkLst>
-      </pc:sldChg>
-      <pc:sldChg chg="addSp modSp add">
-        <pc:chgData name="Blair, Nick" userId="319c0f44-7eb0-4c97-bcdf-c55a65605a60" providerId="ADAL" clId="{B4E288FF-C251-45A1-93AC-72F36BAB82CE}" dt="2020-02-25T23:37:53.906" v="368" actId="20577"/>
+      <pc:sldChg chg="addSp modSp add del">
+        <pc:chgData name="Blair, Nick" userId="319c0f44-7eb0-4c97-bcdf-c55a65605a60" providerId="ADAL" clId="{B4E288FF-C251-45A1-93AC-72F36BAB82CE}" dt="2020-03-01T00:36:50.401" v="2487" actId="2696"/>
         <pc:sldMkLst>
           <pc:docMk/>
           <pc:sldMk cId="1985903419" sldId="261"/>
@@ -202,29 +224,14 @@
           </ac:picMkLst>
         </pc:picChg>
       </pc:sldChg>
-      <pc:sldChg chg="modSp add del">
-        <pc:chgData name="Blair, Nick" userId="319c0f44-7eb0-4c97-bcdf-c55a65605a60" providerId="ADAL" clId="{B4E288FF-C251-45A1-93AC-72F36BAB82CE}" dt="2020-02-25T23:38:25.768" v="373" actId="2696"/>
-        <pc:sldMkLst>
-          <pc:docMk/>
-          <pc:sldMk cId="616700622" sldId="262"/>
-        </pc:sldMkLst>
-        <pc:spChg chg="mod">
-          <ac:chgData name="Blair, Nick" userId="319c0f44-7eb0-4c97-bcdf-c55a65605a60" providerId="ADAL" clId="{B4E288FF-C251-45A1-93AC-72F36BAB82CE}" dt="2020-02-25T23:38:03.682" v="370"/>
-          <ac:spMkLst>
-            <pc:docMk/>
-            <pc:sldMk cId="616700622" sldId="262"/>
-            <ac:spMk id="2" creationId="{E24F9319-CF8A-4126-9C3F-43B41E6CCF0E}"/>
-          </ac:spMkLst>
-        </pc:spChg>
-      </pc:sldChg>
       <pc:sldChg chg="addSp modSp add">
-        <pc:chgData name="Blair, Nick" userId="319c0f44-7eb0-4c97-bcdf-c55a65605a60" providerId="ADAL" clId="{B4E288FF-C251-45A1-93AC-72F36BAB82CE}" dt="2020-02-25T23:34:25.878" v="285"/>
+        <pc:chgData name="Blair, Nick" userId="319c0f44-7eb0-4c97-bcdf-c55a65605a60" providerId="ADAL" clId="{B4E288FF-C251-45A1-93AC-72F36BAB82CE}" dt="2020-02-29T23:55:19.940" v="1364" actId="20577"/>
         <pc:sldMkLst>
           <pc:docMk/>
           <pc:sldMk cId="2633596023" sldId="263"/>
         </pc:sldMkLst>
         <pc:spChg chg="mod">
-          <ac:chgData name="Blair, Nick" userId="319c0f44-7eb0-4c97-bcdf-c55a65605a60" providerId="ADAL" clId="{B4E288FF-C251-45A1-93AC-72F36BAB82CE}" dt="2020-02-25T23:33:53.032" v="281" actId="120"/>
+          <ac:chgData name="Blair, Nick" userId="319c0f44-7eb0-4c97-bcdf-c55a65605a60" providerId="ADAL" clId="{B4E288FF-C251-45A1-93AC-72F36BAB82CE}" dt="2020-02-29T23:54:58.123" v="1307" actId="20577"/>
           <ac:spMkLst>
             <pc:docMk/>
             <pc:sldMk cId="2633596023" sldId="263"/>
@@ -232,7 +239,7 @@
           </ac:spMkLst>
         </pc:spChg>
         <pc:spChg chg="mod">
-          <ac:chgData name="Blair, Nick" userId="319c0f44-7eb0-4c97-bcdf-c55a65605a60" providerId="ADAL" clId="{B4E288FF-C251-45A1-93AC-72F36BAB82CE}" dt="2020-02-25T23:32:10.747" v="275" actId="20577"/>
+          <ac:chgData name="Blair, Nick" userId="319c0f44-7eb0-4c97-bcdf-c55a65605a60" providerId="ADAL" clId="{B4E288FF-C251-45A1-93AC-72F36BAB82CE}" dt="2020-02-29T23:55:19.940" v="1364" actId="20577"/>
           <ac:spMkLst>
             <pc:docMk/>
             <pc:sldMk cId="2633596023" sldId="263"/>
@@ -256,14 +263,14 @@
           </ac:picMkLst>
         </pc:picChg>
       </pc:sldChg>
-      <pc:sldChg chg="addSp delSp modSp add">
-        <pc:chgData name="Blair, Nick" userId="319c0f44-7eb0-4c97-bcdf-c55a65605a60" providerId="ADAL" clId="{B4E288FF-C251-45A1-93AC-72F36BAB82CE}" dt="2020-02-26T01:10:45.915" v="1179" actId="207"/>
+      <pc:sldChg chg="addSp delSp modSp add del">
+        <pc:chgData name="Blair, Nick" userId="319c0f44-7eb0-4c97-bcdf-c55a65605a60" providerId="ADAL" clId="{B4E288FF-C251-45A1-93AC-72F36BAB82CE}" dt="2020-03-01T00:43:34.036" v="2929" actId="2696"/>
         <pc:sldMkLst>
           <pc:docMk/>
           <pc:sldMk cId="204486914" sldId="264"/>
         </pc:sldMkLst>
         <pc:spChg chg="mod">
-          <ac:chgData name="Blair, Nick" userId="319c0f44-7eb0-4c97-bcdf-c55a65605a60" providerId="ADAL" clId="{B4E288FF-C251-45A1-93AC-72F36BAB82CE}" dt="2020-02-25T23:38:21.262" v="372"/>
+          <ac:chgData name="Blair, Nick" userId="319c0f44-7eb0-4c97-bcdf-c55a65605a60" providerId="ADAL" clId="{B4E288FF-C251-45A1-93AC-72F36BAB82CE}" dt="2020-03-01T00:43:24.033" v="2926" actId="20577"/>
           <ac:spMkLst>
             <pc:docMk/>
             <pc:sldMk cId="204486914" sldId="264"/>
@@ -311,12 +318,34 @@
           </ac:spMkLst>
         </pc:spChg>
       </pc:sldChg>
-      <pc:sldChg chg="modSp add">
-        <pc:chgData name="Blair, Nick" userId="319c0f44-7eb0-4c97-bcdf-c55a65605a60" providerId="ADAL" clId="{B4E288FF-C251-45A1-93AC-72F36BAB82CE}" dt="2020-02-25T23:43:30.364" v="578" actId="207"/>
+      <pc:sldChg chg="add">
+        <pc:chgData name="Blair, Nick" userId="319c0f44-7eb0-4c97-bcdf-c55a65605a60" providerId="ADAL" clId="{B4E288FF-C251-45A1-93AC-72F36BAB82CE}" dt="2020-03-01T00:43:40.525" v="2931"/>
+        <pc:sldMkLst>
+          <pc:docMk/>
+          <pc:sldMk cId="3339882765" sldId="264"/>
+        </pc:sldMkLst>
+      </pc:sldChg>
+      <pc:sldChg chg="add">
+        <pc:chgData name="Blair, Nick" userId="319c0f44-7eb0-4c97-bcdf-c55a65605a60" providerId="ADAL" clId="{B4E288FF-C251-45A1-93AC-72F36BAB82CE}" dt="2020-03-01T00:43:40.525" v="2931"/>
+        <pc:sldMkLst>
+          <pc:docMk/>
+          <pc:sldMk cId="1533358323" sldId="265"/>
+        </pc:sldMkLst>
+      </pc:sldChg>
+      <pc:sldChg chg="modSp add del">
+        <pc:chgData name="Blair, Nick" userId="319c0f44-7eb0-4c97-bcdf-c55a65605a60" providerId="ADAL" clId="{B4E288FF-C251-45A1-93AC-72F36BAB82CE}" dt="2020-03-01T00:43:34.043" v="2930" actId="2696"/>
         <pc:sldMkLst>
           <pc:docMk/>
           <pc:sldMk cId="4048555361" sldId="265"/>
         </pc:sldMkLst>
+        <pc:spChg chg="mod">
+          <ac:chgData name="Blair, Nick" userId="319c0f44-7eb0-4c97-bcdf-c55a65605a60" providerId="ADAL" clId="{B4E288FF-C251-45A1-93AC-72F36BAB82CE}" dt="2020-03-01T00:43:30.729" v="2928"/>
+          <ac:spMkLst>
+            <pc:docMk/>
+            <pc:sldMk cId="4048555361" sldId="265"/>
+            <ac:spMk id="2" creationId="{F3612843-29AB-4571-A1AA-DD16C56C044A}"/>
+          </ac:spMkLst>
+        </pc:spChg>
         <pc:spChg chg="mod">
           <ac:chgData name="Blair, Nick" userId="319c0f44-7eb0-4c97-bcdf-c55a65605a60" providerId="ADAL" clId="{B4E288FF-C251-45A1-93AC-72F36BAB82CE}" dt="2020-02-25T23:43:30.364" v="578" actId="207"/>
           <ac:spMkLst>
@@ -327,7 +356,7 @@
         </pc:spChg>
       </pc:sldChg>
       <pc:sldChg chg="addSp delSp modSp add">
-        <pc:chgData name="Blair, Nick" userId="319c0f44-7eb0-4c97-bcdf-c55a65605a60" providerId="ADAL" clId="{B4E288FF-C251-45A1-93AC-72F36BAB82CE}" dt="2020-02-25T23:49:58.953" v="692" actId="1440"/>
+        <pc:chgData name="Blair, Nick" userId="319c0f44-7eb0-4c97-bcdf-c55a65605a60" providerId="ADAL" clId="{B4E288FF-C251-45A1-93AC-72F36BAB82CE}" dt="2020-03-01T00:44:17.367" v="2938" actId="1076"/>
         <pc:sldMkLst>
           <pc:docMk/>
           <pc:sldMk cId="436239014" sldId="266"/>
@@ -341,11 +370,19 @@
           </ac:spMkLst>
         </pc:spChg>
         <pc:spChg chg="add del mod">
-          <ac:chgData name="Blair, Nick" userId="319c0f44-7eb0-4c97-bcdf-c55a65605a60" providerId="ADAL" clId="{B4E288FF-C251-45A1-93AC-72F36BAB82CE}" dt="2020-02-25T23:47:45.233" v="678" actId="1076"/>
+          <ac:chgData name="Blair, Nick" userId="319c0f44-7eb0-4c97-bcdf-c55a65605a60" providerId="ADAL" clId="{B4E288FF-C251-45A1-93AC-72F36BAB82CE}" dt="2020-03-01T00:44:08.700" v="2933" actId="478"/>
           <ac:spMkLst>
             <pc:docMk/>
             <pc:sldMk cId="436239014" sldId="266"/>
             <ac:spMk id="3" creationId="{F224934F-5312-4B36-B34F-3A9AD2B66559}"/>
+          </ac:spMkLst>
+        </pc:spChg>
+        <pc:spChg chg="add del mod">
+          <ac:chgData name="Blair, Nick" userId="319c0f44-7eb0-4c97-bcdf-c55a65605a60" providerId="ADAL" clId="{B4E288FF-C251-45A1-93AC-72F36BAB82CE}" dt="2020-03-01T00:44:10.144" v="2934" actId="478"/>
+          <ac:spMkLst>
+            <pc:docMk/>
+            <pc:sldMk cId="436239014" sldId="266"/>
+            <ac:spMk id="5" creationId="{BC1A8815-463A-4F90-974B-F654154AC47E}"/>
           </ac:spMkLst>
         </pc:spChg>
         <pc:picChg chg="add del mod">
@@ -364,8 +401,8 @@
             <ac:picMk id="5" creationId="{B415E62D-F73F-461D-81EA-8ECE1C3DFD66}"/>
           </ac:picMkLst>
         </pc:picChg>
-        <pc:picChg chg="add mod">
-          <ac:chgData name="Blair, Nick" userId="319c0f44-7eb0-4c97-bcdf-c55a65605a60" providerId="ADAL" clId="{B4E288FF-C251-45A1-93AC-72F36BAB82CE}" dt="2020-02-25T23:49:58.953" v="692" actId="1440"/>
+        <pc:picChg chg="add del mod">
+          <ac:chgData name="Blair, Nick" userId="319c0f44-7eb0-4c97-bcdf-c55a65605a60" providerId="ADAL" clId="{B4E288FF-C251-45A1-93AC-72F36BAB82CE}" dt="2020-03-01T00:44:07.271" v="2932" actId="478"/>
           <ac:picMkLst>
             <pc:docMk/>
             <pc:sldMk cId="436239014" sldId="266"/>
@@ -373,15 +410,15 @@
           </ac:picMkLst>
         </pc:picChg>
         <pc:picChg chg="add mod">
-          <ac:chgData name="Blair, Nick" userId="319c0f44-7eb0-4c97-bcdf-c55a65605a60" providerId="ADAL" clId="{B4E288FF-C251-45A1-93AC-72F36BAB82CE}" dt="2020-02-25T23:49:58.953" v="692" actId="1440"/>
+          <ac:chgData name="Blair, Nick" userId="319c0f44-7eb0-4c97-bcdf-c55a65605a60" providerId="ADAL" clId="{B4E288FF-C251-45A1-93AC-72F36BAB82CE}" dt="2020-03-01T00:44:17.367" v="2938" actId="1076"/>
           <ac:picMkLst>
             <pc:docMk/>
             <pc:sldMk cId="436239014" sldId="266"/>
             <ac:picMk id="7" creationId="{2DA889C9-D679-4944-A384-ADE097F9382A}"/>
           </ac:picMkLst>
         </pc:picChg>
-        <pc:picChg chg="add mod">
-          <ac:chgData name="Blair, Nick" userId="319c0f44-7eb0-4c97-bcdf-c55a65605a60" providerId="ADAL" clId="{B4E288FF-C251-45A1-93AC-72F36BAB82CE}" dt="2020-02-25T23:49:58.953" v="692" actId="1440"/>
+        <pc:picChg chg="add del mod">
+          <ac:chgData name="Blair, Nick" userId="319c0f44-7eb0-4c97-bcdf-c55a65605a60" providerId="ADAL" clId="{B4E288FF-C251-45A1-93AC-72F36BAB82CE}" dt="2020-03-01T00:44:11.168" v="2935" actId="478"/>
           <ac:picMkLst>
             <pc:docMk/>
             <pc:sldMk cId="436239014" sldId="266"/>
@@ -389,8 +426,8 @@
           </ac:picMkLst>
         </pc:picChg>
       </pc:sldChg>
-      <pc:sldChg chg="modSp add">
-        <pc:chgData name="Blair, Nick" userId="319c0f44-7eb0-4c97-bcdf-c55a65605a60" providerId="ADAL" clId="{B4E288FF-C251-45A1-93AC-72F36BAB82CE}" dt="2020-02-25T23:52:09.564" v="1177" actId="20577"/>
+      <pc:sldChg chg="modSp add ord">
+        <pc:chgData name="Blair, Nick" userId="319c0f44-7eb0-4c97-bcdf-c55a65605a60" providerId="ADAL" clId="{B4E288FF-C251-45A1-93AC-72F36BAB82CE}" dt="2020-03-01T00:44:20.123" v="2939"/>
         <pc:sldMkLst>
           <pc:docMk/>
           <pc:sldMk cId="3762546805" sldId="267"/>
@@ -412,9 +449,824 @@
           </ac:spMkLst>
         </pc:spChg>
       </pc:sldChg>
+      <pc:sldChg chg="addSp delSp modSp add mod modNotesTx">
+        <pc:chgData name="Blair, Nick" userId="319c0f44-7eb0-4c97-bcdf-c55a65605a60" providerId="ADAL" clId="{B4E288FF-C251-45A1-93AC-72F36BAB82CE}" dt="2020-03-01T00:13:24.351" v="2145"/>
+        <pc:sldMkLst>
+          <pc:docMk/>
+          <pc:sldMk cId="2863385372" sldId="268"/>
+        </pc:sldMkLst>
+        <pc:spChg chg="mod">
+          <ac:chgData name="Blair, Nick" userId="319c0f44-7eb0-4c97-bcdf-c55a65605a60" providerId="ADAL" clId="{B4E288FF-C251-45A1-93AC-72F36BAB82CE}" dt="2020-02-29T23:55:37.524" v="1398" actId="20577"/>
+          <ac:spMkLst>
+            <pc:docMk/>
+            <pc:sldMk cId="2863385372" sldId="268"/>
+            <ac:spMk id="2" creationId="{E24F9319-CF8A-4126-9C3F-43B41E6CCF0E}"/>
+          </ac:spMkLst>
+        </pc:spChg>
+        <pc:spChg chg="mod">
+          <ac:chgData name="Blair, Nick" userId="319c0f44-7eb0-4c97-bcdf-c55a65605a60" providerId="ADAL" clId="{B4E288FF-C251-45A1-93AC-72F36BAB82CE}" dt="2020-03-01T00:04:09.659" v="2130" actId="20577"/>
+          <ac:spMkLst>
+            <pc:docMk/>
+            <pc:sldMk cId="2863385372" sldId="268"/>
+            <ac:spMk id="3" creationId="{F224934F-5312-4B36-B34F-3A9AD2B66559}"/>
+          </ac:spMkLst>
+        </pc:spChg>
+        <pc:graphicFrameChg chg="add mod">
+          <ac:chgData name="Blair, Nick" userId="319c0f44-7eb0-4c97-bcdf-c55a65605a60" providerId="ADAL" clId="{B4E288FF-C251-45A1-93AC-72F36BAB82CE}" dt="2020-03-01T00:12:58.193" v="2138" actId="14100"/>
+          <ac:graphicFrameMkLst>
+            <pc:docMk/>
+            <pc:sldMk cId="2863385372" sldId="268"/>
+            <ac:graphicFrameMk id="4" creationId="{AD061EB7-720E-456A-A8EF-F2E8530BB57D}"/>
+          </ac:graphicFrameMkLst>
+        </pc:graphicFrameChg>
+        <pc:graphicFrameChg chg="add">
+          <ac:chgData name="Blair, Nick" userId="319c0f44-7eb0-4c97-bcdf-c55a65605a60" providerId="ADAL" clId="{B4E288FF-C251-45A1-93AC-72F36BAB82CE}" dt="2020-03-01T00:13:01.434" v="2140"/>
+          <ac:graphicFrameMkLst>
+            <pc:docMk/>
+            <pc:sldMk cId="2863385372" sldId="268"/>
+            <ac:graphicFrameMk id="5" creationId="{AD061EB7-720E-456A-A8EF-F2E8530BB57D}"/>
+          </ac:graphicFrameMkLst>
+        </pc:graphicFrameChg>
+        <pc:picChg chg="add del mod">
+          <ac:chgData name="Blair, Nick" userId="319c0f44-7eb0-4c97-bcdf-c55a65605a60" providerId="ADAL" clId="{B4E288FF-C251-45A1-93AC-72F36BAB82CE}" dt="2020-03-01T00:13:24.351" v="2145"/>
+          <ac:picMkLst>
+            <pc:docMk/>
+            <pc:sldMk cId="2863385372" sldId="268"/>
+            <ac:picMk id="6" creationId="{9BC7FEB8-9885-4566-B074-3334E8A3DFC6}"/>
+          </ac:picMkLst>
+        </pc:picChg>
+      </pc:sldChg>
+      <pc:sldChg chg="addSp delSp modSp add">
+        <pc:chgData name="Blair, Nick" userId="319c0f44-7eb0-4c97-bcdf-c55a65605a60" providerId="ADAL" clId="{B4E288FF-C251-45A1-93AC-72F36BAB82CE}" dt="2020-03-01T00:13:28.206" v="2147" actId="14100"/>
+        <pc:sldMkLst>
+          <pc:docMk/>
+          <pc:sldMk cId="4145476455" sldId="269"/>
+        </pc:sldMkLst>
+        <pc:spChg chg="del">
+          <ac:chgData name="Blair, Nick" userId="319c0f44-7eb0-4c97-bcdf-c55a65605a60" providerId="ADAL" clId="{B4E288FF-C251-45A1-93AC-72F36BAB82CE}" dt="2020-03-01T00:13:21.911" v="2144" actId="478"/>
+          <ac:spMkLst>
+            <pc:docMk/>
+            <pc:sldMk cId="4145476455" sldId="269"/>
+            <ac:spMk id="2" creationId="{C95EAD7B-4BE3-4E7E-BB21-230486520AAF}"/>
+          </ac:spMkLst>
+        </pc:spChg>
+        <pc:spChg chg="del">
+          <ac:chgData name="Blair, Nick" userId="319c0f44-7eb0-4c97-bcdf-c55a65605a60" providerId="ADAL" clId="{B4E288FF-C251-45A1-93AC-72F36BAB82CE}" dt="2020-03-01T00:13:21.911" v="2144" actId="478"/>
+          <ac:spMkLst>
+            <pc:docMk/>
+            <pc:sldMk cId="4145476455" sldId="269"/>
+            <ac:spMk id="3" creationId="{78CFB75C-908A-4546-B577-DBFC0B0AD849}"/>
+          </ac:spMkLst>
+        </pc:spChg>
+        <pc:picChg chg="add mod">
+          <ac:chgData name="Blair, Nick" userId="319c0f44-7eb0-4c97-bcdf-c55a65605a60" providerId="ADAL" clId="{B4E288FF-C251-45A1-93AC-72F36BAB82CE}" dt="2020-03-01T00:13:28.206" v="2147" actId="14100"/>
+          <ac:picMkLst>
+            <pc:docMk/>
+            <pc:sldMk cId="4145476455" sldId="269"/>
+            <ac:picMk id="4" creationId="{8351C8F7-ED8C-4390-BCB3-CB3C39702269}"/>
+          </ac:picMkLst>
+        </pc:picChg>
+      </pc:sldChg>
+      <pc:sldChg chg="addSp delSp modSp add">
+        <pc:chgData name="Blair, Nick" userId="319c0f44-7eb0-4c97-bcdf-c55a65605a60" providerId="ADAL" clId="{B4E288FF-C251-45A1-93AC-72F36BAB82CE}" dt="2020-03-01T00:19:19.201" v="2245" actId="20577"/>
+        <pc:sldMkLst>
+          <pc:docMk/>
+          <pc:sldMk cId="249570860" sldId="270"/>
+        </pc:sldMkLst>
+        <pc:spChg chg="del">
+          <ac:chgData name="Blair, Nick" userId="319c0f44-7eb0-4c97-bcdf-c55a65605a60" providerId="ADAL" clId="{B4E288FF-C251-45A1-93AC-72F36BAB82CE}" dt="2020-03-01T00:17:04.609" v="2149" actId="478"/>
+          <ac:spMkLst>
+            <pc:docMk/>
+            <pc:sldMk cId="249570860" sldId="270"/>
+            <ac:spMk id="2" creationId="{759EB36C-968C-4B70-9B01-ED79279073BF}"/>
+          </ac:spMkLst>
+        </pc:spChg>
+        <pc:spChg chg="del">
+          <ac:chgData name="Blair, Nick" userId="319c0f44-7eb0-4c97-bcdf-c55a65605a60" providerId="ADAL" clId="{B4E288FF-C251-45A1-93AC-72F36BAB82CE}" dt="2020-03-01T00:17:04.609" v="2149" actId="478"/>
+          <ac:spMkLst>
+            <pc:docMk/>
+            <pc:sldMk cId="249570860" sldId="270"/>
+            <ac:spMk id="3" creationId="{044B596C-AE0A-4050-A235-97BCE0C18333}"/>
+          </ac:spMkLst>
+        </pc:spChg>
+        <pc:spChg chg="add del">
+          <ac:chgData name="Blair, Nick" userId="319c0f44-7eb0-4c97-bcdf-c55a65605a60" providerId="ADAL" clId="{B4E288FF-C251-45A1-93AC-72F36BAB82CE}" dt="2020-03-01T00:17:07.446" v="2151"/>
+          <ac:spMkLst>
+            <pc:docMk/>
+            <pc:sldMk cId="249570860" sldId="270"/>
+            <ac:spMk id="4" creationId="{36571C01-9048-4051-83C2-AB53D7E51B15}"/>
+          </ac:spMkLst>
+        </pc:spChg>
+        <pc:spChg chg="add del">
+          <ac:chgData name="Blair, Nick" userId="319c0f44-7eb0-4c97-bcdf-c55a65605a60" providerId="ADAL" clId="{B4E288FF-C251-45A1-93AC-72F36BAB82CE}" dt="2020-03-01T00:17:13.878" v="2155"/>
+          <ac:spMkLst>
+            <pc:docMk/>
+            <pc:sldMk cId="249570860" sldId="270"/>
+            <ac:spMk id="5" creationId="{4E39AA7D-CEFF-48FB-B92A-F50733D4103E}"/>
+          </ac:spMkLst>
+        </pc:spChg>
+        <pc:spChg chg="add mod">
+          <ac:chgData name="Blair, Nick" userId="319c0f44-7eb0-4c97-bcdf-c55a65605a60" providerId="ADAL" clId="{B4E288FF-C251-45A1-93AC-72F36BAB82CE}" dt="2020-03-01T00:18:27.661" v="2215" actId="1076"/>
+          <ac:spMkLst>
+            <pc:docMk/>
+            <pc:sldMk cId="249570860" sldId="270"/>
+            <ac:spMk id="7" creationId="{30D9E03C-B793-444E-8DE9-A6FC1B6C2EE8}"/>
+          </ac:spMkLst>
+        </pc:spChg>
+        <pc:spChg chg="add mod">
+          <ac:chgData name="Blair, Nick" userId="319c0f44-7eb0-4c97-bcdf-c55a65605a60" providerId="ADAL" clId="{B4E288FF-C251-45A1-93AC-72F36BAB82CE}" dt="2020-03-01T00:19:06.061" v="2232" actId="1076"/>
+          <ac:spMkLst>
+            <pc:docMk/>
+            <pc:sldMk cId="249570860" sldId="270"/>
+            <ac:spMk id="8" creationId="{D63B1501-2FB3-4362-BA5D-2AB59A100612}"/>
+          </ac:spMkLst>
+        </pc:spChg>
+        <pc:spChg chg="add mod">
+          <ac:chgData name="Blair, Nick" userId="319c0f44-7eb0-4c97-bcdf-c55a65605a60" providerId="ADAL" clId="{B4E288FF-C251-45A1-93AC-72F36BAB82CE}" dt="2020-03-01T00:19:19.201" v="2245" actId="20577"/>
+          <ac:spMkLst>
+            <pc:docMk/>
+            <pc:sldMk cId="249570860" sldId="270"/>
+            <ac:spMk id="9" creationId="{69C7C0FB-B888-447C-A499-092464AD62F4}"/>
+          </ac:spMkLst>
+        </pc:spChg>
+        <pc:picChg chg="add">
+          <ac:chgData name="Blair, Nick" userId="319c0f44-7eb0-4c97-bcdf-c55a65605a60" providerId="ADAL" clId="{B4E288FF-C251-45A1-93AC-72F36BAB82CE}" dt="2020-03-01T00:17:13.926" v="2156"/>
+          <ac:picMkLst>
+            <pc:docMk/>
+            <pc:sldMk cId="249570860" sldId="270"/>
+            <ac:picMk id="6" creationId="{4BEFAEEA-C859-496F-8B9A-B7C48D778AEA}"/>
+          </ac:picMkLst>
+        </pc:picChg>
+      </pc:sldChg>
+      <pc:sldChg chg="modSp add">
+        <pc:chgData name="Blair, Nick" userId="319c0f44-7eb0-4c97-bcdf-c55a65605a60" providerId="ADAL" clId="{B4E288FF-C251-45A1-93AC-72F36BAB82CE}" dt="2020-03-01T00:36:38.178" v="2486" actId="20577"/>
+        <pc:sldMkLst>
+          <pc:docMk/>
+          <pc:sldMk cId="2657609671" sldId="271"/>
+        </pc:sldMkLst>
+        <pc:spChg chg="mod">
+          <ac:chgData name="Blair, Nick" userId="319c0f44-7eb0-4c97-bcdf-c55a65605a60" providerId="ADAL" clId="{B4E288FF-C251-45A1-93AC-72F36BAB82CE}" dt="2020-03-01T00:35:29.778" v="2275" actId="20577"/>
+          <ac:spMkLst>
+            <pc:docMk/>
+            <pc:sldMk cId="2657609671" sldId="271"/>
+            <ac:spMk id="2" creationId="{E24F9319-CF8A-4126-9C3F-43B41E6CCF0E}"/>
+          </ac:spMkLst>
+        </pc:spChg>
+        <pc:spChg chg="mod">
+          <ac:chgData name="Blair, Nick" userId="319c0f44-7eb0-4c97-bcdf-c55a65605a60" providerId="ADAL" clId="{B4E288FF-C251-45A1-93AC-72F36BAB82CE}" dt="2020-03-01T00:36:38.178" v="2486" actId="20577"/>
+          <ac:spMkLst>
+            <pc:docMk/>
+            <pc:sldMk cId="2657609671" sldId="271"/>
+            <ac:spMk id="3" creationId="{F224934F-5312-4B36-B34F-3A9AD2B66559}"/>
+          </ac:spMkLst>
+        </pc:spChg>
+      </pc:sldChg>
+      <pc:sldChg chg="modSp add">
+        <pc:chgData name="Blair, Nick" userId="319c0f44-7eb0-4c97-bcdf-c55a65605a60" providerId="ADAL" clId="{B4E288FF-C251-45A1-93AC-72F36BAB82CE}" dt="2020-03-01T00:42:41.817" v="2880" actId="20577"/>
+        <pc:sldMkLst>
+          <pc:docMk/>
+          <pc:sldMk cId="2158532176" sldId="272"/>
+        </pc:sldMkLst>
+        <pc:spChg chg="mod">
+          <ac:chgData name="Blair, Nick" userId="319c0f44-7eb0-4c97-bcdf-c55a65605a60" providerId="ADAL" clId="{B4E288FF-C251-45A1-93AC-72F36BAB82CE}" dt="2020-03-01T00:38:58.354" v="2567" actId="20577"/>
+          <ac:spMkLst>
+            <pc:docMk/>
+            <pc:sldMk cId="2158532176" sldId="272"/>
+            <ac:spMk id="2" creationId="{E24F9319-CF8A-4126-9C3F-43B41E6CCF0E}"/>
+          </ac:spMkLst>
+        </pc:spChg>
+        <pc:spChg chg="mod">
+          <ac:chgData name="Blair, Nick" userId="319c0f44-7eb0-4c97-bcdf-c55a65605a60" providerId="ADAL" clId="{B4E288FF-C251-45A1-93AC-72F36BAB82CE}" dt="2020-03-01T00:42:41.817" v="2880" actId="20577"/>
+          <ac:spMkLst>
+            <pc:docMk/>
+            <pc:sldMk cId="2158532176" sldId="272"/>
+            <ac:spMk id="3" creationId="{F224934F-5312-4B36-B34F-3A9AD2B66559}"/>
+          </ac:spMkLst>
+        </pc:spChg>
+      </pc:sldChg>
     </pc:docChg>
   </pc:docChgLst>
 </pc:chgInfo>
+</file>
+
+<file path=ppt/notesMasters/notesMaster1.xml><?xml version="1.0" encoding="utf-8"?>
+<p:notesMaster xmlns:a="http://schemas.openxmlformats.org/drawingml/2006/main" xmlns:r="http://schemas.openxmlformats.org/officeDocument/2006/relationships" xmlns:p="http://schemas.openxmlformats.org/presentationml/2006/main">
+  <p:cSld>
+    <p:bg>
+      <p:bgRef idx="1001">
+        <a:schemeClr val="bg1"/>
+      </p:bgRef>
+    </p:bg>
+    <p:spTree>
+      <p:nvGrpSpPr>
+        <p:cNvPr id="1" name=""/>
+        <p:cNvGrpSpPr/>
+        <p:nvPr/>
+      </p:nvGrpSpPr>
+      <p:grpSpPr>
+        <a:xfrm>
+          <a:off x="0" y="0"/>
+          <a:ext cx="0" cy="0"/>
+          <a:chOff x="0" y="0"/>
+          <a:chExt cx="0" cy="0"/>
+        </a:xfrm>
+      </p:grpSpPr>
+      <p:sp>
+        <p:nvSpPr>
+          <p:cNvPr id="2" name="Header Placeholder 1"/>
+          <p:cNvSpPr>
+            <a:spLocks noGrp="1"/>
+          </p:cNvSpPr>
+          <p:nvPr>
+            <p:ph type="hdr" sz="quarter"/>
+          </p:nvPr>
+        </p:nvSpPr>
+        <p:spPr>
+          <a:xfrm>
+            <a:off x="0" y="0"/>
+            <a:ext cx="2971800" cy="458788"/>
+          </a:xfrm>
+          <a:prstGeom prst="rect">
+            <a:avLst/>
+          </a:prstGeom>
+        </p:spPr>
+        <p:txBody>
+          <a:bodyPr vert="horz" lIns="91440" tIns="45720" rIns="91440" bIns="45720" rtlCol="0"/>
+          <a:lstStyle>
+            <a:lvl1pPr algn="l">
+              <a:defRPr sz="1200"/>
+            </a:lvl1pPr>
+          </a:lstStyle>
+          <a:p>
+            <a:endParaRPr lang="en-US"/>
+          </a:p>
+        </p:txBody>
+      </p:sp>
+      <p:sp>
+        <p:nvSpPr>
+          <p:cNvPr id="3" name="Date Placeholder 2"/>
+          <p:cNvSpPr>
+            <a:spLocks noGrp="1"/>
+          </p:cNvSpPr>
+          <p:nvPr>
+            <p:ph type="dt" idx="1"/>
+          </p:nvPr>
+        </p:nvSpPr>
+        <p:spPr>
+          <a:xfrm>
+            <a:off x="3884613" y="0"/>
+            <a:ext cx="2971800" cy="458788"/>
+          </a:xfrm>
+          <a:prstGeom prst="rect">
+            <a:avLst/>
+          </a:prstGeom>
+        </p:spPr>
+        <p:txBody>
+          <a:bodyPr vert="horz" lIns="91440" tIns="45720" rIns="91440" bIns="45720" rtlCol="0"/>
+          <a:lstStyle>
+            <a:lvl1pPr algn="r">
+              <a:defRPr sz="1200"/>
+            </a:lvl1pPr>
+          </a:lstStyle>
+          <a:p>
+            <a:fld id="{587976E5-DE37-402F-80A2-43261286172A}" type="datetimeFigureOut">
+              <a:rPr lang="en-US" smtClean="0"/>
+              <a:t>2/29/2020</a:t>
+            </a:fld>
+            <a:endParaRPr lang="en-US"/>
+          </a:p>
+        </p:txBody>
+      </p:sp>
+      <p:sp>
+        <p:nvSpPr>
+          <p:cNvPr id="4" name="Slide Image Placeholder 3"/>
+          <p:cNvSpPr>
+            <a:spLocks noGrp="1" noRot="1" noChangeAspect="1"/>
+          </p:cNvSpPr>
+          <p:nvPr>
+            <p:ph type="sldImg" idx="2"/>
+          </p:nvPr>
+        </p:nvSpPr>
+        <p:spPr>
+          <a:xfrm>
+            <a:off x="685800" y="1143000"/>
+            <a:ext cx="5486400" cy="3086100"/>
+          </a:xfrm>
+          <a:prstGeom prst="rect">
+            <a:avLst/>
+          </a:prstGeom>
+          <a:noFill/>
+          <a:ln w="12700">
+            <a:solidFill>
+              <a:prstClr val="black"/>
+            </a:solidFill>
+          </a:ln>
+        </p:spPr>
+        <p:txBody>
+          <a:bodyPr vert="horz" lIns="91440" tIns="45720" rIns="91440" bIns="45720" rtlCol="0" anchor="ctr"/>
+          <a:lstStyle/>
+          <a:p>
+            <a:endParaRPr lang="en-US"/>
+          </a:p>
+        </p:txBody>
+      </p:sp>
+      <p:sp>
+        <p:nvSpPr>
+          <p:cNvPr id="5" name="Notes Placeholder 4"/>
+          <p:cNvSpPr>
+            <a:spLocks noGrp="1"/>
+          </p:cNvSpPr>
+          <p:nvPr>
+            <p:ph type="body" sz="quarter" idx="3"/>
+          </p:nvPr>
+        </p:nvSpPr>
+        <p:spPr>
+          <a:xfrm>
+            <a:off x="685800" y="4400550"/>
+            <a:ext cx="5486400" cy="3600450"/>
+          </a:xfrm>
+          <a:prstGeom prst="rect">
+            <a:avLst/>
+          </a:prstGeom>
+        </p:spPr>
+        <p:txBody>
+          <a:bodyPr vert="horz" lIns="91440" tIns="45720" rIns="91440" bIns="45720" rtlCol="0"/>
+          <a:lstStyle/>
+          <a:p>
+            <a:pPr lvl="0"/>
+            <a:r>
+              <a:rPr lang="en-US"/>
+              <a:t>Edit Master text styles</a:t>
+            </a:r>
+          </a:p>
+          <a:p>
+            <a:pPr lvl="1"/>
+            <a:r>
+              <a:rPr lang="en-US"/>
+              <a:t>Second level</a:t>
+            </a:r>
+          </a:p>
+          <a:p>
+            <a:pPr lvl="2"/>
+            <a:r>
+              <a:rPr lang="en-US"/>
+              <a:t>Third level</a:t>
+            </a:r>
+          </a:p>
+          <a:p>
+            <a:pPr lvl="3"/>
+            <a:r>
+              <a:rPr lang="en-US"/>
+              <a:t>Fourth level</a:t>
+            </a:r>
+          </a:p>
+          <a:p>
+            <a:pPr lvl="4"/>
+            <a:r>
+              <a:rPr lang="en-US"/>
+              <a:t>Fifth level</a:t>
+            </a:r>
+          </a:p>
+        </p:txBody>
+      </p:sp>
+      <p:sp>
+        <p:nvSpPr>
+          <p:cNvPr id="6" name="Footer Placeholder 5"/>
+          <p:cNvSpPr>
+            <a:spLocks noGrp="1"/>
+          </p:cNvSpPr>
+          <p:nvPr>
+            <p:ph type="ftr" sz="quarter" idx="4"/>
+          </p:nvPr>
+        </p:nvSpPr>
+        <p:spPr>
+          <a:xfrm>
+            <a:off x="0" y="8685213"/>
+            <a:ext cx="2971800" cy="458787"/>
+          </a:xfrm>
+          <a:prstGeom prst="rect">
+            <a:avLst/>
+          </a:prstGeom>
+        </p:spPr>
+        <p:txBody>
+          <a:bodyPr vert="horz" lIns="91440" tIns="45720" rIns="91440" bIns="45720" rtlCol="0" anchor="b"/>
+          <a:lstStyle>
+            <a:lvl1pPr algn="l">
+              <a:defRPr sz="1200"/>
+            </a:lvl1pPr>
+          </a:lstStyle>
+          <a:p>
+            <a:endParaRPr lang="en-US"/>
+          </a:p>
+        </p:txBody>
+      </p:sp>
+      <p:sp>
+        <p:nvSpPr>
+          <p:cNvPr id="7" name="Slide Number Placeholder 6"/>
+          <p:cNvSpPr>
+            <a:spLocks noGrp="1"/>
+          </p:cNvSpPr>
+          <p:nvPr>
+            <p:ph type="sldNum" sz="quarter" idx="5"/>
+          </p:nvPr>
+        </p:nvSpPr>
+        <p:spPr>
+          <a:xfrm>
+            <a:off x="3884613" y="8685213"/>
+            <a:ext cx="2971800" cy="458787"/>
+          </a:xfrm>
+          <a:prstGeom prst="rect">
+            <a:avLst/>
+          </a:prstGeom>
+        </p:spPr>
+        <p:txBody>
+          <a:bodyPr vert="horz" lIns="91440" tIns="45720" rIns="91440" bIns="45720" rtlCol="0" anchor="b"/>
+          <a:lstStyle>
+            <a:lvl1pPr algn="r">
+              <a:defRPr sz="1200"/>
+            </a:lvl1pPr>
+          </a:lstStyle>
+          <a:p>
+            <a:fld id="{8B9A31F3-5BFB-4F2B-BC32-158445D95065}" type="slidenum">
+              <a:rPr lang="en-US" smtClean="0"/>
+              <a:t>‹#›</a:t>
+            </a:fld>
+            <a:endParaRPr lang="en-US"/>
+          </a:p>
+        </p:txBody>
+      </p:sp>
+    </p:spTree>
+    <p:extLst>
+      <p:ext uri="{BB962C8B-B14F-4D97-AF65-F5344CB8AC3E}">
+        <p14:creationId xmlns:p14="http://schemas.microsoft.com/office/powerpoint/2010/main" val="2969822770"/>
+      </p:ext>
+    </p:extLst>
+  </p:cSld>
+  <p:clrMap bg1="lt1" tx1="dk1" bg2="lt2" tx2="dk2" accent1="accent1" accent2="accent2" accent3="accent3" accent4="accent4" accent5="accent5" accent6="accent6" hlink="hlink" folHlink="folHlink"/>
+  <p:notesStyle>
+    <a:lvl1pPr marL="0" algn="l" defTabSz="914400" rtl="0" eaLnBrk="1" latinLnBrk="0" hangingPunct="1">
+      <a:defRPr sz="1200" kern="1200">
+        <a:solidFill>
+          <a:schemeClr val="tx1"/>
+        </a:solidFill>
+        <a:latin typeface="+mn-lt"/>
+        <a:ea typeface="+mn-ea"/>
+        <a:cs typeface="+mn-cs"/>
+      </a:defRPr>
+    </a:lvl1pPr>
+    <a:lvl2pPr marL="457200" algn="l" defTabSz="914400" rtl="0" eaLnBrk="1" latinLnBrk="0" hangingPunct="1">
+      <a:defRPr sz="1200" kern="1200">
+        <a:solidFill>
+          <a:schemeClr val="tx1"/>
+        </a:solidFill>
+        <a:latin typeface="+mn-lt"/>
+        <a:ea typeface="+mn-ea"/>
+        <a:cs typeface="+mn-cs"/>
+      </a:defRPr>
+    </a:lvl2pPr>
+    <a:lvl3pPr marL="914400" algn="l" defTabSz="914400" rtl="0" eaLnBrk="1" latinLnBrk="0" hangingPunct="1">
+      <a:defRPr sz="1200" kern="1200">
+        <a:solidFill>
+          <a:schemeClr val="tx1"/>
+        </a:solidFill>
+        <a:latin typeface="+mn-lt"/>
+        <a:ea typeface="+mn-ea"/>
+        <a:cs typeface="+mn-cs"/>
+      </a:defRPr>
+    </a:lvl3pPr>
+    <a:lvl4pPr marL="1371600" algn="l" defTabSz="914400" rtl="0" eaLnBrk="1" latinLnBrk="0" hangingPunct="1">
+      <a:defRPr sz="1200" kern="1200">
+        <a:solidFill>
+          <a:schemeClr val="tx1"/>
+        </a:solidFill>
+        <a:latin typeface="+mn-lt"/>
+        <a:ea typeface="+mn-ea"/>
+        <a:cs typeface="+mn-cs"/>
+      </a:defRPr>
+    </a:lvl4pPr>
+    <a:lvl5pPr marL="1828800" algn="l" defTabSz="914400" rtl="0" eaLnBrk="1" latinLnBrk="0" hangingPunct="1">
+      <a:defRPr sz="1200" kern="1200">
+        <a:solidFill>
+          <a:schemeClr val="tx1"/>
+        </a:solidFill>
+        <a:latin typeface="+mn-lt"/>
+        <a:ea typeface="+mn-ea"/>
+        <a:cs typeface="+mn-cs"/>
+      </a:defRPr>
+    </a:lvl5pPr>
+    <a:lvl6pPr marL="2286000" algn="l" defTabSz="914400" rtl="0" eaLnBrk="1" latinLnBrk="0" hangingPunct="1">
+      <a:defRPr sz="1200" kern="1200">
+        <a:solidFill>
+          <a:schemeClr val="tx1"/>
+        </a:solidFill>
+        <a:latin typeface="+mn-lt"/>
+        <a:ea typeface="+mn-ea"/>
+        <a:cs typeface="+mn-cs"/>
+      </a:defRPr>
+    </a:lvl6pPr>
+    <a:lvl7pPr marL="2743200" algn="l" defTabSz="914400" rtl="0" eaLnBrk="1" latinLnBrk="0" hangingPunct="1">
+      <a:defRPr sz="1200" kern="1200">
+        <a:solidFill>
+          <a:schemeClr val="tx1"/>
+        </a:solidFill>
+        <a:latin typeface="+mn-lt"/>
+        <a:ea typeface="+mn-ea"/>
+        <a:cs typeface="+mn-cs"/>
+      </a:defRPr>
+    </a:lvl7pPr>
+    <a:lvl8pPr marL="3200400" algn="l" defTabSz="914400" rtl="0" eaLnBrk="1" latinLnBrk="0" hangingPunct="1">
+      <a:defRPr sz="1200" kern="1200">
+        <a:solidFill>
+          <a:schemeClr val="tx1"/>
+        </a:solidFill>
+        <a:latin typeface="+mn-lt"/>
+        <a:ea typeface="+mn-ea"/>
+        <a:cs typeface="+mn-cs"/>
+      </a:defRPr>
+    </a:lvl8pPr>
+    <a:lvl9pPr marL="3657600" algn="l" defTabSz="914400" rtl="0" eaLnBrk="1" latinLnBrk="0" hangingPunct="1">
+      <a:defRPr sz="1200" kern="1200">
+        <a:solidFill>
+          <a:schemeClr val="tx1"/>
+        </a:solidFill>
+        <a:latin typeface="+mn-lt"/>
+        <a:ea typeface="+mn-ea"/>
+        <a:cs typeface="+mn-cs"/>
+      </a:defRPr>
+    </a:lvl9pPr>
+  </p:notesStyle>
+</p:notesMaster>
+</file>
+
+<file path=ppt/notesSlides/notesSlide1.xml><?xml version="1.0" encoding="utf-8"?>
+<p:notes xmlns:a="http://schemas.openxmlformats.org/drawingml/2006/main" xmlns:r="http://schemas.openxmlformats.org/officeDocument/2006/relationships" xmlns:p="http://schemas.openxmlformats.org/presentationml/2006/main">
+  <p:cSld>
+    <p:spTree>
+      <p:nvGrpSpPr>
+        <p:cNvPr id="1" name=""/>
+        <p:cNvGrpSpPr/>
+        <p:nvPr/>
+      </p:nvGrpSpPr>
+      <p:grpSpPr>
+        <a:xfrm>
+          <a:off x="0" y="0"/>
+          <a:ext cx="0" cy="0"/>
+          <a:chOff x="0" y="0"/>
+          <a:chExt cx="0" cy="0"/>
+        </a:xfrm>
+      </p:grpSpPr>
+      <p:sp>
+        <p:nvSpPr>
+          <p:cNvPr id="2" name="Slide Image Placeholder 1"/>
+          <p:cNvSpPr>
+            <a:spLocks noGrp="1" noRot="1" noChangeAspect="1"/>
+          </p:cNvSpPr>
+          <p:nvPr>
+            <p:ph type="sldImg"/>
+          </p:nvPr>
+        </p:nvSpPr>
+        <p:spPr/>
+      </p:sp>
+      <p:sp>
+        <p:nvSpPr>
+          <p:cNvPr id="3" name="Notes Placeholder 2"/>
+          <p:cNvSpPr>
+            <a:spLocks noGrp="1"/>
+          </p:cNvSpPr>
+          <p:nvPr>
+            <p:ph type="body" idx="1"/>
+          </p:nvPr>
+        </p:nvSpPr>
+        <p:spPr/>
+        <p:txBody>
+          <a:bodyPr/>
+          <a:lstStyle/>
+          <a:p>
+            <a:r>
+              <a:rPr lang="en-US" dirty="0"/>
+              <a:t>Combined data set contains the following variables:</a:t>
+            </a:r>
+          </a:p>
+          <a:p>
+            <a:pPr marL="171450" indent="-171450">
+              <a:buFont typeface="Arial" panose="020B0604020202020204" pitchFamily="34" charset="0"/>
+              <a:buChar char="•"/>
+            </a:pPr>
+            <a:r>
+              <a:rPr lang="en-US" dirty="0"/>
+              <a:t>Brewery ID</a:t>
+            </a:r>
+          </a:p>
+          <a:p>
+            <a:pPr marL="171450" indent="-171450">
+              <a:buFont typeface="Arial" panose="020B0604020202020204" pitchFamily="34" charset="0"/>
+              <a:buChar char="•"/>
+            </a:pPr>
+            <a:r>
+              <a:rPr lang="en-US" dirty="0"/>
+              <a:t>Brewery name</a:t>
+            </a:r>
+          </a:p>
+          <a:p>
+            <a:pPr marL="171450" indent="-171450">
+              <a:buFont typeface="Arial" panose="020B0604020202020204" pitchFamily="34" charset="0"/>
+              <a:buChar char="•"/>
+            </a:pPr>
+            <a:r>
+              <a:rPr lang="en-US" dirty="0"/>
+              <a:t>Brewery location (city and state)</a:t>
+            </a:r>
+          </a:p>
+          <a:p>
+            <a:pPr marL="171450" indent="-171450">
+              <a:buFont typeface="Arial" panose="020B0604020202020204" pitchFamily="34" charset="0"/>
+              <a:buChar char="•"/>
+            </a:pPr>
+            <a:r>
+              <a:rPr lang="en-US" dirty="0"/>
+              <a:t>Beer name</a:t>
+            </a:r>
+          </a:p>
+          <a:p>
+            <a:pPr marL="171450" indent="-171450">
+              <a:buFont typeface="Arial" panose="020B0604020202020204" pitchFamily="34" charset="0"/>
+              <a:buChar char="•"/>
+            </a:pPr>
+            <a:r>
+              <a:rPr lang="en-US" dirty="0"/>
+              <a:t>Beer name and ID</a:t>
+            </a:r>
+          </a:p>
+          <a:p>
+            <a:pPr marL="628650" lvl="1" indent="-171450">
+              <a:buFont typeface="Arial" panose="020B0604020202020204" pitchFamily="34" charset="0"/>
+              <a:buChar char="•"/>
+            </a:pPr>
+            <a:r>
+              <a:rPr lang="en-US" dirty="0"/>
+              <a:t>(each row is a separate beer; this means the same locations, brewery names, and brewery IDs appear frequently)</a:t>
+            </a:r>
+          </a:p>
+          <a:p>
+            <a:pPr marL="171450" lvl="0" indent="-171450">
+              <a:buFont typeface="Arial" panose="020B0604020202020204" pitchFamily="34" charset="0"/>
+              <a:buChar char="•"/>
+            </a:pPr>
+            <a:r>
+              <a:rPr lang="en-US" dirty="0"/>
+              <a:t>ABV value for each beer</a:t>
+            </a:r>
+          </a:p>
+          <a:p>
+            <a:pPr marL="171450" lvl="0" indent="-171450">
+              <a:buFont typeface="Arial" panose="020B0604020202020204" pitchFamily="34" charset="0"/>
+              <a:buChar char="•"/>
+            </a:pPr>
+            <a:r>
+              <a:rPr lang="en-US" dirty="0"/>
+              <a:t>IBU value for each beer</a:t>
+            </a:r>
+          </a:p>
+          <a:p>
+            <a:pPr marL="171450" lvl="0" indent="-171450">
+              <a:buFont typeface="Arial" panose="020B0604020202020204" pitchFamily="34" charset="0"/>
+              <a:buChar char="•"/>
+            </a:pPr>
+            <a:r>
+              <a:rPr lang="en-US" dirty="0"/>
+              <a:t>Style of each beer</a:t>
+            </a:r>
+          </a:p>
+          <a:p>
+            <a:pPr marL="171450" lvl="0" indent="-171450">
+              <a:buFont typeface="Arial" panose="020B0604020202020204" pitchFamily="34" charset="0"/>
+              <a:buChar char="•"/>
+            </a:pPr>
+            <a:r>
+              <a:rPr lang="en-US" dirty="0"/>
+              <a:t>Volume in ounces that the beer is served by</a:t>
+            </a:r>
+          </a:p>
+        </p:txBody>
+      </p:sp>
+      <p:sp>
+        <p:nvSpPr>
+          <p:cNvPr id="4" name="Slide Number Placeholder 3"/>
+          <p:cNvSpPr>
+            <a:spLocks noGrp="1"/>
+          </p:cNvSpPr>
+          <p:nvPr>
+            <p:ph type="sldNum" sz="quarter" idx="5"/>
+          </p:nvPr>
+        </p:nvSpPr>
+        <p:spPr/>
+        <p:txBody>
+          <a:bodyPr/>
+          <a:lstStyle/>
+          <a:p>
+            <a:fld id="{8B9A31F3-5BFB-4F2B-BC32-158445D95065}" type="slidenum">
+              <a:rPr lang="en-US" smtClean="0"/>
+              <a:t>3</a:t>
+            </a:fld>
+            <a:endParaRPr lang="en-US"/>
+          </a:p>
+        </p:txBody>
+      </p:sp>
+    </p:spTree>
+    <p:extLst>
+      <p:ext uri="{BB962C8B-B14F-4D97-AF65-F5344CB8AC3E}">
+        <p14:creationId xmlns:p14="http://schemas.microsoft.com/office/powerpoint/2010/main" val="433717867"/>
+      </p:ext>
+    </p:extLst>
+  </p:cSld>
+  <p:clrMapOvr>
+    <a:masterClrMapping/>
+  </p:clrMapOvr>
+</p:notes>
+</file>
+
+<file path=ppt/notesSlides/notesSlide2.xml><?xml version="1.0" encoding="utf-8"?>
+<p:notes xmlns:a="http://schemas.openxmlformats.org/drawingml/2006/main" xmlns:r="http://schemas.openxmlformats.org/officeDocument/2006/relationships" xmlns:p="http://schemas.openxmlformats.org/presentationml/2006/main">
+  <p:cSld>
+    <p:spTree>
+      <p:nvGrpSpPr>
+        <p:cNvPr id="1" name=""/>
+        <p:cNvGrpSpPr/>
+        <p:nvPr/>
+      </p:nvGrpSpPr>
+      <p:grpSpPr>
+        <a:xfrm>
+          <a:off x="0" y="0"/>
+          <a:ext cx="0" cy="0"/>
+          <a:chOff x="0" y="0"/>
+          <a:chExt cx="0" cy="0"/>
+        </a:xfrm>
+      </p:grpSpPr>
+      <p:sp>
+        <p:nvSpPr>
+          <p:cNvPr id="2" name="Slide Image Placeholder 1"/>
+          <p:cNvSpPr>
+            <a:spLocks noGrp="1" noRot="1" noChangeAspect="1"/>
+          </p:cNvSpPr>
+          <p:nvPr>
+            <p:ph type="sldImg"/>
+          </p:nvPr>
+        </p:nvSpPr>
+        <p:spPr/>
+      </p:sp>
+      <p:sp>
+        <p:nvSpPr>
+          <p:cNvPr id="3" name="Notes Placeholder 2"/>
+          <p:cNvSpPr>
+            <a:spLocks noGrp="1"/>
+          </p:cNvSpPr>
+          <p:nvPr>
+            <p:ph type="body" idx="1"/>
+          </p:nvPr>
+        </p:nvSpPr>
+        <p:spPr/>
+        <p:txBody>
+          <a:bodyPr/>
+          <a:lstStyle/>
+          <a:p>
+            <a:endParaRPr lang="en-US" dirty="0"/>
+          </a:p>
+        </p:txBody>
+      </p:sp>
+      <p:sp>
+        <p:nvSpPr>
+          <p:cNvPr id="4" name="Slide Number Placeholder 3"/>
+          <p:cNvSpPr>
+            <a:spLocks noGrp="1"/>
+          </p:cNvSpPr>
+          <p:nvPr>
+            <p:ph type="sldNum" sz="quarter" idx="5"/>
+          </p:nvPr>
+        </p:nvSpPr>
+        <p:spPr/>
+        <p:txBody>
+          <a:bodyPr/>
+          <a:lstStyle/>
+          <a:p>
+            <a:fld id="{8B9A31F3-5BFB-4F2B-BC32-158445D95065}" type="slidenum">
+              <a:rPr lang="en-US" smtClean="0"/>
+              <a:t>4</a:t>
+            </a:fld>
+            <a:endParaRPr lang="en-US"/>
+          </a:p>
+        </p:txBody>
+      </p:sp>
+    </p:spTree>
+    <p:extLst>
+      <p:ext uri="{BB962C8B-B14F-4D97-AF65-F5344CB8AC3E}">
+        <p14:creationId xmlns:p14="http://schemas.microsoft.com/office/powerpoint/2010/main" val="4192428054"/>
+      </p:ext>
+    </p:extLst>
+  </p:cSld>
+  <p:clrMapOvr>
+    <a:masterClrMapping/>
+  </p:clrMapOvr>
+</p:notes>
 </file>
 
 <file path=ppt/slideLayouts/slideLayout1.xml><?xml version="1.0" encoding="utf-8"?>
@@ -550,7 +1402,7 @@
           <a:p>
             <a:fld id="{89D19D7F-CB56-4001-AAA7-58EDBA2CCA3C}" type="datetimeFigureOut">
               <a:rPr lang="en-US" smtClean="0"/>
-              <a:t>2/25/2020</a:t>
+              <a:t>2/29/2020</a:t>
             </a:fld>
             <a:endParaRPr lang="en-US"/>
           </a:p>
@@ -837,7 +1689,7 @@
           <a:p>
             <a:fld id="{89D19D7F-CB56-4001-AAA7-58EDBA2CCA3C}" type="datetimeFigureOut">
               <a:rPr lang="en-US" smtClean="0"/>
-              <a:t>2/25/2020</a:t>
+              <a:t>2/29/2020</a:t>
             </a:fld>
             <a:endParaRPr lang="en-US"/>
           </a:p>
@@ -1029,7 +1881,7 @@
           <a:p>
             <a:fld id="{89D19D7F-CB56-4001-AAA7-58EDBA2CCA3C}" type="datetimeFigureOut">
               <a:rPr lang="en-US" smtClean="0"/>
-              <a:t>2/25/2020</a:t>
+              <a:t>2/29/2020</a:t>
             </a:fld>
             <a:endParaRPr lang="en-US"/>
           </a:p>
@@ -1290,7 +2142,7 @@
           <a:p>
             <a:fld id="{89D19D7F-CB56-4001-AAA7-58EDBA2CCA3C}" type="datetimeFigureOut">
               <a:rPr lang="en-US" smtClean="0"/>
-              <a:t>2/25/2020</a:t>
+              <a:t>2/29/2020</a:t>
             </a:fld>
             <a:endParaRPr lang="en-US"/>
           </a:p>
@@ -1714,7 +2566,7 @@
           <a:p>
             <a:fld id="{89D19D7F-CB56-4001-AAA7-58EDBA2CCA3C}" type="datetimeFigureOut">
               <a:rPr lang="en-US" smtClean="0"/>
-              <a:t>2/25/2020</a:t>
+              <a:t>2/29/2020</a:t>
             </a:fld>
             <a:endParaRPr lang="en-US"/>
           </a:p>
@@ -2260,7 +3112,7 @@
           <a:p>
             <a:fld id="{89D19D7F-CB56-4001-AAA7-58EDBA2CCA3C}" type="datetimeFigureOut">
               <a:rPr lang="en-US" smtClean="0"/>
-              <a:t>2/25/2020</a:t>
+              <a:t>2/29/2020</a:t>
             </a:fld>
             <a:endParaRPr lang="en-US"/>
           </a:p>
@@ -3100,7 +3952,7 @@
           <a:p>
             <a:fld id="{89D19D7F-CB56-4001-AAA7-58EDBA2CCA3C}" type="datetimeFigureOut">
               <a:rPr lang="en-US" smtClean="0"/>
-              <a:t>2/25/2020</a:t>
+              <a:t>2/29/2020</a:t>
             </a:fld>
             <a:endParaRPr lang="en-US"/>
           </a:p>
@@ -3270,7 +4122,7 @@
           <a:p>
             <a:fld id="{89D19D7F-CB56-4001-AAA7-58EDBA2CCA3C}" type="datetimeFigureOut">
               <a:rPr lang="en-US" smtClean="0"/>
-              <a:t>2/25/2020</a:t>
+              <a:t>2/29/2020</a:t>
             </a:fld>
             <a:endParaRPr lang="en-US"/>
           </a:p>
@@ -3454,7 +4306,7 @@
           <a:p>
             <a:fld id="{89D19D7F-CB56-4001-AAA7-58EDBA2CCA3C}" type="datetimeFigureOut">
               <a:rPr lang="en-US" smtClean="0"/>
-              <a:t>2/25/2020</a:t>
+              <a:t>2/29/2020</a:t>
             </a:fld>
             <a:endParaRPr lang="en-US"/>
           </a:p>
@@ -3624,7 +4476,7 @@
           <a:p>
             <a:fld id="{89D19D7F-CB56-4001-AAA7-58EDBA2CCA3C}" type="datetimeFigureOut">
               <a:rPr lang="en-US" smtClean="0"/>
-              <a:t>2/25/2020</a:t>
+              <a:t>2/29/2020</a:t>
             </a:fld>
             <a:endParaRPr lang="en-US"/>
           </a:p>
@@ -3872,7 +4724,7 @@
           <a:p>
             <a:fld id="{89D19D7F-CB56-4001-AAA7-58EDBA2CCA3C}" type="datetimeFigureOut">
               <a:rPr lang="en-US" smtClean="0"/>
-              <a:t>2/25/2020</a:t>
+              <a:t>2/29/2020</a:t>
             </a:fld>
             <a:endParaRPr lang="en-US"/>
           </a:p>
@@ -4109,7 +4961,7 @@
           <a:p>
             <a:fld id="{89D19D7F-CB56-4001-AAA7-58EDBA2CCA3C}" type="datetimeFigureOut">
               <a:rPr lang="en-US" smtClean="0"/>
-              <a:t>2/25/2020</a:t>
+              <a:t>2/29/2020</a:t>
             </a:fld>
             <a:endParaRPr lang="en-US"/>
           </a:p>
@@ -4482,7 +5334,7 @@
           <a:p>
             <a:fld id="{89D19D7F-CB56-4001-AAA7-58EDBA2CCA3C}" type="datetimeFigureOut">
               <a:rPr lang="en-US" smtClean="0"/>
-              <a:t>2/25/2020</a:t>
+              <a:t>2/29/2020</a:t>
             </a:fld>
             <a:endParaRPr lang="en-US"/>
           </a:p>
@@ -4600,7 +5452,7 @@
           <a:p>
             <a:fld id="{89D19D7F-CB56-4001-AAA7-58EDBA2CCA3C}" type="datetimeFigureOut">
               <a:rPr lang="en-US" smtClean="0"/>
-              <a:t>2/25/2020</a:t>
+              <a:t>2/29/2020</a:t>
             </a:fld>
             <a:endParaRPr lang="en-US"/>
           </a:p>
@@ -4695,7 +5547,7 @@
           <a:p>
             <a:fld id="{89D19D7F-CB56-4001-AAA7-58EDBA2CCA3C}" type="datetimeFigureOut">
               <a:rPr lang="en-US" smtClean="0"/>
-              <a:t>2/25/2020</a:t>
+              <a:t>2/29/2020</a:t>
             </a:fld>
             <a:endParaRPr lang="en-US"/>
           </a:p>
@@ -4946,7 +5798,7 @@
           <a:p>
             <a:fld id="{89D19D7F-CB56-4001-AAA7-58EDBA2CCA3C}" type="datetimeFigureOut">
               <a:rPr lang="en-US" smtClean="0"/>
-              <a:t>2/25/2020</a:t>
+              <a:t>2/29/2020</a:t>
             </a:fld>
             <a:endParaRPr lang="en-US"/>
           </a:p>
@@ -5233,7 +6085,7 @@
           <a:p>
             <a:fld id="{89D19D7F-CB56-4001-AAA7-58EDBA2CCA3C}" type="datetimeFigureOut">
               <a:rPr lang="en-US" smtClean="0"/>
-              <a:t>2/25/2020</a:t>
+              <a:t>2/29/2020</a:t>
             </a:fld>
             <a:endParaRPr lang="en-US"/>
           </a:p>
@@ -5446,7 +6298,7 @@
           <a:p>
             <a:fld id="{89D19D7F-CB56-4001-AAA7-58EDBA2CCA3C}" type="datetimeFigureOut">
               <a:rPr lang="en-US" smtClean="0"/>
-              <a:t>2/25/2020</a:t>
+              <a:t>2/29/2020</a:t>
             </a:fld>
             <a:endParaRPr lang="en-US"/>
           </a:p>
@@ -6008,22 +6860,6 @@
           <a:p>
             <a:r>
               <a:rPr lang="en-US" dirty="0"/>
-              <a:t>MSDS 6306: Doing Data Science – Spring 2020</a:t>
-            </a:r>
-          </a:p>
-          <a:p>
-            <a:r>
-              <a:rPr lang="en-US" dirty="0">
-                <a:highlight>
-                  <a:srgbClr val="FFFF00"/>
-                </a:highlight>
-              </a:rPr>
-              <a:t>&lt;GROUP NAME HERE&gt;</a:t>
-            </a:r>
-          </a:p>
-          <a:p>
-            <a:r>
-              <a:rPr lang="en-US" dirty="0"/>
               <a:t>Indy Dhillon, Jamie Vo, &amp; Nick Blair</a:t>
             </a:r>
           </a:p>
@@ -6088,6 +6924,575 @@
             <a:pPr algn="l"/>
             <a:r>
               <a:rPr lang="en-US" dirty="0"/>
+              <a:t>Relationship between ABV &amp; IBU</a:t>
+            </a:r>
+          </a:p>
+        </p:txBody>
+      </p:sp>
+      <p:sp>
+        <p:nvSpPr>
+          <p:cNvPr id="3" name="Content Placeholder 2">
+            <a:extLst>
+              <a:ext uri="{FF2B5EF4-FFF2-40B4-BE49-F238E27FC236}">
+                <a16:creationId xmlns:a16="http://schemas.microsoft.com/office/drawing/2014/main" id="{F224934F-5312-4B36-B34F-3A9AD2B66559}"/>
+              </a:ext>
+            </a:extLst>
+          </p:cNvPr>
+          <p:cNvSpPr>
+            <a:spLocks noGrp="1"/>
+          </p:cNvSpPr>
+          <p:nvPr>
+            <p:ph idx="1"/>
+          </p:nvPr>
+        </p:nvSpPr>
+        <p:spPr/>
+        <p:txBody>
+          <a:bodyPr/>
+          <a:lstStyle/>
+          <a:p>
+            <a:r>
+              <a:rPr lang="en-US" dirty="0"/>
+              <a:t>Using both methods for accounting for missing data, there appears to be a moderate to moderately-strong correlation between increasing bitterness (IBU) and alcohol content (ABV).</a:t>
+            </a:r>
+          </a:p>
+          <a:p>
+            <a:r>
+              <a:rPr lang="en-US" dirty="0"/>
+              <a:t>Using method 1, the correlation between the two variables using Pearson’s </a:t>
+            </a:r>
+            <a:r>
+              <a:rPr lang="en-US" u="sng" dirty="0"/>
+              <a:t>R is 0.671 indicating a moderately strong connection.</a:t>
+            </a:r>
+          </a:p>
+          <a:p>
+            <a:r>
+              <a:rPr lang="en-US" dirty="0"/>
+              <a:t>Using method 2, the correlation between the two variables using Pearson’s </a:t>
+            </a:r>
+            <a:r>
+              <a:rPr lang="en-US" u="sng" dirty="0"/>
+              <a:t>R is 0.520 indicating a moderate connection.</a:t>
+            </a:r>
+          </a:p>
+        </p:txBody>
+      </p:sp>
+    </p:spTree>
+    <p:extLst>
+      <p:ext uri="{BB962C8B-B14F-4D97-AF65-F5344CB8AC3E}">
+        <p14:creationId xmlns:p14="http://schemas.microsoft.com/office/powerpoint/2010/main" val="3762546805"/>
+      </p:ext>
+    </p:extLst>
+  </p:cSld>
+  <p:clrMapOvr>
+    <a:masterClrMapping/>
+  </p:clrMapOvr>
+</p:sld>
+</file>
+
+<file path=ppt/slides/slide11.xml><?xml version="1.0" encoding="utf-8"?>
+<p:sld xmlns:a="http://schemas.openxmlformats.org/drawingml/2006/main" xmlns:r="http://schemas.openxmlformats.org/officeDocument/2006/relationships" xmlns:p="http://schemas.openxmlformats.org/presentationml/2006/main">
+  <p:cSld>
+    <p:spTree>
+      <p:nvGrpSpPr>
+        <p:cNvPr id="1" name=""/>
+        <p:cNvGrpSpPr/>
+        <p:nvPr/>
+      </p:nvGrpSpPr>
+      <p:grpSpPr>
+        <a:xfrm>
+          <a:off x="0" y="0"/>
+          <a:ext cx="0" cy="0"/>
+          <a:chOff x="0" y="0"/>
+          <a:chExt cx="0" cy="0"/>
+        </a:xfrm>
+      </p:grpSpPr>
+      <p:sp>
+        <p:nvSpPr>
+          <p:cNvPr id="2" name="Title 1">
+            <a:extLst>
+              <a:ext uri="{FF2B5EF4-FFF2-40B4-BE49-F238E27FC236}">
+                <a16:creationId xmlns:a16="http://schemas.microsoft.com/office/drawing/2014/main" id="{E24F9319-CF8A-4126-9C3F-43B41E6CCF0E}"/>
+              </a:ext>
+            </a:extLst>
+          </p:cNvPr>
+          <p:cNvSpPr>
+            <a:spLocks noGrp="1"/>
+          </p:cNvSpPr>
+          <p:nvPr>
+            <p:ph type="title"/>
+          </p:nvPr>
+        </p:nvSpPr>
+        <p:spPr/>
+        <p:txBody>
+          <a:bodyPr/>
+          <a:lstStyle/>
+          <a:p>
+            <a:pPr algn="l"/>
+            <a:r>
+              <a:rPr lang="en-US" dirty="0"/>
+              <a:t>Relationship between ABV &amp; IBU</a:t>
+            </a:r>
+          </a:p>
+        </p:txBody>
+      </p:sp>
+      <p:pic>
+        <p:nvPicPr>
+          <p:cNvPr id="7" name="Picture 6">
+            <a:extLst>
+              <a:ext uri="{FF2B5EF4-FFF2-40B4-BE49-F238E27FC236}">
+                <a16:creationId xmlns:a16="http://schemas.microsoft.com/office/drawing/2014/main" id="{2DA889C9-D679-4944-A384-ADE097F9382A}"/>
+              </a:ext>
+            </a:extLst>
+          </p:cNvPr>
+          <p:cNvPicPr>
+            <a:picLocks noChangeAspect="1"/>
+          </p:cNvPicPr>
+          <p:nvPr/>
+        </p:nvPicPr>
+        <p:blipFill>
+          <a:blip r:embed="rId2"/>
+          <a:stretch>
+            <a:fillRect/>
+          </a:stretch>
+        </p:blipFill>
+        <p:spPr>
+          <a:xfrm>
+            <a:off x="1013150" y="1560160"/>
+            <a:ext cx="8636878" cy="4745357"/>
+          </a:xfrm>
+          <a:prstGeom prst="rect">
+            <a:avLst/>
+          </a:prstGeom>
+          <a:ln>
+            <a:noFill/>
+          </a:ln>
+          <a:effectLst>
+            <a:outerShdw blurRad="292100" dist="139700" dir="2700000" algn="tl" rotWithShape="0">
+              <a:srgbClr val="333333">
+                <a:alpha val="65000"/>
+              </a:srgbClr>
+            </a:outerShdw>
+          </a:effectLst>
+        </p:spPr>
+      </p:pic>
+    </p:spTree>
+    <p:extLst>
+      <p:ext uri="{BB962C8B-B14F-4D97-AF65-F5344CB8AC3E}">
+        <p14:creationId xmlns:p14="http://schemas.microsoft.com/office/powerpoint/2010/main" val="436239014"/>
+      </p:ext>
+    </p:extLst>
+  </p:cSld>
+  <p:clrMapOvr>
+    <a:masterClrMapping/>
+  </p:clrMapOvr>
+</p:sld>
+</file>
+
+<file path=ppt/slides/slide12.xml><?xml version="1.0" encoding="utf-8"?>
+<p:sld xmlns:a="http://schemas.openxmlformats.org/drawingml/2006/main" xmlns:r="http://schemas.openxmlformats.org/officeDocument/2006/relationships" xmlns:p="http://schemas.openxmlformats.org/presentationml/2006/main">
+  <p:cSld>
+    <p:spTree>
+      <p:nvGrpSpPr>
+        <p:cNvPr id="1" name=""/>
+        <p:cNvGrpSpPr/>
+        <p:nvPr/>
+      </p:nvGrpSpPr>
+      <p:grpSpPr>
+        <a:xfrm>
+          <a:off x="0" y="0"/>
+          <a:ext cx="0" cy="0"/>
+          <a:chOff x="0" y="0"/>
+          <a:chExt cx="0" cy="0"/>
+        </a:xfrm>
+      </p:grpSpPr>
+      <p:sp>
+        <p:nvSpPr>
+          <p:cNvPr id="2" name="Title 1">
+            <a:extLst>
+              <a:ext uri="{FF2B5EF4-FFF2-40B4-BE49-F238E27FC236}">
+                <a16:creationId xmlns:a16="http://schemas.microsoft.com/office/drawing/2014/main" id="{23375E31-0633-4654-BC9F-93D9FBA890D6}"/>
+              </a:ext>
+            </a:extLst>
+          </p:cNvPr>
+          <p:cNvSpPr>
+            <a:spLocks noGrp="1"/>
+          </p:cNvSpPr>
+          <p:nvPr>
+            <p:ph type="title"/>
+          </p:nvPr>
+        </p:nvSpPr>
+        <p:spPr/>
+        <p:txBody>
+          <a:bodyPr/>
+          <a:lstStyle/>
+          <a:p>
+            <a:r>
+              <a:rPr lang="en-US" dirty="0"/>
+              <a:t>Thank you for your time and </a:t>
+            </a:r>
+            <a:r>
+              <a:rPr lang="en-US" dirty="0" err="1"/>
+              <a:t>considertation</a:t>
+            </a:r>
+            <a:r>
+              <a:rPr lang="en-US" dirty="0"/>
+              <a:t>!</a:t>
+            </a:r>
+          </a:p>
+        </p:txBody>
+      </p:sp>
+      <p:pic>
+        <p:nvPicPr>
+          <p:cNvPr id="6" name="Content Placeholder 5">
+            <a:extLst>
+              <a:ext uri="{FF2B5EF4-FFF2-40B4-BE49-F238E27FC236}">
+                <a16:creationId xmlns:a16="http://schemas.microsoft.com/office/drawing/2014/main" id="{F347A8B9-ED59-424E-B257-0A7957318DD2}"/>
+              </a:ext>
+            </a:extLst>
+          </p:cNvPr>
+          <p:cNvPicPr>
+            <a:picLocks noGrp="1" noChangeAspect="1"/>
+          </p:cNvPicPr>
+          <p:nvPr>
+            <p:ph idx="1"/>
+          </p:nvPr>
+        </p:nvPicPr>
+        <p:blipFill>
+          <a:blip r:embed="rId2">
+            <a:extLst>
+              <a:ext uri="{28A0092B-C50C-407E-A947-70E740481C1C}">
+                <a14:useLocalDpi xmlns:a14="http://schemas.microsoft.com/office/drawing/2010/main" val="0"/>
+              </a:ext>
+            </a:extLst>
+          </a:blip>
+          <a:stretch>
+            <a:fillRect/>
+          </a:stretch>
+        </p:blipFill>
+        <p:spPr>
+          <a:xfrm>
+            <a:off x="5582444" y="609600"/>
+            <a:ext cx="5181600" cy="5181600"/>
+          </a:xfrm>
+          <a:prstGeom prst="ellipse">
+            <a:avLst/>
+          </a:prstGeom>
+          <a:ln w="63500" cap="rnd">
+            <a:solidFill>
+              <a:srgbClr val="333333"/>
+            </a:solidFill>
+          </a:ln>
+          <a:effectLst>
+            <a:outerShdw blurRad="381000" dist="292100" dir="5400000" sx="-80000" sy="-18000" rotWithShape="0">
+              <a:srgbClr val="000000">
+                <a:alpha val="22000"/>
+              </a:srgbClr>
+            </a:outerShdw>
+          </a:effectLst>
+          <a:scene3d>
+            <a:camera prst="orthographicFront"/>
+            <a:lightRig rig="contrasting" dir="t">
+              <a:rot lat="0" lon="0" rev="3000000"/>
+            </a:lightRig>
+          </a:scene3d>
+          <a:sp3d contourW="7620">
+            <a:bevelT w="95250" h="31750"/>
+            <a:contourClr>
+              <a:srgbClr val="333333"/>
+            </a:contourClr>
+          </a:sp3d>
+        </p:spPr>
+      </p:pic>
+      <p:sp>
+        <p:nvSpPr>
+          <p:cNvPr id="4" name="Text Placeholder 3">
+            <a:extLst>
+              <a:ext uri="{FF2B5EF4-FFF2-40B4-BE49-F238E27FC236}">
+                <a16:creationId xmlns:a16="http://schemas.microsoft.com/office/drawing/2014/main" id="{61E4EA33-826F-424B-87C2-37CF7D9200BE}"/>
+              </a:ext>
+            </a:extLst>
+          </p:cNvPr>
+          <p:cNvSpPr>
+            <a:spLocks noGrp="1"/>
+          </p:cNvSpPr>
+          <p:nvPr>
+            <p:ph type="body" sz="half" idx="2"/>
+          </p:nvPr>
+        </p:nvSpPr>
+        <p:spPr/>
+        <p:txBody>
+          <a:bodyPr/>
+          <a:lstStyle/>
+          <a:p>
+            <a:pPr algn="l"/>
+            <a:r>
+              <a:rPr lang="en-US" dirty="0"/>
+              <a:t>Further questions or concerns? Please contact:</a:t>
+            </a:r>
+          </a:p>
+          <a:p>
+            <a:pPr marL="285750" indent="-285750" algn="l">
+              <a:buFont typeface="Arial" panose="020B0604020202020204" pitchFamily="34" charset="0"/>
+              <a:buChar char="•"/>
+            </a:pPr>
+            <a:r>
+              <a:rPr lang="en-US" dirty="0" err="1"/>
+              <a:t>Indhy</a:t>
+            </a:r>
+            <a:r>
+              <a:rPr lang="en-US" dirty="0"/>
+              <a:t> Dhillon (</a:t>
+            </a:r>
+            <a:r>
+              <a:rPr lang="en-US" dirty="0">
+                <a:hlinkClick r:id="rId3"/>
+              </a:rPr>
+              <a:t>idhillon@smu.edu</a:t>
+            </a:r>
+            <a:r>
+              <a:rPr lang="en-US" dirty="0"/>
+              <a:t>)</a:t>
+            </a:r>
+          </a:p>
+          <a:p>
+            <a:pPr marL="285750" indent="-285750" algn="l">
+              <a:buFont typeface="Arial" panose="020B0604020202020204" pitchFamily="34" charset="0"/>
+              <a:buChar char="•"/>
+            </a:pPr>
+            <a:r>
+              <a:rPr lang="en-US" dirty="0"/>
+              <a:t>Jamie Vo (</a:t>
+            </a:r>
+            <a:r>
+              <a:rPr lang="en-US" dirty="0">
+                <a:hlinkClick r:id="rId4"/>
+              </a:rPr>
+              <a:t>jamiev@smu.edu</a:t>
+            </a:r>
+            <a:r>
+              <a:rPr lang="en-US" dirty="0"/>
+              <a:t>)</a:t>
+            </a:r>
+          </a:p>
+          <a:p>
+            <a:pPr marL="285750" indent="-285750" algn="l">
+              <a:buFont typeface="Arial" panose="020B0604020202020204" pitchFamily="34" charset="0"/>
+              <a:buChar char="•"/>
+            </a:pPr>
+            <a:r>
+              <a:rPr lang="en-US" dirty="0"/>
+              <a:t>Nick Blair (</a:t>
+            </a:r>
+            <a:r>
+              <a:rPr lang="en-US" dirty="0">
+                <a:hlinkClick r:id="rId5"/>
+              </a:rPr>
+              <a:t>nicholasb@smu.edu</a:t>
+            </a:r>
+            <a:r>
+              <a:rPr lang="en-US" dirty="0"/>
+              <a:t>)</a:t>
+            </a:r>
+          </a:p>
+          <a:p>
+            <a:pPr marL="285750" indent="-285750" algn="l">
+              <a:buFont typeface="Arial" panose="020B0604020202020204" pitchFamily="34" charset="0"/>
+              <a:buChar char="•"/>
+            </a:pPr>
+            <a:endParaRPr lang="en-US" dirty="0"/>
+          </a:p>
+          <a:p>
+            <a:pPr algn="l"/>
+            <a:endParaRPr lang="en-US" dirty="0"/>
+          </a:p>
+        </p:txBody>
+      </p:sp>
+      <p:sp>
+        <p:nvSpPr>
+          <p:cNvPr id="7" name="TextBox 6">
+            <a:extLst>
+              <a:ext uri="{FF2B5EF4-FFF2-40B4-BE49-F238E27FC236}">
+                <a16:creationId xmlns:a16="http://schemas.microsoft.com/office/drawing/2014/main" id="{2E4B39D6-5801-4747-A77F-5630627CA9A6}"/>
+              </a:ext>
+            </a:extLst>
+          </p:cNvPr>
+          <p:cNvSpPr txBox="1"/>
+          <p:nvPr/>
+        </p:nvSpPr>
+        <p:spPr>
+          <a:xfrm>
+            <a:off x="6096000" y="6581001"/>
+            <a:ext cx="5997107" cy="276999"/>
+          </a:xfrm>
+          <a:prstGeom prst="rect">
+            <a:avLst/>
+          </a:prstGeom>
+          <a:noFill/>
+        </p:spPr>
+        <p:txBody>
+          <a:bodyPr wrap="square" rtlCol="0">
+            <a:spAutoFit/>
+          </a:bodyPr>
+          <a:lstStyle/>
+          <a:p>
+            <a:r>
+              <a:rPr lang="en-US" sz="1200" dirty="0">
+                <a:solidFill>
+                  <a:schemeClr val="bg1"/>
+                </a:solidFill>
+              </a:rPr>
+              <a:t>Photo credit: https://www.budweisertours.com/locations/st-louis-missouri.html</a:t>
+            </a:r>
+          </a:p>
+        </p:txBody>
+      </p:sp>
+    </p:spTree>
+    <p:extLst>
+      <p:ext uri="{BB962C8B-B14F-4D97-AF65-F5344CB8AC3E}">
+        <p14:creationId xmlns:p14="http://schemas.microsoft.com/office/powerpoint/2010/main" val="1672591397"/>
+      </p:ext>
+    </p:extLst>
+  </p:cSld>
+  <p:clrMapOvr>
+    <a:masterClrMapping/>
+  </p:clrMapOvr>
+</p:sld>
+</file>
+
+<file path=ppt/slides/slide13.xml><?xml version="1.0" encoding="utf-8"?>
+<p:sld xmlns:a="http://schemas.openxmlformats.org/drawingml/2006/main" xmlns:r="http://schemas.openxmlformats.org/officeDocument/2006/relationships" xmlns:p="http://schemas.openxmlformats.org/presentationml/2006/main">
+  <p:cSld>
+    <p:spTree>
+      <p:nvGrpSpPr>
+        <p:cNvPr id="1" name=""/>
+        <p:cNvGrpSpPr/>
+        <p:nvPr/>
+      </p:nvGrpSpPr>
+      <p:grpSpPr>
+        <a:xfrm>
+          <a:off x="0" y="0"/>
+          <a:ext cx="0" cy="0"/>
+          <a:chOff x="0" y="0"/>
+          <a:chExt cx="0" cy="0"/>
+        </a:xfrm>
+      </p:grpSpPr>
+      <p:sp>
+        <p:nvSpPr>
+          <p:cNvPr id="2" name="Title 1">
+            <a:extLst>
+              <a:ext uri="{FF2B5EF4-FFF2-40B4-BE49-F238E27FC236}">
+                <a16:creationId xmlns:a16="http://schemas.microsoft.com/office/drawing/2014/main" id="{E24F9319-CF8A-4126-9C3F-43B41E6CCF0E}"/>
+              </a:ext>
+            </a:extLst>
+          </p:cNvPr>
+          <p:cNvSpPr>
+            <a:spLocks noGrp="1"/>
+          </p:cNvSpPr>
+          <p:nvPr>
+            <p:ph type="title"/>
+          </p:nvPr>
+        </p:nvSpPr>
+        <p:spPr/>
+        <p:txBody>
+          <a:bodyPr/>
+          <a:lstStyle/>
+          <a:p>
+            <a:pPr algn="l"/>
+            <a:r>
+              <a:rPr lang="en-US" dirty="0"/>
+              <a:t>&lt;Problem?&gt;</a:t>
+            </a:r>
+          </a:p>
+        </p:txBody>
+      </p:sp>
+      <p:sp>
+        <p:nvSpPr>
+          <p:cNvPr id="3" name="Content Placeholder 2">
+            <a:extLst>
+              <a:ext uri="{FF2B5EF4-FFF2-40B4-BE49-F238E27FC236}">
+                <a16:creationId xmlns:a16="http://schemas.microsoft.com/office/drawing/2014/main" id="{F224934F-5312-4B36-B34F-3A9AD2B66559}"/>
+              </a:ext>
+            </a:extLst>
+          </p:cNvPr>
+          <p:cNvSpPr>
+            <a:spLocks noGrp="1"/>
+          </p:cNvSpPr>
+          <p:nvPr>
+            <p:ph idx="1"/>
+          </p:nvPr>
+        </p:nvSpPr>
+        <p:spPr/>
+        <p:txBody>
+          <a:bodyPr/>
+          <a:lstStyle/>
+          <a:p>
+            <a:r>
+              <a:rPr lang="en-US" dirty="0"/>
+              <a:t>&lt;Solution code/explanation&gt;</a:t>
+            </a:r>
+          </a:p>
+        </p:txBody>
+      </p:sp>
+    </p:spTree>
+    <p:extLst>
+      <p:ext uri="{BB962C8B-B14F-4D97-AF65-F5344CB8AC3E}">
+        <p14:creationId xmlns:p14="http://schemas.microsoft.com/office/powerpoint/2010/main" val="2062774944"/>
+      </p:ext>
+    </p:extLst>
+  </p:cSld>
+  <p:clrMapOvr>
+    <a:masterClrMapping/>
+  </p:clrMapOvr>
+</p:sld>
+</file>
+
+<file path=ppt/slides/slide14.xml><?xml version="1.0" encoding="utf-8"?>
+<p:sld xmlns:a="http://schemas.openxmlformats.org/drawingml/2006/main" xmlns:r="http://schemas.openxmlformats.org/officeDocument/2006/relationships" xmlns:p="http://schemas.openxmlformats.org/presentationml/2006/main">
+  <p:cSld>
+    <p:spTree>
+      <p:nvGrpSpPr>
+        <p:cNvPr id="1" name=""/>
+        <p:cNvGrpSpPr/>
+        <p:nvPr/>
+      </p:nvGrpSpPr>
+      <p:grpSpPr>
+        <a:xfrm>
+          <a:off x="0" y="0"/>
+          <a:ext cx="0" cy="0"/>
+          <a:chOff x="0" y="0"/>
+          <a:chExt cx="0" cy="0"/>
+        </a:xfrm>
+      </p:grpSpPr>
+      <p:sp>
+        <p:nvSpPr>
+          <p:cNvPr id="2" name="Title 1">
+            <a:extLst>
+              <a:ext uri="{FF2B5EF4-FFF2-40B4-BE49-F238E27FC236}">
+                <a16:creationId xmlns:a16="http://schemas.microsoft.com/office/drawing/2014/main" id="{E24F9319-CF8A-4126-9C3F-43B41E6CCF0E}"/>
+              </a:ext>
+            </a:extLst>
+          </p:cNvPr>
+          <p:cNvSpPr>
+            <a:spLocks noGrp="1"/>
+          </p:cNvSpPr>
+          <p:nvPr>
+            <p:ph type="title"/>
+          </p:nvPr>
+        </p:nvSpPr>
+        <p:spPr>
+          <a:xfrm>
+            <a:off x="913795" y="609600"/>
+            <a:ext cx="10353761" cy="1326321"/>
+          </a:xfrm>
+        </p:spPr>
+        <p:txBody>
+          <a:bodyPr/>
+          <a:lstStyle/>
+          <a:p>
+            <a:pPr algn="l"/>
+            <a:r>
+              <a:rPr lang="en-US" dirty="0"/>
               <a:t>&lt;Problem?&gt;</a:t>
             </a:r>
           </a:p>
@@ -6175,7 +7580,7 @@
             <a:pPr algn="l"/>
             <a:r>
               <a:rPr lang="en-US" dirty="0"/>
-              <a:t>Overview of study</a:t>
+              <a:t>Outline for today</a:t>
             </a:r>
           </a:p>
         </p:txBody>
@@ -6213,7 +7618,7 @@
             </a:pPr>
             <a:r>
               <a:rPr lang="en-US" dirty="0"/>
-              <a:t>Preparing the datasets</a:t>
+              <a:t>Overview of data</a:t>
             </a:r>
           </a:p>
           <a:p>
@@ -6222,7 +7627,7 @@
             </a:pPr>
             <a:r>
               <a:rPr lang="en-US" dirty="0"/>
-              <a:t>Computing relevant statistics</a:t>
+              <a:t>Summary of ABV &amp; IBU data</a:t>
             </a:r>
           </a:p>
           <a:p>
@@ -6231,7 +7636,7 @@
             </a:pPr>
             <a:r>
               <a:rPr lang="en-US" dirty="0"/>
-              <a:t>Providing useful summaries, inferences, &amp; insights</a:t>
+              <a:t>Initial insights</a:t>
             </a:r>
           </a:p>
         </p:txBody>
@@ -6381,12 +7786,7 @@
             <p:ph type="title"/>
           </p:nvPr>
         </p:nvSpPr>
-        <p:spPr>
-          <a:xfrm>
-            <a:off x="919119" y="609600"/>
-            <a:ext cx="10353761" cy="1326321"/>
-          </a:xfrm>
-        </p:spPr>
+        <p:spPr/>
         <p:txBody>
           <a:bodyPr/>
           <a:lstStyle/>
@@ -6394,7 +7794,7 @@
             <a:pPr algn="l"/>
             <a:r>
               <a:rPr lang="en-US" dirty="0"/>
-              <a:t>Summary of Statistical Findings - ABV</a:t>
+              <a:t>Overview of data: Set layout</a:t>
             </a:r>
           </a:p>
         </p:txBody>
@@ -6415,67 +7815,43 @@
             <p:ph idx="1"/>
           </p:nvPr>
         </p:nvSpPr>
-        <p:spPr>
-          <a:xfrm>
-            <a:off x="919119" y="2096064"/>
-            <a:ext cx="10353762" cy="3695136"/>
-          </a:xfrm>
-        </p:spPr>
+        <p:spPr/>
         <p:txBody>
           <a:bodyPr/>
           <a:lstStyle/>
           <a:p>
             <a:r>
               <a:rPr lang="en-US" dirty="0"/>
-              <a:t>Solution using R</a:t>
-            </a:r>
-          </a:p>
-        </p:txBody>
-      </p:sp>
-      <p:pic>
-        <p:nvPicPr>
-          <p:cNvPr id="4" name="Picture 3">
-            <a:extLst>
-              <a:ext uri="{FF2B5EF4-FFF2-40B4-BE49-F238E27FC236}">
-                <a16:creationId xmlns:a16="http://schemas.microsoft.com/office/drawing/2014/main" id="{E93660CE-5BEA-4C27-8E8D-66ED19024220}"/>
-              </a:ext>
-            </a:extLst>
-          </p:cNvPr>
-          <p:cNvPicPr>
-            <a:picLocks noChangeAspect="1"/>
-          </p:cNvPicPr>
-          <p:nvPr/>
-        </p:nvPicPr>
-        <p:blipFill>
-          <a:blip r:embed="rId2"/>
-          <a:stretch>
-            <a:fillRect/>
-          </a:stretch>
-        </p:blipFill>
-        <p:spPr>
-          <a:xfrm>
-            <a:off x="919119" y="2548318"/>
-            <a:ext cx="7905750" cy="2667000"/>
-          </a:xfrm>
-          <a:prstGeom prst="rect">
-            <a:avLst/>
-          </a:prstGeom>
-          <a:ln>
-            <a:noFill/>
-          </a:ln>
-          <a:effectLst>
-            <a:outerShdw blurRad="292100" dist="139700" dir="2700000" algn="tl" rotWithShape="0">
-              <a:srgbClr val="333333">
-                <a:alpha val="65000"/>
-              </a:srgbClr>
-            </a:outerShdw>
-          </a:effectLst>
-        </p:spPr>
-      </p:pic>
+              <a:t>Two separate data sets: breweries and beers</a:t>
+            </a:r>
+          </a:p>
+          <a:p>
+            <a:r>
+              <a:rPr lang="en-US" dirty="0"/>
+              <a:t>Merged based on brewery ID</a:t>
+            </a:r>
+          </a:p>
+          <a:p>
+            <a:r>
+              <a:rPr lang="en-US" dirty="0"/>
+              <a:t>Total number of breweries: 558</a:t>
+            </a:r>
+          </a:p>
+          <a:p>
+            <a:r>
+              <a:rPr lang="en-US" dirty="0"/>
+              <a:t>Per state: 1 (min) to 47 (max)</a:t>
+            </a:r>
+          </a:p>
+          <a:p>
+            <a:endParaRPr lang="en-US" dirty="0"/>
+          </a:p>
+        </p:txBody>
+      </p:sp>
     </p:spTree>
     <p:extLst>
       <p:ext uri="{BB962C8B-B14F-4D97-AF65-F5344CB8AC3E}">
-        <p14:creationId xmlns:p14="http://schemas.microsoft.com/office/powerpoint/2010/main" val="1985903419"/>
+        <p14:creationId xmlns:p14="http://schemas.microsoft.com/office/powerpoint/2010/main" val="2863385372"/>
       </p:ext>
     </p:extLst>
   </p:cSld>
@@ -6502,372 +7878,40 @@
           <a:chExt cx="0" cy="0"/>
         </a:xfrm>
       </p:grpSpPr>
-      <p:sp>
-        <p:nvSpPr>
-          <p:cNvPr id="2" name="Title 1">
+      <p:pic>
+        <p:nvPicPr>
+          <p:cNvPr id="4" name="Picture 3">
             <a:extLst>
               <a:ext uri="{FF2B5EF4-FFF2-40B4-BE49-F238E27FC236}">
-                <a16:creationId xmlns:a16="http://schemas.microsoft.com/office/drawing/2014/main" id="{F3612843-29AB-4571-A1AA-DD16C56C044A}"/>
+                <a16:creationId xmlns:a16="http://schemas.microsoft.com/office/drawing/2014/main" id="{8351C8F7-ED8C-4390-BCB3-CB3C39702269}"/>
               </a:ext>
             </a:extLst>
           </p:cNvPr>
-          <p:cNvSpPr>
-            <a:spLocks noGrp="1"/>
-          </p:cNvSpPr>
-          <p:nvPr>
-            <p:ph type="title"/>
-          </p:nvPr>
-        </p:nvSpPr>
-        <p:spPr/>
-        <p:txBody>
-          <a:bodyPr/>
-          <a:lstStyle/>
-          <a:p>
-            <a:r>
-              <a:rPr lang="en-US" dirty="0"/>
-              <a:t>Summary of Statistical Findings - ABV</a:t>
-            </a:r>
-          </a:p>
-        </p:txBody>
-      </p:sp>
-      <p:sp>
-        <p:nvSpPr>
-          <p:cNvPr id="3" name="Content Placeholder 2">
-            <a:extLst>
-              <a:ext uri="{FF2B5EF4-FFF2-40B4-BE49-F238E27FC236}">
-                <a16:creationId xmlns:a16="http://schemas.microsoft.com/office/drawing/2014/main" id="{DD2D0848-D496-4924-ABB2-F45AD458F1BA}"/>
-              </a:ext>
-            </a:extLst>
-          </p:cNvPr>
-          <p:cNvSpPr>
-            <a:spLocks noGrp="1"/>
-          </p:cNvSpPr>
-          <p:nvPr>
-            <p:ph sz="half" idx="1"/>
-          </p:nvPr>
-        </p:nvSpPr>
-        <p:spPr/>
-        <p:style>
-          <a:lnRef idx="0">
-            <a:scrgbClr r="0" g="0" b="0"/>
-          </a:lnRef>
-          <a:fillRef idx="1003">
-            <a:schemeClr val="dk1"/>
-          </a:fillRef>
-          <a:effectRef idx="0">
-            <a:scrgbClr r="0" g="0" b="0"/>
-          </a:effectRef>
-          <a:fontRef idx="major"/>
-        </p:style>
-        <p:txBody>
-          <a:bodyPr>
-            <a:normAutofit fontScale="92500" lnSpcReduction="10000"/>
-          </a:bodyPr>
-          <a:lstStyle/>
-          <a:p>
-            <a:r>
-              <a:rPr lang="en-US" u="sng" dirty="0"/>
-              <a:t>Using missing data method 1:</a:t>
-            </a:r>
-          </a:p>
-          <a:p>
-            <a:r>
-              <a:rPr lang="en-US" dirty="0">
-                <a:effectLst/>
-              </a:rPr>
-              <a:t>Minimum: 2.7%</a:t>
-            </a:r>
-          </a:p>
-          <a:p>
-            <a:r>
-              <a:rPr lang="en-US" dirty="0">
-                <a:effectLst/>
-              </a:rPr>
-              <a:t>1</a:t>
-            </a:r>
-            <a:r>
-              <a:rPr lang="en-US" baseline="30000" dirty="0">
-                <a:effectLst/>
-              </a:rPr>
-              <a:t>st </a:t>
-            </a:r>
-            <a:r>
-              <a:rPr lang="en-US" dirty="0">
-                <a:effectLst/>
-              </a:rPr>
-              <a:t>Quartile: 5.0%</a:t>
-            </a:r>
-          </a:p>
-          <a:p>
-            <a:r>
-              <a:rPr lang="en-US" dirty="0">
-                <a:effectLst/>
-              </a:rPr>
-              <a:t>Median: 5.7%</a:t>
-            </a:r>
-          </a:p>
-          <a:p>
-            <a:r>
-              <a:rPr lang="en-US" dirty="0">
-                <a:effectLst/>
-              </a:rPr>
-              <a:t>3</a:t>
-            </a:r>
-            <a:r>
-              <a:rPr lang="en-US" baseline="30000" dirty="0">
-                <a:effectLst/>
-              </a:rPr>
-              <a:t>rd </a:t>
-            </a:r>
-            <a:r>
-              <a:rPr lang="en-US" dirty="0">
-                <a:effectLst/>
-              </a:rPr>
-              <a:t>Quartile: 6.8%</a:t>
-            </a:r>
-          </a:p>
-          <a:p>
-            <a:r>
-              <a:rPr lang="en-US" dirty="0">
-                <a:effectLst/>
-              </a:rPr>
-              <a:t>Maximum: 12.5%</a:t>
-            </a:r>
-          </a:p>
-          <a:p>
-            <a:r>
-              <a:rPr lang="en-US" dirty="0">
-                <a:effectLst/>
-              </a:rPr>
-              <a:t>Mean 5.991%</a:t>
-            </a:r>
-          </a:p>
-          <a:p>
-            <a:r>
-              <a:rPr lang="en-US" dirty="0">
-                <a:effectLst/>
-              </a:rPr>
-              <a:t>Standard Deviation: 1.358</a:t>
-            </a:r>
-          </a:p>
-          <a:p>
-            <a:endParaRPr lang="en-US" dirty="0"/>
-          </a:p>
-        </p:txBody>
-      </p:sp>
-      <p:sp>
-        <p:nvSpPr>
-          <p:cNvPr id="8" name="Content Placeholder 3">
-            <a:extLst>
-              <a:ext uri="{FF2B5EF4-FFF2-40B4-BE49-F238E27FC236}">
-                <a16:creationId xmlns:a16="http://schemas.microsoft.com/office/drawing/2014/main" id="{F19DD31E-AF75-4BF0-BCEB-1F07ACE00D08}"/>
-              </a:ext>
-            </a:extLst>
-          </p:cNvPr>
-          <p:cNvSpPr>
-            <a:spLocks noGrp="1"/>
-          </p:cNvSpPr>
-          <p:nvPr>
-            <p:ph sz="half" idx="2"/>
-          </p:nvPr>
-        </p:nvSpPr>
+          <p:cNvPicPr>
+            <a:picLocks noChangeAspect="1"/>
+          </p:cNvPicPr>
+          <p:nvPr/>
+        </p:nvPicPr>
+        <p:blipFill>
+          <a:blip r:embed="rId3"/>
+          <a:stretch>
+            <a:fillRect/>
+          </a:stretch>
+        </p:blipFill>
         <p:spPr>
           <a:xfrm>
-            <a:off x="6173403" y="2088319"/>
-            <a:ext cx="5094154" cy="3702881"/>
+            <a:off x="0" y="-382"/>
+            <a:ext cx="12186432" cy="6855631"/>
           </a:xfrm>
-          <a:noFill/>
+          <a:prstGeom prst="rect">
+            <a:avLst/>
+          </a:prstGeom>
         </p:spPr>
-        <p:style>
-          <a:lnRef idx="0">
-            <a:scrgbClr r="0" g="0" b="0"/>
-          </a:lnRef>
-          <a:fillRef idx="1003">
-            <a:schemeClr val="dk1"/>
-          </a:fillRef>
-          <a:effectRef idx="0">
-            <a:scrgbClr r="0" g="0" b="0"/>
-          </a:effectRef>
-          <a:fontRef idx="major"/>
-        </p:style>
-        <p:txBody>
-          <a:bodyPr>
-            <a:normAutofit fontScale="92500" lnSpcReduction="10000"/>
-          </a:bodyPr>
-          <a:lstStyle/>
-          <a:p>
-            <a:r>
-              <a:rPr lang="en-US" u="sng" dirty="0">
-                <a:solidFill>
-                  <a:schemeClr val="bg1">
-                    <a:lumMod val="50000"/>
-                    <a:lumOff val="50000"/>
-                  </a:schemeClr>
-                </a:solidFill>
-              </a:rPr>
-              <a:t>Using missing data method 2:</a:t>
-            </a:r>
-          </a:p>
-          <a:p>
-            <a:r>
-              <a:rPr lang="en-US" dirty="0">
-                <a:solidFill>
-                  <a:schemeClr val="bg1">
-                    <a:lumMod val="50000"/>
-                    <a:lumOff val="50000"/>
-                  </a:schemeClr>
-                </a:solidFill>
-                <a:effectLst/>
-              </a:rPr>
-              <a:t>Minimum: 0.100%</a:t>
-            </a:r>
-          </a:p>
-          <a:p>
-            <a:r>
-              <a:rPr lang="en-US" dirty="0">
-                <a:solidFill>
-                  <a:schemeClr val="bg1">
-                    <a:lumMod val="50000"/>
-                    <a:lumOff val="50000"/>
-                  </a:schemeClr>
-                </a:solidFill>
-                <a:effectLst/>
-              </a:rPr>
-              <a:t>1</a:t>
-            </a:r>
-            <a:r>
-              <a:rPr lang="en-US" baseline="30000" dirty="0">
-                <a:solidFill>
-                  <a:schemeClr val="bg1">
-                    <a:lumMod val="50000"/>
-                    <a:lumOff val="50000"/>
-                  </a:schemeClr>
-                </a:solidFill>
-                <a:effectLst/>
-              </a:rPr>
-              <a:t>st </a:t>
-            </a:r>
-            <a:r>
-              <a:rPr lang="en-US" dirty="0">
-                <a:solidFill>
-                  <a:schemeClr val="bg1">
-                    <a:lumMod val="50000"/>
-                    <a:lumOff val="50000"/>
-                  </a:schemeClr>
-                </a:solidFill>
-                <a:effectLst/>
-              </a:rPr>
-              <a:t>Quartile : 5.0%</a:t>
-            </a:r>
-          </a:p>
-          <a:p>
-            <a:r>
-              <a:rPr lang="en-US" dirty="0">
-                <a:solidFill>
-                  <a:schemeClr val="bg1">
-                    <a:lumMod val="50000"/>
-                    <a:lumOff val="50000"/>
-                  </a:schemeClr>
-                </a:solidFill>
-                <a:effectLst/>
-              </a:rPr>
-              <a:t>Median: 5.7%</a:t>
-            </a:r>
-          </a:p>
-          <a:p>
-            <a:r>
-              <a:rPr lang="en-US" dirty="0">
-                <a:solidFill>
-                  <a:schemeClr val="bg1">
-                    <a:lumMod val="50000"/>
-                    <a:lumOff val="50000"/>
-                  </a:schemeClr>
-                </a:solidFill>
-                <a:effectLst/>
-              </a:rPr>
-              <a:t>3</a:t>
-            </a:r>
-            <a:r>
-              <a:rPr lang="en-US" baseline="30000" dirty="0">
-                <a:solidFill>
-                  <a:schemeClr val="bg1">
-                    <a:lumMod val="50000"/>
-                    <a:lumOff val="50000"/>
-                  </a:schemeClr>
-                </a:solidFill>
-                <a:effectLst/>
-              </a:rPr>
-              <a:t>rd </a:t>
-            </a:r>
-            <a:r>
-              <a:rPr lang="en-US" dirty="0">
-                <a:solidFill>
-                  <a:schemeClr val="bg1">
-                    <a:lumMod val="50000"/>
-                    <a:lumOff val="50000"/>
-                  </a:schemeClr>
-                </a:solidFill>
-                <a:effectLst/>
-              </a:rPr>
-              <a:t>Quartile : 6.7%</a:t>
-            </a:r>
-          </a:p>
-          <a:p>
-            <a:r>
-              <a:rPr lang="en-US" dirty="0">
-                <a:solidFill>
-                  <a:schemeClr val="bg1">
-                    <a:lumMod val="50000"/>
-                    <a:lumOff val="50000"/>
-                  </a:schemeClr>
-                </a:solidFill>
-                <a:effectLst/>
-              </a:rPr>
-              <a:t>Max: 12.8%</a:t>
-            </a:r>
-          </a:p>
-          <a:p>
-            <a:r>
-              <a:rPr lang="en-US" dirty="0">
-                <a:solidFill>
-                  <a:schemeClr val="bg1">
-                    <a:lumMod val="50000"/>
-                    <a:lumOff val="50000"/>
-                  </a:schemeClr>
-                </a:solidFill>
-                <a:effectLst/>
-              </a:rPr>
-              <a:t>Mean: 5.977%</a:t>
-            </a:r>
-          </a:p>
-          <a:p>
-            <a:r>
-              <a:rPr lang="en-US" dirty="0">
-                <a:solidFill>
-                  <a:schemeClr val="bg1">
-                    <a:lumMod val="50000"/>
-                    <a:lumOff val="50000"/>
-                  </a:schemeClr>
-                </a:solidFill>
-                <a:effectLst/>
-              </a:rPr>
-              <a:t>Standard Deviation : 1.337</a:t>
-            </a:r>
-            <a:endParaRPr lang="en-US" dirty="0">
-              <a:solidFill>
-                <a:schemeClr val="bg1">
-                  <a:lumMod val="50000"/>
-                  <a:lumOff val="50000"/>
-                </a:schemeClr>
-              </a:solidFill>
-            </a:endParaRPr>
-          </a:p>
-        </p:txBody>
-      </p:sp>
+      </p:pic>
     </p:spTree>
     <p:extLst>
       <p:ext uri="{BB962C8B-B14F-4D97-AF65-F5344CB8AC3E}">
-        <p14:creationId xmlns:p14="http://schemas.microsoft.com/office/powerpoint/2010/main" val="204486914"/>
+        <p14:creationId xmlns:p14="http://schemas.microsoft.com/office/powerpoint/2010/main" val="4145476455"/>
       </p:ext>
     </p:extLst>
   </p:cSld>
@@ -6894,368 +7938,164 @@
           <a:chExt cx="0" cy="0"/>
         </a:xfrm>
       </p:grpSpPr>
-      <p:sp>
-        <p:nvSpPr>
-          <p:cNvPr id="2" name="Title 1">
+      <p:pic>
+        <p:nvPicPr>
+          <p:cNvPr id="6" name="Picture 5">
             <a:extLst>
               <a:ext uri="{FF2B5EF4-FFF2-40B4-BE49-F238E27FC236}">
-                <a16:creationId xmlns:a16="http://schemas.microsoft.com/office/drawing/2014/main" id="{F3612843-29AB-4571-A1AA-DD16C56C044A}"/>
+                <a16:creationId xmlns:a16="http://schemas.microsoft.com/office/drawing/2014/main" id="{4BEFAEEA-C859-496F-8B9A-B7C48D778AEA}"/>
               </a:ext>
             </a:extLst>
           </p:cNvPr>
-          <p:cNvSpPr>
-            <a:spLocks noGrp="1"/>
-          </p:cNvSpPr>
-          <p:nvPr>
-            <p:ph type="title"/>
-          </p:nvPr>
-        </p:nvSpPr>
-        <p:spPr/>
-        <p:txBody>
-          <a:bodyPr/>
-          <a:lstStyle/>
-          <a:p>
-            <a:r>
-              <a:rPr lang="en-US" dirty="0"/>
-              <a:t>Summary of Statistical Findings - ABV</a:t>
-            </a:r>
-          </a:p>
-        </p:txBody>
-      </p:sp>
-      <p:sp>
-        <p:nvSpPr>
-          <p:cNvPr id="3" name="Content Placeholder 2">
+          <p:cNvPicPr>
+            <a:picLocks noChangeAspect="1"/>
+          </p:cNvPicPr>
+          <p:nvPr/>
+        </p:nvPicPr>
+        <p:blipFill>
+          <a:blip r:embed="rId2"/>
+          <a:stretch>
+            <a:fillRect/>
+          </a:stretch>
+        </p:blipFill>
+        <p:spPr>
+          <a:xfrm>
+            <a:off x="1524000" y="0"/>
+            <a:ext cx="9144000" cy="6858000"/>
+          </a:xfrm>
+          <a:prstGeom prst="rect">
+            <a:avLst/>
+          </a:prstGeom>
+        </p:spPr>
+      </p:pic>
+      <p:sp>
+        <p:nvSpPr>
+          <p:cNvPr id="7" name="TextBox 6">
             <a:extLst>
               <a:ext uri="{FF2B5EF4-FFF2-40B4-BE49-F238E27FC236}">
-                <a16:creationId xmlns:a16="http://schemas.microsoft.com/office/drawing/2014/main" id="{DD2D0848-D496-4924-ABB2-F45AD458F1BA}"/>
+                <a16:creationId xmlns:a16="http://schemas.microsoft.com/office/drawing/2014/main" id="{30D9E03C-B793-444E-8DE9-A6FC1B6C2EE8}"/>
               </a:ext>
             </a:extLst>
           </p:cNvPr>
-          <p:cNvSpPr>
-            <a:spLocks noGrp="1"/>
-          </p:cNvSpPr>
-          <p:nvPr>
-            <p:ph sz="half" idx="1"/>
-          </p:nvPr>
+          <p:cNvSpPr txBox="1"/>
+          <p:nvPr/>
         </p:nvSpPr>
         <p:spPr>
+          <a:xfrm>
+            <a:off x="2504982" y="388852"/>
+            <a:ext cx="7182035" cy="369332"/>
+          </a:xfrm>
+          <a:prstGeom prst="rect">
+            <a:avLst/>
+          </a:prstGeom>
           <a:noFill/>
         </p:spPr>
-        <p:style>
-          <a:lnRef idx="0">
-            <a:scrgbClr r="0" g="0" b="0"/>
-          </a:lnRef>
-          <a:fillRef idx="1003">
-            <a:schemeClr val="dk1"/>
-          </a:fillRef>
-          <a:effectRef idx="0">
-            <a:scrgbClr r="0" g="0" b="0"/>
-          </a:effectRef>
-          <a:fontRef idx="major"/>
-        </p:style>
-        <p:txBody>
-          <a:bodyPr>
-            <a:normAutofit fontScale="92500" lnSpcReduction="10000"/>
+        <p:txBody>
+          <a:bodyPr wrap="square" rtlCol="0">
+            <a:spAutoFit/>
           </a:bodyPr>
           <a:lstStyle/>
           <a:p>
-            <a:r>
-              <a:rPr lang="en-US" u="sng" dirty="0">
+            <a:pPr algn="ctr"/>
+            <a:r>
+              <a:rPr lang="en-US" dirty="0">
                 <a:solidFill>
-                  <a:schemeClr val="bg1">
-                    <a:lumMod val="50000"/>
-                    <a:lumOff val="50000"/>
-                  </a:schemeClr>
+                  <a:schemeClr val="bg1"/>
                 </a:solidFill>
               </a:rPr>
-              <a:t>Using missing data method 1:</a:t>
-            </a:r>
-          </a:p>
-          <a:p>
-            <a:r>
-              <a:rPr lang="en-US" dirty="0">
-                <a:solidFill>
-                  <a:schemeClr val="bg1">
-                    <a:lumMod val="50000"/>
-                    <a:lumOff val="50000"/>
-                  </a:schemeClr>
-                </a:solidFill>
-                <a:effectLst/>
-              </a:rPr>
-              <a:t>Minimum: 2.7%</a:t>
-            </a:r>
-          </a:p>
-          <a:p>
-            <a:r>
-              <a:rPr lang="en-US" dirty="0">
-                <a:solidFill>
-                  <a:schemeClr val="bg1">
-                    <a:lumMod val="50000"/>
-                    <a:lumOff val="50000"/>
-                  </a:schemeClr>
-                </a:solidFill>
-                <a:effectLst/>
-              </a:rPr>
-              <a:t>1</a:t>
-            </a:r>
-            <a:r>
-              <a:rPr lang="en-US" baseline="30000" dirty="0">
-                <a:solidFill>
-                  <a:schemeClr val="bg1">
-                    <a:lumMod val="50000"/>
-                    <a:lumOff val="50000"/>
-                  </a:schemeClr>
-                </a:solidFill>
-                <a:effectLst/>
-              </a:rPr>
-              <a:t>st </a:t>
-            </a:r>
-            <a:r>
-              <a:rPr lang="en-US" dirty="0">
-                <a:solidFill>
-                  <a:schemeClr val="bg1">
-                    <a:lumMod val="50000"/>
-                    <a:lumOff val="50000"/>
-                  </a:schemeClr>
-                </a:solidFill>
-                <a:effectLst/>
-              </a:rPr>
-              <a:t>Quartile: 5.0%</a:t>
-            </a:r>
-          </a:p>
-          <a:p>
-            <a:r>
-              <a:rPr lang="en-US" dirty="0">
-                <a:solidFill>
-                  <a:schemeClr val="bg1">
-                    <a:lumMod val="50000"/>
-                    <a:lumOff val="50000"/>
-                  </a:schemeClr>
-                </a:solidFill>
-                <a:effectLst/>
-              </a:rPr>
-              <a:t>Median: 5.7%</a:t>
-            </a:r>
-          </a:p>
-          <a:p>
-            <a:r>
-              <a:rPr lang="en-US" dirty="0">
-                <a:solidFill>
-                  <a:schemeClr val="bg1">
-                    <a:lumMod val="50000"/>
-                    <a:lumOff val="50000"/>
-                  </a:schemeClr>
-                </a:solidFill>
-                <a:effectLst/>
-              </a:rPr>
-              <a:t>3</a:t>
-            </a:r>
-            <a:r>
-              <a:rPr lang="en-US" baseline="30000" dirty="0">
-                <a:solidFill>
-                  <a:schemeClr val="bg1">
-                    <a:lumMod val="50000"/>
-                    <a:lumOff val="50000"/>
-                  </a:schemeClr>
-                </a:solidFill>
-                <a:effectLst/>
-              </a:rPr>
-              <a:t>rd </a:t>
-            </a:r>
-            <a:r>
-              <a:rPr lang="en-US" dirty="0">
-                <a:solidFill>
-                  <a:schemeClr val="bg1">
-                    <a:lumMod val="50000"/>
-                    <a:lumOff val="50000"/>
-                  </a:schemeClr>
-                </a:solidFill>
-                <a:effectLst/>
-              </a:rPr>
-              <a:t>Quartile: 6.8%</a:t>
-            </a:r>
-          </a:p>
-          <a:p>
-            <a:r>
-              <a:rPr lang="en-US" dirty="0">
-                <a:solidFill>
-                  <a:schemeClr val="bg1">
-                    <a:lumMod val="50000"/>
-                    <a:lumOff val="50000"/>
-                  </a:schemeClr>
-                </a:solidFill>
-                <a:effectLst/>
-              </a:rPr>
-              <a:t>Maximum: 12.5%</a:t>
-            </a:r>
-          </a:p>
-          <a:p>
-            <a:r>
-              <a:rPr lang="en-US" dirty="0">
-                <a:solidFill>
-                  <a:schemeClr val="bg1">
-                    <a:lumMod val="50000"/>
-                    <a:lumOff val="50000"/>
-                  </a:schemeClr>
-                </a:solidFill>
-                <a:effectLst/>
-              </a:rPr>
-              <a:t>Mean 5.991%</a:t>
-            </a:r>
-          </a:p>
-          <a:p>
-            <a:r>
-              <a:rPr lang="en-US" dirty="0">
-                <a:solidFill>
-                  <a:schemeClr val="bg1">
-                    <a:lumMod val="50000"/>
-                    <a:lumOff val="50000"/>
-                  </a:schemeClr>
-                </a:solidFill>
-                <a:effectLst/>
-              </a:rPr>
-              <a:t>Standard Deviation: 1.358</a:t>
-            </a:r>
-          </a:p>
-          <a:p>
-            <a:endParaRPr lang="en-US" dirty="0">
-              <a:solidFill>
-                <a:schemeClr val="bg1">
-                  <a:lumMod val="50000"/>
-                  <a:lumOff val="50000"/>
-                </a:schemeClr>
-              </a:solidFill>
-            </a:endParaRPr>
-          </a:p>
-        </p:txBody>
-      </p:sp>
-      <p:sp>
-        <p:nvSpPr>
-          <p:cNvPr id="4" name="Content Placeholder 3">
+              <a:t>Heatmap of number of breweries per state (including DC)</a:t>
+            </a:r>
+          </a:p>
+        </p:txBody>
+      </p:sp>
+      <p:sp>
+        <p:nvSpPr>
+          <p:cNvPr id="8" name="TextBox 7">
             <a:extLst>
               <a:ext uri="{FF2B5EF4-FFF2-40B4-BE49-F238E27FC236}">
-                <a16:creationId xmlns:a16="http://schemas.microsoft.com/office/drawing/2014/main" id="{A31FD061-7ED4-4D5F-B360-2A7320E03268}"/>
+                <a16:creationId xmlns:a16="http://schemas.microsoft.com/office/drawing/2014/main" id="{D63B1501-2FB3-4362-BA5D-2AB59A100612}"/>
               </a:ext>
             </a:extLst>
           </p:cNvPr>
-          <p:cNvSpPr>
-            <a:spLocks noGrp="1"/>
-          </p:cNvSpPr>
-          <p:nvPr>
-            <p:ph sz="half" idx="2"/>
-          </p:nvPr>
-        </p:nvSpPr>
-        <p:spPr/>
-        <p:style>
-          <a:lnRef idx="0">
-            <a:scrgbClr r="0" g="0" b="0"/>
-          </a:lnRef>
-          <a:fillRef idx="1003">
-            <a:schemeClr val="dk1"/>
-          </a:fillRef>
-          <a:effectRef idx="0">
-            <a:scrgbClr r="0" g="0" b="0"/>
-          </a:effectRef>
-          <a:fontRef idx="major"/>
-        </p:style>
-        <p:txBody>
-          <a:bodyPr>
-            <a:normAutofit fontScale="92500" lnSpcReduction="10000"/>
+          <p:cNvSpPr txBox="1"/>
+          <p:nvPr/>
+        </p:nvSpPr>
+        <p:spPr>
+          <a:xfrm rot="16200000">
+            <a:off x="-2067019" y="3128483"/>
+            <a:ext cx="7182035" cy="276999"/>
+          </a:xfrm>
+          <a:prstGeom prst="rect">
+            <a:avLst/>
+          </a:prstGeom>
+          <a:solidFill>
+            <a:schemeClr val="tx1"/>
+          </a:solidFill>
+        </p:spPr>
+        <p:txBody>
+          <a:bodyPr wrap="square" rtlCol="0">
+            <a:spAutoFit/>
           </a:bodyPr>
           <a:lstStyle/>
           <a:p>
-            <a:r>
-              <a:rPr lang="en-US" u="sng" dirty="0"/>
-              <a:t>Using missing data method 2:</a:t>
-            </a:r>
-          </a:p>
-          <a:p>
-            <a:r>
-              <a:rPr lang="en-US" dirty="0">
-                <a:effectLst/>
+            <a:pPr algn="ctr"/>
+            <a:r>
+              <a:rPr lang="en-US" sz="1200" dirty="0">
+                <a:solidFill>
+                  <a:schemeClr val="bg1"/>
+                </a:solidFill>
               </a:rPr>
-              <a:t>Minimum: 0.100%</a:t>
-            </a:r>
-          </a:p>
-          <a:p>
-            <a:r>
-              <a:rPr lang="en-US" dirty="0">
-                <a:effectLst/>
+              <a:t>Latitude</a:t>
+            </a:r>
+          </a:p>
+        </p:txBody>
+      </p:sp>
+      <p:sp>
+        <p:nvSpPr>
+          <p:cNvPr id="9" name="TextBox 8">
+            <a:extLst>
+              <a:ext uri="{FF2B5EF4-FFF2-40B4-BE49-F238E27FC236}">
+                <a16:creationId xmlns:a16="http://schemas.microsoft.com/office/drawing/2014/main" id="{69C7C0FB-B888-447C-A499-092464AD62F4}"/>
+              </a:ext>
+            </a:extLst>
+          </p:cNvPr>
+          <p:cNvSpPr txBox="1"/>
+          <p:nvPr/>
+        </p:nvSpPr>
+        <p:spPr>
+          <a:xfrm>
+            <a:off x="2284518" y="5500301"/>
+            <a:ext cx="7182035" cy="276999"/>
+          </a:xfrm>
+          <a:prstGeom prst="rect">
+            <a:avLst/>
+          </a:prstGeom>
+          <a:solidFill>
+            <a:schemeClr val="tx1"/>
+          </a:solidFill>
+        </p:spPr>
+        <p:txBody>
+          <a:bodyPr wrap="square" rtlCol="0">
+            <a:spAutoFit/>
+          </a:bodyPr>
+          <a:lstStyle/>
+          <a:p>
+            <a:pPr algn="ctr"/>
+            <a:r>
+              <a:rPr lang="en-US" sz="1200" dirty="0">
+                <a:solidFill>
+                  <a:schemeClr val="bg1"/>
+                </a:solidFill>
               </a:rPr>
-              <a:t>1</a:t>
-            </a:r>
-            <a:r>
-              <a:rPr lang="en-US" baseline="30000" dirty="0">
-                <a:effectLst/>
-              </a:rPr>
-              <a:t>st </a:t>
-            </a:r>
-            <a:r>
-              <a:rPr lang="en-US" dirty="0">
-                <a:effectLst/>
-              </a:rPr>
-              <a:t>Quartile : 5.0%</a:t>
-            </a:r>
-          </a:p>
-          <a:p>
-            <a:r>
-              <a:rPr lang="en-US" dirty="0">
-                <a:effectLst/>
-              </a:rPr>
-              <a:t>Median: 5.7%</a:t>
-            </a:r>
-          </a:p>
-          <a:p>
-            <a:r>
-              <a:rPr lang="en-US" dirty="0">
-                <a:effectLst/>
-              </a:rPr>
-              <a:t>3</a:t>
-            </a:r>
-            <a:r>
-              <a:rPr lang="en-US" baseline="30000" dirty="0">
-                <a:effectLst/>
-              </a:rPr>
-              <a:t>rd </a:t>
-            </a:r>
-            <a:r>
-              <a:rPr lang="en-US" dirty="0">
-                <a:effectLst/>
-              </a:rPr>
-              <a:t>Quartile : 6.7%</a:t>
-            </a:r>
-          </a:p>
-          <a:p>
-            <a:r>
-              <a:rPr lang="en-US" dirty="0">
-                <a:effectLst/>
-              </a:rPr>
-              <a:t>Max: 12.8%</a:t>
-            </a:r>
-          </a:p>
-          <a:p>
-            <a:r>
-              <a:rPr lang="en-US" dirty="0">
-                <a:effectLst/>
-              </a:rPr>
-              <a:t>Mean: 5.977%</a:t>
-            </a:r>
-          </a:p>
-          <a:p>
-            <a:r>
-              <a:rPr lang="en-US" dirty="0">
-                <a:effectLst/>
-              </a:rPr>
-              <a:t>Standard Deviation : 1.337</a:t>
-            </a:r>
-            <a:endParaRPr lang="en-US" dirty="0"/>
+              <a:t>Longitude</a:t>
+            </a:r>
           </a:p>
         </p:txBody>
       </p:sp>
     </p:spTree>
     <p:extLst>
       <p:ext uri="{BB962C8B-B14F-4D97-AF65-F5344CB8AC3E}">
-        <p14:creationId xmlns:p14="http://schemas.microsoft.com/office/powerpoint/2010/main" val="4048555361"/>
+        <p14:creationId xmlns:p14="http://schemas.microsoft.com/office/powerpoint/2010/main" val="249570860"/>
       </p:ext>
     </p:extLst>
   </p:cSld>
@@ -7306,7 +8146,7 @@
             <a:pPr algn="l"/>
             <a:r>
               <a:rPr lang="en-US" dirty="0"/>
-              <a:t>Relationship between ABV &amp; IBU</a:t>
+              <a:t>Data overview: missing values</a:t>
             </a:r>
           </a:p>
         </p:txBody>
@@ -7327,150 +8167,54 @@
             <p:ph idx="1"/>
           </p:nvPr>
         </p:nvSpPr>
-        <p:spPr>
-          <a:xfrm>
-            <a:off x="913795" y="2096064"/>
-            <a:ext cx="10353762" cy="3695136"/>
-          </a:xfrm>
-        </p:spPr>
+        <p:spPr/>
         <p:txBody>
           <a:bodyPr/>
           <a:lstStyle/>
           <a:p>
             <a:r>
               <a:rPr lang="en-US" dirty="0"/>
-              <a:t>Solution using R</a:t>
-            </a:r>
-          </a:p>
-          <a:p>
-            <a:endParaRPr lang="en-US" dirty="0"/>
-          </a:p>
-        </p:txBody>
-      </p:sp>
-      <p:pic>
-        <p:nvPicPr>
-          <p:cNvPr id="6" name="Picture 5">
-            <a:extLst>
-              <a:ext uri="{FF2B5EF4-FFF2-40B4-BE49-F238E27FC236}">
-                <a16:creationId xmlns:a16="http://schemas.microsoft.com/office/drawing/2014/main" id="{42D7D377-2332-4FB0-9B6F-16C5C98ACF95}"/>
-              </a:ext>
-            </a:extLst>
-          </p:cNvPr>
-          <p:cNvPicPr>
-            <a:picLocks noChangeAspect="1"/>
-          </p:cNvPicPr>
-          <p:nvPr/>
-        </p:nvPicPr>
-        <p:blipFill>
-          <a:blip r:embed="rId2"/>
-          <a:stretch>
-            <a:fillRect/>
-          </a:stretch>
-        </p:blipFill>
-        <p:spPr>
-          <a:xfrm>
-            <a:off x="913795" y="2513145"/>
-            <a:ext cx="6486525" cy="2466975"/>
-          </a:xfrm>
-          <a:prstGeom prst="rect">
-            <a:avLst/>
-          </a:prstGeom>
-          <a:ln>
-            <a:noFill/>
-          </a:ln>
-          <a:effectLst>
-            <a:outerShdw blurRad="292100" dist="139700" dir="2700000" algn="tl" rotWithShape="0">
-              <a:srgbClr val="333333">
-                <a:alpha val="65000"/>
-              </a:srgbClr>
-            </a:outerShdw>
-          </a:effectLst>
-        </p:spPr>
-      </p:pic>
-      <p:pic>
-        <p:nvPicPr>
-          <p:cNvPr id="7" name="Picture 6">
-            <a:extLst>
-              <a:ext uri="{FF2B5EF4-FFF2-40B4-BE49-F238E27FC236}">
-                <a16:creationId xmlns:a16="http://schemas.microsoft.com/office/drawing/2014/main" id="{2DA889C9-D679-4944-A384-ADE097F9382A}"/>
-              </a:ext>
-            </a:extLst>
-          </p:cNvPr>
-          <p:cNvPicPr>
-            <a:picLocks noChangeAspect="1"/>
-          </p:cNvPicPr>
-          <p:nvPr/>
-        </p:nvPicPr>
-        <p:blipFill>
-          <a:blip r:embed="rId3"/>
-          <a:stretch>
-            <a:fillRect/>
-          </a:stretch>
-        </p:blipFill>
-        <p:spPr>
-          <a:xfrm>
-            <a:off x="7618136" y="1687984"/>
-            <a:ext cx="4105435" cy="2255648"/>
-          </a:xfrm>
-          <a:prstGeom prst="rect">
-            <a:avLst/>
-          </a:prstGeom>
-          <a:ln>
-            <a:noFill/>
-          </a:ln>
-          <a:effectLst>
-            <a:outerShdw blurRad="292100" dist="139700" dir="2700000" algn="tl" rotWithShape="0">
-              <a:srgbClr val="333333">
-                <a:alpha val="65000"/>
-              </a:srgbClr>
-            </a:outerShdw>
-          </a:effectLst>
-        </p:spPr>
-      </p:pic>
-      <p:pic>
-        <p:nvPicPr>
-          <p:cNvPr id="8" name="Picture 7">
-            <a:extLst>
-              <a:ext uri="{FF2B5EF4-FFF2-40B4-BE49-F238E27FC236}">
-                <a16:creationId xmlns:a16="http://schemas.microsoft.com/office/drawing/2014/main" id="{FAEF2610-5088-44C9-B322-ACE965C92466}"/>
-              </a:ext>
-            </a:extLst>
-          </p:cNvPr>
-          <p:cNvPicPr>
-            <a:picLocks noChangeAspect="1"/>
-          </p:cNvPicPr>
-          <p:nvPr/>
-        </p:nvPicPr>
-        <p:blipFill>
-          <a:blip r:embed="rId4"/>
-          <a:stretch>
-            <a:fillRect/>
-          </a:stretch>
-        </p:blipFill>
-        <p:spPr>
-          <a:xfrm>
-            <a:off x="7618136" y="4103775"/>
-            <a:ext cx="4105435" cy="2254879"/>
-          </a:xfrm>
-          <a:prstGeom prst="rect">
-            <a:avLst/>
-          </a:prstGeom>
-          <a:ln>
-            <a:noFill/>
-          </a:ln>
-          <a:effectLst>
-            <a:outerShdw blurRad="292100" dist="139700" dir="2700000" algn="tl" rotWithShape="0">
-              <a:srgbClr val="333333">
-                <a:alpha val="65000"/>
-              </a:srgbClr>
-            </a:outerShdw>
-          </a:effectLst>
-        </p:spPr>
-      </p:pic>
+              <a:t>Missing values in ABV &amp; IBU</a:t>
+            </a:r>
+          </a:p>
+          <a:p>
+            <a:r>
+              <a:rPr lang="en-US" dirty="0"/>
+              <a:t>Possibly due to state laws, complexity of testing</a:t>
+            </a:r>
+          </a:p>
+          <a:p>
+            <a:r>
+              <a:rPr lang="en-US" dirty="0"/>
+              <a:t>Two methods for handling missing values:</a:t>
+            </a:r>
+          </a:p>
+          <a:p>
+            <a:pPr marL="800100" lvl="1" indent="-342900">
+              <a:buFont typeface="+mj-lt"/>
+              <a:buAutoNum type="arabicPeriod"/>
+            </a:pPr>
+            <a:r>
+              <a:rPr lang="en-US" dirty="0"/>
+              <a:t>Eliminate missing data lines</a:t>
+            </a:r>
+          </a:p>
+          <a:p>
+            <a:pPr marL="800100" lvl="1" indent="-342900">
+              <a:buFont typeface="+mj-lt"/>
+              <a:buAutoNum type="arabicPeriod"/>
+            </a:pPr>
+            <a:r>
+              <a:rPr lang="en-US" dirty="0"/>
+              <a:t>Replace missing data values with average of relevant values</a:t>
+            </a:r>
+          </a:p>
+        </p:txBody>
+      </p:sp>
     </p:spTree>
     <p:extLst>
       <p:ext uri="{BB962C8B-B14F-4D97-AF65-F5344CB8AC3E}">
-        <p14:creationId xmlns:p14="http://schemas.microsoft.com/office/powerpoint/2010/main" val="436239014"/>
+        <p14:creationId xmlns:p14="http://schemas.microsoft.com/office/powerpoint/2010/main" val="2657609671"/>
       </p:ext>
     </p:extLst>
   </p:cSld>
@@ -7502,7 +8246,7 @@
           <p:cNvPr id="2" name="Title 1">
             <a:extLst>
               <a:ext uri="{FF2B5EF4-FFF2-40B4-BE49-F238E27FC236}">
-                <a16:creationId xmlns:a16="http://schemas.microsoft.com/office/drawing/2014/main" id="{E24F9319-CF8A-4126-9C3F-43B41E6CCF0E}"/>
+                <a16:creationId xmlns:a16="http://schemas.microsoft.com/office/drawing/2014/main" id="{F3612843-29AB-4571-A1AA-DD16C56C044A}"/>
               </a:ext>
             </a:extLst>
           </p:cNvPr>
@@ -7513,20 +8257,14 @@
             <p:ph type="title"/>
           </p:nvPr>
         </p:nvSpPr>
-        <p:spPr>
-          <a:xfrm>
-            <a:off x="913795" y="609600"/>
-            <a:ext cx="10353761" cy="1326321"/>
-          </a:xfrm>
-        </p:spPr>
+        <p:spPr/>
         <p:txBody>
           <a:bodyPr/>
           <a:lstStyle/>
           <a:p>
-            <a:pPr algn="l"/>
             <a:r>
               <a:rPr lang="en-US" dirty="0"/>
-              <a:t>Relationship between ABV &amp; IBU</a:t>
+              <a:t>Comparison of correction methods</a:t>
             </a:r>
           </a:p>
         </p:txBody>
@@ -7536,7 +8274,7 @@
           <p:cNvPr id="3" name="Content Placeholder 2">
             <a:extLst>
               <a:ext uri="{FF2B5EF4-FFF2-40B4-BE49-F238E27FC236}">
-                <a16:creationId xmlns:a16="http://schemas.microsoft.com/office/drawing/2014/main" id="{F224934F-5312-4B36-B34F-3A9AD2B66559}"/>
+                <a16:creationId xmlns:a16="http://schemas.microsoft.com/office/drawing/2014/main" id="{DD2D0848-D496-4924-ABB2-F45AD458F1BA}"/>
               </a:ext>
             </a:extLst>
           </p:cNvPr>
@@ -7544,45 +8282,331 @@
             <a:spLocks noGrp="1"/>
           </p:cNvSpPr>
           <p:nvPr>
-            <p:ph idx="1"/>
+            <p:ph sz="half" idx="1"/>
           </p:nvPr>
         </p:nvSpPr>
         <p:spPr/>
-        <p:txBody>
-          <a:bodyPr/>
-          <a:lstStyle/>
-          <a:p>
-            <a:r>
-              <a:rPr lang="en-US" dirty="0"/>
-              <a:t>Using both methods for accounting for missing data, there appears to be a moderate to moderately-strong correlation between increasing bitterness (IBU) and alcohol content (ABV).</a:t>
-            </a:r>
-          </a:p>
-          <a:p>
-            <a:r>
-              <a:rPr lang="en-US" dirty="0"/>
-              <a:t>Using method 1, the correlation between the two variables using Pearson’s </a:t>
-            </a:r>
+        <p:style>
+          <a:lnRef idx="0">
+            <a:scrgbClr r="0" g="0" b="0"/>
+          </a:lnRef>
+          <a:fillRef idx="1003">
+            <a:schemeClr val="dk1"/>
+          </a:fillRef>
+          <a:effectRef idx="0">
+            <a:scrgbClr r="0" g="0" b="0"/>
+          </a:effectRef>
+          <a:fontRef idx="major"/>
+        </p:style>
+        <p:txBody>
+          <a:bodyPr>
+            <a:normAutofit fontScale="92500" lnSpcReduction="10000"/>
+          </a:bodyPr>
+          <a:lstStyle/>
+          <a:p>
             <a:r>
               <a:rPr lang="en-US" u="sng" dirty="0"/>
-              <a:t>R is 0.671 indicating a moderately strong connection.</a:t>
-            </a:r>
-          </a:p>
-          <a:p>
-            <a:r>
-              <a:rPr lang="en-US" dirty="0"/>
-              <a:t>Using method 2, the correlation between the two variables using Pearson’s </a:t>
-            </a:r>
-            <a:r>
-              <a:rPr lang="en-US" u="sng" dirty="0"/>
-              <a:t>R is 0.520 indicating a moderate connection.</a:t>
-            </a:r>
+              <a:t>Using missing data method 1:</a:t>
+            </a:r>
+          </a:p>
+          <a:p>
+            <a:r>
+              <a:rPr lang="en-US" dirty="0">
+                <a:effectLst/>
+              </a:rPr>
+              <a:t>Minimum: 2.7%</a:t>
+            </a:r>
+          </a:p>
+          <a:p>
+            <a:r>
+              <a:rPr lang="en-US" dirty="0">
+                <a:effectLst/>
+              </a:rPr>
+              <a:t>1</a:t>
+            </a:r>
+            <a:r>
+              <a:rPr lang="en-US" baseline="30000" dirty="0">
+                <a:effectLst/>
+              </a:rPr>
+              <a:t>st </a:t>
+            </a:r>
+            <a:r>
+              <a:rPr lang="en-US" dirty="0">
+                <a:effectLst/>
+              </a:rPr>
+              <a:t>Quartile: 5.0%</a:t>
+            </a:r>
+          </a:p>
+          <a:p>
+            <a:r>
+              <a:rPr lang="en-US" dirty="0">
+                <a:effectLst/>
+              </a:rPr>
+              <a:t>Median: 5.7%</a:t>
+            </a:r>
+          </a:p>
+          <a:p>
+            <a:r>
+              <a:rPr lang="en-US" dirty="0">
+                <a:effectLst/>
+              </a:rPr>
+              <a:t>3</a:t>
+            </a:r>
+            <a:r>
+              <a:rPr lang="en-US" baseline="30000" dirty="0">
+                <a:effectLst/>
+              </a:rPr>
+              <a:t>rd </a:t>
+            </a:r>
+            <a:r>
+              <a:rPr lang="en-US" dirty="0">
+                <a:effectLst/>
+              </a:rPr>
+              <a:t>Quartile: 6.8%</a:t>
+            </a:r>
+          </a:p>
+          <a:p>
+            <a:r>
+              <a:rPr lang="en-US" dirty="0">
+                <a:effectLst/>
+              </a:rPr>
+              <a:t>Maximum: 12.5%</a:t>
+            </a:r>
+          </a:p>
+          <a:p>
+            <a:r>
+              <a:rPr lang="en-US" dirty="0">
+                <a:effectLst/>
+              </a:rPr>
+              <a:t>Mean 5.991%</a:t>
+            </a:r>
+          </a:p>
+          <a:p>
+            <a:r>
+              <a:rPr lang="en-US" dirty="0">
+                <a:effectLst/>
+              </a:rPr>
+              <a:t>Standard Deviation: 1.358</a:t>
+            </a:r>
+          </a:p>
+          <a:p>
+            <a:endParaRPr lang="en-US" dirty="0"/>
+          </a:p>
+        </p:txBody>
+      </p:sp>
+      <p:sp>
+        <p:nvSpPr>
+          <p:cNvPr id="8" name="Content Placeholder 3">
+            <a:extLst>
+              <a:ext uri="{FF2B5EF4-FFF2-40B4-BE49-F238E27FC236}">
+                <a16:creationId xmlns:a16="http://schemas.microsoft.com/office/drawing/2014/main" id="{F19DD31E-AF75-4BF0-BCEB-1F07ACE00D08}"/>
+              </a:ext>
+            </a:extLst>
+          </p:cNvPr>
+          <p:cNvSpPr>
+            <a:spLocks noGrp="1"/>
+          </p:cNvSpPr>
+          <p:nvPr>
+            <p:ph sz="half" idx="2"/>
+          </p:nvPr>
+        </p:nvSpPr>
+        <p:spPr>
+          <a:xfrm>
+            <a:off x="6173403" y="2088319"/>
+            <a:ext cx="5094154" cy="3702881"/>
+          </a:xfrm>
+          <a:noFill/>
+        </p:spPr>
+        <p:style>
+          <a:lnRef idx="0">
+            <a:scrgbClr r="0" g="0" b="0"/>
+          </a:lnRef>
+          <a:fillRef idx="1003">
+            <a:schemeClr val="dk1"/>
+          </a:fillRef>
+          <a:effectRef idx="0">
+            <a:scrgbClr r="0" g="0" b="0"/>
+          </a:effectRef>
+          <a:fontRef idx="major"/>
+        </p:style>
+        <p:txBody>
+          <a:bodyPr>
+            <a:normAutofit fontScale="92500" lnSpcReduction="10000"/>
+          </a:bodyPr>
+          <a:lstStyle/>
+          <a:p>
+            <a:r>
+              <a:rPr lang="en-US" u="sng" dirty="0">
+                <a:solidFill>
+                  <a:schemeClr val="bg1">
+                    <a:lumMod val="50000"/>
+                    <a:lumOff val="50000"/>
+                  </a:schemeClr>
+                </a:solidFill>
+              </a:rPr>
+              <a:t>Using missing data method 2:</a:t>
+            </a:r>
+          </a:p>
+          <a:p>
+            <a:r>
+              <a:rPr lang="en-US" dirty="0">
+                <a:solidFill>
+                  <a:schemeClr val="bg1">
+                    <a:lumMod val="50000"/>
+                    <a:lumOff val="50000"/>
+                  </a:schemeClr>
+                </a:solidFill>
+                <a:effectLst/>
+              </a:rPr>
+              <a:t>Minimum: 0.100%</a:t>
+            </a:r>
+          </a:p>
+          <a:p>
+            <a:r>
+              <a:rPr lang="en-US" dirty="0">
+                <a:solidFill>
+                  <a:schemeClr val="bg1">
+                    <a:lumMod val="50000"/>
+                    <a:lumOff val="50000"/>
+                  </a:schemeClr>
+                </a:solidFill>
+                <a:effectLst/>
+              </a:rPr>
+              <a:t>1</a:t>
+            </a:r>
+            <a:r>
+              <a:rPr lang="en-US" baseline="30000" dirty="0">
+                <a:solidFill>
+                  <a:schemeClr val="bg1">
+                    <a:lumMod val="50000"/>
+                    <a:lumOff val="50000"/>
+                  </a:schemeClr>
+                </a:solidFill>
+                <a:effectLst/>
+              </a:rPr>
+              <a:t>st </a:t>
+            </a:r>
+            <a:r>
+              <a:rPr lang="en-US" dirty="0">
+                <a:solidFill>
+                  <a:schemeClr val="bg1">
+                    <a:lumMod val="50000"/>
+                    <a:lumOff val="50000"/>
+                  </a:schemeClr>
+                </a:solidFill>
+                <a:effectLst/>
+              </a:rPr>
+              <a:t>Quartile : 5.0%</a:t>
+            </a:r>
+          </a:p>
+          <a:p>
+            <a:r>
+              <a:rPr lang="en-US" dirty="0">
+                <a:solidFill>
+                  <a:schemeClr val="bg1">
+                    <a:lumMod val="50000"/>
+                    <a:lumOff val="50000"/>
+                  </a:schemeClr>
+                </a:solidFill>
+                <a:effectLst/>
+              </a:rPr>
+              <a:t>Median: 5.7%</a:t>
+            </a:r>
+          </a:p>
+          <a:p>
+            <a:r>
+              <a:rPr lang="en-US" dirty="0">
+                <a:solidFill>
+                  <a:schemeClr val="bg1">
+                    <a:lumMod val="50000"/>
+                    <a:lumOff val="50000"/>
+                  </a:schemeClr>
+                </a:solidFill>
+                <a:effectLst/>
+              </a:rPr>
+              <a:t>3</a:t>
+            </a:r>
+            <a:r>
+              <a:rPr lang="en-US" baseline="30000" dirty="0">
+                <a:solidFill>
+                  <a:schemeClr val="bg1">
+                    <a:lumMod val="50000"/>
+                    <a:lumOff val="50000"/>
+                  </a:schemeClr>
+                </a:solidFill>
+                <a:effectLst/>
+              </a:rPr>
+              <a:t>rd </a:t>
+            </a:r>
+            <a:r>
+              <a:rPr lang="en-US" dirty="0">
+                <a:solidFill>
+                  <a:schemeClr val="bg1">
+                    <a:lumMod val="50000"/>
+                    <a:lumOff val="50000"/>
+                  </a:schemeClr>
+                </a:solidFill>
+                <a:effectLst/>
+              </a:rPr>
+              <a:t>Quartile : 6.7%</a:t>
+            </a:r>
+          </a:p>
+          <a:p>
+            <a:r>
+              <a:rPr lang="en-US" dirty="0">
+                <a:solidFill>
+                  <a:schemeClr val="bg1">
+                    <a:lumMod val="50000"/>
+                    <a:lumOff val="50000"/>
+                  </a:schemeClr>
+                </a:solidFill>
+                <a:effectLst/>
+              </a:rPr>
+              <a:t>Max: 12.8%</a:t>
+            </a:r>
+          </a:p>
+          <a:p>
+            <a:r>
+              <a:rPr lang="en-US" dirty="0">
+                <a:solidFill>
+                  <a:schemeClr val="bg1">
+                    <a:lumMod val="50000"/>
+                    <a:lumOff val="50000"/>
+                  </a:schemeClr>
+                </a:solidFill>
+                <a:effectLst/>
+              </a:rPr>
+              <a:t>Mean: 5.977%</a:t>
+            </a:r>
+          </a:p>
+          <a:p>
+            <a:r>
+              <a:rPr lang="en-US" dirty="0">
+                <a:solidFill>
+                  <a:schemeClr val="bg1">
+                    <a:lumMod val="50000"/>
+                    <a:lumOff val="50000"/>
+                  </a:schemeClr>
+                </a:solidFill>
+                <a:effectLst/>
+              </a:rPr>
+              <a:t>Standard Deviation : 1.337</a:t>
+            </a:r>
+            <a:endParaRPr lang="en-US" dirty="0">
+              <a:solidFill>
+                <a:schemeClr val="bg1">
+                  <a:lumMod val="50000"/>
+                  <a:lumOff val="50000"/>
+                </a:schemeClr>
+              </a:solidFill>
+            </a:endParaRPr>
           </a:p>
         </p:txBody>
       </p:sp>
     </p:spTree>
     <p:extLst>
       <p:ext uri="{BB962C8B-B14F-4D97-AF65-F5344CB8AC3E}">
-        <p14:creationId xmlns:p14="http://schemas.microsoft.com/office/powerpoint/2010/main" val="3762546805"/>
+        <p14:creationId xmlns:p14="http://schemas.microsoft.com/office/powerpoint/2010/main" val="3339882765"/>
       </p:ext>
     </p:extLst>
   </p:cSld>
@@ -7614,7 +8638,7 @@
           <p:cNvPr id="2" name="Title 1">
             <a:extLst>
               <a:ext uri="{FF2B5EF4-FFF2-40B4-BE49-F238E27FC236}">
-                <a16:creationId xmlns:a16="http://schemas.microsoft.com/office/drawing/2014/main" id="{23375E31-0633-4654-BC9F-93D9FBA890D6}"/>
+                <a16:creationId xmlns:a16="http://schemas.microsoft.com/office/drawing/2014/main" id="{F3612843-29AB-4571-A1AA-DD16C56C044A}"/>
               </a:ext>
             </a:extLst>
           </p:cNvPr>
@@ -7632,87 +8656,224 @@
           <a:p>
             <a:r>
               <a:rPr lang="en-US" dirty="0"/>
-              <a:t>Thank you for your time and </a:t>
-            </a:r>
-            <a:r>
-              <a:rPr lang="en-US" dirty="0" err="1"/>
-              <a:t>considertation</a:t>
-            </a:r>
-            <a:r>
-              <a:rPr lang="en-US" dirty="0"/>
-              <a:t>!</a:t>
-            </a:r>
-          </a:p>
-        </p:txBody>
-      </p:sp>
-      <p:pic>
-        <p:nvPicPr>
-          <p:cNvPr id="6" name="Content Placeholder 5">
+              <a:t>Comparison of correction methods</a:t>
+            </a:r>
+          </a:p>
+        </p:txBody>
+      </p:sp>
+      <p:sp>
+        <p:nvSpPr>
+          <p:cNvPr id="3" name="Content Placeholder 2">
             <a:extLst>
               <a:ext uri="{FF2B5EF4-FFF2-40B4-BE49-F238E27FC236}">
-                <a16:creationId xmlns:a16="http://schemas.microsoft.com/office/drawing/2014/main" id="{F347A8B9-ED59-424E-B257-0A7957318DD2}"/>
+                <a16:creationId xmlns:a16="http://schemas.microsoft.com/office/drawing/2014/main" id="{DD2D0848-D496-4924-ABB2-F45AD458F1BA}"/>
               </a:ext>
             </a:extLst>
           </p:cNvPr>
-          <p:cNvPicPr>
-            <a:picLocks noGrp="1" noChangeAspect="1"/>
-          </p:cNvPicPr>
-          <p:nvPr>
-            <p:ph idx="1"/>
-          </p:nvPr>
-        </p:nvPicPr>
-        <p:blipFill>
-          <a:blip r:embed="rId2">
-            <a:extLst>
-              <a:ext uri="{28A0092B-C50C-407E-A947-70E740481C1C}">
-                <a14:useLocalDpi xmlns:a14="http://schemas.microsoft.com/office/drawing/2010/main" val="0"/>
-              </a:ext>
-            </a:extLst>
-          </a:blip>
-          <a:stretch>
-            <a:fillRect/>
-          </a:stretch>
-        </p:blipFill>
+          <p:cNvSpPr>
+            <a:spLocks noGrp="1"/>
+          </p:cNvSpPr>
+          <p:nvPr>
+            <p:ph sz="half" idx="1"/>
+          </p:nvPr>
+        </p:nvSpPr>
         <p:spPr>
-          <a:xfrm>
-            <a:off x="5582444" y="609600"/>
-            <a:ext cx="5181600" cy="5181600"/>
-          </a:xfrm>
-          <a:prstGeom prst="ellipse">
-            <a:avLst/>
-          </a:prstGeom>
-          <a:ln w="63500" cap="rnd">
-            <a:solidFill>
-              <a:srgbClr val="333333"/>
-            </a:solidFill>
-          </a:ln>
-          <a:effectLst>
-            <a:outerShdw blurRad="381000" dist="292100" dir="5400000" sx="-80000" sy="-18000" rotWithShape="0">
-              <a:srgbClr val="000000">
-                <a:alpha val="22000"/>
-              </a:srgbClr>
-            </a:outerShdw>
-          </a:effectLst>
-          <a:scene3d>
-            <a:camera prst="orthographicFront"/>
-            <a:lightRig rig="contrasting" dir="t">
-              <a:rot lat="0" lon="0" rev="3000000"/>
-            </a:lightRig>
-          </a:scene3d>
-          <a:sp3d contourW="7620">
-            <a:bevelT w="95250" h="31750"/>
-            <a:contourClr>
-              <a:srgbClr val="333333"/>
-            </a:contourClr>
-          </a:sp3d>
+          <a:noFill/>
         </p:spPr>
-      </p:pic>
-      <p:sp>
-        <p:nvSpPr>
-          <p:cNvPr id="4" name="Text Placeholder 3">
+        <p:style>
+          <a:lnRef idx="0">
+            <a:scrgbClr r="0" g="0" b="0"/>
+          </a:lnRef>
+          <a:fillRef idx="1003">
+            <a:schemeClr val="dk1"/>
+          </a:fillRef>
+          <a:effectRef idx="0">
+            <a:scrgbClr r="0" g="0" b="0"/>
+          </a:effectRef>
+          <a:fontRef idx="major"/>
+        </p:style>
+        <p:txBody>
+          <a:bodyPr>
+            <a:normAutofit fontScale="92500" lnSpcReduction="10000"/>
+          </a:bodyPr>
+          <a:lstStyle/>
+          <a:p>
+            <a:r>
+              <a:rPr lang="en-US" u="sng" dirty="0">
+                <a:solidFill>
+                  <a:schemeClr val="bg1">
+                    <a:lumMod val="50000"/>
+                    <a:lumOff val="50000"/>
+                  </a:schemeClr>
+                </a:solidFill>
+              </a:rPr>
+              <a:t>Using missing data method 1:</a:t>
+            </a:r>
+          </a:p>
+          <a:p>
+            <a:r>
+              <a:rPr lang="en-US" dirty="0">
+                <a:solidFill>
+                  <a:schemeClr val="bg1">
+                    <a:lumMod val="50000"/>
+                    <a:lumOff val="50000"/>
+                  </a:schemeClr>
+                </a:solidFill>
+                <a:effectLst/>
+              </a:rPr>
+              <a:t>Minimum: 2.7%</a:t>
+            </a:r>
+          </a:p>
+          <a:p>
+            <a:r>
+              <a:rPr lang="en-US" dirty="0">
+                <a:solidFill>
+                  <a:schemeClr val="bg1">
+                    <a:lumMod val="50000"/>
+                    <a:lumOff val="50000"/>
+                  </a:schemeClr>
+                </a:solidFill>
+                <a:effectLst/>
+              </a:rPr>
+              <a:t>1</a:t>
+            </a:r>
+            <a:r>
+              <a:rPr lang="en-US" baseline="30000" dirty="0">
+                <a:solidFill>
+                  <a:schemeClr val="bg1">
+                    <a:lumMod val="50000"/>
+                    <a:lumOff val="50000"/>
+                  </a:schemeClr>
+                </a:solidFill>
+                <a:effectLst/>
+              </a:rPr>
+              <a:t>st </a:t>
+            </a:r>
+            <a:r>
+              <a:rPr lang="en-US" dirty="0">
+                <a:solidFill>
+                  <a:schemeClr val="bg1">
+                    <a:lumMod val="50000"/>
+                    <a:lumOff val="50000"/>
+                  </a:schemeClr>
+                </a:solidFill>
+                <a:effectLst/>
+              </a:rPr>
+              <a:t>Quartile: 5.0%</a:t>
+            </a:r>
+          </a:p>
+          <a:p>
+            <a:r>
+              <a:rPr lang="en-US" dirty="0">
+                <a:solidFill>
+                  <a:schemeClr val="bg1">
+                    <a:lumMod val="50000"/>
+                    <a:lumOff val="50000"/>
+                  </a:schemeClr>
+                </a:solidFill>
+                <a:effectLst/>
+              </a:rPr>
+              <a:t>Median: 5.7%</a:t>
+            </a:r>
+          </a:p>
+          <a:p>
+            <a:r>
+              <a:rPr lang="en-US" dirty="0">
+                <a:solidFill>
+                  <a:schemeClr val="bg1">
+                    <a:lumMod val="50000"/>
+                    <a:lumOff val="50000"/>
+                  </a:schemeClr>
+                </a:solidFill>
+                <a:effectLst/>
+              </a:rPr>
+              <a:t>3</a:t>
+            </a:r>
+            <a:r>
+              <a:rPr lang="en-US" baseline="30000" dirty="0">
+                <a:solidFill>
+                  <a:schemeClr val="bg1">
+                    <a:lumMod val="50000"/>
+                    <a:lumOff val="50000"/>
+                  </a:schemeClr>
+                </a:solidFill>
+                <a:effectLst/>
+              </a:rPr>
+              <a:t>rd </a:t>
+            </a:r>
+            <a:r>
+              <a:rPr lang="en-US" dirty="0">
+                <a:solidFill>
+                  <a:schemeClr val="bg1">
+                    <a:lumMod val="50000"/>
+                    <a:lumOff val="50000"/>
+                  </a:schemeClr>
+                </a:solidFill>
+                <a:effectLst/>
+              </a:rPr>
+              <a:t>Quartile: 6.8%</a:t>
+            </a:r>
+          </a:p>
+          <a:p>
+            <a:r>
+              <a:rPr lang="en-US" dirty="0">
+                <a:solidFill>
+                  <a:schemeClr val="bg1">
+                    <a:lumMod val="50000"/>
+                    <a:lumOff val="50000"/>
+                  </a:schemeClr>
+                </a:solidFill>
+                <a:effectLst/>
+              </a:rPr>
+              <a:t>Maximum: 12.5%</a:t>
+            </a:r>
+          </a:p>
+          <a:p>
+            <a:r>
+              <a:rPr lang="en-US" dirty="0">
+                <a:solidFill>
+                  <a:schemeClr val="bg1">
+                    <a:lumMod val="50000"/>
+                    <a:lumOff val="50000"/>
+                  </a:schemeClr>
+                </a:solidFill>
+                <a:effectLst/>
+              </a:rPr>
+              <a:t>Mean 5.991%</a:t>
+            </a:r>
+          </a:p>
+          <a:p>
+            <a:r>
+              <a:rPr lang="en-US" dirty="0">
+                <a:solidFill>
+                  <a:schemeClr val="bg1">
+                    <a:lumMod val="50000"/>
+                    <a:lumOff val="50000"/>
+                  </a:schemeClr>
+                </a:solidFill>
+                <a:effectLst/>
+              </a:rPr>
+              <a:t>Standard Deviation: 1.358</a:t>
+            </a:r>
+          </a:p>
+          <a:p>
+            <a:endParaRPr lang="en-US" dirty="0">
+              <a:solidFill>
+                <a:schemeClr val="bg1">
+                  <a:lumMod val="50000"/>
+                  <a:lumOff val="50000"/>
+                </a:schemeClr>
+              </a:solidFill>
+            </a:endParaRPr>
+          </a:p>
+        </p:txBody>
+      </p:sp>
+      <p:sp>
+        <p:nvSpPr>
+          <p:cNvPr id="4" name="Content Placeholder 3">
             <a:extLst>
               <a:ext uri="{FF2B5EF4-FFF2-40B4-BE49-F238E27FC236}">
-                <a16:creationId xmlns:a16="http://schemas.microsoft.com/office/drawing/2014/main" id="{61E4EA33-826F-424B-87C2-37CF7D9200BE}"/>
+                <a16:creationId xmlns:a16="http://schemas.microsoft.com/office/drawing/2014/main" id="{A31FD061-7ED4-4D5F-B360-2A7320E03268}"/>
               </a:ext>
             </a:extLst>
           </p:cNvPr>
@@ -7720,140 +8881,120 @@
             <a:spLocks noGrp="1"/>
           </p:cNvSpPr>
           <p:nvPr>
-            <p:ph type="body" sz="half" idx="2"/>
+            <p:ph sz="half" idx="2"/>
           </p:nvPr>
         </p:nvSpPr>
         <p:spPr/>
-        <p:txBody>
-          <a:bodyPr/>
-          <a:lstStyle/>
-          <a:p>
-            <a:pPr algn="l"/>
-            <a:r>
-              <a:rPr lang="en-US" dirty="0"/>
-              <a:t>Further questions or concerns? Please contact:</a:t>
-            </a:r>
-          </a:p>
-          <a:p>
-            <a:pPr marL="285750" indent="-285750" algn="l">
-              <a:buFont typeface="Arial" panose="020B0604020202020204" pitchFamily="34" charset="0"/>
-              <a:buChar char="•"/>
-            </a:pPr>
-            <a:r>
-              <a:rPr lang="en-US" dirty="0" err="1"/>
-              <a:t>Indhy</a:t>
-            </a:r>
-            <a:r>
-              <a:rPr lang="en-US" dirty="0"/>
-              <a:t> Dhillon (</a:t>
-            </a:r>
+        <p:style>
+          <a:lnRef idx="0">
+            <a:scrgbClr r="0" g="0" b="0"/>
+          </a:lnRef>
+          <a:fillRef idx="1003">
+            <a:schemeClr val="dk1"/>
+          </a:fillRef>
+          <a:effectRef idx="0">
+            <a:scrgbClr r="0" g="0" b="0"/>
+          </a:effectRef>
+          <a:fontRef idx="major"/>
+        </p:style>
+        <p:txBody>
+          <a:bodyPr>
+            <a:normAutofit fontScale="92500" lnSpcReduction="10000"/>
+          </a:bodyPr>
+          <a:lstStyle/>
+          <a:p>
+            <a:r>
+              <a:rPr lang="en-US" u="sng" dirty="0"/>
+              <a:t>Using missing data method 2:</a:t>
+            </a:r>
+          </a:p>
+          <a:p>
             <a:r>
               <a:rPr lang="en-US" dirty="0">
-                <a:hlinkClick r:id="rId3"/>
+                <a:effectLst/>
               </a:rPr>
-              <a:t>idhillon@smu.edu</a:t>
-            </a:r>
-            <a:r>
-              <a:rPr lang="en-US" dirty="0"/>
-              <a:t>)</a:t>
-            </a:r>
-          </a:p>
-          <a:p>
-            <a:pPr marL="285750" indent="-285750" algn="l">
-              <a:buFont typeface="Arial" panose="020B0604020202020204" pitchFamily="34" charset="0"/>
-              <a:buChar char="•"/>
-            </a:pPr>
-            <a:r>
-              <a:rPr lang="en-US" dirty="0"/>
-              <a:t>Jamie Vo (</a:t>
-            </a:r>
+              <a:t>Minimum: 0.100%</a:t>
+            </a:r>
+          </a:p>
+          <a:p>
             <a:r>
               <a:rPr lang="en-US" dirty="0">
-                <a:hlinkClick r:id="rId4"/>
+                <a:effectLst/>
               </a:rPr>
-              <a:t>jamiev@smu.edu</a:t>
-            </a:r>
-            <a:r>
-              <a:rPr lang="en-US" dirty="0"/>
-              <a:t>)</a:t>
-            </a:r>
-          </a:p>
-          <a:p>
-            <a:pPr marL="285750" indent="-285750" algn="l">
-              <a:buFont typeface="Arial" panose="020B0604020202020204" pitchFamily="34" charset="0"/>
-              <a:buChar char="•"/>
-            </a:pPr>
-            <a:r>
-              <a:rPr lang="en-US" dirty="0"/>
-              <a:t>Nick Blair (</a:t>
+              <a:t>1</a:t>
+            </a:r>
+            <a:r>
+              <a:rPr lang="en-US" baseline="30000" dirty="0">
+                <a:effectLst/>
+              </a:rPr>
+              <a:t>st </a:t>
             </a:r>
             <a:r>
               <a:rPr lang="en-US" dirty="0">
-                <a:hlinkClick r:id="rId5"/>
+                <a:effectLst/>
               </a:rPr>
-              <a:t>nicholasb@smu.edu</a:t>
-            </a:r>
-            <a:r>
-              <a:rPr lang="en-US" dirty="0"/>
-              <a:t>)</a:t>
-            </a:r>
-          </a:p>
-          <a:p>
-            <a:pPr marL="285750" indent="-285750" algn="l">
-              <a:buFont typeface="Arial" panose="020B0604020202020204" pitchFamily="34" charset="0"/>
-              <a:buChar char="•"/>
-            </a:pPr>
+              <a:t>Quartile : 5.0%</a:t>
+            </a:r>
+          </a:p>
+          <a:p>
+            <a:r>
+              <a:rPr lang="en-US" dirty="0">
+                <a:effectLst/>
+              </a:rPr>
+              <a:t>Median: 5.7%</a:t>
+            </a:r>
+          </a:p>
+          <a:p>
+            <a:r>
+              <a:rPr lang="en-US" dirty="0">
+                <a:effectLst/>
+              </a:rPr>
+              <a:t>3</a:t>
+            </a:r>
+            <a:r>
+              <a:rPr lang="en-US" baseline="30000" dirty="0">
+                <a:effectLst/>
+              </a:rPr>
+              <a:t>rd </a:t>
+            </a:r>
+            <a:r>
+              <a:rPr lang="en-US" dirty="0">
+                <a:effectLst/>
+              </a:rPr>
+              <a:t>Quartile : 6.7%</a:t>
+            </a:r>
+          </a:p>
+          <a:p>
+            <a:r>
+              <a:rPr lang="en-US" dirty="0">
+                <a:effectLst/>
+              </a:rPr>
+              <a:t>Max: 12.8%</a:t>
+            </a:r>
+          </a:p>
+          <a:p>
+            <a:r>
+              <a:rPr lang="en-US" dirty="0">
+                <a:effectLst/>
+              </a:rPr>
+              <a:t>Mean: 5.977%</a:t>
+            </a:r>
+          </a:p>
+          <a:p>
+            <a:r>
+              <a:rPr lang="en-US" dirty="0">
+                <a:effectLst/>
+              </a:rPr>
+              <a:t>Standard Deviation : 1.337</a:t>
+            </a:r>
             <a:endParaRPr lang="en-US" dirty="0"/>
-          </a:p>
-          <a:p>
-            <a:pPr algn="l"/>
-            <a:endParaRPr lang="en-US" dirty="0"/>
-          </a:p>
-        </p:txBody>
-      </p:sp>
-      <p:sp>
-        <p:nvSpPr>
-          <p:cNvPr id="7" name="TextBox 6">
-            <a:extLst>
-              <a:ext uri="{FF2B5EF4-FFF2-40B4-BE49-F238E27FC236}">
-                <a16:creationId xmlns:a16="http://schemas.microsoft.com/office/drawing/2014/main" id="{2E4B39D6-5801-4747-A77F-5630627CA9A6}"/>
-              </a:ext>
-            </a:extLst>
-          </p:cNvPr>
-          <p:cNvSpPr txBox="1"/>
-          <p:nvPr/>
-        </p:nvSpPr>
-        <p:spPr>
-          <a:xfrm>
-            <a:off x="6096000" y="6581001"/>
-            <a:ext cx="5997107" cy="276999"/>
-          </a:xfrm>
-          <a:prstGeom prst="rect">
-            <a:avLst/>
-          </a:prstGeom>
-          <a:noFill/>
-        </p:spPr>
-        <p:txBody>
-          <a:bodyPr wrap="square" rtlCol="0">
-            <a:spAutoFit/>
-          </a:bodyPr>
-          <a:lstStyle/>
-          <a:p>
-            <a:r>
-              <a:rPr lang="en-US" sz="1200" dirty="0">
-                <a:solidFill>
-                  <a:schemeClr val="bg1"/>
-                </a:solidFill>
-              </a:rPr>
-              <a:t>Photo credit: https://www.budweisertours.com/locations/st-louis-missouri.html</a:t>
-            </a:r>
           </a:p>
         </p:txBody>
       </p:sp>
     </p:spTree>
     <p:extLst>
       <p:ext uri="{BB962C8B-B14F-4D97-AF65-F5344CB8AC3E}">
-        <p14:creationId xmlns:p14="http://schemas.microsoft.com/office/powerpoint/2010/main" val="1672591397"/>
+        <p14:creationId xmlns:p14="http://schemas.microsoft.com/office/powerpoint/2010/main" val="1533358323"/>
       </p:ext>
     </p:extLst>
   </p:cSld>
@@ -7904,7 +9045,7 @@
             <a:pPr algn="l"/>
             <a:r>
               <a:rPr lang="en-US" dirty="0"/>
-              <a:t>&lt;Problem?&gt;</a:t>
+              <a:t>Summary of ABV &amp; IBU</a:t>
             </a:r>
           </a:p>
         </p:txBody>
@@ -7932,7 +9073,43 @@
           <a:p>
             <a:r>
               <a:rPr lang="en-US" dirty="0"/>
-              <a:t>&lt;Solution code/explanation&gt;</a:t>
+              <a:t>Lowest median ABV: Arizona &amp; Texas (4.00%)</a:t>
+            </a:r>
+          </a:p>
+          <a:p>
+            <a:r>
+              <a:rPr lang="en-US" dirty="0"/>
+              <a:t>Highest median ABV: Maine &amp; Colorado (6.7%, 6.5% respectively)</a:t>
+            </a:r>
+          </a:p>
+          <a:p>
+            <a:r>
+              <a:rPr lang="en-US" dirty="0"/>
+              <a:t>Average median ABV: 5.6% ABV</a:t>
+            </a:r>
+          </a:p>
+          <a:p>
+            <a:r>
+              <a:rPr lang="en-US" dirty="0"/>
+              <a:t>Lowest median IBU: Wisconsin (19 IBU)</a:t>
+            </a:r>
+          </a:p>
+          <a:p>
+            <a:r>
+              <a:rPr lang="en-US" dirty="0"/>
+              <a:t>Highest median IBU: Maine (61 IBU)</a:t>
+            </a:r>
+          </a:p>
+          <a:p>
+            <a:r>
+              <a:rPr lang="en-US" dirty="0"/>
+              <a:t>Average median IBU: 36.98 IBU</a:t>
+            </a:r>
+          </a:p>
+          <a:p>
+            <a:r>
+              <a:rPr lang="en-US" dirty="0"/>
+              <a:t>Maine high in ABV and IBU</a:t>
             </a:r>
           </a:p>
         </p:txBody>
@@ -7940,7 +9117,7 @@
     </p:spTree>
     <p:extLst>
       <p:ext uri="{BB962C8B-B14F-4D97-AF65-F5344CB8AC3E}">
-        <p14:creationId xmlns:p14="http://schemas.microsoft.com/office/powerpoint/2010/main" val="2062774944"/>
+        <p14:creationId xmlns:p14="http://schemas.microsoft.com/office/powerpoint/2010/main" val="2158532176"/>
       </p:ext>
     </p:extLst>
   </p:cSld>
@@ -8206,6 +9383,301 @@
 </a:theme>
 </file>
 
+<file path=ppt/theme/theme2.xml><?xml version="1.0" encoding="utf-8"?>
+<a:theme xmlns:a="http://schemas.openxmlformats.org/drawingml/2006/main" name="Office Theme">
+  <a:themeElements>
+    <a:clrScheme name="Office">
+      <a:dk1>
+        <a:sysClr val="windowText" lastClr="000000"/>
+      </a:dk1>
+      <a:lt1>
+        <a:sysClr val="window" lastClr="FFFFFF"/>
+      </a:lt1>
+      <a:dk2>
+        <a:srgbClr val="44546A"/>
+      </a:dk2>
+      <a:lt2>
+        <a:srgbClr val="E7E6E6"/>
+      </a:lt2>
+      <a:accent1>
+        <a:srgbClr val="4472C4"/>
+      </a:accent1>
+      <a:accent2>
+        <a:srgbClr val="ED7D31"/>
+      </a:accent2>
+      <a:accent3>
+        <a:srgbClr val="A5A5A5"/>
+      </a:accent3>
+      <a:accent4>
+        <a:srgbClr val="FFC000"/>
+      </a:accent4>
+      <a:accent5>
+        <a:srgbClr val="5B9BD5"/>
+      </a:accent5>
+      <a:accent6>
+        <a:srgbClr val="70AD47"/>
+      </a:accent6>
+      <a:hlink>
+        <a:srgbClr val="0563C1"/>
+      </a:hlink>
+      <a:folHlink>
+        <a:srgbClr val="954F72"/>
+      </a:folHlink>
+    </a:clrScheme>
+    <a:fontScheme name="Office">
+      <a:majorFont>
+        <a:latin typeface="Calibri Light" panose="020F0302020204030204"/>
+        <a:ea typeface=""/>
+        <a:cs typeface=""/>
+        <a:font script="Jpan" typeface="游ゴシック Light"/>
+        <a:font script="Hang" typeface="맑은 고딕"/>
+        <a:font script="Hans" typeface="等线 Light"/>
+        <a:font script="Hant" typeface="新細明體"/>
+        <a:font script="Arab" typeface="Times New Roman"/>
+        <a:font script="Hebr" typeface="Times New Roman"/>
+        <a:font script="Thai" typeface="Angsana New"/>
+        <a:font script="Ethi" typeface="Nyala"/>
+        <a:font script="Beng" typeface="Vrinda"/>
+        <a:font script="Gujr" typeface="Shruti"/>
+        <a:font script="Khmr" typeface="MoolBoran"/>
+        <a:font script="Knda" typeface="Tunga"/>
+        <a:font script="Guru" typeface="Raavi"/>
+        <a:font script="Cans" typeface="Euphemia"/>
+        <a:font script="Cher" typeface="Plantagenet Cherokee"/>
+        <a:font script="Yiii" typeface="Microsoft Yi Baiti"/>
+        <a:font script="Tibt" typeface="Microsoft Himalaya"/>
+        <a:font script="Thaa" typeface="MV Boli"/>
+        <a:font script="Deva" typeface="Mangal"/>
+        <a:font script="Telu" typeface="Gautami"/>
+        <a:font script="Taml" typeface="Latha"/>
+        <a:font script="Syrc" typeface="Estrangelo Edessa"/>
+        <a:font script="Orya" typeface="Kalinga"/>
+        <a:font script="Mlym" typeface="Kartika"/>
+        <a:font script="Laoo" typeface="DokChampa"/>
+        <a:font script="Sinh" typeface="Iskoola Pota"/>
+        <a:font script="Mong" typeface="Mongolian Baiti"/>
+        <a:font script="Viet" typeface="Times New Roman"/>
+        <a:font script="Uigh" typeface="Microsoft Uighur"/>
+        <a:font script="Geor" typeface="Sylfaen"/>
+        <a:font script="Armn" typeface="Arial"/>
+        <a:font script="Bugi" typeface="Leelawadee UI"/>
+        <a:font script="Bopo" typeface="Microsoft JhengHei"/>
+        <a:font script="Java" typeface="Javanese Text"/>
+        <a:font script="Lisu" typeface="Segoe UI"/>
+        <a:font script="Mymr" typeface="Myanmar Text"/>
+        <a:font script="Nkoo" typeface="Ebrima"/>
+        <a:font script="Olck" typeface="Nirmala UI"/>
+        <a:font script="Osma" typeface="Ebrima"/>
+        <a:font script="Phag" typeface="Phagspa"/>
+        <a:font script="Syrn" typeface="Estrangelo Edessa"/>
+        <a:font script="Syrj" typeface="Estrangelo Edessa"/>
+        <a:font script="Syre" typeface="Estrangelo Edessa"/>
+        <a:font script="Sora" typeface="Nirmala UI"/>
+        <a:font script="Tale" typeface="Microsoft Tai Le"/>
+        <a:font script="Talu" typeface="Microsoft New Tai Lue"/>
+        <a:font script="Tfng" typeface="Ebrima"/>
+      </a:majorFont>
+      <a:minorFont>
+        <a:latin typeface="Calibri" panose="020F0502020204030204"/>
+        <a:ea typeface=""/>
+        <a:cs typeface=""/>
+        <a:font script="Jpan" typeface="游ゴシック"/>
+        <a:font script="Hang" typeface="맑은 고딕"/>
+        <a:font script="Hans" typeface="等线"/>
+        <a:font script="Hant" typeface="新細明體"/>
+        <a:font script="Arab" typeface="Arial"/>
+        <a:font script="Hebr" typeface="Arial"/>
+        <a:font script="Thai" typeface="Cordia New"/>
+        <a:font script="Ethi" typeface="Nyala"/>
+        <a:font script="Beng" typeface="Vrinda"/>
+        <a:font script="Gujr" typeface="Shruti"/>
+        <a:font script="Khmr" typeface="DaunPenh"/>
+        <a:font script="Knda" typeface="Tunga"/>
+        <a:font script="Guru" typeface="Raavi"/>
+        <a:font script="Cans" typeface="Euphemia"/>
+        <a:font script="Cher" typeface="Plantagenet Cherokee"/>
+        <a:font script="Yiii" typeface="Microsoft Yi Baiti"/>
+        <a:font script="Tibt" typeface="Microsoft Himalaya"/>
+        <a:font script="Thaa" typeface="MV Boli"/>
+        <a:font script="Deva" typeface="Mangal"/>
+        <a:font script="Telu" typeface="Gautami"/>
+        <a:font script="Taml" typeface="Latha"/>
+        <a:font script="Syrc" typeface="Estrangelo Edessa"/>
+        <a:font script="Orya" typeface="Kalinga"/>
+        <a:font script="Mlym" typeface="Kartika"/>
+        <a:font script="Laoo" typeface="DokChampa"/>
+        <a:font script="Sinh" typeface="Iskoola Pota"/>
+        <a:font script="Mong" typeface="Mongolian Baiti"/>
+        <a:font script="Viet" typeface="Arial"/>
+        <a:font script="Uigh" typeface="Microsoft Uighur"/>
+        <a:font script="Geor" typeface="Sylfaen"/>
+        <a:font script="Armn" typeface="Arial"/>
+        <a:font script="Bugi" typeface="Leelawadee UI"/>
+        <a:font script="Bopo" typeface="Microsoft JhengHei"/>
+        <a:font script="Java" typeface="Javanese Text"/>
+        <a:font script="Lisu" typeface="Segoe UI"/>
+        <a:font script="Mymr" typeface="Myanmar Text"/>
+        <a:font script="Nkoo" typeface="Ebrima"/>
+        <a:font script="Olck" typeface="Nirmala UI"/>
+        <a:font script="Osma" typeface="Ebrima"/>
+        <a:font script="Phag" typeface="Phagspa"/>
+        <a:font script="Syrn" typeface="Estrangelo Edessa"/>
+        <a:font script="Syrj" typeface="Estrangelo Edessa"/>
+        <a:font script="Syre" typeface="Estrangelo Edessa"/>
+        <a:font script="Sora" typeface="Nirmala UI"/>
+        <a:font script="Tale" typeface="Microsoft Tai Le"/>
+        <a:font script="Talu" typeface="Microsoft New Tai Lue"/>
+        <a:font script="Tfng" typeface="Ebrima"/>
+      </a:minorFont>
+    </a:fontScheme>
+    <a:fmtScheme name="Office">
+      <a:fillStyleLst>
+        <a:solidFill>
+          <a:schemeClr val="phClr"/>
+        </a:solidFill>
+        <a:gradFill rotWithShape="1">
+          <a:gsLst>
+            <a:gs pos="0">
+              <a:schemeClr val="phClr">
+                <a:lumMod val="110000"/>
+                <a:satMod val="105000"/>
+                <a:tint val="67000"/>
+              </a:schemeClr>
+            </a:gs>
+            <a:gs pos="50000">
+              <a:schemeClr val="phClr">
+                <a:lumMod val="105000"/>
+                <a:satMod val="103000"/>
+                <a:tint val="73000"/>
+              </a:schemeClr>
+            </a:gs>
+            <a:gs pos="100000">
+              <a:schemeClr val="phClr">
+                <a:lumMod val="105000"/>
+                <a:satMod val="109000"/>
+                <a:tint val="81000"/>
+              </a:schemeClr>
+            </a:gs>
+          </a:gsLst>
+          <a:lin ang="5400000" scaled="0"/>
+        </a:gradFill>
+        <a:gradFill rotWithShape="1">
+          <a:gsLst>
+            <a:gs pos="0">
+              <a:schemeClr val="phClr">
+                <a:satMod val="103000"/>
+                <a:lumMod val="102000"/>
+                <a:tint val="94000"/>
+              </a:schemeClr>
+            </a:gs>
+            <a:gs pos="50000">
+              <a:schemeClr val="phClr">
+                <a:satMod val="110000"/>
+                <a:lumMod val="100000"/>
+                <a:shade val="100000"/>
+              </a:schemeClr>
+            </a:gs>
+            <a:gs pos="100000">
+              <a:schemeClr val="phClr">
+                <a:lumMod val="99000"/>
+                <a:satMod val="120000"/>
+                <a:shade val="78000"/>
+              </a:schemeClr>
+            </a:gs>
+          </a:gsLst>
+          <a:lin ang="5400000" scaled="0"/>
+        </a:gradFill>
+      </a:fillStyleLst>
+      <a:lnStyleLst>
+        <a:ln w="6350" cap="flat" cmpd="sng" algn="ctr">
+          <a:solidFill>
+            <a:schemeClr val="phClr"/>
+          </a:solidFill>
+          <a:prstDash val="solid"/>
+          <a:miter lim="800000"/>
+        </a:ln>
+        <a:ln w="12700" cap="flat" cmpd="sng" algn="ctr">
+          <a:solidFill>
+            <a:schemeClr val="phClr"/>
+          </a:solidFill>
+          <a:prstDash val="solid"/>
+          <a:miter lim="800000"/>
+        </a:ln>
+        <a:ln w="19050" cap="flat" cmpd="sng" algn="ctr">
+          <a:solidFill>
+            <a:schemeClr val="phClr"/>
+          </a:solidFill>
+          <a:prstDash val="solid"/>
+          <a:miter lim="800000"/>
+        </a:ln>
+      </a:lnStyleLst>
+      <a:effectStyleLst>
+        <a:effectStyle>
+          <a:effectLst/>
+        </a:effectStyle>
+        <a:effectStyle>
+          <a:effectLst/>
+        </a:effectStyle>
+        <a:effectStyle>
+          <a:effectLst>
+            <a:outerShdw blurRad="57150" dist="19050" dir="5400000" algn="ctr" rotWithShape="0">
+              <a:srgbClr val="000000">
+                <a:alpha val="63000"/>
+              </a:srgbClr>
+            </a:outerShdw>
+          </a:effectLst>
+        </a:effectStyle>
+      </a:effectStyleLst>
+      <a:bgFillStyleLst>
+        <a:solidFill>
+          <a:schemeClr val="phClr"/>
+        </a:solidFill>
+        <a:solidFill>
+          <a:schemeClr val="phClr">
+            <a:tint val="95000"/>
+            <a:satMod val="170000"/>
+          </a:schemeClr>
+        </a:solidFill>
+        <a:gradFill rotWithShape="1">
+          <a:gsLst>
+            <a:gs pos="0">
+              <a:schemeClr val="phClr">
+                <a:tint val="93000"/>
+                <a:satMod val="150000"/>
+                <a:shade val="98000"/>
+                <a:lumMod val="102000"/>
+              </a:schemeClr>
+            </a:gs>
+            <a:gs pos="50000">
+              <a:schemeClr val="phClr">
+                <a:tint val="98000"/>
+                <a:satMod val="130000"/>
+                <a:shade val="90000"/>
+                <a:lumMod val="103000"/>
+              </a:schemeClr>
+            </a:gs>
+            <a:gs pos="100000">
+              <a:schemeClr val="phClr">
+                <a:shade val="63000"/>
+                <a:satMod val="120000"/>
+              </a:schemeClr>
+            </a:gs>
+          </a:gsLst>
+          <a:lin ang="5400000" scaled="0"/>
+        </a:gradFill>
+      </a:bgFillStyleLst>
+    </a:fmtScheme>
+  </a:themeElements>
+  <a:objectDefaults/>
+  <a:extraClrSchemeLst/>
+  <a:extLst>
+    <a:ext uri="{05A4C25C-085E-4340-85A3-A5531E510DB2}">
+      <thm15:themeFamily xmlns:thm15="http://schemas.microsoft.com/office/thememl/2012/main" name="Office Theme" id="{62F939B6-93AF-4DB8-9C6B-D6C7DFDC589F}" vid="{4A3C46E8-61CC-4603-A589-7422A47A8E4A}"/>
+    </a:ext>
+  </a:extLst>
+</a:theme>
+</file>
+
 <file path=customXml/item1.xml><?xml version="1.0" encoding="utf-8"?>
 <ct:contentTypeSchema xmlns:ct="http://schemas.microsoft.com/office/2006/metadata/contentType" xmlns:ma="http://schemas.microsoft.com/office/2006/metadata/properties/metaAttributes" ct:_="" ma:_="" ma:contentTypeName="Document" ma:contentTypeID="0x010100F5F1F8B3346EB74787DC1D5AF27AB656" ma:contentTypeVersion="13" ma:contentTypeDescription="Create a new document." ma:contentTypeScope="" ma:versionID="54ba6ff363042cdf2db95d4651ac261e">
   <xsd:schema xmlns:xsd="http://www.w3.org/2001/XMLSchema" xmlns:xs="http://www.w3.org/2001/XMLSchema" xmlns:p="http://schemas.microsoft.com/office/2006/metadata/properties" xmlns:ns3="6da8cb74-d894-479b-aa29-cd56c5ce1d20" xmlns:ns4="2af54f07-59f7-4d82-a31c-55b6acc8ee4f" targetNamespace="http://schemas.microsoft.com/office/2006/metadata/properties" ma:root="true" ma:fieldsID="0004dfcf9202e7c7d7db94b27c9bc051" ns3:_="" ns4:_="">
@@ -8430,18 +9902,18 @@
 </file>
 
 <file path=customXml/item2.xml><?xml version="1.0" encoding="utf-8"?>
+<p:properties xmlns:p="http://schemas.microsoft.com/office/2006/metadata/properties" xmlns:xsi="http://www.w3.org/2001/XMLSchema-instance" xmlns:pc="http://schemas.microsoft.com/office/infopath/2007/PartnerControls">
+  <documentManagement/>
+</p:properties>
+</file>
+
+<file path=customXml/item3.xml><?xml version="1.0" encoding="utf-8"?>
 <?mso-contentType ?>
 <FormTemplates xmlns="http://schemas.microsoft.com/sharepoint/v3/contenttype/forms">
   <Display>DocumentLibraryForm</Display>
   <Edit>DocumentLibraryForm</Edit>
   <New>DocumentLibraryForm</New>
 </FormTemplates>
-</file>
-
-<file path=customXml/item3.xml><?xml version="1.0" encoding="utf-8"?>
-<p:properties xmlns:p="http://schemas.microsoft.com/office/2006/metadata/properties" xmlns:xsi="http://www.w3.org/2001/XMLSchema-instance" xmlns:pc="http://schemas.microsoft.com/office/infopath/2007/PartnerControls">
-  <documentManagement/>
-</p:properties>
 </file>
 
 <file path=customXml/itemProps1.xml><?xml version="1.0" encoding="utf-8"?>
@@ -8464,26 +9936,26 @@
 </file>
 
 <file path=customXml/itemProps2.xml><?xml version="1.0" encoding="utf-8"?>
+<ds:datastoreItem xmlns:ds="http://schemas.openxmlformats.org/officeDocument/2006/customXml" ds:itemID="{4EBE2BF2-22DB-4D88-AF36-5CDBA4646D6D}">
+  <ds:schemaRefs>
+    <ds:schemaRef ds:uri="http://schemas.microsoft.com/office/2006/documentManagement/types"/>
+    <ds:schemaRef ds:uri="http://purl.org/dc/terms/"/>
+    <ds:schemaRef ds:uri="http://purl.org/dc/dcmitype/"/>
+    <ds:schemaRef ds:uri="http://schemas.openxmlformats.org/package/2006/metadata/core-properties"/>
+    <ds:schemaRef ds:uri="http://schemas.microsoft.com/office/infopath/2007/PartnerControls"/>
+    <ds:schemaRef ds:uri="2af54f07-59f7-4d82-a31c-55b6acc8ee4f"/>
+    <ds:schemaRef ds:uri="http://purl.org/dc/elements/1.1/"/>
+    <ds:schemaRef ds:uri="6da8cb74-d894-479b-aa29-cd56c5ce1d20"/>
+    <ds:schemaRef ds:uri="http://schemas.microsoft.com/office/2006/metadata/properties"/>
+    <ds:schemaRef ds:uri="http://www.w3.org/XML/1998/namespace"/>
+  </ds:schemaRefs>
+</ds:datastoreItem>
+</file>
+
+<file path=customXml/itemProps3.xml><?xml version="1.0" encoding="utf-8"?>
 <ds:datastoreItem xmlns:ds="http://schemas.openxmlformats.org/officeDocument/2006/customXml" ds:itemID="{0EB861ED-9472-473D-94A6-59842396BC98}">
   <ds:schemaRefs>
     <ds:schemaRef ds:uri="http://schemas.microsoft.com/sharepoint/v3/contenttype/forms"/>
   </ds:schemaRefs>
 </ds:datastoreItem>
-</file>
-
-<file path=customXml/itemProps3.xml><?xml version="1.0" encoding="utf-8"?>
-<ds:datastoreItem xmlns:ds="http://schemas.openxmlformats.org/officeDocument/2006/customXml" ds:itemID="{4EBE2BF2-22DB-4D88-AF36-5CDBA4646D6D}">
-  <ds:schemaRefs>
-    <ds:schemaRef ds:uri="http://purl.org/dc/terms/"/>
-    <ds:schemaRef ds:uri="http://www.w3.org/XML/1998/namespace"/>
-    <ds:schemaRef ds:uri="2af54f07-59f7-4d82-a31c-55b6acc8ee4f"/>
-    <ds:schemaRef ds:uri="http://schemas.openxmlformats.org/package/2006/metadata/core-properties"/>
-    <ds:schemaRef ds:uri="http://schemas.microsoft.com/office/2006/documentManagement/types"/>
-    <ds:schemaRef ds:uri="http://purl.org/dc/elements/1.1/"/>
-    <ds:schemaRef ds:uri="http://purl.org/dc/dcmitype/"/>
-    <ds:schemaRef ds:uri="6da8cb74-d894-479b-aa29-cd56c5ce1d20"/>
-    <ds:schemaRef ds:uri="http://schemas.microsoft.com/office/infopath/2007/PartnerControls"/>
-    <ds:schemaRef ds:uri="http://schemas.microsoft.com/office/2006/metadata/properties"/>
-  </ds:schemaRefs>
-</ds:datastoreItem>
 </file>
--- a/Case Study – Budweiser Brewery Insights.pptx
+++ b/Case Study – Budweiser Brewery Insights.pptx
@@ -731,7 +731,7 @@
           <a:p>
             <a:fld id="{587976E5-DE37-402F-80A2-43261286172A}" type="datetimeFigureOut">
               <a:rPr lang="en-US" smtClean="0"/>
-              <a:t>2/29/2020</a:t>
+              <a:t>3/2/2020</a:t>
             </a:fld>
             <a:endParaRPr lang="en-US"/>
           </a:p>
@@ -1044,107 +1044,7 @@
           <a:p>
             <a:r>
               <a:rPr lang="en-US" dirty="0"/>
-              <a:t>Combined data set contains the following variables:</a:t>
-            </a:r>
-          </a:p>
-          <a:p>
-            <a:pPr marL="171450" indent="-171450">
-              <a:buFont typeface="Arial" panose="020B0604020202020204" pitchFamily="34" charset="0"/>
-              <a:buChar char="•"/>
-            </a:pPr>
-            <a:r>
-              <a:rPr lang="en-US" dirty="0"/>
-              <a:t>Brewery ID</a:t>
-            </a:r>
-          </a:p>
-          <a:p>
-            <a:pPr marL="171450" indent="-171450">
-              <a:buFont typeface="Arial" panose="020B0604020202020204" pitchFamily="34" charset="0"/>
-              <a:buChar char="•"/>
-            </a:pPr>
-            <a:r>
-              <a:rPr lang="en-US" dirty="0"/>
-              <a:t>Brewery name</a:t>
-            </a:r>
-          </a:p>
-          <a:p>
-            <a:pPr marL="171450" indent="-171450">
-              <a:buFont typeface="Arial" panose="020B0604020202020204" pitchFamily="34" charset="0"/>
-              <a:buChar char="•"/>
-            </a:pPr>
-            <a:r>
-              <a:rPr lang="en-US" dirty="0"/>
-              <a:t>Brewery location (city and state)</a:t>
-            </a:r>
-          </a:p>
-          <a:p>
-            <a:pPr marL="171450" indent="-171450">
-              <a:buFont typeface="Arial" panose="020B0604020202020204" pitchFamily="34" charset="0"/>
-              <a:buChar char="•"/>
-            </a:pPr>
-            <a:r>
-              <a:rPr lang="en-US" dirty="0"/>
-              <a:t>Beer name</a:t>
-            </a:r>
-          </a:p>
-          <a:p>
-            <a:pPr marL="171450" indent="-171450">
-              <a:buFont typeface="Arial" panose="020B0604020202020204" pitchFamily="34" charset="0"/>
-              <a:buChar char="•"/>
-            </a:pPr>
-            <a:r>
-              <a:rPr lang="en-US" dirty="0"/>
-              <a:t>Beer name and ID</a:t>
-            </a:r>
-          </a:p>
-          <a:p>
-            <a:pPr marL="628650" lvl="1" indent="-171450">
-              <a:buFont typeface="Arial" panose="020B0604020202020204" pitchFamily="34" charset="0"/>
-              <a:buChar char="•"/>
-            </a:pPr>
-            <a:r>
-              <a:rPr lang="en-US" dirty="0"/>
-              <a:t>(each row is a separate beer; this means the same locations, brewery names, and brewery IDs appear frequently)</a:t>
-            </a:r>
-          </a:p>
-          <a:p>
-            <a:pPr marL="171450" lvl="0" indent="-171450">
-              <a:buFont typeface="Arial" panose="020B0604020202020204" pitchFamily="34" charset="0"/>
-              <a:buChar char="•"/>
-            </a:pPr>
-            <a:r>
-              <a:rPr lang="en-US" dirty="0"/>
-              <a:t>ABV value for each beer</a:t>
-            </a:r>
-          </a:p>
-          <a:p>
-            <a:pPr marL="171450" lvl="0" indent="-171450">
-              <a:buFont typeface="Arial" panose="020B0604020202020204" pitchFamily="34" charset="0"/>
-              <a:buChar char="•"/>
-            </a:pPr>
-            <a:r>
-              <a:rPr lang="en-US" dirty="0"/>
-              <a:t>IBU value for each beer</a:t>
-            </a:r>
-          </a:p>
-          <a:p>
-            <a:pPr marL="171450" lvl="0" indent="-171450">
-              <a:buFont typeface="Arial" panose="020B0604020202020204" pitchFamily="34" charset="0"/>
-              <a:buChar char="•"/>
-            </a:pPr>
-            <a:r>
-              <a:rPr lang="en-US" dirty="0"/>
-              <a:t>Style of each beer</a:t>
-            </a:r>
-          </a:p>
-          <a:p>
-            <a:pPr marL="171450" lvl="0" indent="-171450">
-              <a:buFont typeface="Arial" panose="020B0604020202020204" pitchFamily="34" charset="0"/>
-              <a:buChar char="•"/>
-            </a:pPr>
-            <a:r>
-              <a:rPr lang="en-US" dirty="0"/>
-              <a:t>Volume in ounces that the beer is served by</a:t>
+              <a:t>&lt;Nick&gt;</a:t>
             </a:r>
           </a:p>
         </p:txBody>
@@ -1166,7 +1066,7 @@
           <a:p>
             <a:fld id="{8B9A31F3-5BFB-4F2B-BC32-158445D95065}" type="slidenum">
               <a:rPr lang="en-US" smtClean="0"/>
-              <a:t>3</a:t>
+              <a:t>1</a:t>
             </a:fld>
             <a:endParaRPr lang="en-US"/>
           </a:p>
@@ -1175,7 +1075,300 @@
     </p:spTree>
     <p:extLst>
       <p:ext uri="{BB962C8B-B14F-4D97-AF65-F5344CB8AC3E}">
-        <p14:creationId xmlns:p14="http://schemas.microsoft.com/office/powerpoint/2010/main" val="433717867"/>
+        <p14:creationId xmlns:p14="http://schemas.microsoft.com/office/powerpoint/2010/main" val="1971932917"/>
+      </p:ext>
+    </p:extLst>
+  </p:cSld>
+  <p:clrMapOvr>
+    <a:masterClrMapping/>
+  </p:clrMapOvr>
+</p:notes>
+</file>
+
+<file path=ppt/notesSlides/notesSlide10.xml><?xml version="1.0" encoding="utf-8"?>
+<p:notes xmlns:a="http://schemas.openxmlformats.org/drawingml/2006/main" xmlns:r="http://schemas.openxmlformats.org/officeDocument/2006/relationships" xmlns:p="http://schemas.openxmlformats.org/presentationml/2006/main">
+  <p:cSld>
+    <p:spTree>
+      <p:nvGrpSpPr>
+        <p:cNvPr id="1" name=""/>
+        <p:cNvGrpSpPr/>
+        <p:nvPr/>
+      </p:nvGrpSpPr>
+      <p:grpSpPr>
+        <a:xfrm>
+          <a:off x="0" y="0"/>
+          <a:ext cx="0" cy="0"/>
+          <a:chOff x="0" y="0"/>
+          <a:chExt cx="0" cy="0"/>
+        </a:xfrm>
+      </p:grpSpPr>
+      <p:sp>
+        <p:nvSpPr>
+          <p:cNvPr id="2" name="Slide Image Placeholder 1"/>
+          <p:cNvSpPr>
+            <a:spLocks noGrp="1" noRot="1" noChangeAspect="1"/>
+          </p:cNvSpPr>
+          <p:nvPr>
+            <p:ph type="sldImg"/>
+          </p:nvPr>
+        </p:nvSpPr>
+        <p:spPr/>
+      </p:sp>
+      <p:sp>
+        <p:nvSpPr>
+          <p:cNvPr id="3" name="Notes Placeholder 2"/>
+          <p:cNvSpPr>
+            <a:spLocks noGrp="1"/>
+          </p:cNvSpPr>
+          <p:nvPr>
+            <p:ph type="body" idx="1"/>
+          </p:nvPr>
+        </p:nvSpPr>
+        <p:spPr/>
+        <p:txBody>
+          <a:bodyPr/>
+          <a:lstStyle/>
+          <a:p>
+            <a:r>
+              <a:rPr lang="en-US" dirty="0"/>
+              <a:t>&lt;Indy&gt;</a:t>
+            </a:r>
+          </a:p>
+          <a:p>
+            <a:endParaRPr lang="en-US" dirty="0"/>
+          </a:p>
+          <a:p>
+            <a:r>
+              <a:rPr lang="en-US" dirty="0"/>
+              <a:t>Using both methods for accounting for missing data, there appears to be a moderate to moderately-strong correlation between increasing bitterness (IBU) and alcohol content (ABV).</a:t>
+            </a:r>
+          </a:p>
+          <a:p>
+            <a:r>
+              <a:rPr lang="en-US" dirty="0"/>
+              <a:t>Using method 1, the correlation between the two variables using Pearson’s </a:t>
+            </a:r>
+            <a:r>
+              <a:rPr lang="en-US" u="sng" dirty="0"/>
+              <a:t>R is 0.671 indicating a moderately strong connection.</a:t>
+            </a:r>
+          </a:p>
+          <a:p>
+            <a:r>
+              <a:rPr lang="en-US" dirty="0"/>
+              <a:t>Using method 2, the correlation between the two variables using Pearson’s </a:t>
+            </a:r>
+            <a:r>
+              <a:rPr lang="en-US" u="sng" dirty="0"/>
+              <a:t>R is 0.520 indicating a moderate connection.</a:t>
+            </a:r>
+          </a:p>
+          <a:p>
+            <a:endParaRPr lang="en-US" dirty="0"/>
+          </a:p>
+        </p:txBody>
+      </p:sp>
+      <p:sp>
+        <p:nvSpPr>
+          <p:cNvPr id="4" name="Slide Number Placeholder 3"/>
+          <p:cNvSpPr>
+            <a:spLocks noGrp="1"/>
+          </p:cNvSpPr>
+          <p:nvPr>
+            <p:ph type="sldNum" sz="quarter" idx="5"/>
+          </p:nvPr>
+        </p:nvSpPr>
+        <p:spPr/>
+        <p:txBody>
+          <a:bodyPr/>
+          <a:lstStyle/>
+          <a:p>
+            <a:fld id="{8B9A31F3-5BFB-4F2B-BC32-158445D95065}" type="slidenum">
+              <a:rPr lang="en-US" smtClean="0"/>
+              <a:t>10</a:t>
+            </a:fld>
+            <a:endParaRPr lang="en-US"/>
+          </a:p>
+        </p:txBody>
+      </p:sp>
+    </p:spTree>
+    <p:extLst>
+      <p:ext uri="{BB962C8B-B14F-4D97-AF65-F5344CB8AC3E}">
+        <p14:creationId xmlns:p14="http://schemas.microsoft.com/office/powerpoint/2010/main" val="2071996627"/>
+      </p:ext>
+    </p:extLst>
+  </p:cSld>
+  <p:clrMapOvr>
+    <a:masterClrMapping/>
+  </p:clrMapOvr>
+</p:notes>
+</file>
+
+<file path=ppt/notesSlides/notesSlide11.xml><?xml version="1.0" encoding="utf-8"?>
+<p:notes xmlns:a="http://schemas.openxmlformats.org/drawingml/2006/main" xmlns:r="http://schemas.openxmlformats.org/officeDocument/2006/relationships" xmlns:p="http://schemas.openxmlformats.org/presentationml/2006/main">
+  <p:cSld>
+    <p:spTree>
+      <p:nvGrpSpPr>
+        <p:cNvPr id="1" name=""/>
+        <p:cNvGrpSpPr/>
+        <p:nvPr/>
+      </p:nvGrpSpPr>
+      <p:grpSpPr>
+        <a:xfrm>
+          <a:off x="0" y="0"/>
+          <a:ext cx="0" cy="0"/>
+          <a:chOff x="0" y="0"/>
+          <a:chExt cx="0" cy="0"/>
+        </a:xfrm>
+      </p:grpSpPr>
+      <p:sp>
+        <p:nvSpPr>
+          <p:cNvPr id="2" name="Slide Image Placeholder 1"/>
+          <p:cNvSpPr>
+            <a:spLocks noGrp="1" noRot="1" noChangeAspect="1"/>
+          </p:cNvSpPr>
+          <p:nvPr>
+            <p:ph type="sldImg"/>
+          </p:nvPr>
+        </p:nvSpPr>
+        <p:spPr/>
+      </p:sp>
+      <p:sp>
+        <p:nvSpPr>
+          <p:cNvPr id="3" name="Notes Placeholder 2"/>
+          <p:cNvSpPr>
+            <a:spLocks noGrp="1"/>
+          </p:cNvSpPr>
+          <p:nvPr>
+            <p:ph type="body" idx="1"/>
+          </p:nvPr>
+        </p:nvSpPr>
+        <p:spPr/>
+        <p:txBody>
+          <a:bodyPr/>
+          <a:lstStyle/>
+          <a:p>
+            <a:r>
+              <a:rPr lang="en-US" dirty="0"/>
+              <a:t>&lt;Indy&gt;</a:t>
+            </a:r>
+          </a:p>
+        </p:txBody>
+      </p:sp>
+      <p:sp>
+        <p:nvSpPr>
+          <p:cNvPr id="4" name="Slide Number Placeholder 3"/>
+          <p:cNvSpPr>
+            <a:spLocks noGrp="1"/>
+          </p:cNvSpPr>
+          <p:nvPr>
+            <p:ph type="sldNum" sz="quarter" idx="5"/>
+          </p:nvPr>
+        </p:nvSpPr>
+        <p:spPr/>
+        <p:txBody>
+          <a:bodyPr/>
+          <a:lstStyle/>
+          <a:p>
+            <a:fld id="{8B9A31F3-5BFB-4F2B-BC32-158445D95065}" type="slidenum">
+              <a:rPr lang="en-US" smtClean="0"/>
+              <a:t>11</a:t>
+            </a:fld>
+            <a:endParaRPr lang="en-US"/>
+          </a:p>
+        </p:txBody>
+      </p:sp>
+    </p:spTree>
+    <p:extLst>
+      <p:ext uri="{BB962C8B-B14F-4D97-AF65-F5344CB8AC3E}">
+        <p14:creationId xmlns:p14="http://schemas.microsoft.com/office/powerpoint/2010/main" val="2610839003"/>
+      </p:ext>
+    </p:extLst>
+  </p:cSld>
+  <p:clrMapOvr>
+    <a:masterClrMapping/>
+  </p:clrMapOvr>
+</p:notes>
+</file>
+
+<file path=ppt/notesSlides/notesSlide12.xml><?xml version="1.0" encoding="utf-8"?>
+<p:notes xmlns:a="http://schemas.openxmlformats.org/drawingml/2006/main" xmlns:r="http://schemas.openxmlformats.org/officeDocument/2006/relationships" xmlns:p="http://schemas.openxmlformats.org/presentationml/2006/main">
+  <p:cSld>
+    <p:spTree>
+      <p:nvGrpSpPr>
+        <p:cNvPr id="1" name=""/>
+        <p:cNvGrpSpPr/>
+        <p:nvPr/>
+      </p:nvGrpSpPr>
+      <p:grpSpPr>
+        <a:xfrm>
+          <a:off x="0" y="0"/>
+          <a:ext cx="0" cy="0"/>
+          <a:chOff x="0" y="0"/>
+          <a:chExt cx="0" cy="0"/>
+        </a:xfrm>
+      </p:grpSpPr>
+      <p:sp>
+        <p:nvSpPr>
+          <p:cNvPr id="2" name="Slide Image Placeholder 1"/>
+          <p:cNvSpPr>
+            <a:spLocks noGrp="1" noRot="1" noChangeAspect="1"/>
+          </p:cNvSpPr>
+          <p:nvPr>
+            <p:ph type="sldImg"/>
+          </p:nvPr>
+        </p:nvSpPr>
+        <p:spPr/>
+      </p:sp>
+      <p:sp>
+        <p:nvSpPr>
+          <p:cNvPr id="3" name="Notes Placeholder 2"/>
+          <p:cNvSpPr>
+            <a:spLocks noGrp="1"/>
+          </p:cNvSpPr>
+          <p:nvPr>
+            <p:ph type="body" idx="1"/>
+          </p:nvPr>
+        </p:nvSpPr>
+        <p:spPr/>
+        <p:txBody>
+          <a:bodyPr/>
+          <a:lstStyle/>
+          <a:p>
+            <a:r>
+              <a:rPr lang="en-US" dirty="0"/>
+              <a:t>&lt;Indy&gt;</a:t>
+            </a:r>
+          </a:p>
+        </p:txBody>
+      </p:sp>
+      <p:sp>
+        <p:nvSpPr>
+          <p:cNvPr id="4" name="Slide Number Placeholder 3"/>
+          <p:cNvSpPr>
+            <a:spLocks noGrp="1"/>
+          </p:cNvSpPr>
+          <p:nvPr>
+            <p:ph type="sldNum" sz="quarter" idx="5"/>
+          </p:nvPr>
+        </p:nvSpPr>
+        <p:spPr/>
+        <p:txBody>
+          <a:bodyPr/>
+          <a:lstStyle/>
+          <a:p>
+            <a:fld id="{8B9A31F3-5BFB-4F2B-BC32-158445D95065}" type="slidenum">
+              <a:rPr lang="en-US" smtClean="0"/>
+              <a:t>12</a:t>
+            </a:fld>
+            <a:endParaRPr lang="en-US"/>
+          </a:p>
+        </p:txBody>
+      </p:sp>
+    </p:spTree>
+    <p:extLst>
+      <p:ext uri="{BB962C8B-B14F-4D97-AF65-F5344CB8AC3E}">
+        <p14:creationId xmlns:p14="http://schemas.microsoft.com/office/powerpoint/2010/main" val="3356089125"/>
       </p:ext>
     </p:extLst>
   </p:cSld>
@@ -1229,7 +1422,339 @@
           <a:bodyPr/>
           <a:lstStyle/>
           <a:p>
+            <a:r>
+              <a:rPr lang="en-US" dirty="0"/>
+              <a:t>&lt;Nick&gt;</a:t>
+            </a:r>
+          </a:p>
+        </p:txBody>
+      </p:sp>
+      <p:sp>
+        <p:nvSpPr>
+          <p:cNvPr id="4" name="Slide Number Placeholder 3"/>
+          <p:cNvSpPr>
+            <a:spLocks noGrp="1"/>
+          </p:cNvSpPr>
+          <p:nvPr>
+            <p:ph type="sldNum" sz="quarter" idx="5"/>
+          </p:nvPr>
+        </p:nvSpPr>
+        <p:spPr/>
+        <p:txBody>
+          <a:bodyPr/>
+          <a:lstStyle/>
+          <a:p>
+            <a:fld id="{8B9A31F3-5BFB-4F2B-BC32-158445D95065}" type="slidenum">
+              <a:rPr lang="en-US" smtClean="0"/>
+              <a:t>2</a:t>
+            </a:fld>
+            <a:endParaRPr lang="en-US"/>
+          </a:p>
+        </p:txBody>
+      </p:sp>
+    </p:spTree>
+    <p:extLst>
+      <p:ext uri="{BB962C8B-B14F-4D97-AF65-F5344CB8AC3E}">
+        <p14:creationId xmlns:p14="http://schemas.microsoft.com/office/powerpoint/2010/main" val="3692393693"/>
+      </p:ext>
+    </p:extLst>
+  </p:cSld>
+  <p:clrMapOvr>
+    <a:masterClrMapping/>
+  </p:clrMapOvr>
+</p:notes>
+</file>
+
+<file path=ppt/notesSlides/notesSlide3.xml><?xml version="1.0" encoding="utf-8"?>
+<p:notes xmlns:a="http://schemas.openxmlformats.org/drawingml/2006/main" xmlns:r="http://schemas.openxmlformats.org/officeDocument/2006/relationships" xmlns:p="http://schemas.openxmlformats.org/presentationml/2006/main">
+  <p:cSld>
+    <p:spTree>
+      <p:nvGrpSpPr>
+        <p:cNvPr id="1" name=""/>
+        <p:cNvGrpSpPr/>
+        <p:nvPr/>
+      </p:nvGrpSpPr>
+      <p:grpSpPr>
+        <a:xfrm>
+          <a:off x="0" y="0"/>
+          <a:ext cx="0" cy="0"/>
+          <a:chOff x="0" y="0"/>
+          <a:chExt cx="0" cy="0"/>
+        </a:xfrm>
+      </p:grpSpPr>
+      <p:sp>
+        <p:nvSpPr>
+          <p:cNvPr id="2" name="Slide Image Placeholder 1"/>
+          <p:cNvSpPr>
+            <a:spLocks noGrp="1" noRot="1" noChangeAspect="1"/>
+          </p:cNvSpPr>
+          <p:nvPr>
+            <p:ph type="sldImg"/>
+          </p:nvPr>
+        </p:nvSpPr>
+        <p:spPr/>
+      </p:sp>
+      <p:sp>
+        <p:nvSpPr>
+          <p:cNvPr id="3" name="Notes Placeholder 2"/>
+          <p:cNvSpPr>
+            <a:spLocks noGrp="1"/>
+          </p:cNvSpPr>
+          <p:nvPr>
+            <p:ph type="body" idx="1"/>
+          </p:nvPr>
+        </p:nvSpPr>
+        <p:spPr/>
+        <p:txBody>
+          <a:bodyPr/>
+          <a:lstStyle/>
+          <a:p>
+            <a:r>
+              <a:rPr lang="en-US" dirty="0"/>
+              <a:t>&lt;Jamie&gt;</a:t>
+            </a:r>
+          </a:p>
+          <a:p>
             <a:endParaRPr lang="en-US" dirty="0"/>
+          </a:p>
+          <a:p>
+            <a:r>
+              <a:rPr lang="en-US" dirty="0"/>
+              <a:t>Combined data set contains the following variables:</a:t>
+            </a:r>
+          </a:p>
+          <a:p>
+            <a:pPr marL="171450" indent="-171450">
+              <a:buFont typeface="Arial" panose="020B0604020202020204" pitchFamily="34" charset="0"/>
+              <a:buChar char="•"/>
+            </a:pPr>
+            <a:r>
+              <a:rPr lang="en-US" dirty="0"/>
+              <a:t>Brewery ID</a:t>
+            </a:r>
+          </a:p>
+          <a:p>
+            <a:pPr marL="171450" indent="-171450">
+              <a:buFont typeface="Arial" panose="020B0604020202020204" pitchFamily="34" charset="0"/>
+              <a:buChar char="•"/>
+            </a:pPr>
+            <a:r>
+              <a:rPr lang="en-US" dirty="0"/>
+              <a:t>Brewery name</a:t>
+            </a:r>
+          </a:p>
+          <a:p>
+            <a:pPr marL="171450" indent="-171450">
+              <a:buFont typeface="Arial" panose="020B0604020202020204" pitchFamily="34" charset="0"/>
+              <a:buChar char="•"/>
+            </a:pPr>
+            <a:r>
+              <a:rPr lang="en-US" dirty="0"/>
+              <a:t>Brewery location (city and state)</a:t>
+            </a:r>
+          </a:p>
+          <a:p>
+            <a:pPr marL="171450" indent="-171450">
+              <a:buFont typeface="Arial" panose="020B0604020202020204" pitchFamily="34" charset="0"/>
+              <a:buChar char="•"/>
+            </a:pPr>
+            <a:r>
+              <a:rPr lang="en-US" dirty="0"/>
+              <a:t>Beer name</a:t>
+            </a:r>
+          </a:p>
+          <a:p>
+            <a:pPr marL="171450" indent="-171450">
+              <a:buFont typeface="Arial" panose="020B0604020202020204" pitchFamily="34" charset="0"/>
+              <a:buChar char="•"/>
+            </a:pPr>
+            <a:r>
+              <a:rPr lang="en-US" dirty="0"/>
+              <a:t>Beer name and ID</a:t>
+            </a:r>
+          </a:p>
+          <a:p>
+            <a:pPr marL="628650" lvl="1" indent="-171450">
+              <a:buFont typeface="Arial" panose="020B0604020202020204" pitchFamily="34" charset="0"/>
+              <a:buChar char="•"/>
+            </a:pPr>
+            <a:r>
+              <a:rPr lang="en-US" dirty="0"/>
+              <a:t>(each row is a separate beer; this means the same locations, brewery names, and brewery IDs appear frequently)</a:t>
+            </a:r>
+          </a:p>
+          <a:p>
+            <a:pPr marL="171450" lvl="0" indent="-171450">
+              <a:buFont typeface="Arial" panose="020B0604020202020204" pitchFamily="34" charset="0"/>
+              <a:buChar char="•"/>
+            </a:pPr>
+            <a:r>
+              <a:rPr lang="en-US" dirty="0"/>
+              <a:t>ABV value for each beer</a:t>
+            </a:r>
+          </a:p>
+          <a:p>
+            <a:pPr marL="171450" lvl="0" indent="-171450">
+              <a:buFont typeface="Arial" panose="020B0604020202020204" pitchFamily="34" charset="0"/>
+              <a:buChar char="•"/>
+            </a:pPr>
+            <a:r>
+              <a:rPr lang="en-US" dirty="0"/>
+              <a:t>IBU value for each beer</a:t>
+            </a:r>
+          </a:p>
+          <a:p>
+            <a:pPr marL="171450" lvl="0" indent="-171450">
+              <a:buFont typeface="Arial" panose="020B0604020202020204" pitchFamily="34" charset="0"/>
+              <a:buChar char="•"/>
+            </a:pPr>
+            <a:r>
+              <a:rPr lang="en-US" dirty="0"/>
+              <a:t>Style of each beer</a:t>
+            </a:r>
+          </a:p>
+          <a:p>
+            <a:pPr marL="171450" lvl="0" indent="-171450">
+              <a:buFont typeface="Arial" panose="020B0604020202020204" pitchFamily="34" charset="0"/>
+              <a:buChar char="•"/>
+            </a:pPr>
+            <a:r>
+              <a:rPr lang="en-US" dirty="0"/>
+              <a:t>Volume in ounces that the beer is served by</a:t>
+            </a:r>
+          </a:p>
+          <a:p>
+            <a:pPr marL="171450" lvl="0" indent="-171450">
+              <a:buFont typeface="Arial" panose="020B0604020202020204" pitchFamily="34" charset="0"/>
+              <a:buChar char="•"/>
+            </a:pPr>
+            <a:endParaRPr lang="en-US" dirty="0"/>
+          </a:p>
+          <a:p>
+            <a:pPr marL="0" marR="0" lvl="0" indent="0" algn="l" defTabSz="914400" rtl="0" eaLnBrk="1" fontAlgn="auto" latinLnBrk="0" hangingPunct="1">
+              <a:lnSpc>
+                <a:spcPct val="100000"/>
+              </a:lnSpc>
+              <a:spcBef>
+                <a:spcPts val="0"/>
+              </a:spcBef>
+              <a:spcAft>
+                <a:spcPts val="0"/>
+              </a:spcAft>
+              <a:buClrTx/>
+              <a:buSzTx/>
+              <a:buFont typeface="Arial" panose="020B0604020202020204" pitchFamily="34" charset="0"/>
+              <a:buNone/>
+              <a:tabLst/>
+              <a:defRPr/>
+            </a:pPr>
+            <a:r>
+              <a:rPr lang="en-US" dirty="0"/>
+              <a:t>Colorado has 47 total breweries including two instances of Oskar Blues brewery.</a:t>
+            </a:r>
+          </a:p>
+          <a:p>
+            <a:pPr marL="171450" lvl="0" indent="-171450">
+              <a:buFont typeface="Arial" panose="020B0604020202020204" pitchFamily="34" charset="0"/>
+              <a:buChar char="•"/>
+            </a:pPr>
+            <a:endParaRPr lang="en-US" dirty="0"/>
+          </a:p>
+        </p:txBody>
+      </p:sp>
+      <p:sp>
+        <p:nvSpPr>
+          <p:cNvPr id="4" name="Slide Number Placeholder 3"/>
+          <p:cNvSpPr>
+            <a:spLocks noGrp="1"/>
+          </p:cNvSpPr>
+          <p:nvPr>
+            <p:ph type="sldNum" sz="quarter" idx="5"/>
+          </p:nvPr>
+        </p:nvSpPr>
+        <p:spPr/>
+        <p:txBody>
+          <a:bodyPr/>
+          <a:lstStyle/>
+          <a:p>
+            <a:fld id="{8B9A31F3-5BFB-4F2B-BC32-158445D95065}" type="slidenum">
+              <a:rPr lang="en-US" smtClean="0"/>
+              <a:t>3</a:t>
+            </a:fld>
+            <a:endParaRPr lang="en-US"/>
+          </a:p>
+        </p:txBody>
+      </p:sp>
+    </p:spTree>
+    <p:extLst>
+      <p:ext uri="{BB962C8B-B14F-4D97-AF65-F5344CB8AC3E}">
+        <p14:creationId xmlns:p14="http://schemas.microsoft.com/office/powerpoint/2010/main" val="433717867"/>
+      </p:ext>
+    </p:extLst>
+  </p:cSld>
+  <p:clrMapOvr>
+    <a:masterClrMapping/>
+  </p:clrMapOvr>
+</p:notes>
+</file>
+
+<file path=ppt/notesSlides/notesSlide4.xml><?xml version="1.0" encoding="utf-8"?>
+<p:notes xmlns:a="http://schemas.openxmlformats.org/drawingml/2006/main" xmlns:r="http://schemas.openxmlformats.org/officeDocument/2006/relationships" xmlns:p="http://schemas.openxmlformats.org/presentationml/2006/main">
+  <p:cSld>
+    <p:spTree>
+      <p:nvGrpSpPr>
+        <p:cNvPr id="1" name=""/>
+        <p:cNvGrpSpPr/>
+        <p:nvPr/>
+      </p:nvGrpSpPr>
+      <p:grpSpPr>
+        <a:xfrm>
+          <a:off x="0" y="0"/>
+          <a:ext cx="0" cy="0"/>
+          <a:chOff x="0" y="0"/>
+          <a:chExt cx="0" cy="0"/>
+        </a:xfrm>
+      </p:grpSpPr>
+      <p:sp>
+        <p:nvSpPr>
+          <p:cNvPr id="2" name="Slide Image Placeholder 1"/>
+          <p:cNvSpPr>
+            <a:spLocks noGrp="1" noRot="1" noChangeAspect="1"/>
+          </p:cNvSpPr>
+          <p:nvPr>
+            <p:ph type="sldImg"/>
+          </p:nvPr>
+        </p:nvSpPr>
+        <p:spPr/>
+      </p:sp>
+      <p:sp>
+        <p:nvSpPr>
+          <p:cNvPr id="3" name="Notes Placeholder 2"/>
+          <p:cNvSpPr>
+            <a:spLocks noGrp="1"/>
+          </p:cNvSpPr>
+          <p:nvPr>
+            <p:ph type="body" idx="1"/>
+          </p:nvPr>
+        </p:nvSpPr>
+        <p:spPr/>
+        <p:txBody>
+          <a:bodyPr/>
+          <a:lstStyle/>
+          <a:p>
+            <a:r>
+              <a:rPr lang="en-US" dirty="0"/>
+              <a:t>&lt;Jamie&gt;</a:t>
+            </a:r>
+          </a:p>
+          <a:p>
+            <a:endParaRPr lang="en-US" dirty="0"/>
+          </a:p>
+          <a:p>
+            <a:r>
+              <a:rPr lang="en-US" dirty="0"/>
+              <a:t>Colorado has 47 total breweries including two instances of Oskar Blue</a:t>
+            </a:r>
           </a:p>
         </p:txBody>
       </p:sp>
@@ -1260,6 +1785,519 @@
     <p:extLst>
       <p:ext uri="{BB962C8B-B14F-4D97-AF65-F5344CB8AC3E}">
         <p14:creationId xmlns:p14="http://schemas.microsoft.com/office/powerpoint/2010/main" val="4192428054"/>
+      </p:ext>
+    </p:extLst>
+  </p:cSld>
+  <p:clrMapOvr>
+    <a:masterClrMapping/>
+  </p:clrMapOvr>
+</p:notes>
+</file>
+
+<file path=ppt/notesSlides/notesSlide5.xml><?xml version="1.0" encoding="utf-8"?>
+<p:notes xmlns:a="http://schemas.openxmlformats.org/drawingml/2006/main" xmlns:r="http://schemas.openxmlformats.org/officeDocument/2006/relationships" xmlns:p="http://schemas.openxmlformats.org/presentationml/2006/main">
+  <p:cSld>
+    <p:spTree>
+      <p:nvGrpSpPr>
+        <p:cNvPr id="1" name=""/>
+        <p:cNvGrpSpPr/>
+        <p:nvPr/>
+      </p:nvGrpSpPr>
+      <p:grpSpPr>
+        <a:xfrm>
+          <a:off x="0" y="0"/>
+          <a:ext cx="0" cy="0"/>
+          <a:chOff x="0" y="0"/>
+          <a:chExt cx="0" cy="0"/>
+        </a:xfrm>
+      </p:grpSpPr>
+      <p:sp>
+        <p:nvSpPr>
+          <p:cNvPr id="2" name="Slide Image Placeholder 1"/>
+          <p:cNvSpPr>
+            <a:spLocks noGrp="1" noRot="1" noChangeAspect="1"/>
+          </p:cNvSpPr>
+          <p:nvPr>
+            <p:ph type="sldImg"/>
+          </p:nvPr>
+        </p:nvSpPr>
+        <p:spPr/>
+      </p:sp>
+      <p:sp>
+        <p:nvSpPr>
+          <p:cNvPr id="3" name="Notes Placeholder 2"/>
+          <p:cNvSpPr>
+            <a:spLocks noGrp="1"/>
+          </p:cNvSpPr>
+          <p:nvPr>
+            <p:ph type="body" idx="1"/>
+          </p:nvPr>
+        </p:nvSpPr>
+        <p:spPr/>
+        <p:txBody>
+          <a:bodyPr/>
+          <a:lstStyle/>
+          <a:p>
+            <a:pPr marL="0" marR="0" lvl="0" indent="0" algn="l" defTabSz="914400" rtl="0" eaLnBrk="1" fontAlgn="auto" latinLnBrk="0" hangingPunct="1">
+              <a:lnSpc>
+                <a:spcPct val="100000"/>
+              </a:lnSpc>
+              <a:spcBef>
+                <a:spcPts val="0"/>
+              </a:spcBef>
+              <a:spcAft>
+                <a:spcPts val="0"/>
+              </a:spcAft>
+              <a:buClrTx/>
+              <a:buSzTx/>
+              <a:buFontTx/>
+              <a:buNone/>
+              <a:tabLst/>
+              <a:defRPr/>
+            </a:pPr>
+            <a:r>
+              <a:rPr lang="en-US" dirty="0"/>
+              <a:t>&lt;Jamie&gt;</a:t>
+            </a:r>
+          </a:p>
+          <a:p>
+            <a:pPr marL="0" marR="0" lvl="0" indent="0" algn="l" defTabSz="914400" rtl="0" eaLnBrk="1" fontAlgn="auto" latinLnBrk="0" hangingPunct="1">
+              <a:lnSpc>
+                <a:spcPct val="100000"/>
+              </a:lnSpc>
+              <a:spcBef>
+                <a:spcPts val="0"/>
+              </a:spcBef>
+              <a:spcAft>
+                <a:spcPts val="0"/>
+              </a:spcAft>
+              <a:buClrTx/>
+              <a:buSzTx/>
+              <a:buFontTx/>
+              <a:buNone/>
+              <a:tabLst/>
+              <a:defRPr/>
+            </a:pPr>
+            <a:endParaRPr lang="en-US" dirty="0"/>
+          </a:p>
+          <a:p>
+            <a:pPr marL="0" marR="0" lvl="0" indent="0" algn="l" defTabSz="914400" rtl="0" eaLnBrk="1" fontAlgn="auto" latinLnBrk="0" hangingPunct="1">
+              <a:lnSpc>
+                <a:spcPct val="100000"/>
+              </a:lnSpc>
+              <a:spcBef>
+                <a:spcPts val="0"/>
+              </a:spcBef>
+              <a:spcAft>
+                <a:spcPts val="0"/>
+              </a:spcAft>
+              <a:buClrTx/>
+              <a:buSzTx/>
+              <a:buFontTx/>
+              <a:buNone/>
+              <a:tabLst/>
+              <a:defRPr/>
+            </a:pPr>
+            <a:r>
+              <a:rPr lang="en-US" dirty="0"/>
+              <a:t>Colorado has 47 total breweries including two instances of Oskar Blues brewery.</a:t>
+            </a:r>
+          </a:p>
+          <a:p>
+            <a:endParaRPr lang="en-US" dirty="0"/>
+          </a:p>
+        </p:txBody>
+      </p:sp>
+      <p:sp>
+        <p:nvSpPr>
+          <p:cNvPr id="4" name="Slide Number Placeholder 3"/>
+          <p:cNvSpPr>
+            <a:spLocks noGrp="1"/>
+          </p:cNvSpPr>
+          <p:nvPr>
+            <p:ph type="sldNum" sz="quarter" idx="5"/>
+          </p:nvPr>
+        </p:nvSpPr>
+        <p:spPr/>
+        <p:txBody>
+          <a:bodyPr/>
+          <a:lstStyle/>
+          <a:p>
+            <a:fld id="{8B9A31F3-5BFB-4F2B-BC32-158445D95065}" type="slidenum">
+              <a:rPr lang="en-US" smtClean="0"/>
+              <a:t>5</a:t>
+            </a:fld>
+            <a:endParaRPr lang="en-US"/>
+          </a:p>
+        </p:txBody>
+      </p:sp>
+    </p:spTree>
+    <p:extLst>
+      <p:ext uri="{BB962C8B-B14F-4D97-AF65-F5344CB8AC3E}">
+        <p14:creationId xmlns:p14="http://schemas.microsoft.com/office/powerpoint/2010/main" val="916781328"/>
+      </p:ext>
+    </p:extLst>
+  </p:cSld>
+  <p:clrMapOvr>
+    <a:masterClrMapping/>
+  </p:clrMapOvr>
+</p:notes>
+</file>
+
+<file path=ppt/notesSlides/notesSlide6.xml><?xml version="1.0" encoding="utf-8"?>
+<p:notes xmlns:a="http://schemas.openxmlformats.org/drawingml/2006/main" xmlns:r="http://schemas.openxmlformats.org/officeDocument/2006/relationships" xmlns:p="http://schemas.openxmlformats.org/presentationml/2006/main">
+  <p:cSld>
+    <p:spTree>
+      <p:nvGrpSpPr>
+        <p:cNvPr id="1" name=""/>
+        <p:cNvGrpSpPr/>
+        <p:nvPr/>
+      </p:nvGrpSpPr>
+      <p:grpSpPr>
+        <a:xfrm>
+          <a:off x="0" y="0"/>
+          <a:ext cx="0" cy="0"/>
+          <a:chOff x="0" y="0"/>
+          <a:chExt cx="0" cy="0"/>
+        </a:xfrm>
+      </p:grpSpPr>
+      <p:sp>
+        <p:nvSpPr>
+          <p:cNvPr id="2" name="Slide Image Placeholder 1"/>
+          <p:cNvSpPr>
+            <a:spLocks noGrp="1" noRot="1" noChangeAspect="1"/>
+          </p:cNvSpPr>
+          <p:nvPr>
+            <p:ph type="sldImg"/>
+          </p:nvPr>
+        </p:nvSpPr>
+        <p:spPr/>
+      </p:sp>
+      <p:sp>
+        <p:nvSpPr>
+          <p:cNvPr id="3" name="Notes Placeholder 2"/>
+          <p:cNvSpPr>
+            <a:spLocks noGrp="1"/>
+          </p:cNvSpPr>
+          <p:nvPr>
+            <p:ph type="body" idx="1"/>
+          </p:nvPr>
+        </p:nvSpPr>
+        <p:spPr/>
+        <p:txBody>
+          <a:bodyPr/>
+          <a:lstStyle/>
+          <a:p>
+            <a:r>
+              <a:rPr lang="en-US" dirty="0"/>
+              <a:t>&lt;Nick&gt;</a:t>
+            </a:r>
+          </a:p>
+        </p:txBody>
+      </p:sp>
+      <p:sp>
+        <p:nvSpPr>
+          <p:cNvPr id="4" name="Slide Number Placeholder 3"/>
+          <p:cNvSpPr>
+            <a:spLocks noGrp="1"/>
+          </p:cNvSpPr>
+          <p:nvPr>
+            <p:ph type="sldNum" sz="quarter" idx="5"/>
+          </p:nvPr>
+        </p:nvSpPr>
+        <p:spPr/>
+        <p:txBody>
+          <a:bodyPr/>
+          <a:lstStyle/>
+          <a:p>
+            <a:fld id="{8B9A31F3-5BFB-4F2B-BC32-158445D95065}" type="slidenum">
+              <a:rPr lang="en-US" smtClean="0"/>
+              <a:t>6</a:t>
+            </a:fld>
+            <a:endParaRPr lang="en-US"/>
+          </a:p>
+        </p:txBody>
+      </p:sp>
+    </p:spTree>
+    <p:extLst>
+      <p:ext uri="{BB962C8B-B14F-4D97-AF65-F5344CB8AC3E}">
+        <p14:creationId xmlns:p14="http://schemas.microsoft.com/office/powerpoint/2010/main" val="3684399016"/>
+      </p:ext>
+    </p:extLst>
+  </p:cSld>
+  <p:clrMapOvr>
+    <a:masterClrMapping/>
+  </p:clrMapOvr>
+</p:notes>
+</file>
+
+<file path=ppt/notesSlides/notesSlide7.xml><?xml version="1.0" encoding="utf-8"?>
+<p:notes xmlns:a="http://schemas.openxmlformats.org/drawingml/2006/main" xmlns:r="http://schemas.openxmlformats.org/officeDocument/2006/relationships" xmlns:p="http://schemas.openxmlformats.org/presentationml/2006/main">
+  <p:cSld>
+    <p:spTree>
+      <p:nvGrpSpPr>
+        <p:cNvPr id="1" name=""/>
+        <p:cNvGrpSpPr/>
+        <p:nvPr/>
+      </p:nvGrpSpPr>
+      <p:grpSpPr>
+        <a:xfrm>
+          <a:off x="0" y="0"/>
+          <a:ext cx="0" cy="0"/>
+          <a:chOff x="0" y="0"/>
+          <a:chExt cx="0" cy="0"/>
+        </a:xfrm>
+      </p:grpSpPr>
+      <p:sp>
+        <p:nvSpPr>
+          <p:cNvPr id="2" name="Slide Image Placeholder 1"/>
+          <p:cNvSpPr>
+            <a:spLocks noGrp="1" noRot="1" noChangeAspect="1"/>
+          </p:cNvSpPr>
+          <p:nvPr>
+            <p:ph type="sldImg"/>
+          </p:nvPr>
+        </p:nvSpPr>
+        <p:spPr/>
+      </p:sp>
+      <p:sp>
+        <p:nvSpPr>
+          <p:cNvPr id="3" name="Notes Placeholder 2"/>
+          <p:cNvSpPr>
+            <a:spLocks noGrp="1"/>
+          </p:cNvSpPr>
+          <p:nvPr>
+            <p:ph type="body" idx="1"/>
+          </p:nvPr>
+        </p:nvSpPr>
+        <p:spPr/>
+        <p:txBody>
+          <a:bodyPr/>
+          <a:lstStyle/>
+          <a:p>
+            <a:r>
+              <a:rPr lang="en-US" dirty="0"/>
+              <a:t>&lt;Nick&gt;</a:t>
+            </a:r>
+          </a:p>
+        </p:txBody>
+      </p:sp>
+      <p:sp>
+        <p:nvSpPr>
+          <p:cNvPr id="4" name="Slide Number Placeholder 3"/>
+          <p:cNvSpPr>
+            <a:spLocks noGrp="1"/>
+          </p:cNvSpPr>
+          <p:nvPr>
+            <p:ph type="sldNum" sz="quarter" idx="5"/>
+          </p:nvPr>
+        </p:nvSpPr>
+        <p:spPr/>
+        <p:txBody>
+          <a:bodyPr/>
+          <a:lstStyle/>
+          <a:p>
+            <a:fld id="{8B9A31F3-5BFB-4F2B-BC32-158445D95065}" type="slidenum">
+              <a:rPr lang="en-US" smtClean="0"/>
+              <a:t>7</a:t>
+            </a:fld>
+            <a:endParaRPr lang="en-US"/>
+          </a:p>
+        </p:txBody>
+      </p:sp>
+    </p:spTree>
+    <p:extLst>
+      <p:ext uri="{BB962C8B-B14F-4D97-AF65-F5344CB8AC3E}">
+        <p14:creationId xmlns:p14="http://schemas.microsoft.com/office/powerpoint/2010/main" val="2432844047"/>
+      </p:ext>
+    </p:extLst>
+  </p:cSld>
+  <p:clrMapOvr>
+    <a:masterClrMapping/>
+  </p:clrMapOvr>
+</p:notes>
+</file>
+
+<file path=ppt/notesSlides/notesSlide8.xml><?xml version="1.0" encoding="utf-8"?>
+<p:notes xmlns:a="http://schemas.openxmlformats.org/drawingml/2006/main" xmlns:r="http://schemas.openxmlformats.org/officeDocument/2006/relationships" xmlns:p="http://schemas.openxmlformats.org/presentationml/2006/main">
+  <p:cSld>
+    <p:spTree>
+      <p:nvGrpSpPr>
+        <p:cNvPr id="1" name=""/>
+        <p:cNvGrpSpPr/>
+        <p:nvPr/>
+      </p:nvGrpSpPr>
+      <p:grpSpPr>
+        <a:xfrm>
+          <a:off x="0" y="0"/>
+          <a:ext cx="0" cy="0"/>
+          <a:chOff x="0" y="0"/>
+          <a:chExt cx="0" cy="0"/>
+        </a:xfrm>
+      </p:grpSpPr>
+      <p:sp>
+        <p:nvSpPr>
+          <p:cNvPr id="2" name="Slide Image Placeholder 1"/>
+          <p:cNvSpPr>
+            <a:spLocks noGrp="1" noRot="1" noChangeAspect="1"/>
+          </p:cNvSpPr>
+          <p:nvPr>
+            <p:ph type="sldImg"/>
+          </p:nvPr>
+        </p:nvSpPr>
+        <p:spPr/>
+      </p:sp>
+      <p:sp>
+        <p:nvSpPr>
+          <p:cNvPr id="3" name="Notes Placeholder 2"/>
+          <p:cNvSpPr>
+            <a:spLocks noGrp="1"/>
+          </p:cNvSpPr>
+          <p:nvPr>
+            <p:ph type="body" idx="1"/>
+          </p:nvPr>
+        </p:nvSpPr>
+        <p:spPr/>
+        <p:txBody>
+          <a:bodyPr/>
+          <a:lstStyle/>
+          <a:p>
+            <a:r>
+              <a:rPr lang="en-US" dirty="0"/>
+              <a:t>&lt;Nick&gt;</a:t>
+            </a:r>
+          </a:p>
+        </p:txBody>
+      </p:sp>
+      <p:sp>
+        <p:nvSpPr>
+          <p:cNvPr id="4" name="Slide Number Placeholder 3"/>
+          <p:cNvSpPr>
+            <a:spLocks noGrp="1"/>
+          </p:cNvSpPr>
+          <p:nvPr>
+            <p:ph type="sldNum" sz="quarter" idx="5"/>
+          </p:nvPr>
+        </p:nvSpPr>
+        <p:spPr/>
+        <p:txBody>
+          <a:bodyPr/>
+          <a:lstStyle/>
+          <a:p>
+            <a:fld id="{8B9A31F3-5BFB-4F2B-BC32-158445D95065}" type="slidenum">
+              <a:rPr lang="en-US" smtClean="0"/>
+              <a:t>8</a:t>
+            </a:fld>
+            <a:endParaRPr lang="en-US"/>
+          </a:p>
+        </p:txBody>
+      </p:sp>
+    </p:spTree>
+    <p:extLst>
+      <p:ext uri="{BB962C8B-B14F-4D97-AF65-F5344CB8AC3E}">
+        <p14:creationId xmlns:p14="http://schemas.microsoft.com/office/powerpoint/2010/main" val="2580473908"/>
+      </p:ext>
+    </p:extLst>
+  </p:cSld>
+  <p:clrMapOvr>
+    <a:masterClrMapping/>
+  </p:clrMapOvr>
+</p:notes>
+</file>
+
+<file path=ppt/notesSlides/notesSlide9.xml><?xml version="1.0" encoding="utf-8"?>
+<p:notes xmlns:a="http://schemas.openxmlformats.org/drawingml/2006/main" xmlns:r="http://schemas.openxmlformats.org/officeDocument/2006/relationships" xmlns:p="http://schemas.openxmlformats.org/presentationml/2006/main">
+  <p:cSld>
+    <p:spTree>
+      <p:nvGrpSpPr>
+        <p:cNvPr id="1" name=""/>
+        <p:cNvGrpSpPr/>
+        <p:nvPr/>
+      </p:nvGrpSpPr>
+      <p:grpSpPr>
+        <a:xfrm>
+          <a:off x="0" y="0"/>
+          <a:ext cx="0" cy="0"/>
+          <a:chOff x="0" y="0"/>
+          <a:chExt cx="0" cy="0"/>
+        </a:xfrm>
+      </p:grpSpPr>
+      <p:sp>
+        <p:nvSpPr>
+          <p:cNvPr id="2" name="Slide Image Placeholder 1"/>
+          <p:cNvSpPr>
+            <a:spLocks noGrp="1" noRot="1" noChangeAspect="1"/>
+          </p:cNvSpPr>
+          <p:nvPr>
+            <p:ph type="sldImg"/>
+          </p:nvPr>
+        </p:nvSpPr>
+        <p:spPr/>
+      </p:sp>
+      <p:sp>
+        <p:nvSpPr>
+          <p:cNvPr id="3" name="Notes Placeholder 2"/>
+          <p:cNvSpPr>
+            <a:spLocks noGrp="1"/>
+          </p:cNvSpPr>
+          <p:nvPr>
+            <p:ph type="body" idx="1"/>
+          </p:nvPr>
+        </p:nvSpPr>
+        <p:spPr/>
+        <p:txBody>
+          <a:bodyPr/>
+          <a:lstStyle/>
+          <a:p>
+            <a:r>
+              <a:rPr lang="en-US" dirty="0"/>
+              <a:t>&lt;Nick&gt;</a:t>
+            </a:r>
+          </a:p>
+          <a:p>
+            <a:r>
+              <a:rPr lang="en-US" dirty="0"/>
+              <a:t>Why we chose median over average</a:t>
+            </a:r>
+          </a:p>
+          <a:p>
+            <a:endParaRPr lang="en-US" dirty="0"/>
+          </a:p>
+          <a:p>
+            <a:r>
+              <a:rPr lang="en-US" dirty="0"/>
+              <a:t>Values of lowest and highest ABV &amp; IBU</a:t>
+            </a:r>
+          </a:p>
+        </p:txBody>
+      </p:sp>
+      <p:sp>
+        <p:nvSpPr>
+          <p:cNvPr id="4" name="Slide Number Placeholder 3"/>
+          <p:cNvSpPr>
+            <a:spLocks noGrp="1"/>
+          </p:cNvSpPr>
+          <p:nvPr>
+            <p:ph type="sldNum" sz="quarter" idx="5"/>
+          </p:nvPr>
+        </p:nvSpPr>
+        <p:spPr/>
+        <p:txBody>
+          <a:bodyPr/>
+          <a:lstStyle/>
+          <a:p>
+            <a:fld id="{8B9A31F3-5BFB-4F2B-BC32-158445D95065}" type="slidenum">
+              <a:rPr lang="en-US" smtClean="0"/>
+              <a:t>9</a:t>
+            </a:fld>
+            <a:endParaRPr lang="en-US"/>
+          </a:p>
+        </p:txBody>
+      </p:sp>
+    </p:spTree>
+    <p:extLst>
+      <p:ext uri="{BB962C8B-B14F-4D97-AF65-F5344CB8AC3E}">
+        <p14:creationId xmlns:p14="http://schemas.microsoft.com/office/powerpoint/2010/main" val="3920298705"/>
       </p:ext>
     </p:extLst>
   </p:cSld>
@@ -1402,7 +2440,7 @@
           <a:p>
             <a:fld id="{89D19D7F-CB56-4001-AAA7-58EDBA2CCA3C}" type="datetimeFigureOut">
               <a:rPr lang="en-US" smtClean="0"/>
-              <a:t>2/29/2020</a:t>
+              <a:t>3/2/2020</a:t>
             </a:fld>
             <a:endParaRPr lang="en-US"/>
           </a:p>
@@ -1689,7 +2727,7 @@
           <a:p>
             <a:fld id="{89D19D7F-CB56-4001-AAA7-58EDBA2CCA3C}" type="datetimeFigureOut">
               <a:rPr lang="en-US" smtClean="0"/>
-              <a:t>2/29/2020</a:t>
+              <a:t>3/2/2020</a:t>
             </a:fld>
             <a:endParaRPr lang="en-US"/>
           </a:p>
@@ -1881,7 +2919,7 @@
           <a:p>
             <a:fld id="{89D19D7F-CB56-4001-AAA7-58EDBA2CCA3C}" type="datetimeFigureOut">
               <a:rPr lang="en-US" smtClean="0"/>
-              <a:t>2/29/2020</a:t>
+              <a:t>3/2/2020</a:t>
             </a:fld>
             <a:endParaRPr lang="en-US"/>
           </a:p>
@@ -2142,7 +3180,7 @@
           <a:p>
             <a:fld id="{89D19D7F-CB56-4001-AAA7-58EDBA2CCA3C}" type="datetimeFigureOut">
               <a:rPr lang="en-US" smtClean="0"/>
-              <a:t>2/29/2020</a:t>
+              <a:t>3/2/2020</a:t>
             </a:fld>
             <a:endParaRPr lang="en-US"/>
           </a:p>
@@ -2566,7 +3604,7 @@
           <a:p>
             <a:fld id="{89D19D7F-CB56-4001-AAA7-58EDBA2CCA3C}" type="datetimeFigureOut">
               <a:rPr lang="en-US" smtClean="0"/>
-              <a:t>2/29/2020</a:t>
+              <a:t>3/2/2020</a:t>
             </a:fld>
             <a:endParaRPr lang="en-US"/>
           </a:p>
@@ -3112,7 +4150,7 @@
           <a:p>
             <a:fld id="{89D19D7F-CB56-4001-AAA7-58EDBA2CCA3C}" type="datetimeFigureOut">
               <a:rPr lang="en-US" smtClean="0"/>
-              <a:t>2/29/2020</a:t>
+              <a:t>3/2/2020</a:t>
             </a:fld>
             <a:endParaRPr lang="en-US"/>
           </a:p>
@@ -3952,7 +4990,7 @@
           <a:p>
             <a:fld id="{89D19D7F-CB56-4001-AAA7-58EDBA2CCA3C}" type="datetimeFigureOut">
               <a:rPr lang="en-US" smtClean="0"/>
-              <a:t>2/29/2020</a:t>
+              <a:t>3/2/2020</a:t>
             </a:fld>
             <a:endParaRPr lang="en-US"/>
           </a:p>
@@ -4122,7 +5160,7 @@
           <a:p>
             <a:fld id="{89D19D7F-CB56-4001-AAA7-58EDBA2CCA3C}" type="datetimeFigureOut">
               <a:rPr lang="en-US" smtClean="0"/>
-              <a:t>2/29/2020</a:t>
+              <a:t>3/2/2020</a:t>
             </a:fld>
             <a:endParaRPr lang="en-US"/>
           </a:p>
@@ -4306,7 +5344,7 @@
           <a:p>
             <a:fld id="{89D19D7F-CB56-4001-AAA7-58EDBA2CCA3C}" type="datetimeFigureOut">
               <a:rPr lang="en-US" smtClean="0"/>
-              <a:t>2/29/2020</a:t>
+              <a:t>3/2/2020</a:t>
             </a:fld>
             <a:endParaRPr lang="en-US"/>
           </a:p>
@@ -4476,7 +5514,7 @@
           <a:p>
             <a:fld id="{89D19D7F-CB56-4001-AAA7-58EDBA2CCA3C}" type="datetimeFigureOut">
               <a:rPr lang="en-US" smtClean="0"/>
-              <a:t>2/29/2020</a:t>
+              <a:t>3/2/2020</a:t>
             </a:fld>
             <a:endParaRPr lang="en-US"/>
           </a:p>
@@ -4724,7 +5762,7 @@
           <a:p>
             <a:fld id="{89D19D7F-CB56-4001-AAA7-58EDBA2CCA3C}" type="datetimeFigureOut">
               <a:rPr lang="en-US" smtClean="0"/>
-              <a:t>2/29/2020</a:t>
+              <a:t>3/2/2020</a:t>
             </a:fld>
             <a:endParaRPr lang="en-US"/>
           </a:p>
@@ -4961,7 +5999,7 @@
           <a:p>
             <a:fld id="{89D19D7F-CB56-4001-AAA7-58EDBA2CCA3C}" type="datetimeFigureOut">
               <a:rPr lang="en-US" smtClean="0"/>
-              <a:t>2/29/2020</a:t>
+              <a:t>3/2/2020</a:t>
             </a:fld>
             <a:endParaRPr lang="en-US"/>
           </a:p>
@@ -5334,7 +6372,7 @@
           <a:p>
             <a:fld id="{89D19D7F-CB56-4001-AAA7-58EDBA2CCA3C}" type="datetimeFigureOut">
               <a:rPr lang="en-US" smtClean="0"/>
-              <a:t>2/29/2020</a:t>
+              <a:t>3/2/2020</a:t>
             </a:fld>
             <a:endParaRPr lang="en-US"/>
           </a:p>
@@ -5452,7 +6490,7 @@
           <a:p>
             <a:fld id="{89D19D7F-CB56-4001-AAA7-58EDBA2CCA3C}" type="datetimeFigureOut">
               <a:rPr lang="en-US" smtClean="0"/>
-              <a:t>2/29/2020</a:t>
+              <a:t>3/2/2020</a:t>
             </a:fld>
             <a:endParaRPr lang="en-US"/>
           </a:p>
@@ -5547,7 +6585,7 @@
           <a:p>
             <a:fld id="{89D19D7F-CB56-4001-AAA7-58EDBA2CCA3C}" type="datetimeFigureOut">
               <a:rPr lang="en-US" smtClean="0"/>
-              <a:t>2/29/2020</a:t>
+              <a:t>3/2/2020</a:t>
             </a:fld>
             <a:endParaRPr lang="en-US"/>
           </a:p>
@@ -5798,7 +6836,7 @@
           <a:p>
             <a:fld id="{89D19D7F-CB56-4001-AAA7-58EDBA2CCA3C}" type="datetimeFigureOut">
               <a:rPr lang="en-US" smtClean="0"/>
-              <a:t>2/29/2020</a:t>
+              <a:t>3/2/2020</a:t>
             </a:fld>
             <a:endParaRPr lang="en-US"/>
           </a:p>
@@ -6085,7 +7123,7 @@
           <a:p>
             <a:fld id="{89D19D7F-CB56-4001-AAA7-58EDBA2CCA3C}" type="datetimeFigureOut">
               <a:rPr lang="en-US" smtClean="0"/>
-              <a:t>2/29/2020</a:t>
+              <a:t>3/2/2020</a:t>
             </a:fld>
             <a:endParaRPr lang="en-US"/>
           </a:p>
@@ -6298,7 +7336,7 @@
           <a:p>
             <a:fld id="{89D19D7F-CB56-4001-AAA7-58EDBA2CCA3C}" type="datetimeFigureOut">
               <a:rPr lang="en-US" smtClean="0"/>
-              <a:t>2/29/2020</a:t>
+              <a:t>3/2/2020</a:t>
             </a:fld>
             <a:endParaRPr lang="en-US"/>
           </a:p>
@@ -6924,7 +7962,7 @@
             <a:pPr algn="l"/>
             <a:r>
               <a:rPr lang="en-US" dirty="0"/>
-              <a:t>Relationship between ABV &amp; IBU</a:t>
+              <a:t>Initial insight: ABV &amp; IBU</a:t>
             </a:r>
           </a:p>
         </p:txBody>
@@ -6952,13 +7990,13 @@
           <a:p>
             <a:r>
               <a:rPr lang="en-US" dirty="0"/>
-              <a:t>Using both methods for accounting for missing data, there appears to be a moderate to moderately-strong correlation between increasing bitterness (IBU) and alcohol content (ABV).</a:t>
+              <a:t>Moderate to moderately-strong correlation.</a:t>
             </a:r>
           </a:p>
           <a:p>
             <a:r>
               <a:rPr lang="en-US" dirty="0"/>
-              <a:t>Using method 1, the correlation between the two variables using Pearson’s </a:t>
+              <a:t>Using method 1: </a:t>
             </a:r>
             <a:r>
               <a:rPr lang="en-US" u="sng" dirty="0"/>
@@ -6968,7 +8006,7 @@
           <a:p>
             <a:r>
               <a:rPr lang="en-US" dirty="0"/>
-              <a:t>Using method 2, the correlation between the two variables using Pearson’s </a:t>
+              <a:t>Using method 2: </a:t>
             </a:r>
             <a:r>
               <a:rPr lang="en-US" u="sng" dirty="0"/>
@@ -7051,7 +8089,7 @@
           <p:nvPr/>
         </p:nvPicPr>
         <p:blipFill>
-          <a:blip r:embed="rId2"/>
+          <a:blip r:embed="rId3"/>
           <a:stretch>
             <a:fillRect/>
           </a:stretch>
@@ -7159,7 +8197,7 @@
           </p:nvPr>
         </p:nvPicPr>
         <p:blipFill>
-          <a:blip r:embed="rId2">
+          <a:blip r:embed="rId3">
             <a:extLst>
               <a:ext uri="{28A0092B-C50C-407E-A947-70E740481C1C}">
                 <a14:useLocalDpi xmlns:a14="http://schemas.microsoft.com/office/drawing/2010/main" val="0"/>
@@ -7237,16 +8275,12 @@
               <a:buChar char="•"/>
             </a:pPr>
             <a:r>
-              <a:rPr lang="en-US" dirty="0" err="1"/>
-              <a:t>Indhy</a:t>
-            </a:r>
-            <a:r>
               <a:rPr lang="en-US" dirty="0"/>
-              <a:t> Dhillon (</a:t>
+              <a:t>Indy Dhillon (</a:t>
             </a:r>
             <a:r>
               <a:rPr lang="en-US" dirty="0">
-                <a:hlinkClick r:id="rId3"/>
+                <a:hlinkClick r:id="rId4"/>
               </a:rPr>
               <a:t>idhillon@smu.edu</a:t>
             </a:r>
@@ -7266,7 +8300,7 @@
             </a:r>
             <a:r>
               <a:rPr lang="en-US" dirty="0">
-                <a:hlinkClick r:id="rId4"/>
+                <a:hlinkClick r:id="rId5"/>
               </a:rPr>
               <a:t>jamiev@smu.edu</a:t>
             </a:r>
@@ -7286,7 +8320,7 @@
             </a:r>
             <a:r>
               <a:rPr lang="en-US" dirty="0">
-                <a:hlinkClick r:id="rId5"/>
+                <a:hlinkClick r:id="rId6"/>
               </a:rPr>
               <a:t>nicholasb@smu.edu</a:t>
             </a:r>
@@ -7656,7 +8690,7 @@
           <p:nvPr/>
         </p:nvPicPr>
         <p:blipFill>
-          <a:blip r:embed="rId2"/>
+          <a:blip r:embed="rId3"/>
           <a:stretch>
             <a:fillRect/>
           </a:stretch>
@@ -7828,7 +8862,7 @@
           <a:p>
             <a:r>
               <a:rPr lang="en-US" dirty="0"/>
-              <a:t>Merged based on brewery ID</a:t>
+              <a:t>Merged based using brewery ID</a:t>
             </a:r>
           </a:p>
           <a:p>
@@ -7953,7 +8987,7 @@
           <p:nvPr/>
         </p:nvPicPr>
         <p:blipFill>
-          <a:blip r:embed="rId2"/>
+          <a:blip r:embed="rId3"/>
           <a:stretch>
             <a:fillRect/>
           </a:stretch>
@@ -9902,18 +10936,18 @@
 </file>
 
 <file path=customXml/item2.xml><?xml version="1.0" encoding="utf-8"?>
-<p:properties xmlns:p="http://schemas.microsoft.com/office/2006/metadata/properties" xmlns:xsi="http://www.w3.org/2001/XMLSchema-instance" xmlns:pc="http://schemas.microsoft.com/office/infopath/2007/PartnerControls">
-  <documentManagement/>
-</p:properties>
-</file>
-
-<file path=customXml/item3.xml><?xml version="1.0" encoding="utf-8"?>
 <?mso-contentType ?>
 <FormTemplates xmlns="http://schemas.microsoft.com/sharepoint/v3/contenttype/forms">
   <Display>DocumentLibraryForm</Display>
   <Edit>DocumentLibraryForm</Edit>
   <New>DocumentLibraryForm</New>
 </FormTemplates>
+</file>
+
+<file path=customXml/item3.xml><?xml version="1.0" encoding="utf-8"?>
+<p:properties xmlns:p="http://schemas.microsoft.com/office/2006/metadata/properties" xmlns:xsi="http://www.w3.org/2001/XMLSchema-instance" xmlns:pc="http://schemas.microsoft.com/office/infopath/2007/PartnerControls">
+  <documentManagement/>
+</p:properties>
 </file>
 
 <file path=customXml/itemProps1.xml><?xml version="1.0" encoding="utf-8"?>
@@ -9936,6 +10970,14 @@
 </file>
 
 <file path=customXml/itemProps2.xml><?xml version="1.0" encoding="utf-8"?>
+<ds:datastoreItem xmlns:ds="http://schemas.openxmlformats.org/officeDocument/2006/customXml" ds:itemID="{0EB861ED-9472-473D-94A6-59842396BC98}">
+  <ds:schemaRefs>
+    <ds:schemaRef ds:uri="http://schemas.microsoft.com/sharepoint/v3/contenttype/forms"/>
+  </ds:schemaRefs>
+</ds:datastoreItem>
+</file>
+
+<file path=customXml/itemProps3.xml><?xml version="1.0" encoding="utf-8"?>
 <ds:datastoreItem xmlns:ds="http://schemas.openxmlformats.org/officeDocument/2006/customXml" ds:itemID="{4EBE2BF2-22DB-4D88-AF36-5CDBA4646D6D}">
   <ds:schemaRefs>
     <ds:schemaRef ds:uri="http://schemas.microsoft.com/office/2006/documentManagement/types"/>
@@ -9950,12 +10992,4 @@
     <ds:schemaRef ds:uri="http://www.w3.org/XML/1998/namespace"/>
   </ds:schemaRefs>
 </ds:datastoreItem>
-</file>
-
-<file path=customXml/itemProps3.xml><?xml version="1.0" encoding="utf-8"?>
-<ds:datastoreItem xmlns:ds="http://schemas.openxmlformats.org/officeDocument/2006/customXml" ds:itemID="{0EB861ED-9472-473D-94A6-59842396BC98}">
-  <ds:schemaRefs>
-    <ds:schemaRef ds:uri="http://schemas.microsoft.com/sharepoint/v3/contenttype/forms"/>
-  </ds:schemaRefs>
-</ds:datastoreItem>
 </file>
--- a/Case Study – Budweiser Brewery Insights.pptx
+++ b/Case Study – Budweiser Brewery Insights.pptx
@@ -8914,10 +8914,10 @@
       </p:grpSpPr>
       <p:pic>
         <p:nvPicPr>
-          <p:cNvPr id="4" name="Picture 3">
+          <p:cNvPr id="3" name="Picture 2">
             <a:extLst>
               <a:ext uri="{FF2B5EF4-FFF2-40B4-BE49-F238E27FC236}">
-                <a16:creationId xmlns:a16="http://schemas.microsoft.com/office/drawing/2014/main" id="{8351C8F7-ED8C-4390-BCB3-CB3C39702269}"/>
+                <a16:creationId xmlns:a16="http://schemas.microsoft.com/office/drawing/2014/main" id="{04BC66D1-B03C-4A27-9F6E-379A2AFB5B6A}"/>
               </a:ext>
             </a:extLst>
           </p:cNvPr>
@@ -8934,8 +8934,8 @@
         </p:blipFill>
         <p:spPr>
           <a:xfrm>
-            <a:off x="0" y="-382"/>
-            <a:ext cx="12186432" cy="6855631"/>
+            <a:off x="0" y="74919"/>
+            <a:ext cx="12192000" cy="6708162"/>
           </a:xfrm>
           <a:prstGeom prst="rect">
             <a:avLst/>

--- a/Case Study – Budweiser Brewery Insights.pptx
+++ b/Case Study – Budweiser Brewery Insights.pptx
@@ -5,23 +5,30 @@
     <p:sldMasterId id="2147483738" r:id="rId4"/>
   </p:sldMasterIdLst>
   <p:notesMasterIdLst>
-    <p:notesMasterId r:id="rId19"/>
+    <p:notesMasterId r:id="rId26"/>
   </p:notesMasterIdLst>
   <p:sldIdLst>
     <p:sldId id="256" r:id="rId5"/>
-    <p:sldId id="263" r:id="rId6"/>
-    <p:sldId id="268" r:id="rId7"/>
-    <p:sldId id="269" r:id="rId8"/>
-    <p:sldId id="270" r:id="rId9"/>
-    <p:sldId id="271" r:id="rId10"/>
-    <p:sldId id="264" r:id="rId11"/>
-    <p:sldId id="265" r:id="rId12"/>
-    <p:sldId id="272" r:id="rId13"/>
-    <p:sldId id="267" r:id="rId14"/>
-    <p:sldId id="266" r:id="rId15"/>
-    <p:sldId id="260" r:id="rId16"/>
-    <p:sldId id="257" r:id="rId17"/>
-    <p:sldId id="258" r:id="rId18"/>
+    <p:sldId id="274" r:id="rId6"/>
+    <p:sldId id="275" r:id="rId7"/>
+    <p:sldId id="263" r:id="rId8"/>
+    <p:sldId id="268" r:id="rId9"/>
+    <p:sldId id="269" r:id="rId10"/>
+    <p:sldId id="270" r:id="rId11"/>
+    <p:sldId id="276" r:id="rId12"/>
+    <p:sldId id="271" r:id="rId13"/>
+    <p:sldId id="277" r:id="rId14"/>
+    <p:sldId id="264" r:id="rId15"/>
+    <p:sldId id="265" r:id="rId16"/>
+    <p:sldId id="272" r:id="rId17"/>
+    <p:sldId id="279" r:id="rId18"/>
+    <p:sldId id="278" r:id="rId19"/>
+    <p:sldId id="267" r:id="rId20"/>
+    <p:sldId id="266" r:id="rId21"/>
+    <p:sldId id="273" r:id="rId22"/>
+    <p:sldId id="260" r:id="rId23"/>
+    <p:sldId id="257" r:id="rId24"/>
+    <p:sldId id="258" r:id="rId25"/>
   </p:sldIdLst>
   <p:sldSz cx="12192000" cy="6858000"/>
   <p:notesSz cx="6858000" cy="9144000"/>
@@ -126,16 +133,23 @@
         <p14:section name="Default Section" id="{1941AB4B-D7CA-4B78-944A-83B934152E7C}">
           <p14:sldIdLst>
             <p14:sldId id="256"/>
+            <p14:sldId id="274"/>
+            <p14:sldId id="275"/>
             <p14:sldId id="263"/>
             <p14:sldId id="268"/>
             <p14:sldId id="269"/>
             <p14:sldId id="270"/>
+            <p14:sldId id="276"/>
             <p14:sldId id="271"/>
+            <p14:sldId id="277"/>
             <p14:sldId id="264"/>
             <p14:sldId id="265"/>
             <p14:sldId id="272"/>
+            <p14:sldId id="279"/>
+            <p14:sldId id="278"/>
             <p14:sldId id="267"/>
             <p14:sldId id="266"/>
+            <p14:sldId id="273"/>
             <p14:sldId id="260"/>
           </p14:sldIdLst>
         </p14:section>
@@ -152,501 +166,6 @@
     </p:ext>
   </p:extLst>
 </p:presentation>
-</file>
-
-<file path=ppt/changesInfos/changesInfo1.xml><?xml version="1.0" encoding="utf-8"?>
-<pc:chgInfo xmlns:a="http://schemas.openxmlformats.org/drawingml/2006/main" xmlns:r="http://schemas.openxmlformats.org/officeDocument/2006/relationships" xmlns:ac="http://schemas.microsoft.com/office/drawing/2013/main/command" xmlns:pc="http://schemas.microsoft.com/office/powerpoint/2013/main/command">
-  <pc:docChgLst>
-    <pc:chgData name="Blair, Nick" userId="319c0f44-7eb0-4c97-bcdf-c55a65605a60" providerId="ADAL" clId="{B4E288FF-C251-45A1-93AC-72F36BAB82CE}"/>
-    <pc:docChg chg="undo redo custSel addSld delSld modSld sldOrd modSection">
-      <pc:chgData name="Blair, Nick" userId="319c0f44-7eb0-4c97-bcdf-c55a65605a60" providerId="ADAL" clId="{B4E288FF-C251-45A1-93AC-72F36BAB82CE}" dt="2020-03-01T00:44:20.123" v="2939"/>
-      <pc:docMkLst>
-        <pc:docMk/>
-      </pc:docMkLst>
-      <pc:sldChg chg="modSp">
-        <pc:chgData name="Blair, Nick" userId="319c0f44-7eb0-4c97-bcdf-c55a65605a60" providerId="ADAL" clId="{B4E288FF-C251-45A1-93AC-72F36BAB82CE}" dt="2020-02-29T23:09:34.274" v="1181" actId="20577"/>
-        <pc:sldMkLst>
-          <pc:docMk/>
-          <pc:sldMk cId="66014416" sldId="256"/>
-        </pc:sldMkLst>
-        <pc:spChg chg="mod">
-          <ac:chgData name="Blair, Nick" userId="319c0f44-7eb0-4c97-bcdf-c55a65605a60" providerId="ADAL" clId="{B4E288FF-C251-45A1-93AC-72F36BAB82CE}" dt="2020-02-29T23:09:34.274" v="1181" actId="20577"/>
-          <ac:spMkLst>
-            <pc:docMk/>
-            <pc:sldMk cId="66014416" sldId="256"/>
-            <ac:spMk id="3" creationId="{09E5057A-C657-44EB-83B7-3D9D0755398A}"/>
-          </ac:spMkLst>
-        </pc:spChg>
-      </pc:sldChg>
-      <pc:sldChg chg="modSp">
-        <pc:chgData name="Blair, Nick" userId="319c0f44-7eb0-4c97-bcdf-c55a65605a60" providerId="ADAL" clId="{B4E288FF-C251-45A1-93AC-72F36BAB82CE}" dt="2020-02-25T23:26:47.816" v="44" actId="20577"/>
-        <pc:sldMkLst>
-          <pc:docMk/>
-          <pc:sldMk cId="3686214534" sldId="258"/>
-        </pc:sldMkLst>
-        <pc:spChg chg="mod">
-          <ac:chgData name="Blair, Nick" userId="319c0f44-7eb0-4c97-bcdf-c55a65605a60" providerId="ADAL" clId="{B4E288FF-C251-45A1-93AC-72F36BAB82CE}" dt="2020-02-25T23:26:47.816" v="44" actId="20577"/>
-          <ac:spMkLst>
-            <pc:docMk/>
-            <pc:sldMk cId="3686214534" sldId="258"/>
-            <ac:spMk id="2" creationId="{E24F9319-CF8A-4126-9C3F-43B41E6CCF0E}"/>
-          </ac:spMkLst>
-        </pc:spChg>
-      </pc:sldChg>
-      <pc:sldChg chg="addSp modSp add del">
-        <pc:chgData name="Blair, Nick" userId="319c0f44-7eb0-4c97-bcdf-c55a65605a60" providerId="ADAL" clId="{B4E288FF-C251-45A1-93AC-72F36BAB82CE}" dt="2020-03-01T00:36:50.401" v="2487" actId="2696"/>
-        <pc:sldMkLst>
-          <pc:docMk/>
-          <pc:sldMk cId="1985903419" sldId="261"/>
-        </pc:sldMkLst>
-        <pc:spChg chg="mod">
-          <ac:chgData name="Blair, Nick" userId="319c0f44-7eb0-4c97-bcdf-c55a65605a60" providerId="ADAL" clId="{B4E288FF-C251-45A1-93AC-72F36BAB82CE}" dt="2020-02-25T23:35:53.677" v="344" actId="1076"/>
-          <ac:spMkLst>
-            <pc:docMk/>
-            <pc:sldMk cId="1985903419" sldId="261"/>
-            <ac:spMk id="2" creationId="{E24F9319-CF8A-4126-9C3F-43B41E6CCF0E}"/>
-          </ac:spMkLst>
-        </pc:spChg>
-        <pc:spChg chg="mod">
-          <ac:chgData name="Blair, Nick" userId="319c0f44-7eb0-4c97-bcdf-c55a65605a60" providerId="ADAL" clId="{B4E288FF-C251-45A1-93AC-72F36BAB82CE}" dt="2020-02-25T23:37:53.906" v="368" actId="20577"/>
-          <ac:spMkLst>
-            <pc:docMk/>
-            <pc:sldMk cId="1985903419" sldId="261"/>
-            <ac:spMk id="3" creationId="{F224934F-5312-4B36-B34F-3A9AD2B66559}"/>
-          </ac:spMkLst>
-        </pc:spChg>
-        <pc:picChg chg="add mod">
-          <ac:chgData name="Blair, Nick" userId="319c0f44-7eb0-4c97-bcdf-c55a65605a60" providerId="ADAL" clId="{B4E288FF-C251-45A1-93AC-72F36BAB82CE}" dt="2020-02-25T23:37:48.453" v="352" actId="1076"/>
-          <ac:picMkLst>
-            <pc:docMk/>
-            <pc:sldMk cId="1985903419" sldId="261"/>
-            <ac:picMk id="4" creationId="{E93660CE-5BEA-4C27-8E8D-66ED19024220}"/>
-          </ac:picMkLst>
-        </pc:picChg>
-      </pc:sldChg>
-      <pc:sldChg chg="addSp modSp add">
-        <pc:chgData name="Blair, Nick" userId="319c0f44-7eb0-4c97-bcdf-c55a65605a60" providerId="ADAL" clId="{B4E288FF-C251-45A1-93AC-72F36BAB82CE}" dt="2020-02-29T23:55:19.940" v="1364" actId="20577"/>
-        <pc:sldMkLst>
-          <pc:docMk/>
-          <pc:sldMk cId="2633596023" sldId="263"/>
-        </pc:sldMkLst>
-        <pc:spChg chg="mod">
-          <ac:chgData name="Blair, Nick" userId="319c0f44-7eb0-4c97-bcdf-c55a65605a60" providerId="ADAL" clId="{B4E288FF-C251-45A1-93AC-72F36BAB82CE}" dt="2020-02-29T23:54:58.123" v="1307" actId="20577"/>
-          <ac:spMkLst>
-            <pc:docMk/>
-            <pc:sldMk cId="2633596023" sldId="263"/>
-            <ac:spMk id="2" creationId="{02E15039-390B-4BBE-ADB6-CF6399AC436D}"/>
-          </ac:spMkLst>
-        </pc:spChg>
-        <pc:spChg chg="mod">
-          <ac:chgData name="Blair, Nick" userId="319c0f44-7eb0-4c97-bcdf-c55a65605a60" providerId="ADAL" clId="{B4E288FF-C251-45A1-93AC-72F36BAB82CE}" dt="2020-02-29T23:55:19.940" v="1364" actId="20577"/>
-          <ac:spMkLst>
-            <pc:docMk/>
-            <pc:sldMk cId="2633596023" sldId="263"/>
-            <ac:spMk id="3" creationId="{BA0D8CDB-94C8-4035-BE9C-CB2AC2301CC3}"/>
-          </ac:spMkLst>
-        </pc:spChg>
-        <pc:spChg chg="add mod">
-          <ac:chgData name="Blair, Nick" userId="319c0f44-7eb0-4c97-bcdf-c55a65605a60" providerId="ADAL" clId="{B4E288FF-C251-45A1-93AC-72F36BAB82CE}" dt="2020-02-25T23:34:25.878" v="285"/>
-          <ac:spMkLst>
-            <pc:docMk/>
-            <pc:sldMk cId="2633596023" sldId="263"/>
-            <ac:spMk id="5" creationId="{E1B686E5-D1AC-49E7-B424-DF115AF4BD03}"/>
-          </ac:spMkLst>
-        </pc:spChg>
-        <pc:picChg chg="add mod">
-          <ac:chgData name="Blair, Nick" userId="319c0f44-7eb0-4c97-bcdf-c55a65605a60" providerId="ADAL" clId="{B4E288FF-C251-45A1-93AC-72F36BAB82CE}" dt="2020-02-25T23:34:03.953" v="282" actId="1076"/>
-          <ac:picMkLst>
-            <pc:docMk/>
-            <pc:sldMk cId="2633596023" sldId="263"/>
-            <ac:picMk id="4" creationId="{A8DF9C2B-4E0C-4681-B2AD-4E83C5B86F63}"/>
-          </ac:picMkLst>
-        </pc:picChg>
-      </pc:sldChg>
-      <pc:sldChg chg="addSp delSp modSp add del">
-        <pc:chgData name="Blair, Nick" userId="319c0f44-7eb0-4c97-bcdf-c55a65605a60" providerId="ADAL" clId="{B4E288FF-C251-45A1-93AC-72F36BAB82CE}" dt="2020-03-01T00:43:34.036" v="2929" actId="2696"/>
-        <pc:sldMkLst>
-          <pc:docMk/>
-          <pc:sldMk cId="204486914" sldId="264"/>
-        </pc:sldMkLst>
-        <pc:spChg chg="mod">
-          <ac:chgData name="Blair, Nick" userId="319c0f44-7eb0-4c97-bcdf-c55a65605a60" providerId="ADAL" clId="{B4E288FF-C251-45A1-93AC-72F36BAB82CE}" dt="2020-03-01T00:43:24.033" v="2926" actId="20577"/>
-          <ac:spMkLst>
-            <pc:docMk/>
-            <pc:sldMk cId="204486914" sldId="264"/>
-            <ac:spMk id="2" creationId="{F3612843-29AB-4571-A1AA-DD16C56C044A}"/>
-          </ac:spMkLst>
-        </pc:spChg>
-        <pc:spChg chg="mod">
-          <ac:chgData name="Blair, Nick" userId="319c0f44-7eb0-4c97-bcdf-c55a65605a60" providerId="ADAL" clId="{B4E288FF-C251-45A1-93AC-72F36BAB82CE}" dt="2020-02-25T23:42:18.318" v="571"/>
-          <ac:spMkLst>
-            <pc:docMk/>
-            <pc:sldMk cId="204486914" sldId="264"/>
-            <ac:spMk id="3" creationId="{DD2D0848-D496-4924-ABB2-F45AD458F1BA}"/>
-          </ac:spMkLst>
-        </pc:spChg>
-        <pc:spChg chg="del mod">
-          <ac:chgData name="Blair, Nick" userId="319c0f44-7eb0-4c97-bcdf-c55a65605a60" providerId="ADAL" clId="{B4E288FF-C251-45A1-93AC-72F36BAB82CE}" dt="2020-02-25T23:43:17.022" v="575" actId="478"/>
-          <ac:spMkLst>
-            <pc:docMk/>
-            <pc:sldMk cId="204486914" sldId="264"/>
-            <ac:spMk id="4" creationId="{A31FD061-7ED4-4D5F-B360-2A7320E03268}"/>
-          </ac:spMkLst>
-        </pc:spChg>
-        <pc:spChg chg="add del mod">
-          <ac:chgData name="Blair, Nick" userId="319c0f44-7eb0-4c97-bcdf-c55a65605a60" providerId="ADAL" clId="{B4E288FF-C251-45A1-93AC-72F36BAB82CE}" dt="2020-02-25T23:43:18.731" v="576" actId="478"/>
-          <ac:spMkLst>
-            <pc:docMk/>
-            <pc:sldMk cId="204486914" sldId="264"/>
-            <ac:spMk id="6" creationId="{3065F73F-2BAA-4F3A-83E5-FED9118FC0A5}"/>
-          </ac:spMkLst>
-        </pc:spChg>
-        <pc:spChg chg="add del">
-          <ac:chgData name="Blair, Nick" userId="319c0f44-7eb0-4c97-bcdf-c55a65605a60" providerId="ADAL" clId="{B4E288FF-C251-45A1-93AC-72F36BAB82CE}" dt="2020-02-25T23:43:51.012" v="580"/>
-          <ac:spMkLst>
-            <pc:docMk/>
-            <pc:sldMk cId="204486914" sldId="264"/>
-            <ac:spMk id="7" creationId="{1FC36A8B-D095-4F2E-B655-9C842C5B20BC}"/>
-          </ac:spMkLst>
-        </pc:spChg>
-        <pc:spChg chg="add mod">
-          <ac:chgData name="Blair, Nick" userId="319c0f44-7eb0-4c97-bcdf-c55a65605a60" providerId="ADAL" clId="{B4E288FF-C251-45A1-93AC-72F36BAB82CE}" dt="2020-02-26T01:10:45.915" v="1179" actId="207"/>
-          <ac:spMkLst>
-            <pc:docMk/>
-            <pc:sldMk cId="204486914" sldId="264"/>
-            <ac:spMk id="8" creationId="{F19DD31E-AF75-4BF0-BCEB-1F07ACE00D08}"/>
-          </ac:spMkLst>
-        </pc:spChg>
-      </pc:sldChg>
-      <pc:sldChg chg="add">
-        <pc:chgData name="Blair, Nick" userId="319c0f44-7eb0-4c97-bcdf-c55a65605a60" providerId="ADAL" clId="{B4E288FF-C251-45A1-93AC-72F36BAB82CE}" dt="2020-03-01T00:43:40.525" v="2931"/>
-        <pc:sldMkLst>
-          <pc:docMk/>
-          <pc:sldMk cId="3339882765" sldId="264"/>
-        </pc:sldMkLst>
-      </pc:sldChg>
-      <pc:sldChg chg="add">
-        <pc:chgData name="Blair, Nick" userId="319c0f44-7eb0-4c97-bcdf-c55a65605a60" providerId="ADAL" clId="{B4E288FF-C251-45A1-93AC-72F36BAB82CE}" dt="2020-03-01T00:43:40.525" v="2931"/>
-        <pc:sldMkLst>
-          <pc:docMk/>
-          <pc:sldMk cId="1533358323" sldId="265"/>
-        </pc:sldMkLst>
-      </pc:sldChg>
-      <pc:sldChg chg="modSp add del">
-        <pc:chgData name="Blair, Nick" userId="319c0f44-7eb0-4c97-bcdf-c55a65605a60" providerId="ADAL" clId="{B4E288FF-C251-45A1-93AC-72F36BAB82CE}" dt="2020-03-01T00:43:34.043" v="2930" actId="2696"/>
-        <pc:sldMkLst>
-          <pc:docMk/>
-          <pc:sldMk cId="4048555361" sldId="265"/>
-        </pc:sldMkLst>
-        <pc:spChg chg="mod">
-          <ac:chgData name="Blair, Nick" userId="319c0f44-7eb0-4c97-bcdf-c55a65605a60" providerId="ADAL" clId="{B4E288FF-C251-45A1-93AC-72F36BAB82CE}" dt="2020-03-01T00:43:30.729" v="2928"/>
-          <ac:spMkLst>
-            <pc:docMk/>
-            <pc:sldMk cId="4048555361" sldId="265"/>
-            <ac:spMk id="2" creationId="{F3612843-29AB-4571-A1AA-DD16C56C044A}"/>
-          </ac:spMkLst>
-        </pc:spChg>
-        <pc:spChg chg="mod">
-          <ac:chgData name="Blair, Nick" userId="319c0f44-7eb0-4c97-bcdf-c55a65605a60" providerId="ADAL" clId="{B4E288FF-C251-45A1-93AC-72F36BAB82CE}" dt="2020-02-25T23:43:30.364" v="578" actId="207"/>
-          <ac:spMkLst>
-            <pc:docMk/>
-            <pc:sldMk cId="4048555361" sldId="265"/>
-            <ac:spMk id="3" creationId="{DD2D0848-D496-4924-ABB2-F45AD458F1BA}"/>
-          </ac:spMkLst>
-        </pc:spChg>
-      </pc:sldChg>
-      <pc:sldChg chg="addSp delSp modSp add">
-        <pc:chgData name="Blair, Nick" userId="319c0f44-7eb0-4c97-bcdf-c55a65605a60" providerId="ADAL" clId="{B4E288FF-C251-45A1-93AC-72F36BAB82CE}" dt="2020-03-01T00:44:17.367" v="2938" actId="1076"/>
-        <pc:sldMkLst>
-          <pc:docMk/>
-          <pc:sldMk cId="436239014" sldId="266"/>
-        </pc:sldMkLst>
-        <pc:spChg chg="mod">
-          <ac:chgData name="Blair, Nick" userId="319c0f44-7eb0-4c97-bcdf-c55a65605a60" providerId="ADAL" clId="{B4E288FF-C251-45A1-93AC-72F36BAB82CE}" dt="2020-02-25T23:45:42.536" v="668" actId="20577"/>
-          <ac:spMkLst>
-            <pc:docMk/>
-            <pc:sldMk cId="436239014" sldId="266"/>
-            <ac:spMk id="2" creationId="{E24F9319-CF8A-4126-9C3F-43B41E6CCF0E}"/>
-          </ac:spMkLst>
-        </pc:spChg>
-        <pc:spChg chg="add del mod">
-          <ac:chgData name="Blair, Nick" userId="319c0f44-7eb0-4c97-bcdf-c55a65605a60" providerId="ADAL" clId="{B4E288FF-C251-45A1-93AC-72F36BAB82CE}" dt="2020-03-01T00:44:08.700" v="2933" actId="478"/>
-          <ac:spMkLst>
-            <pc:docMk/>
-            <pc:sldMk cId="436239014" sldId="266"/>
-            <ac:spMk id="3" creationId="{F224934F-5312-4B36-B34F-3A9AD2B66559}"/>
-          </ac:spMkLst>
-        </pc:spChg>
-        <pc:spChg chg="add del mod">
-          <ac:chgData name="Blair, Nick" userId="319c0f44-7eb0-4c97-bcdf-c55a65605a60" providerId="ADAL" clId="{B4E288FF-C251-45A1-93AC-72F36BAB82CE}" dt="2020-03-01T00:44:10.144" v="2934" actId="478"/>
-          <ac:spMkLst>
-            <pc:docMk/>
-            <pc:sldMk cId="436239014" sldId="266"/>
-            <ac:spMk id="5" creationId="{BC1A8815-463A-4F90-974B-F654154AC47E}"/>
-          </ac:spMkLst>
-        </pc:spChg>
-        <pc:picChg chg="add del mod">
-          <ac:chgData name="Blair, Nick" userId="319c0f44-7eb0-4c97-bcdf-c55a65605a60" providerId="ADAL" clId="{B4E288FF-C251-45A1-93AC-72F36BAB82CE}" dt="2020-02-25T23:47:16.082" v="672"/>
-          <ac:picMkLst>
-            <pc:docMk/>
-            <pc:sldMk cId="436239014" sldId="266"/>
-            <ac:picMk id="4" creationId="{3579B7A6-BB41-4C1B-85A4-F1215A53784B}"/>
-          </ac:picMkLst>
-        </pc:picChg>
-        <pc:picChg chg="add del mod">
-          <ac:chgData name="Blair, Nick" userId="319c0f44-7eb0-4c97-bcdf-c55a65605a60" providerId="ADAL" clId="{B4E288FF-C251-45A1-93AC-72F36BAB82CE}" dt="2020-02-25T23:48:27.684" v="680" actId="478"/>
-          <ac:picMkLst>
-            <pc:docMk/>
-            <pc:sldMk cId="436239014" sldId="266"/>
-            <ac:picMk id="5" creationId="{B415E62D-F73F-461D-81EA-8ECE1C3DFD66}"/>
-          </ac:picMkLst>
-        </pc:picChg>
-        <pc:picChg chg="add del mod">
-          <ac:chgData name="Blair, Nick" userId="319c0f44-7eb0-4c97-bcdf-c55a65605a60" providerId="ADAL" clId="{B4E288FF-C251-45A1-93AC-72F36BAB82CE}" dt="2020-03-01T00:44:07.271" v="2932" actId="478"/>
-          <ac:picMkLst>
-            <pc:docMk/>
-            <pc:sldMk cId="436239014" sldId="266"/>
-            <ac:picMk id="6" creationId="{42D7D377-2332-4FB0-9B6F-16C5C98ACF95}"/>
-          </ac:picMkLst>
-        </pc:picChg>
-        <pc:picChg chg="add mod">
-          <ac:chgData name="Blair, Nick" userId="319c0f44-7eb0-4c97-bcdf-c55a65605a60" providerId="ADAL" clId="{B4E288FF-C251-45A1-93AC-72F36BAB82CE}" dt="2020-03-01T00:44:17.367" v="2938" actId="1076"/>
-          <ac:picMkLst>
-            <pc:docMk/>
-            <pc:sldMk cId="436239014" sldId="266"/>
-            <ac:picMk id="7" creationId="{2DA889C9-D679-4944-A384-ADE097F9382A}"/>
-          </ac:picMkLst>
-        </pc:picChg>
-        <pc:picChg chg="add del mod">
-          <ac:chgData name="Blair, Nick" userId="319c0f44-7eb0-4c97-bcdf-c55a65605a60" providerId="ADAL" clId="{B4E288FF-C251-45A1-93AC-72F36BAB82CE}" dt="2020-03-01T00:44:11.168" v="2935" actId="478"/>
-          <ac:picMkLst>
-            <pc:docMk/>
-            <pc:sldMk cId="436239014" sldId="266"/>
-            <ac:picMk id="8" creationId="{FAEF2610-5088-44C9-B322-ACE965C92466}"/>
-          </ac:picMkLst>
-        </pc:picChg>
-      </pc:sldChg>
-      <pc:sldChg chg="modSp add ord">
-        <pc:chgData name="Blair, Nick" userId="319c0f44-7eb0-4c97-bcdf-c55a65605a60" providerId="ADAL" clId="{B4E288FF-C251-45A1-93AC-72F36BAB82CE}" dt="2020-03-01T00:44:20.123" v="2939"/>
-        <pc:sldMkLst>
-          <pc:docMk/>
-          <pc:sldMk cId="3762546805" sldId="267"/>
-        </pc:sldMkLst>
-        <pc:spChg chg="mod">
-          <ac:chgData name="Blair, Nick" userId="319c0f44-7eb0-4c97-bcdf-c55a65605a60" providerId="ADAL" clId="{B4E288FF-C251-45A1-93AC-72F36BAB82CE}" dt="2020-02-25T23:45:46.942" v="669"/>
-          <ac:spMkLst>
-            <pc:docMk/>
-            <pc:sldMk cId="3762546805" sldId="267"/>
-            <ac:spMk id="2" creationId="{E24F9319-CF8A-4126-9C3F-43B41E6CCF0E}"/>
-          </ac:spMkLst>
-        </pc:spChg>
-        <pc:spChg chg="mod">
-          <ac:chgData name="Blair, Nick" userId="319c0f44-7eb0-4c97-bcdf-c55a65605a60" providerId="ADAL" clId="{B4E288FF-C251-45A1-93AC-72F36BAB82CE}" dt="2020-02-25T23:52:09.564" v="1177" actId="20577"/>
-          <ac:spMkLst>
-            <pc:docMk/>
-            <pc:sldMk cId="3762546805" sldId="267"/>
-            <ac:spMk id="3" creationId="{F224934F-5312-4B36-B34F-3A9AD2B66559}"/>
-          </ac:spMkLst>
-        </pc:spChg>
-      </pc:sldChg>
-      <pc:sldChg chg="addSp delSp modSp add mod modNotesTx">
-        <pc:chgData name="Blair, Nick" userId="319c0f44-7eb0-4c97-bcdf-c55a65605a60" providerId="ADAL" clId="{B4E288FF-C251-45A1-93AC-72F36BAB82CE}" dt="2020-03-01T00:13:24.351" v="2145"/>
-        <pc:sldMkLst>
-          <pc:docMk/>
-          <pc:sldMk cId="2863385372" sldId="268"/>
-        </pc:sldMkLst>
-        <pc:spChg chg="mod">
-          <ac:chgData name="Blair, Nick" userId="319c0f44-7eb0-4c97-bcdf-c55a65605a60" providerId="ADAL" clId="{B4E288FF-C251-45A1-93AC-72F36BAB82CE}" dt="2020-02-29T23:55:37.524" v="1398" actId="20577"/>
-          <ac:spMkLst>
-            <pc:docMk/>
-            <pc:sldMk cId="2863385372" sldId="268"/>
-            <ac:spMk id="2" creationId="{E24F9319-CF8A-4126-9C3F-43B41E6CCF0E}"/>
-          </ac:spMkLst>
-        </pc:spChg>
-        <pc:spChg chg="mod">
-          <ac:chgData name="Blair, Nick" userId="319c0f44-7eb0-4c97-bcdf-c55a65605a60" providerId="ADAL" clId="{B4E288FF-C251-45A1-93AC-72F36BAB82CE}" dt="2020-03-01T00:04:09.659" v="2130" actId="20577"/>
-          <ac:spMkLst>
-            <pc:docMk/>
-            <pc:sldMk cId="2863385372" sldId="268"/>
-            <ac:spMk id="3" creationId="{F224934F-5312-4B36-B34F-3A9AD2B66559}"/>
-          </ac:spMkLst>
-        </pc:spChg>
-        <pc:graphicFrameChg chg="add mod">
-          <ac:chgData name="Blair, Nick" userId="319c0f44-7eb0-4c97-bcdf-c55a65605a60" providerId="ADAL" clId="{B4E288FF-C251-45A1-93AC-72F36BAB82CE}" dt="2020-03-01T00:12:58.193" v="2138" actId="14100"/>
-          <ac:graphicFrameMkLst>
-            <pc:docMk/>
-            <pc:sldMk cId="2863385372" sldId="268"/>
-            <ac:graphicFrameMk id="4" creationId="{AD061EB7-720E-456A-A8EF-F2E8530BB57D}"/>
-          </ac:graphicFrameMkLst>
-        </pc:graphicFrameChg>
-        <pc:graphicFrameChg chg="add">
-          <ac:chgData name="Blair, Nick" userId="319c0f44-7eb0-4c97-bcdf-c55a65605a60" providerId="ADAL" clId="{B4E288FF-C251-45A1-93AC-72F36BAB82CE}" dt="2020-03-01T00:13:01.434" v="2140"/>
-          <ac:graphicFrameMkLst>
-            <pc:docMk/>
-            <pc:sldMk cId="2863385372" sldId="268"/>
-            <ac:graphicFrameMk id="5" creationId="{AD061EB7-720E-456A-A8EF-F2E8530BB57D}"/>
-          </ac:graphicFrameMkLst>
-        </pc:graphicFrameChg>
-        <pc:picChg chg="add del mod">
-          <ac:chgData name="Blair, Nick" userId="319c0f44-7eb0-4c97-bcdf-c55a65605a60" providerId="ADAL" clId="{B4E288FF-C251-45A1-93AC-72F36BAB82CE}" dt="2020-03-01T00:13:24.351" v="2145"/>
-          <ac:picMkLst>
-            <pc:docMk/>
-            <pc:sldMk cId="2863385372" sldId="268"/>
-            <ac:picMk id="6" creationId="{9BC7FEB8-9885-4566-B074-3334E8A3DFC6}"/>
-          </ac:picMkLst>
-        </pc:picChg>
-      </pc:sldChg>
-      <pc:sldChg chg="addSp delSp modSp add">
-        <pc:chgData name="Blair, Nick" userId="319c0f44-7eb0-4c97-bcdf-c55a65605a60" providerId="ADAL" clId="{B4E288FF-C251-45A1-93AC-72F36BAB82CE}" dt="2020-03-01T00:13:28.206" v="2147" actId="14100"/>
-        <pc:sldMkLst>
-          <pc:docMk/>
-          <pc:sldMk cId="4145476455" sldId="269"/>
-        </pc:sldMkLst>
-        <pc:spChg chg="del">
-          <ac:chgData name="Blair, Nick" userId="319c0f44-7eb0-4c97-bcdf-c55a65605a60" providerId="ADAL" clId="{B4E288FF-C251-45A1-93AC-72F36BAB82CE}" dt="2020-03-01T00:13:21.911" v="2144" actId="478"/>
-          <ac:spMkLst>
-            <pc:docMk/>
-            <pc:sldMk cId="4145476455" sldId="269"/>
-            <ac:spMk id="2" creationId="{C95EAD7B-4BE3-4E7E-BB21-230486520AAF}"/>
-          </ac:spMkLst>
-        </pc:spChg>
-        <pc:spChg chg="del">
-          <ac:chgData name="Blair, Nick" userId="319c0f44-7eb0-4c97-bcdf-c55a65605a60" providerId="ADAL" clId="{B4E288FF-C251-45A1-93AC-72F36BAB82CE}" dt="2020-03-01T00:13:21.911" v="2144" actId="478"/>
-          <ac:spMkLst>
-            <pc:docMk/>
-            <pc:sldMk cId="4145476455" sldId="269"/>
-            <ac:spMk id="3" creationId="{78CFB75C-908A-4546-B577-DBFC0B0AD849}"/>
-          </ac:spMkLst>
-        </pc:spChg>
-        <pc:picChg chg="add mod">
-          <ac:chgData name="Blair, Nick" userId="319c0f44-7eb0-4c97-bcdf-c55a65605a60" providerId="ADAL" clId="{B4E288FF-C251-45A1-93AC-72F36BAB82CE}" dt="2020-03-01T00:13:28.206" v="2147" actId="14100"/>
-          <ac:picMkLst>
-            <pc:docMk/>
-            <pc:sldMk cId="4145476455" sldId="269"/>
-            <ac:picMk id="4" creationId="{8351C8F7-ED8C-4390-BCB3-CB3C39702269}"/>
-          </ac:picMkLst>
-        </pc:picChg>
-      </pc:sldChg>
-      <pc:sldChg chg="addSp delSp modSp add">
-        <pc:chgData name="Blair, Nick" userId="319c0f44-7eb0-4c97-bcdf-c55a65605a60" providerId="ADAL" clId="{B4E288FF-C251-45A1-93AC-72F36BAB82CE}" dt="2020-03-01T00:19:19.201" v="2245" actId="20577"/>
-        <pc:sldMkLst>
-          <pc:docMk/>
-          <pc:sldMk cId="249570860" sldId="270"/>
-        </pc:sldMkLst>
-        <pc:spChg chg="del">
-          <ac:chgData name="Blair, Nick" userId="319c0f44-7eb0-4c97-bcdf-c55a65605a60" providerId="ADAL" clId="{B4E288FF-C251-45A1-93AC-72F36BAB82CE}" dt="2020-03-01T00:17:04.609" v="2149" actId="478"/>
-          <ac:spMkLst>
-            <pc:docMk/>
-            <pc:sldMk cId="249570860" sldId="270"/>
-            <ac:spMk id="2" creationId="{759EB36C-968C-4B70-9B01-ED79279073BF}"/>
-          </ac:spMkLst>
-        </pc:spChg>
-        <pc:spChg chg="del">
-          <ac:chgData name="Blair, Nick" userId="319c0f44-7eb0-4c97-bcdf-c55a65605a60" providerId="ADAL" clId="{B4E288FF-C251-45A1-93AC-72F36BAB82CE}" dt="2020-03-01T00:17:04.609" v="2149" actId="478"/>
-          <ac:spMkLst>
-            <pc:docMk/>
-            <pc:sldMk cId="249570860" sldId="270"/>
-            <ac:spMk id="3" creationId="{044B596C-AE0A-4050-A235-97BCE0C18333}"/>
-          </ac:spMkLst>
-        </pc:spChg>
-        <pc:spChg chg="add del">
-          <ac:chgData name="Blair, Nick" userId="319c0f44-7eb0-4c97-bcdf-c55a65605a60" providerId="ADAL" clId="{B4E288FF-C251-45A1-93AC-72F36BAB82CE}" dt="2020-03-01T00:17:07.446" v="2151"/>
-          <ac:spMkLst>
-            <pc:docMk/>
-            <pc:sldMk cId="249570860" sldId="270"/>
-            <ac:spMk id="4" creationId="{36571C01-9048-4051-83C2-AB53D7E51B15}"/>
-          </ac:spMkLst>
-        </pc:spChg>
-        <pc:spChg chg="add del">
-          <ac:chgData name="Blair, Nick" userId="319c0f44-7eb0-4c97-bcdf-c55a65605a60" providerId="ADAL" clId="{B4E288FF-C251-45A1-93AC-72F36BAB82CE}" dt="2020-03-01T00:17:13.878" v="2155"/>
-          <ac:spMkLst>
-            <pc:docMk/>
-            <pc:sldMk cId="249570860" sldId="270"/>
-            <ac:spMk id="5" creationId="{4E39AA7D-CEFF-48FB-B92A-F50733D4103E}"/>
-          </ac:spMkLst>
-        </pc:spChg>
-        <pc:spChg chg="add mod">
-          <ac:chgData name="Blair, Nick" userId="319c0f44-7eb0-4c97-bcdf-c55a65605a60" providerId="ADAL" clId="{B4E288FF-C251-45A1-93AC-72F36BAB82CE}" dt="2020-03-01T00:18:27.661" v="2215" actId="1076"/>
-          <ac:spMkLst>
-            <pc:docMk/>
-            <pc:sldMk cId="249570860" sldId="270"/>
-            <ac:spMk id="7" creationId="{30D9E03C-B793-444E-8DE9-A6FC1B6C2EE8}"/>
-          </ac:spMkLst>
-        </pc:spChg>
-        <pc:spChg chg="add mod">
-          <ac:chgData name="Blair, Nick" userId="319c0f44-7eb0-4c97-bcdf-c55a65605a60" providerId="ADAL" clId="{B4E288FF-C251-45A1-93AC-72F36BAB82CE}" dt="2020-03-01T00:19:06.061" v="2232" actId="1076"/>
-          <ac:spMkLst>
-            <pc:docMk/>
-            <pc:sldMk cId="249570860" sldId="270"/>
-            <ac:spMk id="8" creationId="{D63B1501-2FB3-4362-BA5D-2AB59A100612}"/>
-          </ac:spMkLst>
-        </pc:spChg>
-        <pc:spChg chg="add mod">
-          <ac:chgData name="Blair, Nick" userId="319c0f44-7eb0-4c97-bcdf-c55a65605a60" providerId="ADAL" clId="{B4E288FF-C251-45A1-93AC-72F36BAB82CE}" dt="2020-03-01T00:19:19.201" v="2245" actId="20577"/>
-          <ac:spMkLst>
-            <pc:docMk/>
-            <pc:sldMk cId="249570860" sldId="270"/>
-            <ac:spMk id="9" creationId="{69C7C0FB-B888-447C-A499-092464AD62F4}"/>
-          </ac:spMkLst>
-        </pc:spChg>
-        <pc:picChg chg="add">
-          <ac:chgData name="Blair, Nick" userId="319c0f44-7eb0-4c97-bcdf-c55a65605a60" providerId="ADAL" clId="{B4E288FF-C251-45A1-93AC-72F36BAB82CE}" dt="2020-03-01T00:17:13.926" v="2156"/>
-          <ac:picMkLst>
-            <pc:docMk/>
-            <pc:sldMk cId="249570860" sldId="270"/>
-            <ac:picMk id="6" creationId="{4BEFAEEA-C859-496F-8B9A-B7C48D778AEA}"/>
-          </ac:picMkLst>
-        </pc:picChg>
-      </pc:sldChg>
-      <pc:sldChg chg="modSp add">
-        <pc:chgData name="Blair, Nick" userId="319c0f44-7eb0-4c97-bcdf-c55a65605a60" providerId="ADAL" clId="{B4E288FF-C251-45A1-93AC-72F36BAB82CE}" dt="2020-03-01T00:36:38.178" v="2486" actId="20577"/>
-        <pc:sldMkLst>
-          <pc:docMk/>
-          <pc:sldMk cId="2657609671" sldId="271"/>
-        </pc:sldMkLst>
-        <pc:spChg chg="mod">
-          <ac:chgData name="Blair, Nick" userId="319c0f44-7eb0-4c97-bcdf-c55a65605a60" providerId="ADAL" clId="{B4E288FF-C251-45A1-93AC-72F36BAB82CE}" dt="2020-03-01T00:35:29.778" v="2275" actId="20577"/>
-          <ac:spMkLst>
-            <pc:docMk/>
-            <pc:sldMk cId="2657609671" sldId="271"/>
-            <ac:spMk id="2" creationId="{E24F9319-CF8A-4126-9C3F-43B41E6CCF0E}"/>
-          </ac:spMkLst>
-        </pc:spChg>
-        <pc:spChg chg="mod">
-          <ac:chgData name="Blair, Nick" userId="319c0f44-7eb0-4c97-bcdf-c55a65605a60" providerId="ADAL" clId="{B4E288FF-C251-45A1-93AC-72F36BAB82CE}" dt="2020-03-01T00:36:38.178" v="2486" actId="20577"/>
-          <ac:spMkLst>
-            <pc:docMk/>
-            <pc:sldMk cId="2657609671" sldId="271"/>
-            <ac:spMk id="3" creationId="{F224934F-5312-4B36-B34F-3A9AD2B66559}"/>
-          </ac:spMkLst>
-        </pc:spChg>
-      </pc:sldChg>
-      <pc:sldChg chg="modSp add">
-        <pc:chgData name="Blair, Nick" userId="319c0f44-7eb0-4c97-bcdf-c55a65605a60" providerId="ADAL" clId="{B4E288FF-C251-45A1-93AC-72F36BAB82CE}" dt="2020-03-01T00:42:41.817" v="2880" actId="20577"/>
-        <pc:sldMkLst>
-          <pc:docMk/>
-          <pc:sldMk cId="2158532176" sldId="272"/>
-        </pc:sldMkLst>
-        <pc:spChg chg="mod">
-          <ac:chgData name="Blair, Nick" userId="319c0f44-7eb0-4c97-bcdf-c55a65605a60" providerId="ADAL" clId="{B4E288FF-C251-45A1-93AC-72F36BAB82CE}" dt="2020-03-01T00:38:58.354" v="2567" actId="20577"/>
-          <ac:spMkLst>
-            <pc:docMk/>
-            <pc:sldMk cId="2158532176" sldId="272"/>
-            <ac:spMk id="2" creationId="{E24F9319-CF8A-4126-9C3F-43B41E6CCF0E}"/>
-          </ac:spMkLst>
-        </pc:spChg>
-        <pc:spChg chg="mod">
-          <ac:chgData name="Blair, Nick" userId="319c0f44-7eb0-4c97-bcdf-c55a65605a60" providerId="ADAL" clId="{B4E288FF-C251-45A1-93AC-72F36BAB82CE}" dt="2020-03-01T00:42:41.817" v="2880" actId="20577"/>
-          <ac:spMkLst>
-            <pc:docMk/>
-            <pc:sldMk cId="2158532176" sldId="272"/>
-            <ac:spMk id="3" creationId="{F224934F-5312-4B36-B34F-3A9AD2B66559}"/>
-          </ac:spMkLst>
-        </pc:spChg>
-      </pc:sldChg>
-    </pc:docChg>
-  </pc:docChgLst>
-</pc:chgInfo>
 </file>
 
 <file path=ppt/notesMasters/notesMaster1.xml><?xml version="1.0" encoding="utf-8"?>
@@ -731,7 +250,7 @@
           <a:p>
             <a:fld id="{587976E5-DE37-402F-80A2-43261286172A}" type="datetimeFigureOut">
               <a:rPr lang="en-US" smtClean="0"/>
-              <a:t>3/2/2020</a:t>
+              <a:t>3/4/2020</a:t>
             </a:fld>
             <a:endParaRPr lang="en-US"/>
           </a:p>
@@ -1131,40 +650,8 @@
           <a:p>
             <a:r>
               <a:rPr lang="en-US" dirty="0"/>
-              <a:t>&lt;Indy&gt;</a:t>
-            </a:r>
-          </a:p>
-          <a:p>
-            <a:endParaRPr lang="en-US" dirty="0"/>
-          </a:p>
-          <a:p>
-            <a:r>
-              <a:rPr lang="en-US" dirty="0"/>
-              <a:t>Using both methods for accounting for missing data, there appears to be a moderate to moderately-strong correlation between increasing bitterness (IBU) and alcohol content (ABV).</a:t>
-            </a:r>
-          </a:p>
-          <a:p>
-            <a:r>
-              <a:rPr lang="en-US" dirty="0"/>
-              <a:t>Using method 1, the correlation between the two variables using Pearson’s </a:t>
-            </a:r>
-            <a:r>
-              <a:rPr lang="en-US" u="sng" dirty="0"/>
-              <a:t>R is 0.671 indicating a moderately strong connection.</a:t>
-            </a:r>
-          </a:p>
-          <a:p>
-            <a:r>
-              <a:rPr lang="en-US" dirty="0"/>
-              <a:t>Using method 2, the correlation between the two variables using Pearson’s </a:t>
-            </a:r>
-            <a:r>
-              <a:rPr lang="en-US" u="sng" dirty="0"/>
-              <a:t>R is 0.520 indicating a moderate connection.</a:t>
-            </a:r>
-          </a:p>
-          <a:p>
-            <a:endParaRPr lang="en-US" dirty="0"/>
+              <a:t>&lt;Nick&gt;</a:t>
+            </a:r>
           </a:p>
         </p:txBody>
       </p:sp>
@@ -1194,7 +681,7 @@
     </p:spTree>
     <p:extLst>
       <p:ext uri="{BB962C8B-B14F-4D97-AF65-F5344CB8AC3E}">
-        <p14:creationId xmlns:p14="http://schemas.microsoft.com/office/powerpoint/2010/main" val="2071996627"/>
+        <p14:creationId xmlns:p14="http://schemas.microsoft.com/office/powerpoint/2010/main" val="1393273605"/>
       </p:ext>
     </p:extLst>
   </p:cSld>
@@ -1250,7 +737,7 @@
           <a:p>
             <a:r>
               <a:rPr lang="en-US" dirty="0"/>
-              <a:t>&lt;Indy&gt;</a:t>
+              <a:t>&lt;Nick&gt;</a:t>
             </a:r>
           </a:p>
         </p:txBody>
@@ -1281,7 +768,7 @@
     </p:spTree>
     <p:extLst>
       <p:ext uri="{BB962C8B-B14F-4D97-AF65-F5344CB8AC3E}">
-        <p14:creationId xmlns:p14="http://schemas.microsoft.com/office/powerpoint/2010/main" val="2610839003"/>
+        <p14:creationId xmlns:p14="http://schemas.microsoft.com/office/powerpoint/2010/main" val="2432844047"/>
       </p:ext>
     </p:extLst>
   </p:cSld>
@@ -1337,7 +824,7 @@
           <a:p>
             <a:r>
               <a:rPr lang="en-US" dirty="0"/>
-              <a:t>&lt;Indy&gt;</a:t>
+              <a:t>&lt;Nick&gt;</a:t>
             </a:r>
           </a:p>
         </p:txBody>
@@ -1360,6 +847,692 @@
             <a:fld id="{8B9A31F3-5BFB-4F2B-BC32-158445D95065}" type="slidenum">
               <a:rPr lang="en-US" smtClean="0"/>
               <a:t>12</a:t>
+            </a:fld>
+            <a:endParaRPr lang="en-US"/>
+          </a:p>
+        </p:txBody>
+      </p:sp>
+    </p:spTree>
+    <p:extLst>
+      <p:ext uri="{BB962C8B-B14F-4D97-AF65-F5344CB8AC3E}">
+        <p14:creationId xmlns:p14="http://schemas.microsoft.com/office/powerpoint/2010/main" val="2580473908"/>
+      </p:ext>
+    </p:extLst>
+  </p:cSld>
+  <p:clrMapOvr>
+    <a:masterClrMapping/>
+  </p:clrMapOvr>
+</p:notes>
+</file>
+
+<file path=ppt/notesSlides/notesSlide13.xml><?xml version="1.0" encoding="utf-8"?>
+<p:notes xmlns:a="http://schemas.openxmlformats.org/drawingml/2006/main" xmlns:r="http://schemas.openxmlformats.org/officeDocument/2006/relationships" xmlns:p="http://schemas.openxmlformats.org/presentationml/2006/main">
+  <p:cSld>
+    <p:spTree>
+      <p:nvGrpSpPr>
+        <p:cNvPr id="1" name=""/>
+        <p:cNvGrpSpPr/>
+        <p:nvPr/>
+      </p:nvGrpSpPr>
+      <p:grpSpPr>
+        <a:xfrm>
+          <a:off x="0" y="0"/>
+          <a:ext cx="0" cy="0"/>
+          <a:chOff x="0" y="0"/>
+          <a:chExt cx="0" cy="0"/>
+        </a:xfrm>
+      </p:grpSpPr>
+      <p:sp>
+        <p:nvSpPr>
+          <p:cNvPr id="2" name="Slide Image Placeholder 1"/>
+          <p:cNvSpPr>
+            <a:spLocks noGrp="1" noRot="1" noChangeAspect="1"/>
+          </p:cNvSpPr>
+          <p:nvPr>
+            <p:ph type="sldImg"/>
+          </p:nvPr>
+        </p:nvSpPr>
+        <p:spPr/>
+      </p:sp>
+      <p:sp>
+        <p:nvSpPr>
+          <p:cNvPr id="3" name="Notes Placeholder 2"/>
+          <p:cNvSpPr>
+            <a:spLocks noGrp="1"/>
+          </p:cNvSpPr>
+          <p:nvPr>
+            <p:ph type="body" idx="1"/>
+          </p:nvPr>
+        </p:nvSpPr>
+        <p:spPr/>
+        <p:txBody>
+          <a:bodyPr/>
+          <a:lstStyle/>
+          <a:p>
+            <a:r>
+              <a:rPr lang="en-US" dirty="0"/>
+              <a:t>&lt;Nick&gt;</a:t>
+            </a:r>
+          </a:p>
+          <a:p>
+            <a:r>
+              <a:rPr lang="en-US" dirty="0"/>
+              <a:t>Why we chose median over average</a:t>
+            </a:r>
+          </a:p>
+          <a:p>
+            <a:endParaRPr lang="en-US" dirty="0"/>
+          </a:p>
+          <a:p>
+            <a:r>
+              <a:rPr lang="en-US" dirty="0"/>
+              <a:t>Values of lowest and highest ABV &amp; IBU</a:t>
+            </a:r>
+          </a:p>
+        </p:txBody>
+      </p:sp>
+      <p:sp>
+        <p:nvSpPr>
+          <p:cNvPr id="4" name="Slide Number Placeholder 3"/>
+          <p:cNvSpPr>
+            <a:spLocks noGrp="1"/>
+          </p:cNvSpPr>
+          <p:nvPr>
+            <p:ph type="sldNum" sz="quarter" idx="5"/>
+          </p:nvPr>
+        </p:nvSpPr>
+        <p:spPr/>
+        <p:txBody>
+          <a:bodyPr/>
+          <a:lstStyle/>
+          <a:p>
+            <a:fld id="{8B9A31F3-5BFB-4F2B-BC32-158445D95065}" type="slidenum">
+              <a:rPr lang="en-US" smtClean="0"/>
+              <a:t>13</a:t>
+            </a:fld>
+            <a:endParaRPr lang="en-US"/>
+          </a:p>
+        </p:txBody>
+      </p:sp>
+    </p:spTree>
+    <p:extLst>
+      <p:ext uri="{BB962C8B-B14F-4D97-AF65-F5344CB8AC3E}">
+        <p14:creationId xmlns:p14="http://schemas.microsoft.com/office/powerpoint/2010/main" val="3920298705"/>
+      </p:ext>
+    </p:extLst>
+  </p:cSld>
+  <p:clrMapOvr>
+    <a:masterClrMapping/>
+  </p:clrMapOvr>
+</p:notes>
+</file>
+
+<file path=ppt/notesSlides/notesSlide14.xml><?xml version="1.0" encoding="utf-8"?>
+<p:notes xmlns:a="http://schemas.openxmlformats.org/drawingml/2006/main" xmlns:r="http://schemas.openxmlformats.org/officeDocument/2006/relationships" xmlns:p="http://schemas.openxmlformats.org/presentationml/2006/main">
+  <p:cSld>
+    <p:spTree>
+      <p:nvGrpSpPr>
+        <p:cNvPr id="1" name=""/>
+        <p:cNvGrpSpPr/>
+        <p:nvPr/>
+      </p:nvGrpSpPr>
+      <p:grpSpPr>
+        <a:xfrm>
+          <a:off x="0" y="0"/>
+          <a:ext cx="0" cy="0"/>
+          <a:chOff x="0" y="0"/>
+          <a:chExt cx="0" cy="0"/>
+        </a:xfrm>
+      </p:grpSpPr>
+      <p:sp>
+        <p:nvSpPr>
+          <p:cNvPr id="2" name="Slide Image Placeholder 1"/>
+          <p:cNvSpPr>
+            <a:spLocks noGrp="1" noRot="1" noChangeAspect="1"/>
+          </p:cNvSpPr>
+          <p:nvPr>
+            <p:ph type="sldImg"/>
+          </p:nvPr>
+        </p:nvSpPr>
+        <p:spPr/>
+      </p:sp>
+      <p:sp>
+        <p:nvSpPr>
+          <p:cNvPr id="3" name="Notes Placeholder 2"/>
+          <p:cNvSpPr>
+            <a:spLocks noGrp="1"/>
+          </p:cNvSpPr>
+          <p:nvPr>
+            <p:ph type="body" idx="1"/>
+          </p:nvPr>
+        </p:nvSpPr>
+        <p:spPr/>
+        <p:txBody>
+          <a:bodyPr/>
+          <a:lstStyle/>
+          <a:p>
+            <a:r>
+              <a:rPr lang="en-US" dirty="0"/>
+              <a:t>&lt;Nick&gt;</a:t>
+            </a:r>
+          </a:p>
+          <a:p>
+            <a:r>
+              <a:rPr lang="en-US" dirty="0"/>
+              <a:t>Why we chose median over average</a:t>
+            </a:r>
+          </a:p>
+          <a:p>
+            <a:endParaRPr lang="en-US" dirty="0"/>
+          </a:p>
+          <a:p>
+            <a:r>
+              <a:rPr lang="en-US" dirty="0"/>
+              <a:t>Values of lowest and highest ABV &amp; IBU</a:t>
+            </a:r>
+          </a:p>
+        </p:txBody>
+      </p:sp>
+      <p:sp>
+        <p:nvSpPr>
+          <p:cNvPr id="4" name="Slide Number Placeholder 3"/>
+          <p:cNvSpPr>
+            <a:spLocks noGrp="1"/>
+          </p:cNvSpPr>
+          <p:nvPr>
+            <p:ph type="sldNum" sz="quarter" idx="5"/>
+          </p:nvPr>
+        </p:nvSpPr>
+        <p:spPr/>
+        <p:txBody>
+          <a:bodyPr/>
+          <a:lstStyle/>
+          <a:p>
+            <a:fld id="{8B9A31F3-5BFB-4F2B-BC32-158445D95065}" type="slidenum">
+              <a:rPr lang="en-US" smtClean="0"/>
+              <a:t>14</a:t>
+            </a:fld>
+            <a:endParaRPr lang="en-US"/>
+          </a:p>
+        </p:txBody>
+      </p:sp>
+    </p:spTree>
+    <p:extLst>
+      <p:ext uri="{BB962C8B-B14F-4D97-AF65-F5344CB8AC3E}">
+        <p14:creationId xmlns:p14="http://schemas.microsoft.com/office/powerpoint/2010/main" val="3509921355"/>
+      </p:ext>
+    </p:extLst>
+  </p:cSld>
+  <p:clrMapOvr>
+    <a:masterClrMapping/>
+  </p:clrMapOvr>
+</p:notes>
+</file>
+
+<file path=ppt/notesSlides/notesSlide15.xml><?xml version="1.0" encoding="utf-8"?>
+<p:notes xmlns:a="http://schemas.openxmlformats.org/drawingml/2006/main" xmlns:r="http://schemas.openxmlformats.org/officeDocument/2006/relationships" xmlns:p="http://schemas.openxmlformats.org/presentationml/2006/main">
+  <p:cSld>
+    <p:spTree>
+      <p:nvGrpSpPr>
+        <p:cNvPr id="1" name=""/>
+        <p:cNvGrpSpPr/>
+        <p:nvPr/>
+      </p:nvGrpSpPr>
+      <p:grpSpPr>
+        <a:xfrm>
+          <a:off x="0" y="0"/>
+          <a:ext cx="0" cy="0"/>
+          <a:chOff x="0" y="0"/>
+          <a:chExt cx="0" cy="0"/>
+        </a:xfrm>
+      </p:grpSpPr>
+      <p:sp>
+        <p:nvSpPr>
+          <p:cNvPr id="2" name="Slide Image Placeholder 1"/>
+          <p:cNvSpPr>
+            <a:spLocks noGrp="1" noRot="1" noChangeAspect="1"/>
+          </p:cNvSpPr>
+          <p:nvPr>
+            <p:ph type="sldImg"/>
+          </p:nvPr>
+        </p:nvSpPr>
+        <p:spPr/>
+      </p:sp>
+      <p:sp>
+        <p:nvSpPr>
+          <p:cNvPr id="3" name="Notes Placeholder 2"/>
+          <p:cNvSpPr>
+            <a:spLocks noGrp="1"/>
+          </p:cNvSpPr>
+          <p:nvPr>
+            <p:ph type="body" idx="1"/>
+          </p:nvPr>
+        </p:nvSpPr>
+        <p:spPr/>
+        <p:txBody>
+          <a:bodyPr/>
+          <a:lstStyle/>
+          <a:p>
+            <a:r>
+              <a:rPr lang="en-US" dirty="0"/>
+              <a:t>&lt;Nick&gt;</a:t>
+            </a:r>
+          </a:p>
+          <a:p>
+            <a:r>
+              <a:rPr lang="en-US" dirty="0"/>
+              <a:t>Why we chose median over average</a:t>
+            </a:r>
+          </a:p>
+          <a:p>
+            <a:endParaRPr lang="en-US" dirty="0"/>
+          </a:p>
+          <a:p>
+            <a:r>
+              <a:rPr lang="en-US" dirty="0"/>
+              <a:t>Values of lowest and highest ABV &amp; IBU</a:t>
+            </a:r>
+          </a:p>
+        </p:txBody>
+      </p:sp>
+      <p:sp>
+        <p:nvSpPr>
+          <p:cNvPr id="4" name="Slide Number Placeholder 3"/>
+          <p:cNvSpPr>
+            <a:spLocks noGrp="1"/>
+          </p:cNvSpPr>
+          <p:nvPr>
+            <p:ph type="sldNum" sz="quarter" idx="5"/>
+          </p:nvPr>
+        </p:nvSpPr>
+        <p:spPr/>
+        <p:txBody>
+          <a:bodyPr/>
+          <a:lstStyle/>
+          <a:p>
+            <a:fld id="{8B9A31F3-5BFB-4F2B-BC32-158445D95065}" type="slidenum">
+              <a:rPr lang="en-US" smtClean="0"/>
+              <a:t>15</a:t>
+            </a:fld>
+            <a:endParaRPr lang="en-US"/>
+          </a:p>
+        </p:txBody>
+      </p:sp>
+    </p:spTree>
+    <p:extLst>
+      <p:ext uri="{BB962C8B-B14F-4D97-AF65-F5344CB8AC3E}">
+        <p14:creationId xmlns:p14="http://schemas.microsoft.com/office/powerpoint/2010/main" val="1697212624"/>
+      </p:ext>
+    </p:extLst>
+  </p:cSld>
+  <p:clrMapOvr>
+    <a:masterClrMapping/>
+  </p:clrMapOvr>
+</p:notes>
+</file>
+
+<file path=ppt/notesSlides/notesSlide16.xml><?xml version="1.0" encoding="utf-8"?>
+<p:notes xmlns:a="http://schemas.openxmlformats.org/drawingml/2006/main" xmlns:r="http://schemas.openxmlformats.org/officeDocument/2006/relationships" xmlns:p="http://schemas.openxmlformats.org/presentationml/2006/main">
+  <p:cSld>
+    <p:spTree>
+      <p:nvGrpSpPr>
+        <p:cNvPr id="1" name=""/>
+        <p:cNvGrpSpPr/>
+        <p:nvPr/>
+      </p:nvGrpSpPr>
+      <p:grpSpPr>
+        <a:xfrm>
+          <a:off x="0" y="0"/>
+          <a:ext cx="0" cy="0"/>
+          <a:chOff x="0" y="0"/>
+          <a:chExt cx="0" cy="0"/>
+        </a:xfrm>
+      </p:grpSpPr>
+      <p:sp>
+        <p:nvSpPr>
+          <p:cNvPr id="2" name="Slide Image Placeholder 1"/>
+          <p:cNvSpPr>
+            <a:spLocks noGrp="1" noRot="1" noChangeAspect="1"/>
+          </p:cNvSpPr>
+          <p:nvPr>
+            <p:ph type="sldImg"/>
+          </p:nvPr>
+        </p:nvSpPr>
+        <p:spPr/>
+      </p:sp>
+      <p:sp>
+        <p:nvSpPr>
+          <p:cNvPr id="3" name="Notes Placeholder 2"/>
+          <p:cNvSpPr>
+            <a:spLocks noGrp="1"/>
+          </p:cNvSpPr>
+          <p:nvPr>
+            <p:ph type="body" idx="1"/>
+          </p:nvPr>
+        </p:nvSpPr>
+        <p:spPr/>
+        <p:txBody>
+          <a:bodyPr/>
+          <a:lstStyle/>
+          <a:p>
+            <a:r>
+              <a:rPr lang="en-US" dirty="0"/>
+              <a:t>&lt;Indy&gt;</a:t>
+            </a:r>
+          </a:p>
+          <a:p>
+            <a:endParaRPr lang="en-US" dirty="0"/>
+          </a:p>
+          <a:p>
+            <a:r>
+              <a:rPr lang="en-US" dirty="0"/>
+              <a:t>Using both methods for accounting for missing data, there appears to be a moderate to moderately-strong correlation between increasing bitterness (IBU) and alcohol content (ABV).</a:t>
+            </a:r>
+          </a:p>
+          <a:p>
+            <a:r>
+              <a:rPr lang="en-US" dirty="0"/>
+              <a:t>Using method 1, the correlation between the two variables using Pearson’s </a:t>
+            </a:r>
+            <a:r>
+              <a:rPr lang="en-US" u="sng" dirty="0"/>
+              <a:t>R is 0.671 indicating a moderately strong connection.</a:t>
+            </a:r>
+          </a:p>
+          <a:p>
+            <a:r>
+              <a:rPr lang="en-US" dirty="0"/>
+              <a:t>Using method 2, the correlation between the two variables using Pearson’s </a:t>
+            </a:r>
+            <a:r>
+              <a:rPr lang="en-US" u="sng" dirty="0"/>
+              <a:t>R is 0.520 indicating a moderate connection.</a:t>
+            </a:r>
+          </a:p>
+          <a:p>
+            <a:endParaRPr lang="en-US" dirty="0"/>
+          </a:p>
+        </p:txBody>
+      </p:sp>
+      <p:sp>
+        <p:nvSpPr>
+          <p:cNvPr id="4" name="Slide Number Placeholder 3"/>
+          <p:cNvSpPr>
+            <a:spLocks noGrp="1"/>
+          </p:cNvSpPr>
+          <p:nvPr>
+            <p:ph type="sldNum" sz="quarter" idx="5"/>
+          </p:nvPr>
+        </p:nvSpPr>
+        <p:spPr/>
+        <p:txBody>
+          <a:bodyPr/>
+          <a:lstStyle/>
+          <a:p>
+            <a:fld id="{8B9A31F3-5BFB-4F2B-BC32-158445D95065}" type="slidenum">
+              <a:rPr lang="en-US" smtClean="0"/>
+              <a:t>16</a:t>
+            </a:fld>
+            <a:endParaRPr lang="en-US"/>
+          </a:p>
+        </p:txBody>
+      </p:sp>
+    </p:spTree>
+    <p:extLst>
+      <p:ext uri="{BB962C8B-B14F-4D97-AF65-F5344CB8AC3E}">
+        <p14:creationId xmlns:p14="http://schemas.microsoft.com/office/powerpoint/2010/main" val="2071996627"/>
+      </p:ext>
+    </p:extLst>
+  </p:cSld>
+  <p:clrMapOvr>
+    <a:masterClrMapping/>
+  </p:clrMapOvr>
+</p:notes>
+</file>
+
+<file path=ppt/notesSlides/notesSlide17.xml><?xml version="1.0" encoding="utf-8"?>
+<p:notes xmlns:a="http://schemas.openxmlformats.org/drawingml/2006/main" xmlns:r="http://schemas.openxmlformats.org/officeDocument/2006/relationships" xmlns:p="http://schemas.openxmlformats.org/presentationml/2006/main">
+  <p:cSld>
+    <p:spTree>
+      <p:nvGrpSpPr>
+        <p:cNvPr id="1" name=""/>
+        <p:cNvGrpSpPr/>
+        <p:nvPr/>
+      </p:nvGrpSpPr>
+      <p:grpSpPr>
+        <a:xfrm>
+          <a:off x="0" y="0"/>
+          <a:ext cx="0" cy="0"/>
+          <a:chOff x="0" y="0"/>
+          <a:chExt cx="0" cy="0"/>
+        </a:xfrm>
+      </p:grpSpPr>
+      <p:sp>
+        <p:nvSpPr>
+          <p:cNvPr id="2" name="Slide Image Placeholder 1"/>
+          <p:cNvSpPr>
+            <a:spLocks noGrp="1" noRot="1" noChangeAspect="1"/>
+          </p:cNvSpPr>
+          <p:nvPr>
+            <p:ph type="sldImg"/>
+          </p:nvPr>
+        </p:nvSpPr>
+        <p:spPr/>
+      </p:sp>
+      <p:sp>
+        <p:nvSpPr>
+          <p:cNvPr id="3" name="Notes Placeholder 2"/>
+          <p:cNvSpPr>
+            <a:spLocks noGrp="1"/>
+          </p:cNvSpPr>
+          <p:nvPr>
+            <p:ph type="body" idx="1"/>
+          </p:nvPr>
+        </p:nvSpPr>
+        <p:spPr/>
+        <p:txBody>
+          <a:bodyPr/>
+          <a:lstStyle/>
+          <a:p>
+            <a:r>
+              <a:rPr lang="en-US" dirty="0"/>
+              <a:t>&lt;Indy&gt;</a:t>
+            </a:r>
+          </a:p>
+        </p:txBody>
+      </p:sp>
+      <p:sp>
+        <p:nvSpPr>
+          <p:cNvPr id="4" name="Slide Number Placeholder 3"/>
+          <p:cNvSpPr>
+            <a:spLocks noGrp="1"/>
+          </p:cNvSpPr>
+          <p:nvPr>
+            <p:ph type="sldNum" sz="quarter" idx="5"/>
+          </p:nvPr>
+        </p:nvSpPr>
+        <p:spPr/>
+        <p:txBody>
+          <a:bodyPr/>
+          <a:lstStyle/>
+          <a:p>
+            <a:fld id="{8B9A31F3-5BFB-4F2B-BC32-158445D95065}" type="slidenum">
+              <a:rPr lang="en-US" smtClean="0"/>
+              <a:t>17</a:t>
+            </a:fld>
+            <a:endParaRPr lang="en-US"/>
+          </a:p>
+        </p:txBody>
+      </p:sp>
+    </p:spTree>
+    <p:extLst>
+      <p:ext uri="{BB962C8B-B14F-4D97-AF65-F5344CB8AC3E}">
+        <p14:creationId xmlns:p14="http://schemas.microsoft.com/office/powerpoint/2010/main" val="2610839003"/>
+      </p:ext>
+    </p:extLst>
+  </p:cSld>
+  <p:clrMapOvr>
+    <a:masterClrMapping/>
+  </p:clrMapOvr>
+</p:notes>
+</file>
+
+<file path=ppt/notesSlides/notesSlide18.xml><?xml version="1.0" encoding="utf-8"?>
+<p:notes xmlns:a="http://schemas.openxmlformats.org/drawingml/2006/main" xmlns:r="http://schemas.openxmlformats.org/officeDocument/2006/relationships" xmlns:p="http://schemas.openxmlformats.org/presentationml/2006/main">
+  <p:cSld>
+    <p:spTree>
+      <p:nvGrpSpPr>
+        <p:cNvPr id="1" name=""/>
+        <p:cNvGrpSpPr/>
+        <p:nvPr/>
+      </p:nvGrpSpPr>
+      <p:grpSpPr>
+        <a:xfrm>
+          <a:off x="0" y="0"/>
+          <a:ext cx="0" cy="0"/>
+          <a:chOff x="0" y="0"/>
+          <a:chExt cx="0" cy="0"/>
+        </a:xfrm>
+      </p:grpSpPr>
+      <p:sp>
+        <p:nvSpPr>
+          <p:cNvPr id="2" name="Slide Image Placeholder 1"/>
+          <p:cNvSpPr>
+            <a:spLocks noGrp="1" noRot="1" noChangeAspect="1"/>
+          </p:cNvSpPr>
+          <p:nvPr>
+            <p:ph type="sldImg"/>
+          </p:nvPr>
+        </p:nvSpPr>
+        <p:spPr/>
+      </p:sp>
+      <p:sp>
+        <p:nvSpPr>
+          <p:cNvPr id="3" name="Notes Placeholder 2"/>
+          <p:cNvSpPr>
+            <a:spLocks noGrp="1"/>
+          </p:cNvSpPr>
+          <p:nvPr>
+            <p:ph type="body" idx="1"/>
+          </p:nvPr>
+        </p:nvSpPr>
+        <p:spPr/>
+        <p:txBody>
+          <a:bodyPr/>
+          <a:lstStyle/>
+          <a:p>
+            <a:r>
+              <a:rPr lang="en-US" dirty="0"/>
+              <a:t>&lt;Indy&gt;</a:t>
+            </a:r>
+          </a:p>
+        </p:txBody>
+      </p:sp>
+      <p:sp>
+        <p:nvSpPr>
+          <p:cNvPr id="4" name="Slide Number Placeholder 3"/>
+          <p:cNvSpPr>
+            <a:spLocks noGrp="1"/>
+          </p:cNvSpPr>
+          <p:nvPr>
+            <p:ph type="sldNum" sz="quarter" idx="5"/>
+          </p:nvPr>
+        </p:nvSpPr>
+        <p:spPr/>
+        <p:txBody>
+          <a:bodyPr/>
+          <a:lstStyle/>
+          <a:p>
+            <a:fld id="{8B9A31F3-5BFB-4F2B-BC32-158445D95065}" type="slidenum">
+              <a:rPr lang="en-US" smtClean="0"/>
+              <a:t>18</a:t>
+            </a:fld>
+            <a:endParaRPr lang="en-US"/>
+          </a:p>
+        </p:txBody>
+      </p:sp>
+    </p:spTree>
+    <p:extLst>
+      <p:ext uri="{BB962C8B-B14F-4D97-AF65-F5344CB8AC3E}">
+        <p14:creationId xmlns:p14="http://schemas.microsoft.com/office/powerpoint/2010/main" val="643784101"/>
+      </p:ext>
+    </p:extLst>
+  </p:cSld>
+  <p:clrMapOvr>
+    <a:masterClrMapping/>
+  </p:clrMapOvr>
+</p:notes>
+</file>
+
+<file path=ppt/notesSlides/notesSlide19.xml><?xml version="1.0" encoding="utf-8"?>
+<p:notes xmlns:a="http://schemas.openxmlformats.org/drawingml/2006/main" xmlns:r="http://schemas.openxmlformats.org/officeDocument/2006/relationships" xmlns:p="http://schemas.openxmlformats.org/presentationml/2006/main">
+  <p:cSld>
+    <p:spTree>
+      <p:nvGrpSpPr>
+        <p:cNvPr id="1" name=""/>
+        <p:cNvGrpSpPr/>
+        <p:nvPr/>
+      </p:nvGrpSpPr>
+      <p:grpSpPr>
+        <a:xfrm>
+          <a:off x="0" y="0"/>
+          <a:ext cx="0" cy="0"/>
+          <a:chOff x="0" y="0"/>
+          <a:chExt cx="0" cy="0"/>
+        </a:xfrm>
+      </p:grpSpPr>
+      <p:sp>
+        <p:nvSpPr>
+          <p:cNvPr id="2" name="Slide Image Placeholder 1"/>
+          <p:cNvSpPr>
+            <a:spLocks noGrp="1" noRot="1" noChangeAspect="1"/>
+          </p:cNvSpPr>
+          <p:nvPr>
+            <p:ph type="sldImg"/>
+          </p:nvPr>
+        </p:nvSpPr>
+        <p:spPr/>
+      </p:sp>
+      <p:sp>
+        <p:nvSpPr>
+          <p:cNvPr id="3" name="Notes Placeholder 2"/>
+          <p:cNvSpPr>
+            <a:spLocks noGrp="1"/>
+          </p:cNvSpPr>
+          <p:nvPr>
+            <p:ph type="body" idx="1"/>
+          </p:nvPr>
+        </p:nvSpPr>
+        <p:spPr/>
+        <p:txBody>
+          <a:bodyPr/>
+          <a:lstStyle/>
+          <a:p>
+            <a:r>
+              <a:rPr lang="en-US" dirty="0"/>
+              <a:t>&lt;Indy&gt;</a:t>
+            </a:r>
+          </a:p>
+        </p:txBody>
+      </p:sp>
+      <p:sp>
+        <p:nvSpPr>
+          <p:cNvPr id="4" name="Slide Number Placeholder 3"/>
+          <p:cNvSpPr>
+            <a:spLocks noGrp="1"/>
+          </p:cNvSpPr>
+          <p:nvPr>
+            <p:ph type="sldNum" sz="quarter" idx="5"/>
+          </p:nvPr>
+        </p:nvSpPr>
+        <p:spPr/>
+        <p:txBody>
+          <a:bodyPr/>
+          <a:lstStyle/>
+          <a:p>
+            <a:fld id="{8B9A31F3-5BFB-4F2B-BC32-158445D95065}" type="slidenum">
+              <a:rPr lang="en-US" smtClean="0"/>
+              <a:t>19</a:t>
             </a:fld>
             <a:endParaRPr lang="en-US"/>
           </a:p>
@@ -1455,7 +1628,7 @@
     </p:spTree>
     <p:extLst>
       <p:ext uri="{BB962C8B-B14F-4D97-AF65-F5344CB8AC3E}">
-        <p14:creationId xmlns:p14="http://schemas.microsoft.com/office/powerpoint/2010/main" val="3692393693"/>
+        <p14:creationId xmlns:p14="http://schemas.microsoft.com/office/powerpoint/2010/main" val="1184626178"/>
       </p:ext>
     </p:extLst>
   </p:cSld>
@@ -1511,154 +1684,8 @@
           <a:p>
             <a:r>
               <a:rPr lang="en-US" dirty="0"/>
-              <a:t>&lt;Jamie&gt;</a:t>
-            </a:r>
-          </a:p>
-          <a:p>
-            <a:endParaRPr lang="en-US" dirty="0"/>
-          </a:p>
-          <a:p>
-            <a:r>
-              <a:rPr lang="en-US" dirty="0"/>
-              <a:t>Combined data set contains the following variables:</a:t>
-            </a:r>
-          </a:p>
-          <a:p>
-            <a:pPr marL="171450" indent="-171450">
-              <a:buFont typeface="Arial" panose="020B0604020202020204" pitchFamily="34" charset="0"/>
-              <a:buChar char="•"/>
-            </a:pPr>
-            <a:r>
-              <a:rPr lang="en-US" dirty="0"/>
-              <a:t>Brewery ID</a:t>
-            </a:r>
-          </a:p>
-          <a:p>
-            <a:pPr marL="171450" indent="-171450">
-              <a:buFont typeface="Arial" panose="020B0604020202020204" pitchFamily="34" charset="0"/>
-              <a:buChar char="•"/>
-            </a:pPr>
-            <a:r>
-              <a:rPr lang="en-US" dirty="0"/>
-              <a:t>Brewery name</a:t>
-            </a:r>
-          </a:p>
-          <a:p>
-            <a:pPr marL="171450" indent="-171450">
-              <a:buFont typeface="Arial" panose="020B0604020202020204" pitchFamily="34" charset="0"/>
-              <a:buChar char="•"/>
-            </a:pPr>
-            <a:r>
-              <a:rPr lang="en-US" dirty="0"/>
-              <a:t>Brewery location (city and state)</a:t>
-            </a:r>
-          </a:p>
-          <a:p>
-            <a:pPr marL="171450" indent="-171450">
-              <a:buFont typeface="Arial" panose="020B0604020202020204" pitchFamily="34" charset="0"/>
-              <a:buChar char="•"/>
-            </a:pPr>
-            <a:r>
-              <a:rPr lang="en-US" dirty="0"/>
-              <a:t>Beer name</a:t>
-            </a:r>
-          </a:p>
-          <a:p>
-            <a:pPr marL="171450" indent="-171450">
-              <a:buFont typeface="Arial" panose="020B0604020202020204" pitchFamily="34" charset="0"/>
-              <a:buChar char="•"/>
-            </a:pPr>
-            <a:r>
-              <a:rPr lang="en-US" dirty="0"/>
-              <a:t>Beer name and ID</a:t>
-            </a:r>
-          </a:p>
-          <a:p>
-            <a:pPr marL="628650" lvl="1" indent="-171450">
-              <a:buFont typeface="Arial" panose="020B0604020202020204" pitchFamily="34" charset="0"/>
-              <a:buChar char="•"/>
-            </a:pPr>
-            <a:r>
-              <a:rPr lang="en-US" dirty="0"/>
-              <a:t>(each row is a separate beer; this means the same locations, brewery names, and brewery IDs appear frequently)</a:t>
-            </a:r>
-          </a:p>
-          <a:p>
-            <a:pPr marL="171450" lvl="0" indent="-171450">
-              <a:buFont typeface="Arial" panose="020B0604020202020204" pitchFamily="34" charset="0"/>
-              <a:buChar char="•"/>
-            </a:pPr>
-            <a:r>
-              <a:rPr lang="en-US" dirty="0"/>
-              <a:t>ABV value for each beer</a:t>
-            </a:r>
-          </a:p>
-          <a:p>
-            <a:pPr marL="171450" lvl="0" indent="-171450">
-              <a:buFont typeface="Arial" panose="020B0604020202020204" pitchFamily="34" charset="0"/>
-              <a:buChar char="•"/>
-            </a:pPr>
-            <a:r>
-              <a:rPr lang="en-US" dirty="0"/>
-              <a:t>IBU value for each beer</a:t>
-            </a:r>
-          </a:p>
-          <a:p>
-            <a:pPr marL="171450" lvl="0" indent="-171450">
-              <a:buFont typeface="Arial" panose="020B0604020202020204" pitchFamily="34" charset="0"/>
-              <a:buChar char="•"/>
-            </a:pPr>
-            <a:r>
-              <a:rPr lang="en-US" dirty="0"/>
-              <a:t>Style of each beer</a:t>
-            </a:r>
-          </a:p>
-          <a:p>
-            <a:pPr marL="171450" lvl="0" indent="-171450">
-              <a:buFont typeface="Arial" panose="020B0604020202020204" pitchFamily="34" charset="0"/>
-              <a:buChar char="•"/>
-            </a:pPr>
-            <a:r>
-              <a:rPr lang="en-US" dirty="0"/>
-              <a:t>Volume in ounces that the beer is served by</a:t>
-            </a:r>
-          </a:p>
-          <a:p>
-            <a:pPr marL="171450" lvl="0" indent="-171450">
-              <a:buFont typeface="Arial" panose="020B0604020202020204" pitchFamily="34" charset="0"/>
-              <a:buChar char="•"/>
-            </a:pPr>
-            <a:endParaRPr lang="en-US" dirty="0"/>
-          </a:p>
-          <a:p>
-            <a:pPr marL="0" marR="0" lvl="0" indent="0" algn="l" defTabSz="914400" rtl="0" eaLnBrk="1" fontAlgn="auto" latinLnBrk="0" hangingPunct="1">
-              <a:lnSpc>
-                <a:spcPct val="100000"/>
-              </a:lnSpc>
-              <a:spcBef>
-                <a:spcPts val="0"/>
-              </a:spcBef>
-              <a:spcAft>
-                <a:spcPts val="0"/>
-              </a:spcAft>
-              <a:buClrTx/>
-              <a:buSzTx/>
-              <a:buFont typeface="Arial" panose="020B0604020202020204" pitchFamily="34" charset="0"/>
-              <a:buNone/>
-              <a:tabLst/>
-              <a:defRPr/>
-            </a:pPr>
-            <a:r>
-              <a:rPr lang="en-US" dirty="0"/>
-              <a:t>Colorado has 47 total breweries including two instances of Oskar Blues brewery.</a:t>
-            </a:r>
-          </a:p>
-          <a:p>
-            <a:pPr marL="171450" lvl="0" indent="-171450">
-              <a:buFont typeface="Arial" panose="020B0604020202020204" pitchFamily="34" charset="0"/>
-              <a:buChar char="•"/>
-            </a:pPr>
-            <a:endParaRPr lang="en-US" dirty="0"/>
+              <a:t>&lt;Nick&gt;</a:t>
+            </a:r>
           </a:p>
         </p:txBody>
       </p:sp>
@@ -1688,7 +1715,7 @@
     </p:spTree>
     <p:extLst>
       <p:ext uri="{BB962C8B-B14F-4D97-AF65-F5344CB8AC3E}">
-        <p14:creationId xmlns:p14="http://schemas.microsoft.com/office/powerpoint/2010/main" val="433717867"/>
+        <p14:creationId xmlns:p14="http://schemas.microsoft.com/office/powerpoint/2010/main" val="2229765112"/>
       </p:ext>
     </p:extLst>
   </p:cSld>
@@ -1744,16 +1771,7 @@
           <a:p>
             <a:r>
               <a:rPr lang="en-US" dirty="0"/>
-              <a:t>&lt;Jamie&gt;</a:t>
-            </a:r>
-          </a:p>
-          <a:p>
-            <a:endParaRPr lang="en-US" dirty="0"/>
-          </a:p>
-          <a:p>
-            <a:r>
-              <a:rPr lang="en-US" dirty="0"/>
-              <a:t>Colorado has 47 total breweries including two instances of Oskar Blue</a:t>
+              <a:t>&lt;Nick&gt;</a:t>
             </a:r>
           </a:p>
         </p:txBody>
@@ -1784,7 +1802,7 @@
     </p:spTree>
     <p:extLst>
       <p:ext uri="{BB962C8B-B14F-4D97-AF65-F5344CB8AC3E}">
-        <p14:creationId xmlns:p14="http://schemas.microsoft.com/office/powerpoint/2010/main" val="4192428054"/>
+        <p14:creationId xmlns:p14="http://schemas.microsoft.com/office/powerpoint/2010/main" val="3692393693"/>
       </p:ext>
     </p:extLst>
   </p:cSld>
@@ -1838,6 +1856,128 @@
           <a:bodyPr/>
           <a:lstStyle/>
           <a:p>
+            <a:r>
+              <a:rPr lang="en-US" dirty="0"/>
+              <a:t>&lt;Jamie&gt;</a:t>
+            </a:r>
+          </a:p>
+          <a:p>
+            <a:endParaRPr lang="en-US" dirty="0"/>
+          </a:p>
+          <a:p>
+            <a:r>
+              <a:rPr lang="en-US" dirty="0"/>
+              <a:t>Combined data set contains the following variables:</a:t>
+            </a:r>
+          </a:p>
+          <a:p>
+            <a:pPr marL="171450" indent="-171450">
+              <a:buFont typeface="Arial" panose="020B0604020202020204" pitchFamily="34" charset="0"/>
+              <a:buChar char="•"/>
+            </a:pPr>
+            <a:r>
+              <a:rPr lang="en-US" dirty="0"/>
+              <a:t>Brewery ID</a:t>
+            </a:r>
+          </a:p>
+          <a:p>
+            <a:pPr marL="171450" indent="-171450">
+              <a:buFont typeface="Arial" panose="020B0604020202020204" pitchFamily="34" charset="0"/>
+              <a:buChar char="•"/>
+            </a:pPr>
+            <a:r>
+              <a:rPr lang="en-US" dirty="0"/>
+              <a:t>Brewery name</a:t>
+            </a:r>
+          </a:p>
+          <a:p>
+            <a:pPr marL="171450" indent="-171450">
+              <a:buFont typeface="Arial" panose="020B0604020202020204" pitchFamily="34" charset="0"/>
+              <a:buChar char="•"/>
+            </a:pPr>
+            <a:r>
+              <a:rPr lang="en-US" dirty="0"/>
+              <a:t>Brewery location (city and state)</a:t>
+            </a:r>
+          </a:p>
+          <a:p>
+            <a:pPr marL="171450" indent="-171450">
+              <a:buFont typeface="Arial" panose="020B0604020202020204" pitchFamily="34" charset="0"/>
+              <a:buChar char="•"/>
+            </a:pPr>
+            <a:r>
+              <a:rPr lang="en-US" dirty="0"/>
+              <a:t>Beer name</a:t>
+            </a:r>
+          </a:p>
+          <a:p>
+            <a:pPr marL="171450" indent="-171450">
+              <a:buFont typeface="Arial" panose="020B0604020202020204" pitchFamily="34" charset="0"/>
+              <a:buChar char="•"/>
+            </a:pPr>
+            <a:r>
+              <a:rPr lang="en-US" dirty="0"/>
+              <a:t>Beer name and ID</a:t>
+            </a:r>
+          </a:p>
+          <a:p>
+            <a:pPr marL="628650" lvl="1" indent="-171450">
+              <a:buFont typeface="Arial" panose="020B0604020202020204" pitchFamily="34" charset="0"/>
+              <a:buChar char="•"/>
+            </a:pPr>
+            <a:r>
+              <a:rPr lang="en-US" dirty="0"/>
+              <a:t>(each row is a separate beer; this means the same locations, brewery names, and brewery IDs appear frequently)</a:t>
+            </a:r>
+          </a:p>
+          <a:p>
+            <a:pPr marL="171450" lvl="0" indent="-171450">
+              <a:buFont typeface="Arial" panose="020B0604020202020204" pitchFamily="34" charset="0"/>
+              <a:buChar char="•"/>
+            </a:pPr>
+            <a:r>
+              <a:rPr lang="en-US" dirty="0"/>
+              <a:t>ABV value for each beer</a:t>
+            </a:r>
+          </a:p>
+          <a:p>
+            <a:pPr marL="171450" lvl="0" indent="-171450">
+              <a:buFont typeface="Arial" panose="020B0604020202020204" pitchFamily="34" charset="0"/>
+              <a:buChar char="•"/>
+            </a:pPr>
+            <a:r>
+              <a:rPr lang="en-US" dirty="0"/>
+              <a:t>IBU value for each beer</a:t>
+            </a:r>
+          </a:p>
+          <a:p>
+            <a:pPr marL="171450" lvl="0" indent="-171450">
+              <a:buFont typeface="Arial" panose="020B0604020202020204" pitchFamily="34" charset="0"/>
+              <a:buChar char="•"/>
+            </a:pPr>
+            <a:r>
+              <a:rPr lang="en-US" dirty="0"/>
+              <a:t>Style of each beer</a:t>
+            </a:r>
+          </a:p>
+          <a:p>
+            <a:pPr marL="171450" lvl="0" indent="-171450">
+              <a:buFont typeface="Arial" panose="020B0604020202020204" pitchFamily="34" charset="0"/>
+              <a:buChar char="•"/>
+            </a:pPr>
+            <a:r>
+              <a:rPr lang="en-US" dirty="0"/>
+              <a:t>Volume in ounces that the beer is served by</a:t>
+            </a:r>
+          </a:p>
+          <a:p>
+            <a:pPr marL="171450" lvl="0" indent="-171450">
+              <a:buFont typeface="Arial" panose="020B0604020202020204" pitchFamily="34" charset="0"/>
+              <a:buChar char="•"/>
+            </a:pPr>
+            <a:endParaRPr lang="en-US" dirty="0"/>
+          </a:p>
+          <a:p>
             <a:pPr marL="0" marR="0" lvl="0" indent="0" algn="l" defTabSz="914400" rtl="0" eaLnBrk="1" fontAlgn="auto" latinLnBrk="0" hangingPunct="1">
               <a:lnSpc>
                 <a:spcPct val="100000"/>
@@ -1850,60 +1990,21 @@
               </a:spcAft>
               <a:buClrTx/>
               <a:buSzTx/>
-              <a:buFontTx/>
+              <a:buFont typeface="Arial" panose="020B0604020202020204" pitchFamily="34" charset="0"/>
               <a:buNone/>
               <a:tabLst/>
               <a:defRPr/>
             </a:pPr>
             <a:r>
               <a:rPr lang="en-US" dirty="0"/>
-              <a:t>&lt;Jamie&gt;</a:t>
-            </a:r>
-          </a:p>
-          <a:p>
-            <a:pPr marL="0" marR="0" lvl="0" indent="0" algn="l" defTabSz="914400" rtl="0" eaLnBrk="1" fontAlgn="auto" latinLnBrk="0" hangingPunct="1">
-              <a:lnSpc>
-                <a:spcPct val="100000"/>
-              </a:lnSpc>
-              <a:spcBef>
-                <a:spcPts val="0"/>
-              </a:spcBef>
-              <a:spcAft>
-                <a:spcPts val="0"/>
-              </a:spcAft>
-              <a:buClrTx/>
-              <a:buSzTx/>
-              <a:buFontTx/>
-              <a:buNone/>
-              <a:tabLst/>
-              <a:defRPr/>
+              <a:t>Colorado has 47 total breweries including two instances of Oskar Blues brewery.</a:t>
+            </a:r>
+          </a:p>
+          <a:p>
+            <a:pPr marL="171450" lvl="0" indent="-171450">
+              <a:buFont typeface="Arial" panose="020B0604020202020204" pitchFamily="34" charset="0"/>
+              <a:buChar char="•"/>
             </a:pPr>
-            <a:endParaRPr lang="en-US" dirty="0"/>
-          </a:p>
-          <a:p>
-            <a:pPr marL="0" marR="0" lvl="0" indent="0" algn="l" defTabSz="914400" rtl="0" eaLnBrk="1" fontAlgn="auto" latinLnBrk="0" hangingPunct="1">
-              <a:lnSpc>
-                <a:spcPct val="100000"/>
-              </a:lnSpc>
-              <a:spcBef>
-                <a:spcPts val="0"/>
-              </a:spcBef>
-              <a:spcAft>
-                <a:spcPts val="0"/>
-              </a:spcAft>
-              <a:buClrTx/>
-              <a:buSzTx/>
-              <a:buFontTx/>
-              <a:buNone/>
-              <a:tabLst/>
-              <a:defRPr/>
-            </a:pPr>
-            <a:r>
-              <a:rPr lang="en-US" dirty="0"/>
-              <a:t>Colorado has 47 total breweries including two instances of Oskar Blues brewery.</a:t>
-            </a:r>
-          </a:p>
-          <a:p>
             <a:endParaRPr lang="en-US" dirty="0"/>
           </a:p>
         </p:txBody>
@@ -1934,7 +2035,7 @@
     </p:spTree>
     <p:extLst>
       <p:ext uri="{BB962C8B-B14F-4D97-AF65-F5344CB8AC3E}">
-        <p14:creationId xmlns:p14="http://schemas.microsoft.com/office/powerpoint/2010/main" val="916781328"/>
+        <p14:creationId xmlns:p14="http://schemas.microsoft.com/office/powerpoint/2010/main" val="433717867"/>
       </p:ext>
     </p:extLst>
   </p:cSld>
@@ -1990,7 +2091,16 @@
           <a:p>
             <a:r>
               <a:rPr lang="en-US" dirty="0"/>
-              <a:t>&lt;Nick&gt;</a:t>
+              <a:t>&lt;Jamie&gt;</a:t>
+            </a:r>
+          </a:p>
+          <a:p>
+            <a:endParaRPr lang="en-US" dirty="0"/>
+          </a:p>
+          <a:p>
+            <a:r>
+              <a:rPr lang="en-US" dirty="0"/>
+              <a:t>Colorado has 47 total breweries including two instances of Oskar Blue</a:t>
             </a:r>
           </a:p>
         </p:txBody>
@@ -2021,7 +2131,7 @@
     </p:spTree>
     <p:extLst>
       <p:ext uri="{BB962C8B-B14F-4D97-AF65-F5344CB8AC3E}">
-        <p14:creationId xmlns:p14="http://schemas.microsoft.com/office/powerpoint/2010/main" val="3684399016"/>
+        <p14:creationId xmlns:p14="http://schemas.microsoft.com/office/powerpoint/2010/main" val="4192428054"/>
       </p:ext>
     </p:extLst>
   </p:cSld>
@@ -2075,10 +2185,73 @@
           <a:bodyPr/>
           <a:lstStyle/>
           <a:p>
+            <a:pPr marL="0" marR="0" lvl="0" indent="0" algn="l" defTabSz="914400" rtl="0" eaLnBrk="1" fontAlgn="auto" latinLnBrk="0" hangingPunct="1">
+              <a:lnSpc>
+                <a:spcPct val="100000"/>
+              </a:lnSpc>
+              <a:spcBef>
+                <a:spcPts val="0"/>
+              </a:spcBef>
+              <a:spcAft>
+                <a:spcPts val="0"/>
+              </a:spcAft>
+              <a:buClrTx/>
+              <a:buSzTx/>
+              <a:buFontTx/>
+              <a:buNone/>
+              <a:tabLst/>
+              <a:defRPr/>
+            </a:pPr>
             <a:r>
               <a:rPr lang="en-US" dirty="0"/>
-              <a:t>&lt;Nick&gt;</a:t>
-            </a:r>
+              <a:t>&lt;Jamie&gt;</a:t>
+            </a:r>
+          </a:p>
+          <a:p>
+            <a:pPr marL="0" marR="0" lvl="0" indent="0" algn="l" defTabSz="914400" rtl="0" eaLnBrk="1" fontAlgn="auto" latinLnBrk="0" hangingPunct="1">
+              <a:lnSpc>
+                <a:spcPct val="100000"/>
+              </a:lnSpc>
+              <a:spcBef>
+                <a:spcPts val="0"/>
+              </a:spcBef>
+              <a:spcAft>
+                <a:spcPts val="0"/>
+              </a:spcAft>
+              <a:buClrTx/>
+              <a:buSzTx/>
+              <a:buFontTx/>
+              <a:buNone/>
+              <a:tabLst/>
+              <a:defRPr/>
+            </a:pPr>
+            <a:endParaRPr lang="en-US" dirty="0"/>
+          </a:p>
+          <a:p>
+            <a:pPr marL="0" marR="0" lvl="0" indent="0" algn="l" defTabSz="914400" rtl="0" eaLnBrk="1" fontAlgn="auto" latinLnBrk="0" hangingPunct="1">
+              <a:lnSpc>
+                <a:spcPct val="100000"/>
+              </a:lnSpc>
+              <a:spcBef>
+                <a:spcPts val="0"/>
+              </a:spcBef>
+              <a:spcAft>
+                <a:spcPts val="0"/>
+              </a:spcAft>
+              <a:buClrTx/>
+              <a:buSzTx/>
+              <a:buFontTx/>
+              <a:buNone/>
+              <a:tabLst/>
+              <a:defRPr/>
+            </a:pPr>
+            <a:r>
+              <a:rPr lang="en-US" dirty="0"/>
+              <a:t>Colorado has 47 total breweries including two instances of Oskar Blues brewery.</a:t>
+            </a:r>
+          </a:p>
+          <a:p>
+            <a:endParaRPr lang="en-US" dirty="0"/>
           </a:p>
         </p:txBody>
       </p:sp>
@@ -2108,7 +2281,7 @@
     </p:spTree>
     <p:extLst>
       <p:ext uri="{BB962C8B-B14F-4D97-AF65-F5344CB8AC3E}">
-        <p14:creationId xmlns:p14="http://schemas.microsoft.com/office/powerpoint/2010/main" val="2432844047"/>
+        <p14:creationId xmlns:p14="http://schemas.microsoft.com/office/powerpoint/2010/main" val="916781328"/>
       </p:ext>
     </p:extLst>
   </p:cSld>
@@ -2195,7 +2368,7 @@
     </p:spTree>
     <p:extLst>
       <p:ext uri="{BB962C8B-B14F-4D97-AF65-F5344CB8AC3E}">
-        <p14:creationId xmlns:p14="http://schemas.microsoft.com/office/powerpoint/2010/main" val="2580473908"/>
+        <p14:creationId xmlns:p14="http://schemas.microsoft.com/office/powerpoint/2010/main" val="866630977"/>
       </p:ext>
     </p:extLst>
   </p:cSld>
@@ -2254,21 +2427,6 @@
               <a:t>&lt;Nick&gt;</a:t>
             </a:r>
           </a:p>
-          <a:p>
-            <a:r>
-              <a:rPr lang="en-US" dirty="0"/>
-              <a:t>Why we chose median over average</a:t>
-            </a:r>
-          </a:p>
-          <a:p>
-            <a:endParaRPr lang="en-US" dirty="0"/>
-          </a:p>
-          <a:p>
-            <a:r>
-              <a:rPr lang="en-US" dirty="0"/>
-              <a:t>Values of lowest and highest ABV &amp; IBU</a:t>
-            </a:r>
-          </a:p>
         </p:txBody>
       </p:sp>
       <p:sp>
@@ -2297,7 +2455,7 @@
     </p:spTree>
     <p:extLst>
       <p:ext uri="{BB962C8B-B14F-4D97-AF65-F5344CB8AC3E}">
-        <p14:creationId xmlns:p14="http://schemas.microsoft.com/office/powerpoint/2010/main" val="3920298705"/>
+        <p14:creationId xmlns:p14="http://schemas.microsoft.com/office/powerpoint/2010/main" val="3684399016"/>
       </p:ext>
     </p:extLst>
   </p:cSld>
@@ -2440,7 +2598,7 @@
           <a:p>
             <a:fld id="{89D19D7F-CB56-4001-AAA7-58EDBA2CCA3C}" type="datetimeFigureOut">
               <a:rPr lang="en-US" smtClean="0"/>
-              <a:t>3/2/2020</a:t>
+              <a:t>3/4/2020</a:t>
             </a:fld>
             <a:endParaRPr lang="en-US"/>
           </a:p>
@@ -2727,7 +2885,7 @@
           <a:p>
             <a:fld id="{89D19D7F-CB56-4001-AAA7-58EDBA2CCA3C}" type="datetimeFigureOut">
               <a:rPr lang="en-US" smtClean="0"/>
-              <a:t>3/2/2020</a:t>
+              <a:t>3/4/2020</a:t>
             </a:fld>
             <a:endParaRPr lang="en-US"/>
           </a:p>
@@ -2919,7 +3077,7 @@
           <a:p>
             <a:fld id="{89D19D7F-CB56-4001-AAA7-58EDBA2CCA3C}" type="datetimeFigureOut">
               <a:rPr lang="en-US" smtClean="0"/>
-              <a:t>3/2/2020</a:t>
+              <a:t>3/4/2020</a:t>
             </a:fld>
             <a:endParaRPr lang="en-US"/>
           </a:p>
@@ -3180,7 +3338,7 @@
           <a:p>
             <a:fld id="{89D19D7F-CB56-4001-AAA7-58EDBA2CCA3C}" type="datetimeFigureOut">
               <a:rPr lang="en-US" smtClean="0"/>
-              <a:t>3/2/2020</a:t>
+              <a:t>3/4/2020</a:t>
             </a:fld>
             <a:endParaRPr lang="en-US"/>
           </a:p>
@@ -3604,7 +3762,7 @@
           <a:p>
             <a:fld id="{89D19D7F-CB56-4001-AAA7-58EDBA2CCA3C}" type="datetimeFigureOut">
               <a:rPr lang="en-US" smtClean="0"/>
-              <a:t>3/2/2020</a:t>
+              <a:t>3/4/2020</a:t>
             </a:fld>
             <a:endParaRPr lang="en-US"/>
           </a:p>
@@ -4150,7 +4308,7 @@
           <a:p>
             <a:fld id="{89D19D7F-CB56-4001-AAA7-58EDBA2CCA3C}" type="datetimeFigureOut">
               <a:rPr lang="en-US" smtClean="0"/>
-              <a:t>3/2/2020</a:t>
+              <a:t>3/4/2020</a:t>
             </a:fld>
             <a:endParaRPr lang="en-US"/>
           </a:p>
@@ -4990,7 +5148,7 @@
           <a:p>
             <a:fld id="{89D19D7F-CB56-4001-AAA7-58EDBA2CCA3C}" type="datetimeFigureOut">
               <a:rPr lang="en-US" smtClean="0"/>
-              <a:t>3/2/2020</a:t>
+              <a:t>3/4/2020</a:t>
             </a:fld>
             <a:endParaRPr lang="en-US"/>
           </a:p>
@@ -5160,7 +5318,7 @@
           <a:p>
             <a:fld id="{89D19D7F-CB56-4001-AAA7-58EDBA2CCA3C}" type="datetimeFigureOut">
               <a:rPr lang="en-US" smtClean="0"/>
-              <a:t>3/2/2020</a:t>
+              <a:t>3/4/2020</a:t>
             </a:fld>
             <a:endParaRPr lang="en-US"/>
           </a:p>
@@ -5344,7 +5502,7 @@
           <a:p>
             <a:fld id="{89D19D7F-CB56-4001-AAA7-58EDBA2CCA3C}" type="datetimeFigureOut">
               <a:rPr lang="en-US" smtClean="0"/>
-              <a:t>3/2/2020</a:t>
+              <a:t>3/4/2020</a:t>
             </a:fld>
             <a:endParaRPr lang="en-US"/>
           </a:p>
@@ -5514,7 +5672,7 @@
           <a:p>
             <a:fld id="{89D19D7F-CB56-4001-AAA7-58EDBA2CCA3C}" type="datetimeFigureOut">
               <a:rPr lang="en-US" smtClean="0"/>
-              <a:t>3/2/2020</a:t>
+              <a:t>3/4/2020</a:t>
             </a:fld>
             <a:endParaRPr lang="en-US"/>
           </a:p>
@@ -5762,7 +5920,7 @@
           <a:p>
             <a:fld id="{89D19D7F-CB56-4001-AAA7-58EDBA2CCA3C}" type="datetimeFigureOut">
               <a:rPr lang="en-US" smtClean="0"/>
-              <a:t>3/2/2020</a:t>
+              <a:t>3/4/2020</a:t>
             </a:fld>
             <a:endParaRPr lang="en-US"/>
           </a:p>
@@ -5999,7 +6157,7 @@
           <a:p>
             <a:fld id="{89D19D7F-CB56-4001-AAA7-58EDBA2CCA3C}" type="datetimeFigureOut">
               <a:rPr lang="en-US" smtClean="0"/>
-              <a:t>3/2/2020</a:t>
+              <a:t>3/4/2020</a:t>
             </a:fld>
             <a:endParaRPr lang="en-US"/>
           </a:p>
@@ -6372,7 +6530,7 @@
           <a:p>
             <a:fld id="{89D19D7F-CB56-4001-AAA7-58EDBA2CCA3C}" type="datetimeFigureOut">
               <a:rPr lang="en-US" smtClean="0"/>
-              <a:t>3/2/2020</a:t>
+              <a:t>3/4/2020</a:t>
             </a:fld>
             <a:endParaRPr lang="en-US"/>
           </a:p>
@@ -6490,7 +6648,7 @@
           <a:p>
             <a:fld id="{89D19D7F-CB56-4001-AAA7-58EDBA2CCA3C}" type="datetimeFigureOut">
               <a:rPr lang="en-US" smtClean="0"/>
-              <a:t>3/2/2020</a:t>
+              <a:t>3/4/2020</a:t>
             </a:fld>
             <a:endParaRPr lang="en-US"/>
           </a:p>
@@ -6585,7 +6743,7 @@
           <a:p>
             <a:fld id="{89D19D7F-CB56-4001-AAA7-58EDBA2CCA3C}" type="datetimeFigureOut">
               <a:rPr lang="en-US" smtClean="0"/>
-              <a:t>3/2/2020</a:t>
+              <a:t>3/4/2020</a:t>
             </a:fld>
             <a:endParaRPr lang="en-US"/>
           </a:p>
@@ -6836,7 +6994,7 @@
           <a:p>
             <a:fld id="{89D19D7F-CB56-4001-AAA7-58EDBA2CCA3C}" type="datetimeFigureOut">
               <a:rPr lang="en-US" smtClean="0"/>
-              <a:t>3/2/2020</a:t>
+              <a:t>3/4/2020</a:t>
             </a:fld>
             <a:endParaRPr lang="en-US"/>
           </a:p>
@@ -7123,7 +7281,7 @@
           <a:p>
             <a:fld id="{89D19D7F-CB56-4001-AAA7-58EDBA2CCA3C}" type="datetimeFigureOut">
               <a:rPr lang="en-US" smtClean="0"/>
-              <a:t>3/2/2020</a:t>
+              <a:t>3/4/2020</a:t>
             </a:fld>
             <a:endParaRPr lang="en-US"/>
           </a:p>
@@ -7336,7 +7494,7 @@
           <a:p>
             <a:fld id="{89D19D7F-CB56-4001-AAA7-58EDBA2CCA3C}" type="datetimeFigureOut">
               <a:rPr lang="en-US" smtClean="0"/>
-              <a:t>3/2/2020</a:t>
+              <a:t>3/4/2020</a:t>
             </a:fld>
             <a:endParaRPr lang="en-US"/>
           </a:p>
@@ -7898,6 +8056,12 @@
           <a:p>
             <a:r>
               <a:rPr lang="en-US" dirty="0"/>
+              <a:t>The Bitter Truth Insights</a:t>
+            </a:r>
+          </a:p>
+          <a:p>
+            <a:r>
+              <a:rPr lang="en-US" dirty="0"/>
               <a:t>Indy Dhillon, Jamie Vo, &amp; Nick Blair</a:t>
             </a:r>
           </a:p>
@@ -7949,6 +8113,1310 @@
             <p:ph type="title"/>
           </p:nvPr>
         </p:nvSpPr>
+        <p:spPr/>
+        <p:txBody>
+          <a:bodyPr/>
+          <a:lstStyle/>
+          <a:p>
+            <a:pPr algn="l"/>
+            <a:r>
+              <a:rPr lang="en-US" dirty="0"/>
+              <a:t>Data overview: missing values</a:t>
+            </a:r>
+          </a:p>
+        </p:txBody>
+      </p:sp>
+      <p:sp>
+        <p:nvSpPr>
+          <p:cNvPr id="3" name="Content Placeholder 2">
+            <a:extLst>
+              <a:ext uri="{FF2B5EF4-FFF2-40B4-BE49-F238E27FC236}">
+                <a16:creationId xmlns:a16="http://schemas.microsoft.com/office/drawing/2014/main" id="{F224934F-5312-4B36-B34F-3A9AD2B66559}"/>
+              </a:ext>
+            </a:extLst>
+          </p:cNvPr>
+          <p:cNvSpPr>
+            <a:spLocks noGrp="1"/>
+          </p:cNvSpPr>
+          <p:nvPr>
+            <p:ph idx="1"/>
+          </p:nvPr>
+        </p:nvSpPr>
+        <p:spPr/>
+        <p:txBody>
+          <a:bodyPr/>
+          <a:lstStyle/>
+          <a:p>
+            <a:r>
+              <a:rPr lang="en-US" dirty="0">
+                <a:solidFill>
+                  <a:schemeClr val="tx1">
+                    <a:lumMod val="50000"/>
+                  </a:schemeClr>
+                </a:solidFill>
+              </a:rPr>
+              <a:t>Missing values in ABV &amp; IBU</a:t>
+            </a:r>
+          </a:p>
+          <a:p>
+            <a:r>
+              <a:rPr lang="en-US" dirty="0">
+                <a:solidFill>
+                  <a:schemeClr val="tx1">
+                    <a:lumMod val="50000"/>
+                  </a:schemeClr>
+                </a:solidFill>
+              </a:rPr>
+              <a:t>Possibly due to state laws, complexity of testing</a:t>
+            </a:r>
+          </a:p>
+          <a:p>
+            <a:r>
+              <a:rPr lang="en-US" dirty="0"/>
+              <a:t>Two methods for handling missing values:</a:t>
+            </a:r>
+          </a:p>
+          <a:p>
+            <a:pPr marL="800100" lvl="1" indent="-342900">
+              <a:buFont typeface="+mj-lt"/>
+              <a:buAutoNum type="arabicPeriod"/>
+            </a:pPr>
+            <a:r>
+              <a:rPr lang="en-US" dirty="0"/>
+              <a:t>Eliminate missing data lines</a:t>
+            </a:r>
+          </a:p>
+          <a:p>
+            <a:pPr marL="800100" lvl="1" indent="-342900">
+              <a:buFont typeface="+mj-lt"/>
+              <a:buAutoNum type="arabicPeriod"/>
+            </a:pPr>
+            <a:r>
+              <a:rPr lang="en-US" dirty="0"/>
+              <a:t>Replace missing data values with average of relevant values</a:t>
+            </a:r>
+          </a:p>
+        </p:txBody>
+      </p:sp>
+    </p:spTree>
+    <p:extLst>
+      <p:ext uri="{BB962C8B-B14F-4D97-AF65-F5344CB8AC3E}">
+        <p14:creationId xmlns:p14="http://schemas.microsoft.com/office/powerpoint/2010/main" val="2217094163"/>
+      </p:ext>
+    </p:extLst>
+  </p:cSld>
+  <p:clrMapOvr>
+    <a:masterClrMapping/>
+  </p:clrMapOvr>
+</p:sld>
+</file>
+
+<file path=ppt/slides/slide11.xml><?xml version="1.0" encoding="utf-8"?>
+<p:sld xmlns:a="http://schemas.openxmlformats.org/drawingml/2006/main" xmlns:r="http://schemas.openxmlformats.org/officeDocument/2006/relationships" xmlns:p="http://schemas.openxmlformats.org/presentationml/2006/main">
+  <p:cSld>
+    <p:spTree>
+      <p:nvGrpSpPr>
+        <p:cNvPr id="1" name=""/>
+        <p:cNvGrpSpPr/>
+        <p:nvPr/>
+      </p:nvGrpSpPr>
+      <p:grpSpPr>
+        <a:xfrm>
+          <a:off x="0" y="0"/>
+          <a:ext cx="0" cy="0"/>
+          <a:chOff x="0" y="0"/>
+          <a:chExt cx="0" cy="0"/>
+        </a:xfrm>
+      </p:grpSpPr>
+      <p:sp>
+        <p:nvSpPr>
+          <p:cNvPr id="2" name="Title 1">
+            <a:extLst>
+              <a:ext uri="{FF2B5EF4-FFF2-40B4-BE49-F238E27FC236}">
+                <a16:creationId xmlns:a16="http://schemas.microsoft.com/office/drawing/2014/main" id="{F3612843-29AB-4571-A1AA-DD16C56C044A}"/>
+              </a:ext>
+            </a:extLst>
+          </p:cNvPr>
+          <p:cNvSpPr>
+            <a:spLocks noGrp="1"/>
+          </p:cNvSpPr>
+          <p:nvPr>
+            <p:ph type="title"/>
+          </p:nvPr>
+        </p:nvSpPr>
+        <p:spPr/>
+        <p:txBody>
+          <a:bodyPr/>
+          <a:lstStyle/>
+          <a:p>
+            <a:r>
+              <a:rPr lang="en-US" dirty="0"/>
+              <a:t>Comparison of correction methods</a:t>
+            </a:r>
+          </a:p>
+        </p:txBody>
+      </p:sp>
+      <p:sp>
+        <p:nvSpPr>
+          <p:cNvPr id="3" name="Content Placeholder 2">
+            <a:extLst>
+              <a:ext uri="{FF2B5EF4-FFF2-40B4-BE49-F238E27FC236}">
+                <a16:creationId xmlns:a16="http://schemas.microsoft.com/office/drawing/2014/main" id="{DD2D0848-D496-4924-ABB2-F45AD458F1BA}"/>
+              </a:ext>
+            </a:extLst>
+          </p:cNvPr>
+          <p:cNvSpPr>
+            <a:spLocks noGrp="1"/>
+          </p:cNvSpPr>
+          <p:nvPr>
+            <p:ph sz="half" idx="1"/>
+          </p:nvPr>
+        </p:nvSpPr>
+        <p:spPr/>
+        <p:style>
+          <a:lnRef idx="0">
+            <a:scrgbClr r="0" g="0" b="0"/>
+          </a:lnRef>
+          <a:fillRef idx="1003">
+            <a:schemeClr val="dk1"/>
+          </a:fillRef>
+          <a:effectRef idx="0">
+            <a:scrgbClr r="0" g="0" b="0"/>
+          </a:effectRef>
+          <a:fontRef idx="major"/>
+        </p:style>
+        <p:txBody>
+          <a:bodyPr>
+            <a:normAutofit fontScale="92500" lnSpcReduction="10000"/>
+          </a:bodyPr>
+          <a:lstStyle/>
+          <a:p>
+            <a:r>
+              <a:rPr lang="en-US" u="sng" dirty="0"/>
+              <a:t>Using missing data method 1:</a:t>
+            </a:r>
+          </a:p>
+          <a:p>
+            <a:r>
+              <a:rPr lang="en-US" dirty="0">
+                <a:effectLst/>
+              </a:rPr>
+              <a:t>Minimum: 2.7%</a:t>
+            </a:r>
+          </a:p>
+          <a:p>
+            <a:r>
+              <a:rPr lang="en-US" dirty="0">
+                <a:effectLst/>
+              </a:rPr>
+              <a:t>1</a:t>
+            </a:r>
+            <a:r>
+              <a:rPr lang="en-US" baseline="30000" dirty="0">
+                <a:effectLst/>
+              </a:rPr>
+              <a:t>st </a:t>
+            </a:r>
+            <a:r>
+              <a:rPr lang="en-US" dirty="0">
+                <a:effectLst/>
+              </a:rPr>
+              <a:t>Quartile: 5.0%</a:t>
+            </a:r>
+          </a:p>
+          <a:p>
+            <a:r>
+              <a:rPr lang="en-US" dirty="0">
+                <a:effectLst/>
+              </a:rPr>
+              <a:t>Median: 5.7%</a:t>
+            </a:r>
+          </a:p>
+          <a:p>
+            <a:r>
+              <a:rPr lang="en-US" dirty="0">
+                <a:effectLst/>
+              </a:rPr>
+              <a:t>3</a:t>
+            </a:r>
+            <a:r>
+              <a:rPr lang="en-US" baseline="30000" dirty="0">
+                <a:effectLst/>
+              </a:rPr>
+              <a:t>rd </a:t>
+            </a:r>
+            <a:r>
+              <a:rPr lang="en-US" dirty="0">
+                <a:effectLst/>
+              </a:rPr>
+              <a:t>Quartile: 6.8%</a:t>
+            </a:r>
+          </a:p>
+          <a:p>
+            <a:r>
+              <a:rPr lang="en-US" dirty="0">
+                <a:effectLst/>
+              </a:rPr>
+              <a:t>Maximum: 12.5%</a:t>
+            </a:r>
+          </a:p>
+          <a:p>
+            <a:r>
+              <a:rPr lang="en-US" dirty="0">
+                <a:effectLst/>
+              </a:rPr>
+              <a:t>Mean 5.991%</a:t>
+            </a:r>
+          </a:p>
+          <a:p>
+            <a:r>
+              <a:rPr lang="en-US" dirty="0">
+                <a:effectLst/>
+              </a:rPr>
+              <a:t>Standard Deviation: 1.358</a:t>
+            </a:r>
+          </a:p>
+          <a:p>
+            <a:endParaRPr lang="en-US" dirty="0"/>
+          </a:p>
+        </p:txBody>
+      </p:sp>
+      <p:sp>
+        <p:nvSpPr>
+          <p:cNvPr id="8" name="Content Placeholder 3">
+            <a:extLst>
+              <a:ext uri="{FF2B5EF4-FFF2-40B4-BE49-F238E27FC236}">
+                <a16:creationId xmlns:a16="http://schemas.microsoft.com/office/drawing/2014/main" id="{F19DD31E-AF75-4BF0-BCEB-1F07ACE00D08}"/>
+              </a:ext>
+            </a:extLst>
+          </p:cNvPr>
+          <p:cNvSpPr>
+            <a:spLocks noGrp="1"/>
+          </p:cNvSpPr>
+          <p:nvPr>
+            <p:ph sz="half" idx="2"/>
+          </p:nvPr>
+        </p:nvSpPr>
+        <p:spPr>
+          <a:xfrm>
+            <a:off x="6173403" y="2088319"/>
+            <a:ext cx="5094154" cy="3702881"/>
+          </a:xfrm>
+          <a:noFill/>
+        </p:spPr>
+        <p:style>
+          <a:lnRef idx="0">
+            <a:scrgbClr r="0" g="0" b="0"/>
+          </a:lnRef>
+          <a:fillRef idx="1003">
+            <a:schemeClr val="dk1"/>
+          </a:fillRef>
+          <a:effectRef idx="0">
+            <a:scrgbClr r="0" g="0" b="0"/>
+          </a:effectRef>
+          <a:fontRef idx="major"/>
+        </p:style>
+        <p:txBody>
+          <a:bodyPr>
+            <a:normAutofit fontScale="92500" lnSpcReduction="10000"/>
+          </a:bodyPr>
+          <a:lstStyle/>
+          <a:p>
+            <a:r>
+              <a:rPr lang="en-US" u="sng" dirty="0">
+                <a:solidFill>
+                  <a:schemeClr val="bg1">
+                    <a:lumMod val="50000"/>
+                    <a:lumOff val="50000"/>
+                  </a:schemeClr>
+                </a:solidFill>
+              </a:rPr>
+              <a:t>Using missing data method 2:</a:t>
+            </a:r>
+          </a:p>
+          <a:p>
+            <a:r>
+              <a:rPr lang="en-US" dirty="0">
+                <a:solidFill>
+                  <a:schemeClr val="bg1">
+                    <a:lumMod val="50000"/>
+                    <a:lumOff val="50000"/>
+                  </a:schemeClr>
+                </a:solidFill>
+                <a:effectLst/>
+              </a:rPr>
+              <a:t>Minimum: 0.100%</a:t>
+            </a:r>
+          </a:p>
+          <a:p>
+            <a:r>
+              <a:rPr lang="en-US" dirty="0">
+                <a:solidFill>
+                  <a:schemeClr val="bg1">
+                    <a:lumMod val="50000"/>
+                    <a:lumOff val="50000"/>
+                  </a:schemeClr>
+                </a:solidFill>
+                <a:effectLst/>
+              </a:rPr>
+              <a:t>1</a:t>
+            </a:r>
+            <a:r>
+              <a:rPr lang="en-US" baseline="30000" dirty="0">
+                <a:solidFill>
+                  <a:schemeClr val="bg1">
+                    <a:lumMod val="50000"/>
+                    <a:lumOff val="50000"/>
+                  </a:schemeClr>
+                </a:solidFill>
+                <a:effectLst/>
+              </a:rPr>
+              <a:t>st </a:t>
+            </a:r>
+            <a:r>
+              <a:rPr lang="en-US" dirty="0">
+                <a:solidFill>
+                  <a:schemeClr val="bg1">
+                    <a:lumMod val="50000"/>
+                    <a:lumOff val="50000"/>
+                  </a:schemeClr>
+                </a:solidFill>
+                <a:effectLst/>
+              </a:rPr>
+              <a:t>Quartile : 5.0%</a:t>
+            </a:r>
+          </a:p>
+          <a:p>
+            <a:r>
+              <a:rPr lang="en-US" dirty="0">
+                <a:solidFill>
+                  <a:schemeClr val="bg1">
+                    <a:lumMod val="50000"/>
+                    <a:lumOff val="50000"/>
+                  </a:schemeClr>
+                </a:solidFill>
+                <a:effectLst/>
+              </a:rPr>
+              <a:t>Median: 5.7%</a:t>
+            </a:r>
+          </a:p>
+          <a:p>
+            <a:r>
+              <a:rPr lang="en-US" dirty="0">
+                <a:solidFill>
+                  <a:schemeClr val="bg1">
+                    <a:lumMod val="50000"/>
+                    <a:lumOff val="50000"/>
+                  </a:schemeClr>
+                </a:solidFill>
+                <a:effectLst/>
+              </a:rPr>
+              <a:t>3</a:t>
+            </a:r>
+            <a:r>
+              <a:rPr lang="en-US" baseline="30000" dirty="0">
+                <a:solidFill>
+                  <a:schemeClr val="bg1">
+                    <a:lumMod val="50000"/>
+                    <a:lumOff val="50000"/>
+                  </a:schemeClr>
+                </a:solidFill>
+                <a:effectLst/>
+              </a:rPr>
+              <a:t>rd </a:t>
+            </a:r>
+            <a:r>
+              <a:rPr lang="en-US" dirty="0">
+                <a:solidFill>
+                  <a:schemeClr val="bg1">
+                    <a:lumMod val="50000"/>
+                    <a:lumOff val="50000"/>
+                  </a:schemeClr>
+                </a:solidFill>
+                <a:effectLst/>
+              </a:rPr>
+              <a:t>Quartile : 6.7%</a:t>
+            </a:r>
+          </a:p>
+          <a:p>
+            <a:r>
+              <a:rPr lang="en-US" dirty="0">
+                <a:solidFill>
+                  <a:schemeClr val="bg1">
+                    <a:lumMod val="50000"/>
+                    <a:lumOff val="50000"/>
+                  </a:schemeClr>
+                </a:solidFill>
+                <a:effectLst/>
+              </a:rPr>
+              <a:t>Max: 12.8%</a:t>
+            </a:r>
+          </a:p>
+          <a:p>
+            <a:r>
+              <a:rPr lang="en-US" dirty="0">
+                <a:solidFill>
+                  <a:schemeClr val="bg1">
+                    <a:lumMod val="50000"/>
+                    <a:lumOff val="50000"/>
+                  </a:schemeClr>
+                </a:solidFill>
+                <a:effectLst/>
+              </a:rPr>
+              <a:t>Mean: 5.977%</a:t>
+            </a:r>
+          </a:p>
+          <a:p>
+            <a:r>
+              <a:rPr lang="en-US" dirty="0">
+                <a:solidFill>
+                  <a:schemeClr val="bg1">
+                    <a:lumMod val="50000"/>
+                    <a:lumOff val="50000"/>
+                  </a:schemeClr>
+                </a:solidFill>
+                <a:effectLst/>
+              </a:rPr>
+              <a:t>Standard Deviation : 1.337</a:t>
+            </a:r>
+            <a:endParaRPr lang="en-US" dirty="0">
+              <a:solidFill>
+                <a:schemeClr val="bg1">
+                  <a:lumMod val="50000"/>
+                  <a:lumOff val="50000"/>
+                </a:schemeClr>
+              </a:solidFill>
+            </a:endParaRPr>
+          </a:p>
+        </p:txBody>
+      </p:sp>
+    </p:spTree>
+    <p:extLst>
+      <p:ext uri="{BB962C8B-B14F-4D97-AF65-F5344CB8AC3E}">
+        <p14:creationId xmlns:p14="http://schemas.microsoft.com/office/powerpoint/2010/main" val="3339882765"/>
+      </p:ext>
+    </p:extLst>
+  </p:cSld>
+  <p:clrMapOvr>
+    <a:masterClrMapping/>
+  </p:clrMapOvr>
+</p:sld>
+</file>
+
+<file path=ppt/slides/slide12.xml><?xml version="1.0" encoding="utf-8"?>
+<p:sld xmlns:a="http://schemas.openxmlformats.org/drawingml/2006/main" xmlns:r="http://schemas.openxmlformats.org/officeDocument/2006/relationships" xmlns:p="http://schemas.openxmlformats.org/presentationml/2006/main">
+  <p:cSld>
+    <p:spTree>
+      <p:nvGrpSpPr>
+        <p:cNvPr id="1" name=""/>
+        <p:cNvGrpSpPr/>
+        <p:nvPr/>
+      </p:nvGrpSpPr>
+      <p:grpSpPr>
+        <a:xfrm>
+          <a:off x="0" y="0"/>
+          <a:ext cx="0" cy="0"/>
+          <a:chOff x="0" y="0"/>
+          <a:chExt cx="0" cy="0"/>
+        </a:xfrm>
+      </p:grpSpPr>
+      <p:sp>
+        <p:nvSpPr>
+          <p:cNvPr id="2" name="Title 1">
+            <a:extLst>
+              <a:ext uri="{FF2B5EF4-FFF2-40B4-BE49-F238E27FC236}">
+                <a16:creationId xmlns:a16="http://schemas.microsoft.com/office/drawing/2014/main" id="{F3612843-29AB-4571-A1AA-DD16C56C044A}"/>
+              </a:ext>
+            </a:extLst>
+          </p:cNvPr>
+          <p:cNvSpPr>
+            <a:spLocks noGrp="1"/>
+          </p:cNvSpPr>
+          <p:nvPr>
+            <p:ph type="title"/>
+          </p:nvPr>
+        </p:nvSpPr>
+        <p:spPr/>
+        <p:txBody>
+          <a:bodyPr/>
+          <a:lstStyle/>
+          <a:p>
+            <a:r>
+              <a:rPr lang="en-US" dirty="0"/>
+              <a:t>Comparison of correction methods</a:t>
+            </a:r>
+          </a:p>
+        </p:txBody>
+      </p:sp>
+      <p:sp>
+        <p:nvSpPr>
+          <p:cNvPr id="3" name="Content Placeholder 2">
+            <a:extLst>
+              <a:ext uri="{FF2B5EF4-FFF2-40B4-BE49-F238E27FC236}">
+                <a16:creationId xmlns:a16="http://schemas.microsoft.com/office/drawing/2014/main" id="{DD2D0848-D496-4924-ABB2-F45AD458F1BA}"/>
+              </a:ext>
+            </a:extLst>
+          </p:cNvPr>
+          <p:cNvSpPr>
+            <a:spLocks noGrp="1"/>
+          </p:cNvSpPr>
+          <p:nvPr>
+            <p:ph sz="half" idx="1"/>
+          </p:nvPr>
+        </p:nvSpPr>
+        <p:spPr>
+          <a:noFill/>
+        </p:spPr>
+        <p:style>
+          <a:lnRef idx="0">
+            <a:scrgbClr r="0" g="0" b="0"/>
+          </a:lnRef>
+          <a:fillRef idx="1003">
+            <a:schemeClr val="dk1"/>
+          </a:fillRef>
+          <a:effectRef idx="0">
+            <a:scrgbClr r="0" g="0" b="0"/>
+          </a:effectRef>
+          <a:fontRef idx="major"/>
+        </p:style>
+        <p:txBody>
+          <a:bodyPr>
+            <a:normAutofit fontScale="92500" lnSpcReduction="10000"/>
+          </a:bodyPr>
+          <a:lstStyle/>
+          <a:p>
+            <a:r>
+              <a:rPr lang="en-US" u="sng" dirty="0">
+                <a:solidFill>
+                  <a:schemeClr val="bg1">
+                    <a:lumMod val="50000"/>
+                    <a:lumOff val="50000"/>
+                  </a:schemeClr>
+                </a:solidFill>
+              </a:rPr>
+              <a:t>Using missing data method 1:</a:t>
+            </a:r>
+          </a:p>
+          <a:p>
+            <a:r>
+              <a:rPr lang="en-US" dirty="0">
+                <a:solidFill>
+                  <a:schemeClr val="bg1">
+                    <a:lumMod val="50000"/>
+                    <a:lumOff val="50000"/>
+                  </a:schemeClr>
+                </a:solidFill>
+                <a:effectLst/>
+              </a:rPr>
+              <a:t>Minimum: 2.7%</a:t>
+            </a:r>
+          </a:p>
+          <a:p>
+            <a:r>
+              <a:rPr lang="en-US" dirty="0">
+                <a:solidFill>
+                  <a:schemeClr val="bg1">
+                    <a:lumMod val="50000"/>
+                    <a:lumOff val="50000"/>
+                  </a:schemeClr>
+                </a:solidFill>
+                <a:effectLst/>
+              </a:rPr>
+              <a:t>1</a:t>
+            </a:r>
+            <a:r>
+              <a:rPr lang="en-US" baseline="30000" dirty="0">
+                <a:solidFill>
+                  <a:schemeClr val="bg1">
+                    <a:lumMod val="50000"/>
+                    <a:lumOff val="50000"/>
+                  </a:schemeClr>
+                </a:solidFill>
+                <a:effectLst/>
+              </a:rPr>
+              <a:t>st </a:t>
+            </a:r>
+            <a:r>
+              <a:rPr lang="en-US" dirty="0">
+                <a:solidFill>
+                  <a:schemeClr val="bg1">
+                    <a:lumMod val="50000"/>
+                    <a:lumOff val="50000"/>
+                  </a:schemeClr>
+                </a:solidFill>
+                <a:effectLst/>
+              </a:rPr>
+              <a:t>Quartile: 5.0%</a:t>
+            </a:r>
+          </a:p>
+          <a:p>
+            <a:r>
+              <a:rPr lang="en-US" dirty="0">
+                <a:solidFill>
+                  <a:schemeClr val="bg1">
+                    <a:lumMod val="50000"/>
+                    <a:lumOff val="50000"/>
+                  </a:schemeClr>
+                </a:solidFill>
+                <a:effectLst/>
+              </a:rPr>
+              <a:t>Median: 5.7%</a:t>
+            </a:r>
+          </a:p>
+          <a:p>
+            <a:r>
+              <a:rPr lang="en-US" dirty="0">
+                <a:solidFill>
+                  <a:schemeClr val="bg1">
+                    <a:lumMod val="50000"/>
+                    <a:lumOff val="50000"/>
+                  </a:schemeClr>
+                </a:solidFill>
+                <a:effectLst/>
+              </a:rPr>
+              <a:t>3</a:t>
+            </a:r>
+            <a:r>
+              <a:rPr lang="en-US" baseline="30000" dirty="0">
+                <a:solidFill>
+                  <a:schemeClr val="bg1">
+                    <a:lumMod val="50000"/>
+                    <a:lumOff val="50000"/>
+                  </a:schemeClr>
+                </a:solidFill>
+                <a:effectLst/>
+              </a:rPr>
+              <a:t>rd </a:t>
+            </a:r>
+            <a:r>
+              <a:rPr lang="en-US" dirty="0">
+                <a:solidFill>
+                  <a:schemeClr val="bg1">
+                    <a:lumMod val="50000"/>
+                    <a:lumOff val="50000"/>
+                  </a:schemeClr>
+                </a:solidFill>
+                <a:effectLst/>
+              </a:rPr>
+              <a:t>Quartile: 6.8%</a:t>
+            </a:r>
+          </a:p>
+          <a:p>
+            <a:r>
+              <a:rPr lang="en-US" dirty="0">
+                <a:solidFill>
+                  <a:schemeClr val="bg1">
+                    <a:lumMod val="50000"/>
+                    <a:lumOff val="50000"/>
+                  </a:schemeClr>
+                </a:solidFill>
+                <a:effectLst/>
+              </a:rPr>
+              <a:t>Maximum: 12.5%</a:t>
+            </a:r>
+          </a:p>
+          <a:p>
+            <a:r>
+              <a:rPr lang="en-US" dirty="0">
+                <a:solidFill>
+                  <a:schemeClr val="bg1">
+                    <a:lumMod val="50000"/>
+                    <a:lumOff val="50000"/>
+                  </a:schemeClr>
+                </a:solidFill>
+                <a:effectLst/>
+              </a:rPr>
+              <a:t>Mean 5.991%</a:t>
+            </a:r>
+          </a:p>
+          <a:p>
+            <a:r>
+              <a:rPr lang="en-US" dirty="0">
+                <a:solidFill>
+                  <a:schemeClr val="bg1">
+                    <a:lumMod val="50000"/>
+                    <a:lumOff val="50000"/>
+                  </a:schemeClr>
+                </a:solidFill>
+                <a:effectLst/>
+              </a:rPr>
+              <a:t>Standard Deviation: 1.358</a:t>
+            </a:r>
+          </a:p>
+          <a:p>
+            <a:endParaRPr lang="en-US" dirty="0">
+              <a:solidFill>
+                <a:schemeClr val="bg1">
+                  <a:lumMod val="50000"/>
+                  <a:lumOff val="50000"/>
+                </a:schemeClr>
+              </a:solidFill>
+            </a:endParaRPr>
+          </a:p>
+        </p:txBody>
+      </p:sp>
+      <p:sp>
+        <p:nvSpPr>
+          <p:cNvPr id="4" name="Content Placeholder 3">
+            <a:extLst>
+              <a:ext uri="{FF2B5EF4-FFF2-40B4-BE49-F238E27FC236}">
+                <a16:creationId xmlns:a16="http://schemas.microsoft.com/office/drawing/2014/main" id="{A31FD061-7ED4-4D5F-B360-2A7320E03268}"/>
+              </a:ext>
+            </a:extLst>
+          </p:cNvPr>
+          <p:cNvSpPr>
+            <a:spLocks noGrp="1"/>
+          </p:cNvSpPr>
+          <p:nvPr>
+            <p:ph sz="half" idx="2"/>
+          </p:nvPr>
+        </p:nvSpPr>
+        <p:spPr/>
+        <p:style>
+          <a:lnRef idx="0">
+            <a:scrgbClr r="0" g="0" b="0"/>
+          </a:lnRef>
+          <a:fillRef idx="1003">
+            <a:schemeClr val="dk1"/>
+          </a:fillRef>
+          <a:effectRef idx="0">
+            <a:scrgbClr r="0" g="0" b="0"/>
+          </a:effectRef>
+          <a:fontRef idx="major"/>
+        </p:style>
+        <p:txBody>
+          <a:bodyPr>
+            <a:normAutofit fontScale="92500" lnSpcReduction="10000"/>
+          </a:bodyPr>
+          <a:lstStyle/>
+          <a:p>
+            <a:r>
+              <a:rPr lang="en-US" u="sng" dirty="0"/>
+              <a:t>Using missing data method 2:</a:t>
+            </a:r>
+          </a:p>
+          <a:p>
+            <a:r>
+              <a:rPr lang="en-US" dirty="0">
+                <a:effectLst/>
+              </a:rPr>
+              <a:t>Minimum: 0.100%</a:t>
+            </a:r>
+          </a:p>
+          <a:p>
+            <a:r>
+              <a:rPr lang="en-US" dirty="0">
+                <a:effectLst/>
+              </a:rPr>
+              <a:t>1</a:t>
+            </a:r>
+            <a:r>
+              <a:rPr lang="en-US" baseline="30000" dirty="0">
+                <a:effectLst/>
+              </a:rPr>
+              <a:t>st </a:t>
+            </a:r>
+            <a:r>
+              <a:rPr lang="en-US" dirty="0">
+                <a:effectLst/>
+              </a:rPr>
+              <a:t>Quartile : 5.0%</a:t>
+            </a:r>
+          </a:p>
+          <a:p>
+            <a:r>
+              <a:rPr lang="en-US" dirty="0">
+                <a:effectLst/>
+              </a:rPr>
+              <a:t>Median: 5.7%</a:t>
+            </a:r>
+          </a:p>
+          <a:p>
+            <a:r>
+              <a:rPr lang="en-US" dirty="0">
+                <a:effectLst/>
+              </a:rPr>
+              <a:t>3</a:t>
+            </a:r>
+            <a:r>
+              <a:rPr lang="en-US" baseline="30000" dirty="0">
+                <a:effectLst/>
+              </a:rPr>
+              <a:t>rd </a:t>
+            </a:r>
+            <a:r>
+              <a:rPr lang="en-US" dirty="0">
+                <a:effectLst/>
+              </a:rPr>
+              <a:t>Quartile : 6.7%</a:t>
+            </a:r>
+          </a:p>
+          <a:p>
+            <a:r>
+              <a:rPr lang="en-US" dirty="0">
+                <a:effectLst/>
+              </a:rPr>
+              <a:t>Max: 12.8%</a:t>
+            </a:r>
+          </a:p>
+          <a:p>
+            <a:r>
+              <a:rPr lang="en-US" dirty="0">
+                <a:effectLst/>
+              </a:rPr>
+              <a:t>Mean: 5.977%</a:t>
+            </a:r>
+          </a:p>
+          <a:p>
+            <a:r>
+              <a:rPr lang="en-US" dirty="0">
+                <a:effectLst/>
+              </a:rPr>
+              <a:t>Standard Deviation : 1.337</a:t>
+            </a:r>
+            <a:endParaRPr lang="en-US" dirty="0"/>
+          </a:p>
+        </p:txBody>
+      </p:sp>
+    </p:spTree>
+    <p:extLst>
+      <p:ext uri="{BB962C8B-B14F-4D97-AF65-F5344CB8AC3E}">
+        <p14:creationId xmlns:p14="http://schemas.microsoft.com/office/powerpoint/2010/main" val="1533358323"/>
+      </p:ext>
+    </p:extLst>
+  </p:cSld>
+  <p:clrMapOvr>
+    <a:masterClrMapping/>
+  </p:clrMapOvr>
+</p:sld>
+</file>
+
+<file path=ppt/slides/slide13.xml><?xml version="1.0" encoding="utf-8"?>
+<p:sld xmlns:a="http://schemas.openxmlformats.org/drawingml/2006/main" xmlns:r="http://schemas.openxmlformats.org/officeDocument/2006/relationships" xmlns:p="http://schemas.openxmlformats.org/presentationml/2006/main">
+  <p:cSld>
+    <p:spTree>
+      <p:nvGrpSpPr>
+        <p:cNvPr id="1" name=""/>
+        <p:cNvGrpSpPr/>
+        <p:nvPr/>
+      </p:nvGrpSpPr>
+      <p:grpSpPr>
+        <a:xfrm>
+          <a:off x="0" y="0"/>
+          <a:ext cx="0" cy="0"/>
+          <a:chOff x="0" y="0"/>
+          <a:chExt cx="0" cy="0"/>
+        </a:xfrm>
+      </p:grpSpPr>
+      <p:sp>
+        <p:nvSpPr>
+          <p:cNvPr id="2" name="Title 1">
+            <a:extLst>
+              <a:ext uri="{FF2B5EF4-FFF2-40B4-BE49-F238E27FC236}">
+                <a16:creationId xmlns:a16="http://schemas.microsoft.com/office/drawing/2014/main" id="{E24F9319-CF8A-4126-9C3F-43B41E6CCF0E}"/>
+              </a:ext>
+            </a:extLst>
+          </p:cNvPr>
+          <p:cNvSpPr>
+            <a:spLocks noGrp="1"/>
+          </p:cNvSpPr>
+          <p:nvPr>
+            <p:ph type="title"/>
+          </p:nvPr>
+        </p:nvSpPr>
+        <p:spPr/>
+        <p:txBody>
+          <a:bodyPr/>
+          <a:lstStyle/>
+          <a:p>
+            <a:pPr algn="l"/>
+            <a:r>
+              <a:rPr lang="en-US" dirty="0"/>
+              <a:t>Summary of ABV &amp; IBU</a:t>
+            </a:r>
+          </a:p>
+        </p:txBody>
+      </p:sp>
+      <p:sp>
+        <p:nvSpPr>
+          <p:cNvPr id="3" name="Content Placeholder 2">
+            <a:extLst>
+              <a:ext uri="{FF2B5EF4-FFF2-40B4-BE49-F238E27FC236}">
+                <a16:creationId xmlns:a16="http://schemas.microsoft.com/office/drawing/2014/main" id="{F224934F-5312-4B36-B34F-3A9AD2B66559}"/>
+              </a:ext>
+            </a:extLst>
+          </p:cNvPr>
+          <p:cNvSpPr>
+            <a:spLocks noGrp="1"/>
+          </p:cNvSpPr>
+          <p:nvPr>
+            <p:ph idx="1"/>
+          </p:nvPr>
+        </p:nvSpPr>
+        <p:spPr/>
+        <p:txBody>
+          <a:bodyPr/>
+          <a:lstStyle/>
+          <a:p>
+            <a:r>
+              <a:rPr lang="en-US" dirty="0"/>
+              <a:t>Lowest median ABV: Arizona &amp; Texas (4.00%)</a:t>
+            </a:r>
+          </a:p>
+          <a:p>
+            <a:r>
+              <a:rPr lang="en-US" dirty="0"/>
+              <a:t>Highest median ABV: Maine &amp; Colorado (6.7%, 6.5% respectively)</a:t>
+            </a:r>
+          </a:p>
+          <a:p>
+            <a:r>
+              <a:rPr lang="en-US" dirty="0"/>
+              <a:t>Average median ABV: 5.6% ABV</a:t>
+            </a:r>
+          </a:p>
+        </p:txBody>
+      </p:sp>
+    </p:spTree>
+    <p:extLst>
+      <p:ext uri="{BB962C8B-B14F-4D97-AF65-F5344CB8AC3E}">
+        <p14:creationId xmlns:p14="http://schemas.microsoft.com/office/powerpoint/2010/main" val="2158532176"/>
+      </p:ext>
+    </p:extLst>
+  </p:cSld>
+  <p:clrMapOvr>
+    <a:masterClrMapping/>
+  </p:clrMapOvr>
+</p:sld>
+</file>
+
+<file path=ppt/slides/slide14.xml><?xml version="1.0" encoding="utf-8"?>
+<p:sld xmlns:a="http://schemas.openxmlformats.org/drawingml/2006/main" xmlns:r="http://schemas.openxmlformats.org/officeDocument/2006/relationships" xmlns:p="http://schemas.openxmlformats.org/presentationml/2006/main">
+  <p:cSld>
+    <p:spTree>
+      <p:nvGrpSpPr>
+        <p:cNvPr id="1" name=""/>
+        <p:cNvGrpSpPr/>
+        <p:nvPr/>
+      </p:nvGrpSpPr>
+      <p:grpSpPr>
+        <a:xfrm>
+          <a:off x="0" y="0"/>
+          <a:ext cx="0" cy="0"/>
+          <a:chOff x="0" y="0"/>
+          <a:chExt cx="0" cy="0"/>
+        </a:xfrm>
+      </p:grpSpPr>
+      <p:sp>
+        <p:nvSpPr>
+          <p:cNvPr id="2" name="Title 1">
+            <a:extLst>
+              <a:ext uri="{FF2B5EF4-FFF2-40B4-BE49-F238E27FC236}">
+                <a16:creationId xmlns:a16="http://schemas.microsoft.com/office/drawing/2014/main" id="{E24F9319-CF8A-4126-9C3F-43B41E6CCF0E}"/>
+              </a:ext>
+            </a:extLst>
+          </p:cNvPr>
+          <p:cNvSpPr>
+            <a:spLocks noGrp="1"/>
+          </p:cNvSpPr>
+          <p:nvPr>
+            <p:ph type="title"/>
+          </p:nvPr>
+        </p:nvSpPr>
+        <p:spPr/>
+        <p:txBody>
+          <a:bodyPr/>
+          <a:lstStyle/>
+          <a:p>
+            <a:pPr algn="l"/>
+            <a:r>
+              <a:rPr lang="en-US" dirty="0"/>
+              <a:t>Summary of ABV &amp; IBU</a:t>
+            </a:r>
+          </a:p>
+        </p:txBody>
+      </p:sp>
+      <p:sp>
+        <p:nvSpPr>
+          <p:cNvPr id="3" name="Content Placeholder 2">
+            <a:extLst>
+              <a:ext uri="{FF2B5EF4-FFF2-40B4-BE49-F238E27FC236}">
+                <a16:creationId xmlns:a16="http://schemas.microsoft.com/office/drawing/2014/main" id="{F224934F-5312-4B36-B34F-3A9AD2B66559}"/>
+              </a:ext>
+            </a:extLst>
+          </p:cNvPr>
+          <p:cNvSpPr>
+            <a:spLocks noGrp="1"/>
+          </p:cNvSpPr>
+          <p:nvPr>
+            <p:ph idx="1"/>
+          </p:nvPr>
+        </p:nvSpPr>
+        <p:spPr/>
+        <p:txBody>
+          <a:bodyPr/>
+          <a:lstStyle/>
+          <a:p>
+            <a:r>
+              <a:rPr lang="en-US" dirty="0">
+                <a:solidFill>
+                  <a:schemeClr val="tx1">
+                    <a:lumMod val="50000"/>
+                  </a:schemeClr>
+                </a:solidFill>
+              </a:rPr>
+              <a:t>Lowest median ABV: Arizona &amp; Texas (4.00%)</a:t>
+            </a:r>
+          </a:p>
+          <a:p>
+            <a:r>
+              <a:rPr lang="en-US" dirty="0">
+                <a:solidFill>
+                  <a:schemeClr val="tx1">
+                    <a:lumMod val="50000"/>
+                  </a:schemeClr>
+                </a:solidFill>
+              </a:rPr>
+              <a:t>Highest median ABV: Maine &amp; Colorado (6.7%, 6.5% respectively)</a:t>
+            </a:r>
+          </a:p>
+          <a:p>
+            <a:r>
+              <a:rPr lang="en-US" dirty="0">
+                <a:solidFill>
+                  <a:schemeClr val="tx1">
+                    <a:lumMod val="50000"/>
+                  </a:schemeClr>
+                </a:solidFill>
+              </a:rPr>
+              <a:t>Average median ABV: 5.6% ABV</a:t>
+            </a:r>
+          </a:p>
+          <a:p>
+            <a:r>
+              <a:rPr lang="en-US" dirty="0"/>
+              <a:t>Lowest median IBU: Wisconsin (19 IBU)</a:t>
+            </a:r>
+          </a:p>
+          <a:p>
+            <a:r>
+              <a:rPr lang="en-US" dirty="0"/>
+              <a:t>Highest median IBU: Maine (61 IBU)</a:t>
+            </a:r>
+          </a:p>
+          <a:p>
+            <a:r>
+              <a:rPr lang="en-US" dirty="0"/>
+              <a:t>Average median IBU: 36.98 IBU</a:t>
+            </a:r>
+          </a:p>
+        </p:txBody>
+      </p:sp>
+    </p:spTree>
+    <p:extLst>
+      <p:ext uri="{BB962C8B-B14F-4D97-AF65-F5344CB8AC3E}">
+        <p14:creationId xmlns:p14="http://schemas.microsoft.com/office/powerpoint/2010/main" val="844575465"/>
+      </p:ext>
+    </p:extLst>
+  </p:cSld>
+  <p:clrMapOvr>
+    <a:masterClrMapping/>
+  </p:clrMapOvr>
+</p:sld>
+</file>
+
+<file path=ppt/slides/slide15.xml><?xml version="1.0" encoding="utf-8"?>
+<p:sld xmlns:a="http://schemas.openxmlformats.org/drawingml/2006/main" xmlns:r="http://schemas.openxmlformats.org/officeDocument/2006/relationships" xmlns:p="http://schemas.openxmlformats.org/presentationml/2006/main">
+  <p:cSld>
+    <p:spTree>
+      <p:nvGrpSpPr>
+        <p:cNvPr id="1" name=""/>
+        <p:cNvGrpSpPr/>
+        <p:nvPr/>
+      </p:nvGrpSpPr>
+      <p:grpSpPr>
+        <a:xfrm>
+          <a:off x="0" y="0"/>
+          <a:ext cx="0" cy="0"/>
+          <a:chOff x="0" y="0"/>
+          <a:chExt cx="0" cy="0"/>
+        </a:xfrm>
+      </p:grpSpPr>
+      <p:sp>
+        <p:nvSpPr>
+          <p:cNvPr id="2" name="Title 1">
+            <a:extLst>
+              <a:ext uri="{FF2B5EF4-FFF2-40B4-BE49-F238E27FC236}">
+                <a16:creationId xmlns:a16="http://schemas.microsoft.com/office/drawing/2014/main" id="{E24F9319-CF8A-4126-9C3F-43B41E6CCF0E}"/>
+              </a:ext>
+            </a:extLst>
+          </p:cNvPr>
+          <p:cNvSpPr>
+            <a:spLocks noGrp="1"/>
+          </p:cNvSpPr>
+          <p:nvPr>
+            <p:ph type="title"/>
+          </p:nvPr>
+        </p:nvSpPr>
+        <p:spPr/>
+        <p:txBody>
+          <a:bodyPr/>
+          <a:lstStyle/>
+          <a:p>
+            <a:pPr algn="l"/>
+            <a:r>
+              <a:rPr lang="en-US" dirty="0"/>
+              <a:t>Summary of ABV &amp; IBU</a:t>
+            </a:r>
+          </a:p>
+        </p:txBody>
+      </p:sp>
+      <p:sp>
+        <p:nvSpPr>
+          <p:cNvPr id="3" name="Content Placeholder 2">
+            <a:extLst>
+              <a:ext uri="{FF2B5EF4-FFF2-40B4-BE49-F238E27FC236}">
+                <a16:creationId xmlns:a16="http://schemas.microsoft.com/office/drawing/2014/main" id="{F224934F-5312-4B36-B34F-3A9AD2B66559}"/>
+              </a:ext>
+            </a:extLst>
+          </p:cNvPr>
+          <p:cNvSpPr>
+            <a:spLocks noGrp="1"/>
+          </p:cNvSpPr>
+          <p:nvPr>
+            <p:ph idx="1"/>
+          </p:nvPr>
+        </p:nvSpPr>
+        <p:spPr/>
+        <p:txBody>
+          <a:bodyPr/>
+          <a:lstStyle/>
+          <a:p>
+            <a:r>
+              <a:rPr lang="en-US" dirty="0">
+                <a:solidFill>
+                  <a:schemeClr val="tx1">
+                    <a:lumMod val="50000"/>
+                  </a:schemeClr>
+                </a:solidFill>
+              </a:rPr>
+              <a:t>Lowest median ABV: Arizona &amp; Texas (4.00%)</a:t>
+            </a:r>
+          </a:p>
+          <a:p>
+            <a:r>
+              <a:rPr lang="en-US" dirty="0">
+                <a:solidFill>
+                  <a:schemeClr val="tx1">
+                    <a:lumMod val="50000"/>
+                  </a:schemeClr>
+                </a:solidFill>
+              </a:rPr>
+              <a:t>Highest median ABV: Maine &amp; Colorado (6.7%, 6.5% respectively)</a:t>
+            </a:r>
+          </a:p>
+          <a:p>
+            <a:r>
+              <a:rPr lang="en-US" dirty="0">
+                <a:solidFill>
+                  <a:schemeClr val="tx1">
+                    <a:lumMod val="50000"/>
+                  </a:schemeClr>
+                </a:solidFill>
+              </a:rPr>
+              <a:t>Average median ABV: 5.6% ABV</a:t>
+            </a:r>
+          </a:p>
+          <a:p>
+            <a:r>
+              <a:rPr lang="en-US" dirty="0">
+                <a:solidFill>
+                  <a:schemeClr val="tx1">
+                    <a:lumMod val="50000"/>
+                  </a:schemeClr>
+                </a:solidFill>
+              </a:rPr>
+              <a:t>Lowest median IBU: Wisconsin (19 IBU)</a:t>
+            </a:r>
+          </a:p>
+          <a:p>
+            <a:r>
+              <a:rPr lang="en-US" dirty="0">
+                <a:solidFill>
+                  <a:schemeClr val="tx1">
+                    <a:lumMod val="50000"/>
+                  </a:schemeClr>
+                </a:solidFill>
+              </a:rPr>
+              <a:t>Highest median IBU: Maine (61 IBU)</a:t>
+            </a:r>
+          </a:p>
+          <a:p>
+            <a:r>
+              <a:rPr lang="en-US" dirty="0">
+                <a:solidFill>
+                  <a:schemeClr val="tx1">
+                    <a:lumMod val="50000"/>
+                  </a:schemeClr>
+                </a:solidFill>
+              </a:rPr>
+              <a:t>Average median IBU: 36.98 IBU</a:t>
+            </a:r>
+          </a:p>
+          <a:p>
+            <a:r>
+              <a:rPr lang="en-US" dirty="0"/>
+              <a:t>Maine highest in ABV and IBU</a:t>
+            </a:r>
+          </a:p>
+        </p:txBody>
+      </p:sp>
+    </p:spTree>
+    <p:extLst>
+      <p:ext uri="{BB962C8B-B14F-4D97-AF65-F5344CB8AC3E}">
+        <p14:creationId xmlns:p14="http://schemas.microsoft.com/office/powerpoint/2010/main" val="1571241794"/>
+      </p:ext>
+    </p:extLst>
+  </p:cSld>
+  <p:clrMapOvr>
+    <a:masterClrMapping/>
+  </p:clrMapOvr>
+</p:sld>
+</file>
+
+<file path=ppt/slides/slide16.xml><?xml version="1.0" encoding="utf-8"?>
+<p:sld xmlns:a="http://schemas.openxmlformats.org/drawingml/2006/main" xmlns:r="http://schemas.openxmlformats.org/officeDocument/2006/relationships" xmlns:p="http://schemas.openxmlformats.org/presentationml/2006/main">
+  <p:cSld>
+    <p:spTree>
+      <p:nvGrpSpPr>
+        <p:cNvPr id="1" name=""/>
+        <p:cNvGrpSpPr/>
+        <p:nvPr/>
+      </p:nvGrpSpPr>
+      <p:grpSpPr>
+        <a:xfrm>
+          <a:off x="0" y="0"/>
+          <a:ext cx="0" cy="0"/>
+          <a:chOff x="0" y="0"/>
+          <a:chExt cx="0" cy="0"/>
+        </a:xfrm>
+      </p:grpSpPr>
+      <p:sp>
+        <p:nvSpPr>
+          <p:cNvPr id="2" name="Title 1">
+            <a:extLst>
+              <a:ext uri="{FF2B5EF4-FFF2-40B4-BE49-F238E27FC236}">
+                <a16:creationId xmlns:a16="http://schemas.microsoft.com/office/drawing/2014/main" id="{E24F9319-CF8A-4126-9C3F-43B41E6CCF0E}"/>
+              </a:ext>
+            </a:extLst>
+          </p:cNvPr>
+          <p:cNvSpPr>
+            <a:spLocks noGrp="1"/>
+          </p:cNvSpPr>
+          <p:nvPr>
+            <p:ph type="title"/>
+          </p:nvPr>
+        </p:nvSpPr>
         <p:spPr>
           <a:xfrm>
             <a:off x="913795" y="609600"/>
@@ -8028,7 +9496,7 @@
 </p:sld>
 </file>
 
-<file path=ppt/slides/slide11.xml><?xml version="1.0" encoding="utf-8"?>
+<file path=ppt/slides/slide17.xml><?xml version="1.0" encoding="utf-8"?>
 <p:sld xmlns:a="http://schemas.openxmlformats.org/drawingml/2006/main" xmlns:r="http://schemas.openxmlformats.org/officeDocument/2006/relationships" xmlns:p="http://schemas.openxmlformats.org/presentationml/2006/main">
   <p:cSld>
     <p:spTree>
@@ -8127,7 +9595,817 @@
 </p:sld>
 </file>
 
-<file path=ppt/slides/slide12.xml><?xml version="1.0" encoding="utf-8"?>
+<file path=ppt/slides/slide18.xml><?xml version="1.0" encoding="utf-8"?>
+<p:sld xmlns:a="http://schemas.openxmlformats.org/drawingml/2006/main" xmlns:r="http://schemas.openxmlformats.org/officeDocument/2006/relationships" xmlns:p="http://schemas.openxmlformats.org/presentationml/2006/main">
+  <p:cSld>
+    <p:spTree>
+      <p:nvGrpSpPr>
+        <p:cNvPr id="1" name=""/>
+        <p:cNvGrpSpPr/>
+        <p:nvPr/>
+      </p:nvGrpSpPr>
+      <p:grpSpPr>
+        <a:xfrm>
+          <a:off x="0" y="0"/>
+          <a:ext cx="0" cy="0"/>
+          <a:chOff x="0" y="0"/>
+          <a:chExt cx="0" cy="0"/>
+        </a:xfrm>
+      </p:grpSpPr>
+      <p:sp>
+        <p:nvSpPr>
+          <p:cNvPr id="2" name="Title 1">
+            <a:extLst>
+              <a:ext uri="{FF2B5EF4-FFF2-40B4-BE49-F238E27FC236}">
+                <a16:creationId xmlns:a16="http://schemas.microsoft.com/office/drawing/2014/main" id="{801AEB47-502A-C54E-83E7-7B3E62E66B50}"/>
+              </a:ext>
+            </a:extLst>
+          </p:cNvPr>
+          <p:cNvSpPr>
+            <a:spLocks noGrp="1"/>
+          </p:cNvSpPr>
+          <p:nvPr>
+            <p:ph type="title"/>
+          </p:nvPr>
+        </p:nvSpPr>
+        <p:spPr/>
+        <p:txBody>
+          <a:bodyPr/>
+          <a:lstStyle/>
+          <a:p>
+            <a:r>
+              <a:rPr lang="en-US" dirty="0"/>
+              <a:t>ABV &amp; IBU By Style of beer</a:t>
+            </a:r>
+          </a:p>
+        </p:txBody>
+      </p:sp>
+      <p:pic>
+        <p:nvPicPr>
+          <p:cNvPr id="4" name="Content Placeholder 3">
+            <a:extLst>
+              <a:ext uri="{FF2B5EF4-FFF2-40B4-BE49-F238E27FC236}">
+                <a16:creationId xmlns:a16="http://schemas.microsoft.com/office/drawing/2014/main" id="{145D5FF7-E22A-784F-AB59-DD0246E77E40}"/>
+              </a:ext>
+            </a:extLst>
+          </p:cNvPr>
+          <p:cNvPicPr>
+            <a:picLocks noGrp="1" noChangeAspect="1"/>
+          </p:cNvPicPr>
+          <p:nvPr>
+            <p:ph idx="1"/>
+          </p:nvPr>
+        </p:nvPicPr>
+        <p:blipFill>
+          <a:blip r:embed="rId3"/>
+          <a:stretch>
+            <a:fillRect/>
+          </a:stretch>
+        </p:blipFill>
+        <p:spPr>
+          <a:xfrm>
+            <a:off x="913795" y="1935921"/>
+            <a:ext cx="6507804" cy="4811720"/>
+          </a:xfrm>
+          <a:prstGeom prst="rect">
+            <a:avLst/>
+          </a:prstGeom>
+        </p:spPr>
+      </p:pic>
+      <p:graphicFrame>
+        <p:nvGraphicFramePr>
+          <p:cNvPr id="8" name="Table 7">
+            <a:extLst>
+              <a:ext uri="{FF2B5EF4-FFF2-40B4-BE49-F238E27FC236}">
+                <a16:creationId xmlns:a16="http://schemas.microsoft.com/office/drawing/2014/main" id="{5FEB4E0E-2DD4-944E-845B-E955F5D6FE5C}"/>
+              </a:ext>
+            </a:extLst>
+          </p:cNvPr>
+          <p:cNvGraphicFramePr>
+            <a:graphicFrameLocks noGrp="1"/>
+          </p:cNvGraphicFramePr>
+          <p:nvPr>
+            <p:extLst>
+              <p:ext uri="{D42A27DB-BD31-4B8C-83A1-F6EECF244321}">
+                <p14:modId xmlns:p14="http://schemas.microsoft.com/office/powerpoint/2010/main" val="3623678775"/>
+              </p:ext>
+            </p:extLst>
+          </p:nvPr>
+        </p:nvGraphicFramePr>
+        <p:xfrm>
+          <a:off x="7647709" y="2766278"/>
+          <a:ext cx="4244109" cy="3981363"/>
+        </p:xfrm>
+        <a:graphic>
+          <a:graphicData uri="http://schemas.openxmlformats.org/drawingml/2006/table">
+            <a:tbl>
+              <a:tblPr firstRow="1" bandRow="1">
+                <a:tableStyleId>{5C22544A-7EE6-4342-B048-85BDC9FD1C3A}</a:tableStyleId>
+              </a:tblPr>
+              <a:tblGrid>
+                <a:gridCol w="2715491">
+                  <a:extLst>
+                    <a:ext uri="{9D8B030D-6E8A-4147-A177-3AD203B41FA5}">
+                      <a16:colId xmlns:a16="http://schemas.microsoft.com/office/drawing/2014/main" val="2148099522"/>
+                    </a:ext>
+                  </a:extLst>
+                </a:gridCol>
+                <a:gridCol w="1528618">
+                  <a:extLst>
+                    <a:ext uri="{9D8B030D-6E8A-4147-A177-3AD203B41FA5}">
+                      <a16:colId xmlns:a16="http://schemas.microsoft.com/office/drawing/2014/main" val="772671284"/>
+                    </a:ext>
+                  </a:extLst>
+                </a:gridCol>
+              </a:tblGrid>
+              <a:tr h="349814">
+                <a:tc>
+                  <a:txBody>
+                    <a:bodyPr/>
+                    <a:lstStyle/>
+                    <a:p>
+                      <a:r>
+                        <a:rPr lang="en-US" dirty="0"/>
+                        <a:t>Style</a:t>
+                      </a:r>
+                    </a:p>
+                  </a:txBody>
+                  <a:tcPr/>
+                </a:tc>
+                <a:tc>
+                  <a:txBody>
+                    <a:bodyPr/>
+                    <a:lstStyle/>
+                    <a:p>
+                      <a:r>
+                        <a:rPr lang="en-US" dirty="0"/>
+                        <a:t>Correlation</a:t>
+                      </a:r>
+                    </a:p>
+                  </a:txBody>
+                  <a:tcPr/>
+                </a:tc>
+                <a:extLst>
+                  <a:ext uri="{0D108BD9-81ED-4DB2-BD59-A6C34878D82A}">
+                    <a16:rowId xmlns:a16="http://schemas.microsoft.com/office/drawing/2014/main" val="1653770627"/>
+                  </a:ext>
+                </a:extLst>
+              </a:tr>
+              <a:tr h="285404">
+                <a:tc>
+                  <a:txBody>
+                    <a:bodyPr/>
+                    <a:lstStyle/>
+                    <a:p>
+                      <a:pPr algn="l" fontAlgn="b"/>
+                      <a:r>
+                        <a:rPr lang="en-US" sz="1600" b="0" i="0" u="none" strike="noStrike" dirty="0">
+                          <a:solidFill>
+                            <a:srgbClr val="333333"/>
+                          </a:solidFill>
+                          <a:effectLst/>
+                          <a:latin typeface="+mn-lt"/>
+                          <a:cs typeface="Arial" panose="020B0604020202020204" pitchFamily="34" charset="0"/>
+                        </a:rPr>
+                        <a:t> American IPA</a:t>
+                      </a:r>
+                    </a:p>
+                  </a:txBody>
+                  <a:tcPr marL="9525" marR="9525" marT="9525" marB="0" anchor="b"/>
+                </a:tc>
+                <a:tc>
+                  <a:txBody>
+                    <a:bodyPr/>
+                    <a:lstStyle/>
+                    <a:p>
+                      <a:pPr algn="r" fontAlgn="b"/>
+                      <a:r>
+                        <a:rPr lang="en-US" sz="1600" b="0" i="0" u="none" strike="noStrike" dirty="0">
+                          <a:solidFill>
+                            <a:srgbClr val="333333"/>
+                          </a:solidFill>
+                          <a:effectLst/>
+                          <a:latin typeface="+mn-lt"/>
+                          <a:cs typeface="Arial" panose="020B0604020202020204" pitchFamily="34" charset="0"/>
+                        </a:rPr>
+                        <a:t>0.49</a:t>
+                      </a:r>
+                    </a:p>
+                  </a:txBody>
+                  <a:tcPr marL="9525" marR="9525" marT="9525" marB="0" anchor="b"/>
+                </a:tc>
+                <a:extLst>
+                  <a:ext uri="{0D108BD9-81ED-4DB2-BD59-A6C34878D82A}">
+                    <a16:rowId xmlns:a16="http://schemas.microsoft.com/office/drawing/2014/main" val="3952534290"/>
+                  </a:ext>
+                </a:extLst>
+              </a:tr>
+              <a:tr h="304800">
+                <a:tc>
+                  <a:txBody>
+                    <a:bodyPr/>
+                    <a:lstStyle/>
+                    <a:p>
+                      <a:pPr algn="l" fontAlgn="b"/>
+                      <a:r>
+                        <a:rPr lang="en-US" sz="1600" b="0" i="0" u="none" strike="noStrike" dirty="0">
+                          <a:solidFill>
+                            <a:srgbClr val="333333"/>
+                          </a:solidFill>
+                          <a:effectLst/>
+                          <a:latin typeface="+mn-lt"/>
+                          <a:cs typeface="Arial" panose="020B0604020202020204" pitchFamily="34" charset="0"/>
+                        </a:rPr>
+                        <a:t> American Pale Ale (APA)</a:t>
+                      </a:r>
+                    </a:p>
+                  </a:txBody>
+                  <a:tcPr marL="9525" marR="9525" marT="9525" marB="0" anchor="b"/>
+                </a:tc>
+                <a:tc>
+                  <a:txBody>
+                    <a:bodyPr/>
+                    <a:lstStyle/>
+                    <a:p>
+                      <a:pPr algn="r" fontAlgn="b"/>
+                      <a:r>
+                        <a:rPr lang="en-US" sz="1600" b="0" i="0" u="none" strike="noStrike">
+                          <a:solidFill>
+                            <a:srgbClr val="333333"/>
+                          </a:solidFill>
+                          <a:effectLst/>
+                          <a:latin typeface="+mn-lt"/>
+                          <a:cs typeface="Arial" panose="020B0604020202020204" pitchFamily="34" charset="0"/>
+                        </a:rPr>
+                        <a:t>0.58</a:t>
+                      </a:r>
+                    </a:p>
+                  </a:txBody>
+                  <a:tcPr marL="9525" marR="9525" marT="9525" marB="0" anchor="b"/>
+                </a:tc>
+                <a:extLst>
+                  <a:ext uri="{0D108BD9-81ED-4DB2-BD59-A6C34878D82A}">
+                    <a16:rowId xmlns:a16="http://schemas.microsoft.com/office/drawing/2014/main" val="747068795"/>
+                  </a:ext>
+                </a:extLst>
+              </a:tr>
+              <a:tr h="304800">
+                <a:tc>
+                  <a:txBody>
+                    <a:bodyPr/>
+                    <a:lstStyle/>
+                    <a:p>
+                      <a:pPr algn="l" fontAlgn="b"/>
+                      <a:r>
+                        <a:rPr lang="en-US" sz="1600" b="0" i="0" u="none" strike="noStrike" dirty="0">
+                          <a:solidFill>
+                            <a:srgbClr val="333333"/>
+                          </a:solidFill>
+                          <a:effectLst/>
+                          <a:latin typeface="+mn-lt"/>
+                          <a:cs typeface="Arial" panose="020B0604020202020204" pitchFamily="34" charset="0"/>
+                        </a:rPr>
+                        <a:t> American Amber / Red Ale</a:t>
+                      </a:r>
+                    </a:p>
+                  </a:txBody>
+                  <a:tcPr marL="9525" marR="9525" marT="9525" marB="0" anchor="b"/>
+                </a:tc>
+                <a:tc>
+                  <a:txBody>
+                    <a:bodyPr/>
+                    <a:lstStyle/>
+                    <a:p>
+                      <a:pPr algn="r" fontAlgn="b"/>
+                      <a:r>
+                        <a:rPr lang="en-US" sz="1600" b="0" i="0" u="none" strike="noStrike">
+                          <a:solidFill>
+                            <a:srgbClr val="333333"/>
+                          </a:solidFill>
+                          <a:effectLst/>
+                          <a:latin typeface="+mn-lt"/>
+                          <a:cs typeface="Arial" panose="020B0604020202020204" pitchFamily="34" charset="0"/>
+                        </a:rPr>
+                        <a:t>0.60</a:t>
+                      </a:r>
+                    </a:p>
+                  </a:txBody>
+                  <a:tcPr marL="9525" marR="9525" marT="9525" marB="0" anchor="b"/>
+                </a:tc>
+                <a:extLst>
+                  <a:ext uri="{0D108BD9-81ED-4DB2-BD59-A6C34878D82A}">
+                    <a16:rowId xmlns:a16="http://schemas.microsoft.com/office/drawing/2014/main" val="3409546401"/>
+                  </a:ext>
+                </a:extLst>
+              </a:tr>
+              <a:tr h="277091">
+                <a:tc>
+                  <a:txBody>
+                    <a:bodyPr/>
+                    <a:lstStyle/>
+                    <a:p>
+                      <a:pPr algn="l" fontAlgn="b"/>
+                      <a:r>
+                        <a:rPr lang="en-US" sz="1600" b="0" i="0" u="none" strike="noStrike" dirty="0">
+                          <a:solidFill>
+                            <a:srgbClr val="333333"/>
+                          </a:solidFill>
+                          <a:effectLst/>
+                          <a:latin typeface="+mn-lt"/>
+                          <a:cs typeface="Arial" panose="020B0604020202020204" pitchFamily="34" charset="0"/>
+                        </a:rPr>
+                        <a:t> American Double IPA</a:t>
+                      </a:r>
+                    </a:p>
+                  </a:txBody>
+                  <a:tcPr marL="9525" marR="9525" marT="9525" marB="0" anchor="b"/>
+                </a:tc>
+                <a:tc>
+                  <a:txBody>
+                    <a:bodyPr/>
+                    <a:lstStyle/>
+                    <a:p>
+                      <a:pPr algn="r" fontAlgn="b"/>
+                      <a:r>
+                        <a:rPr lang="en-US" sz="1600" b="0" i="0" u="none" strike="noStrike" dirty="0">
+                          <a:solidFill>
+                            <a:srgbClr val="333333"/>
+                          </a:solidFill>
+                          <a:effectLst/>
+                          <a:latin typeface="+mn-lt"/>
+                          <a:cs typeface="Arial" panose="020B0604020202020204" pitchFamily="34" charset="0"/>
+                        </a:rPr>
+                        <a:t>0.15</a:t>
+                      </a:r>
+                    </a:p>
+                  </a:txBody>
+                  <a:tcPr marL="9525" marR="9525" marT="9525" marB="0" anchor="b"/>
+                </a:tc>
+                <a:extLst>
+                  <a:ext uri="{0D108BD9-81ED-4DB2-BD59-A6C34878D82A}">
+                    <a16:rowId xmlns:a16="http://schemas.microsoft.com/office/drawing/2014/main" val="264960589"/>
+                  </a:ext>
+                </a:extLst>
+              </a:tr>
+              <a:tr h="209377">
+                <a:tc>
+                  <a:txBody>
+                    <a:bodyPr/>
+                    <a:lstStyle/>
+                    <a:p>
+                      <a:pPr algn="l" fontAlgn="b"/>
+                      <a:r>
+                        <a:rPr lang="en-US" sz="1600" b="0" i="0" u="none" strike="noStrike" dirty="0">
+                          <a:solidFill>
+                            <a:srgbClr val="333333"/>
+                          </a:solidFill>
+                          <a:effectLst/>
+                          <a:latin typeface="+mn-lt"/>
+                          <a:cs typeface="Arial" panose="020B0604020202020204" pitchFamily="34" charset="0"/>
+                        </a:rPr>
+                        <a:t> American Blonde Ale</a:t>
+                      </a:r>
+                    </a:p>
+                  </a:txBody>
+                  <a:tcPr marL="9525" marR="9525" marT="9525" marB="0" anchor="b"/>
+                </a:tc>
+                <a:tc>
+                  <a:txBody>
+                    <a:bodyPr/>
+                    <a:lstStyle/>
+                    <a:p>
+                      <a:pPr algn="r" fontAlgn="b"/>
+                      <a:r>
+                        <a:rPr lang="en-US" sz="1600" b="0" i="0" u="none" strike="noStrike">
+                          <a:solidFill>
+                            <a:srgbClr val="333333"/>
+                          </a:solidFill>
+                          <a:effectLst/>
+                          <a:latin typeface="+mn-lt"/>
+                          <a:cs typeface="Arial" panose="020B0604020202020204" pitchFamily="34" charset="0"/>
+                        </a:rPr>
+                        <a:t>0.59</a:t>
+                      </a:r>
+                    </a:p>
+                  </a:txBody>
+                  <a:tcPr marL="9525" marR="9525" marT="9525" marB="0" anchor="b"/>
+                </a:tc>
+                <a:extLst>
+                  <a:ext uri="{0D108BD9-81ED-4DB2-BD59-A6C34878D82A}">
+                    <a16:rowId xmlns:a16="http://schemas.microsoft.com/office/drawing/2014/main" val="3149945859"/>
+                  </a:ext>
+                </a:extLst>
+              </a:tr>
+              <a:tr h="205393">
+                <a:tc>
+                  <a:txBody>
+                    <a:bodyPr/>
+                    <a:lstStyle/>
+                    <a:p>
+                      <a:pPr algn="l" fontAlgn="b"/>
+                      <a:r>
+                        <a:rPr lang="en-US" sz="1600" b="0" i="0" u="none" strike="noStrike" dirty="0">
+                          <a:solidFill>
+                            <a:srgbClr val="333333"/>
+                          </a:solidFill>
+                          <a:effectLst/>
+                          <a:latin typeface="+mn-lt"/>
+                          <a:cs typeface="Arial" panose="020B0604020202020204" pitchFamily="34" charset="0"/>
+                        </a:rPr>
+                        <a:t> American Pale Wheat Ale</a:t>
+                      </a:r>
+                    </a:p>
+                  </a:txBody>
+                  <a:tcPr marL="9525" marR="9525" marT="9525" marB="0" anchor="b"/>
+                </a:tc>
+                <a:tc>
+                  <a:txBody>
+                    <a:bodyPr/>
+                    <a:lstStyle/>
+                    <a:p>
+                      <a:pPr algn="r" fontAlgn="b"/>
+                      <a:r>
+                        <a:rPr lang="en-US" sz="1600" b="0" i="0" u="none" strike="noStrike">
+                          <a:solidFill>
+                            <a:srgbClr val="333333"/>
+                          </a:solidFill>
+                          <a:effectLst/>
+                          <a:latin typeface="+mn-lt"/>
+                          <a:cs typeface="Arial" panose="020B0604020202020204" pitchFamily="34" charset="0"/>
+                        </a:rPr>
+                        <a:t>0.02</a:t>
+                      </a:r>
+                    </a:p>
+                  </a:txBody>
+                  <a:tcPr marL="9525" marR="9525" marT="9525" marB="0" anchor="b"/>
+                </a:tc>
+                <a:extLst>
+                  <a:ext uri="{0D108BD9-81ED-4DB2-BD59-A6C34878D82A}">
+                    <a16:rowId xmlns:a16="http://schemas.microsoft.com/office/drawing/2014/main" val="3948096884"/>
+                  </a:ext>
+                </a:extLst>
+              </a:tr>
+              <a:tr h="326707">
+                <a:tc>
+                  <a:txBody>
+                    <a:bodyPr/>
+                    <a:lstStyle/>
+                    <a:p>
+                      <a:pPr algn="l" fontAlgn="b"/>
+                      <a:r>
+                        <a:rPr lang="en-US" sz="1600" b="0" i="0" u="none" strike="noStrike" dirty="0">
+                          <a:solidFill>
+                            <a:srgbClr val="333333"/>
+                          </a:solidFill>
+                          <a:effectLst/>
+                          <a:latin typeface="+mn-lt"/>
+                          <a:cs typeface="Arial" panose="020B0604020202020204" pitchFamily="34" charset="0"/>
+                        </a:rPr>
+                        <a:t> American Porter</a:t>
+                      </a:r>
+                    </a:p>
+                  </a:txBody>
+                  <a:tcPr marL="9525" marR="9525" marT="9525" marB="0" anchor="b"/>
+                </a:tc>
+                <a:tc>
+                  <a:txBody>
+                    <a:bodyPr/>
+                    <a:lstStyle/>
+                    <a:p>
+                      <a:pPr algn="r" fontAlgn="b"/>
+                      <a:r>
+                        <a:rPr lang="en-US" sz="1600" b="0" i="0" u="none" strike="noStrike">
+                          <a:solidFill>
+                            <a:srgbClr val="333333"/>
+                          </a:solidFill>
+                          <a:effectLst/>
+                          <a:latin typeface="+mn-lt"/>
+                          <a:cs typeface="Arial" panose="020B0604020202020204" pitchFamily="34" charset="0"/>
+                        </a:rPr>
+                        <a:t>0.14</a:t>
+                      </a:r>
+                    </a:p>
+                  </a:txBody>
+                  <a:tcPr marL="9525" marR="9525" marT="9525" marB="0" anchor="b"/>
+                </a:tc>
+                <a:extLst>
+                  <a:ext uri="{0D108BD9-81ED-4DB2-BD59-A6C34878D82A}">
+                    <a16:rowId xmlns:a16="http://schemas.microsoft.com/office/drawing/2014/main" val="525376245"/>
+                  </a:ext>
+                </a:extLst>
+              </a:tr>
+              <a:tr h="338312">
+                <a:tc>
+                  <a:txBody>
+                    <a:bodyPr/>
+                    <a:lstStyle/>
+                    <a:p>
+                      <a:pPr algn="l" fontAlgn="b"/>
+                      <a:r>
+                        <a:rPr lang="en-US" sz="1600" b="0" i="0" u="none" strike="noStrike" dirty="0">
+                          <a:solidFill>
+                            <a:srgbClr val="333333"/>
+                          </a:solidFill>
+                          <a:effectLst/>
+                          <a:latin typeface="+mn-lt"/>
+                          <a:cs typeface="Arial" panose="020B0604020202020204" pitchFamily="34" charset="0"/>
+                        </a:rPr>
+                        <a:t> American Brown Ale</a:t>
+                      </a:r>
+                    </a:p>
+                  </a:txBody>
+                  <a:tcPr marL="9525" marR="9525" marT="9525" marB="0" anchor="b"/>
+                </a:tc>
+                <a:tc>
+                  <a:txBody>
+                    <a:bodyPr/>
+                    <a:lstStyle/>
+                    <a:p>
+                      <a:pPr algn="r" fontAlgn="b"/>
+                      <a:r>
+                        <a:rPr lang="en-US" sz="1600" b="0" i="0" u="none" strike="noStrike" dirty="0">
+                          <a:solidFill>
+                            <a:srgbClr val="333333"/>
+                          </a:solidFill>
+                          <a:effectLst/>
+                          <a:latin typeface="+mn-lt"/>
+                          <a:cs typeface="Arial" panose="020B0604020202020204" pitchFamily="34" charset="0"/>
+                        </a:rPr>
+                        <a:t>0.42</a:t>
+                      </a:r>
+                    </a:p>
+                  </a:txBody>
+                  <a:tcPr marL="9525" marR="9525" marT="9525" marB="0" anchor="b"/>
+                </a:tc>
+                <a:extLst>
+                  <a:ext uri="{0D108BD9-81ED-4DB2-BD59-A6C34878D82A}">
+                    <a16:rowId xmlns:a16="http://schemas.microsoft.com/office/drawing/2014/main" val="1475427455"/>
+                  </a:ext>
+                </a:extLst>
+              </a:tr>
+              <a:tr h="270682">
+                <a:tc>
+                  <a:txBody>
+                    <a:bodyPr/>
+                    <a:lstStyle/>
+                    <a:p>
+                      <a:pPr algn="l" fontAlgn="b"/>
+                      <a:r>
+                        <a:rPr lang="en-US" sz="1600" b="0" i="0" u="none" strike="noStrike" dirty="0">
+                          <a:solidFill>
+                            <a:srgbClr val="333333"/>
+                          </a:solidFill>
+                          <a:effectLst/>
+                          <a:latin typeface="+mn-lt"/>
+                          <a:cs typeface="Arial" panose="020B0604020202020204" pitchFamily="34" charset="0"/>
+                        </a:rPr>
+                        <a:t> Fruit / Vegetable Beer</a:t>
+                      </a:r>
+                    </a:p>
+                  </a:txBody>
+                  <a:tcPr marL="9525" marR="9525" marT="9525" marB="0" anchor="b"/>
+                </a:tc>
+                <a:tc>
+                  <a:txBody>
+                    <a:bodyPr/>
+                    <a:lstStyle/>
+                    <a:p>
+                      <a:pPr algn="r" fontAlgn="b"/>
+                      <a:r>
+                        <a:rPr lang="en-US" sz="1600" b="0" i="0" u="none" strike="noStrike" dirty="0">
+                          <a:solidFill>
+                            <a:srgbClr val="333333"/>
+                          </a:solidFill>
+                          <a:effectLst/>
+                          <a:latin typeface="+mn-lt"/>
+                          <a:cs typeface="Arial" panose="020B0604020202020204" pitchFamily="34" charset="0"/>
+                        </a:rPr>
+                        <a:t>0.31</a:t>
+                      </a:r>
+                    </a:p>
+                  </a:txBody>
+                  <a:tcPr marL="9525" marR="9525" marT="9525" marB="0" anchor="b"/>
+                </a:tc>
+                <a:extLst>
+                  <a:ext uri="{0D108BD9-81ED-4DB2-BD59-A6C34878D82A}">
+                    <a16:rowId xmlns:a16="http://schemas.microsoft.com/office/drawing/2014/main" val="2737337483"/>
+                  </a:ext>
+                </a:extLst>
+              </a:tr>
+              <a:tr h="326707">
+                <a:tc>
+                  <a:txBody>
+                    <a:bodyPr/>
+                    <a:lstStyle/>
+                    <a:p>
+                      <a:pPr algn="l" fontAlgn="b"/>
+                      <a:r>
+                        <a:rPr lang="en-US" sz="1600" b="0" i="0" u="none" strike="noStrike" dirty="0">
+                          <a:solidFill>
+                            <a:srgbClr val="333333"/>
+                          </a:solidFill>
+                          <a:effectLst/>
+                          <a:latin typeface="+mn-lt"/>
+                          <a:cs typeface="Arial" panose="020B0604020202020204" pitchFamily="34" charset="0"/>
+                        </a:rPr>
+                        <a:t> Hefeweizen</a:t>
+                      </a:r>
+                    </a:p>
+                  </a:txBody>
+                  <a:tcPr marL="9525" marR="9525" marT="9525" marB="0" anchor="b"/>
+                </a:tc>
+                <a:tc>
+                  <a:txBody>
+                    <a:bodyPr/>
+                    <a:lstStyle/>
+                    <a:p>
+                      <a:pPr algn="r" fontAlgn="b"/>
+                      <a:r>
+                        <a:rPr lang="en-US" sz="1600" b="0" i="0" u="none" strike="noStrike" dirty="0">
+                          <a:solidFill>
+                            <a:srgbClr val="333333"/>
+                          </a:solidFill>
+                          <a:effectLst/>
+                          <a:latin typeface="+mn-lt"/>
+                          <a:cs typeface="Arial" panose="020B0604020202020204" pitchFamily="34" charset="0"/>
+                        </a:rPr>
+                        <a:t>0.34</a:t>
+                      </a:r>
+                    </a:p>
+                  </a:txBody>
+                  <a:tcPr marL="9525" marR="9525" marT="9525" marB="0" anchor="b"/>
+                </a:tc>
+                <a:extLst>
+                  <a:ext uri="{0D108BD9-81ED-4DB2-BD59-A6C34878D82A}">
+                    <a16:rowId xmlns:a16="http://schemas.microsoft.com/office/drawing/2014/main" val="629421201"/>
+                  </a:ext>
+                </a:extLst>
+              </a:tr>
+              <a:tr h="326707">
+                <a:tc>
+                  <a:txBody>
+                    <a:bodyPr/>
+                    <a:lstStyle/>
+                    <a:p>
+                      <a:r>
+                        <a:rPr lang="en-US" sz="1600" b="0" i="0" kern="1200" dirty="0">
+                          <a:solidFill>
+                            <a:schemeClr val="dk1"/>
+                          </a:solidFill>
+                          <a:effectLst/>
+                          <a:latin typeface="+mn-lt"/>
+                          <a:ea typeface="+mn-ea"/>
+                          <a:cs typeface="Arial" panose="020B0604020202020204" pitchFamily="34" charset="0"/>
+                        </a:rPr>
+                        <a:t>Kölsch</a:t>
+                      </a:r>
+                      <a:endParaRPr lang="en-US" sz="1600" dirty="0">
+                        <a:latin typeface="+mn-lt"/>
+                        <a:cs typeface="Arial" panose="020B0604020202020204" pitchFamily="34" charset="0"/>
+                      </a:endParaRPr>
+                    </a:p>
+                  </a:txBody>
+                  <a:tcPr/>
+                </a:tc>
+                <a:tc>
+                  <a:txBody>
+                    <a:bodyPr/>
+                    <a:lstStyle/>
+                    <a:p>
+                      <a:pPr algn="r" fontAlgn="t"/>
+                      <a:r>
+                        <a:rPr lang="en-US" sz="1600" dirty="0">
+                          <a:effectLst/>
+                          <a:latin typeface="+mn-lt"/>
+                          <a:cs typeface="Arial" panose="020B0604020202020204" pitchFamily="34" charset="0"/>
+                        </a:rPr>
+                        <a:t>0.11</a:t>
+                      </a:r>
+                    </a:p>
+                  </a:txBody>
+                  <a:tcPr marL="47625" marR="47625" marT="47625" marB="47625"/>
+                </a:tc>
+                <a:extLst>
+                  <a:ext uri="{0D108BD9-81ED-4DB2-BD59-A6C34878D82A}">
+                    <a16:rowId xmlns:a16="http://schemas.microsoft.com/office/drawing/2014/main" val="3494691501"/>
+                  </a:ext>
+                </a:extLst>
+              </a:tr>
+              <a:tr h="326707">
+                <a:tc>
+                  <a:txBody>
+                    <a:bodyPr/>
+                    <a:lstStyle/>
+                    <a:p>
+                      <a:r>
+                        <a:rPr lang="en-US" sz="1600" b="0" i="0" kern="1200" dirty="0" err="1">
+                          <a:solidFill>
+                            <a:schemeClr val="dk1"/>
+                          </a:solidFill>
+                          <a:effectLst/>
+                          <a:latin typeface="+mn-lt"/>
+                          <a:ea typeface="+mn-ea"/>
+                          <a:cs typeface="Arial" panose="020B0604020202020204" pitchFamily="34" charset="0"/>
+                        </a:rPr>
+                        <a:t>Witbier</a:t>
+                      </a:r>
+                      <a:endParaRPr lang="en-US" sz="1600" dirty="0">
+                        <a:latin typeface="+mn-lt"/>
+                        <a:cs typeface="Arial" panose="020B0604020202020204" pitchFamily="34" charset="0"/>
+                      </a:endParaRPr>
+                    </a:p>
+                  </a:txBody>
+                  <a:tcPr/>
+                </a:tc>
+                <a:tc>
+                  <a:txBody>
+                    <a:bodyPr/>
+                    <a:lstStyle/>
+                    <a:p>
+                      <a:pPr algn="r"/>
+                      <a:r>
+                        <a:rPr lang="en-US" sz="1600" b="0" i="0" kern="1200" dirty="0">
+                          <a:solidFill>
+                            <a:schemeClr val="dk1"/>
+                          </a:solidFill>
+                          <a:effectLst/>
+                          <a:latin typeface="+mn-lt"/>
+                          <a:ea typeface="+mn-ea"/>
+                          <a:cs typeface="Arial" panose="020B0604020202020204" pitchFamily="34" charset="0"/>
+                        </a:rPr>
+                        <a:t>0.24</a:t>
+                      </a:r>
+                      <a:endParaRPr lang="en-US" sz="1600" dirty="0">
+                        <a:latin typeface="+mn-lt"/>
+                        <a:cs typeface="Arial" panose="020B0604020202020204" pitchFamily="34" charset="0"/>
+                      </a:endParaRPr>
+                    </a:p>
+                  </a:txBody>
+                  <a:tcPr/>
+                </a:tc>
+                <a:extLst>
+                  <a:ext uri="{0D108BD9-81ED-4DB2-BD59-A6C34878D82A}">
+                    <a16:rowId xmlns:a16="http://schemas.microsoft.com/office/drawing/2014/main" val="2396442692"/>
+                  </a:ext>
+                </a:extLst>
+              </a:tr>
+            </a:tbl>
+          </a:graphicData>
+        </a:graphic>
+      </p:graphicFrame>
+      <p:sp>
+        <p:nvSpPr>
+          <p:cNvPr id="9" name="TextBox 8">
+            <a:extLst>
+              <a:ext uri="{FF2B5EF4-FFF2-40B4-BE49-F238E27FC236}">
+                <a16:creationId xmlns:a16="http://schemas.microsoft.com/office/drawing/2014/main" id="{E939601A-624A-2942-AE81-B9B3B3EA889B}"/>
+              </a:ext>
+            </a:extLst>
+          </p:cNvPr>
+          <p:cNvSpPr txBox="1"/>
+          <p:nvPr/>
+        </p:nvSpPr>
+        <p:spPr>
+          <a:xfrm>
+            <a:off x="7781638" y="1935921"/>
+            <a:ext cx="4244108" cy="707886"/>
+          </a:xfrm>
+          <a:prstGeom prst="rect">
+            <a:avLst/>
+          </a:prstGeom>
+          <a:noFill/>
+        </p:spPr>
+        <p:txBody>
+          <a:bodyPr wrap="square" rtlCol="0">
+            <a:spAutoFit/>
+          </a:bodyPr>
+          <a:lstStyle/>
+          <a:p>
+            <a:pPr marL="285750" indent="-285750">
+              <a:buFont typeface="Arial" panose="020B0604020202020204" pitchFamily="34" charset="0"/>
+              <a:buChar char="•"/>
+            </a:pPr>
+            <a:r>
+              <a:rPr lang="en-US" sz="2000" dirty="0"/>
+              <a:t>Top 12 styles represent 65% of the beers in the data</a:t>
+            </a:r>
+          </a:p>
+        </p:txBody>
+      </p:sp>
+    </p:spTree>
+    <p:extLst>
+      <p:ext uri="{BB962C8B-B14F-4D97-AF65-F5344CB8AC3E}">
+        <p14:creationId xmlns:p14="http://schemas.microsoft.com/office/powerpoint/2010/main" val="1505415262"/>
+      </p:ext>
+    </p:extLst>
+  </p:cSld>
+  <p:clrMapOvr>
+    <a:masterClrMapping/>
+  </p:clrMapOvr>
+</p:sld>
+</file>
+
+<file path=ppt/slides/slide19.xml><?xml version="1.0" encoding="utf-8"?>
 <p:sld xmlns:a="http://schemas.openxmlformats.org/drawingml/2006/main" xmlns:r="http://schemas.openxmlformats.org/officeDocument/2006/relationships" xmlns:p="http://schemas.openxmlformats.org/presentationml/2006/main">
   <p:cSld>
     <p:spTree>
@@ -8394,185 +10672,6 @@
 </p:sld>
 </file>
 
-<file path=ppt/slides/slide13.xml><?xml version="1.0" encoding="utf-8"?>
-<p:sld xmlns:a="http://schemas.openxmlformats.org/drawingml/2006/main" xmlns:r="http://schemas.openxmlformats.org/officeDocument/2006/relationships" xmlns:p="http://schemas.openxmlformats.org/presentationml/2006/main">
-  <p:cSld>
-    <p:spTree>
-      <p:nvGrpSpPr>
-        <p:cNvPr id="1" name=""/>
-        <p:cNvGrpSpPr/>
-        <p:nvPr/>
-      </p:nvGrpSpPr>
-      <p:grpSpPr>
-        <a:xfrm>
-          <a:off x="0" y="0"/>
-          <a:ext cx="0" cy="0"/>
-          <a:chOff x="0" y="0"/>
-          <a:chExt cx="0" cy="0"/>
-        </a:xfrm>
-      </p:grpSpPr>
-      <p:sp>
-        <p:nvSpPr>
-          <p:cNvPr id="2" name="Title 1">
-            <a:extLst>
-              <a:ext uri="{FF2B5EF4-FFF2-40B4-BE49-F238E27FC236}">
-                <a16:creationId xmlns:a16="http://schemas.microsoft.com/office/drawing/2014/main" id="{E24F9319-CF8A-4126-9C3F-43B41E6CCF0E}"/>
-              </a:ext>
-            </a:extLst>
-          </p:cNvPr>
-          <p:cNvSpPr>
-            <a:spLocks noGrp="1"/>
-          </p:cNvSpPr>
-          <p:nvPr>
-            <p:ph type="title"/>
-          </p:nvPr>
-        </p:nvSpPr>
-        <p:spPr/>
-        <p:txBody>
-          <a:bodyPr/>
-          <a:lstStyle/>
-          <a:p>
-            <a:pPr algn="l"/>
-            <a:r>
-              <a:rPr lang="en-US" dirty="0"/>
-              <a:t>&lt;Problem?&gt;</a:t>
-            </a:r>
-          </a:p>
-        </p:txBody>
-      </p:sp>
-      <p:sp>
-        <p:nvSpPr>
-          <p:cNvPr id="3" name="Content Placeholder 2">
-            <a:extLst>
-              <a:ext uri="{FF2B5EF4-FFF2-40B4-BE49-F238E27FC236}">
-                <a16:creationId xmlns:a16="http://schemas.microsoft.com/office/drawing/2014/main" id="{F224934F-5312-4B36-B34F-3A9AD2B66559}"/>
-              </a:ext>
-            </a:extLst>
-          </p:cNvPr>
-          <p:cNvSpPr>
-            <a:spLocks noGrp="1"/>
-          </p:cNvSpPr>
-          <p:nvPr>
-            <p:ph idx="1"/>
-          </p:nvPr>
-        </p:nvSpPr>
-        <p:spPr/>
-        <p:txBody>
-          <a:bodyPr/>
-          <a:lstStyle/>
-          <a:p>
-            <a:r>
-              <a:rPr lang="en-US" dirty="0"/>
-              <a:t>&lt;Solution code/explanation&gt;</a:t>
-            </a:r>
-          </a:p>
-        </p:txBody>
-      </p:sp>
-    </p:spTree>
-    <p:extLst>
-      <p:ext uri="{BB962C8B-B14F-4D97-AF65-F5344CB8AC3E}">
-        <p14:creationId xmlns:p14="http://schemas.microsoft.com/office/powerpoint/2010/main" val="2062774944"/>
-      </p:ext>
-    </p:extLst>
-  </p:cSld>
-  <p:clrMapOvr>
-    <a:masterClrMapping/>
-  </p:clrMapOvr>
-</p:sld>
-</file>
-
-<file path=ppt/slides/slide14.xml><?xml version="1.0" encoding="utf-8"?>
-<p:sld xmlns:a="http://schemas.openxmlformats.org/drawingml/2006/main" xmlns:r="http://schemas.openxmlformats.org/officeDocument/2006/relationships" xmlns:p="http://schemas.openxmlformats.org/presentationml/2006/main">
-  <p:cSld>
-    <p:spTree>
-      <p:nvGrpSpPr>
-        <p:cNvPr id="1" name=""/>
-        <p:cNvGrpSpPr/>
-        <p:nvPr/>
-      </p:nvGrpSpPr>
-      <p:grpSpPr>
-        <a:xfrm>
-          <a:off x="0" y="0"/>
-          <a:ext cx="0" cy="0"/>
-          <a:chOff x="0" y="0"/>
-          <a:chExt cx="0" cy="0"/>
-        </a:xfrm>
-      </p:grpSpPr>
-      <p:sp>
-        <p:nvSpPr>
-          <p:cNvPr id="2" name="Title 1">
-            <a:extLst>
-              <a:ext uri="{FF2B5EF4-FFF2-40B4-BE49-F238E27FC236}">
-                <a16:creationId xmlns:a16="http://schemas.microsoft.com/office/drawing/2014/main" id="{E24F9319-CF8A-4126-9C3F-43B41E6CCF0E}"/>
-              </a:ext>
-            </a:extLst>
-          </p:cNvPr>
-          <p:cNvSpPr>
-            <a:spLocks noGrp="1"/>
-          </p:cNvSpPr>
-          <p:nvPr>
-            <p:ph type="title"/>
-          </p:nvPr>
-        </p:nvSpPr>
-        <p:spPr>
-          <a:xfrm>
-            <a:off x="913795" y="609600"/>
-            <a:ext cx="10353761" cy="1326321"/>
-          </a:xfrm>
-        </p:spPr>
-        <p:txBody>
-          <a:bodyPr/>
-          <a:lstStyle/>
-          <a:p>
-            <a:pPr algn="l"/>
-            <a:r>
-              <a:rPr lang="en-US" dirty="0"/>
-              <a:t>&lt;Problem?&gt;</a:t>
-            </a:r>
-          </a:p>
-        </p:txBody>
-      </p:sp>
-      <p:sp>
-        <p:nvSpPr>
-          <p:cNvPr id="3" name="Content Placeholder 2">
-            <a:extLst>
-              <a:ext uri="{FF2B5EF4-FFF2-40B4-BE49-F238E27FC236}">
-                <a16:creationId xmlns:a16="http://schemas.microsoft.com/office/drawing/2014/main" id="{F224934F-5312-4B36-B34F-3A9AD2B66559}"/>
-              </a:ext>
-            </a:extLst>
-          </p:cNvPr>
-          <p:cNvSpPr>
-            <a:spLocks noGrp="1"/>
-          </p:cNvSpPr>
-          <p:nvPr>
-            <p:ph idx="1"/>
-          </p:nvPr>
-        </p:nvSpPr>
-        <p:spPr/>
-        <p:txBody>
-          <a:bodyPr/>
-          <a:lstStyle/>
-          <a:p>
-            <a:r>
-              <a:rPr lang="en-US" dirty="0"/>
-              <a:t>&lt;Written conclusion&gt;</a:t>
-            </a:r>
-          </a:p>
-        </p:txBody>
-      </p:sp>
-    </p:spTree>
-    <p:extLst>
-      <p:ext uri="{BB962C8B-B14F-4D97-AF65-F5344CB8AC3E}">
-        <p14:creationId xmlns:p14="http://schemas.microsoft.com/office/powerpoint/2010/main" val="3686214534"/>
-      </p:ext>
-    </p:extLst>
-  </p:cSld>
-  <p:clrMapOvr>
-    <a:masterClrMapping/>
-  </p:clrMapOvr>
-</p:sld>
-</file>
-
 <file path=ppt/slides/slide2.xml><?xml version="1.0" encoding="utf-8"?>
 <p:sld xmlns:a="http://schemas.openxmlformats.org/drawingml/2006/main" xmlns:r="http://schemas.openxmlformats.org/officeDocument/2006/relationships" xmlns:p="http://schemas.openxmlformats.org/presentationml/2006/main">
   <p:cSld>
@@ -8653,24 +10752,6 @@
             <a:r>
               <a:rPr lang="en-US" dirty="0"/>
               <a:t>Overview of data</a:t>
-            </a:r>
-          </a:p>
-          <a:p>
-            <a:pPr marL="457200" indent="-457200" algn="l">
-              <a:buAutoNum type="arabicPeriod"/>
-            </a:pPr>
-            <a:r>
-              <a:rPr lang="en-US" dirty="0"/>
-              <a:t>Summary of ABV &amp; IBU data</a:t>
-            </a:r>
-          </a:p>
-          <a:p>
-            <a:pPr marL="457200" indent="-457200" algn="l">
-              <a:buAutoNum type="arabicPeriod"/>
-            </a:pPr>
-            <a:r>
-              <a:rPr lang="en-US" dirty="0"/>
-              <a:t>Initial insights</a:t>
             </a:r>
           </a:p>
         </p:txBody>
@@ -8777,7 +10858,186 @@
     </p:spTree>
     <p:extLst>
       <p:ext uri="{BB962C8B-B14F-4D97-AF65-F5344CB8AC3E}">
-        <p14:creationId xmlns:p14="http://schemas.microsoft.com/office/powerpoint/2010/main" val="2633596023"/>
+        <p14:creationId xmlns:p14="http://schemas.microsoft.com/office/powerpoint/2010/main" val="3906093232"/>
+      </p:ext>
+    </p:extLst>
+  </p:cSld>
+  <p:clrMapOvr>
+    <a:masterClrMapping/>
+  </p:clrMapOvr>
+</p:sld>
+</file>
+
+<file path=ppt/slides/slide20.xml><?xml version="1.0" encoding="utf-8"?>
+<p:sld xmlns:a="http://schemas.openxmlformats.org/drawingml/2006/main" xmlns:r="http://schemas.openxmlformats.org/officeDocument/2006/relationships" xmlns:p="http://schemas.openxmlformats.org/presentationml/2006/main">
+  <p:cSld>
+    <p:spTree>
+      <p:nvGrpSpPr>
+        <p:cNvPr id="1" name=""/>
+        <p:cNvGrpSpPr/>
+        <p:nvPr/>
+      </p:nvGrpSpPr>
+      <p:grpSpPr>
+        <a:xfrm>
+          <a:off x="0" y="0"/>
+          <a:ext cx="0" cy="0"/>
+          <a:chOff x="0" y="0"/>
+          <a:chExt cx="0" cy="0"/>
+        </a:xfrm>
+      </p:grpSpPr>
+      <p:sp>
+        <p:nvSpPr>
+          <p:cNvPr id="2" name="Title 1">
+            <a:extLst>
+              <a:ext uri="{FF2B5EF4-FFF2-40B4-BE49-F238E27FC236}">
+                <a16:creationId xmlns:a16="http://schemas.microsoft.com/office/drawing/2014/main" id="{E24F9319-CF8A-4126-9C3F-43B41E6CCF0E}"/>
+              </a:ext>
+            </a:extLst>
+          </p:cNvPr>
+          <p:cNvSpPr>
+            <a:spLocks noGrp="1"/>
+          </p:cNvSpPr>
+          <p:nvPr>
+            <p:ph type="title"/>
+          </p:nvPr>
+        </p:nvSpPr>
+        <p:spPr/>
+        <p:txBody>
+          <a:bodyPr/>
+          <a:lstStyle/>
+          <a:p>
+            <a:pPr algn="l"/>
+            <a:r>
+              <a:rPr lang="en-US" dirty="0"/>
+              <a:t>&lt;Problem?&gt;</a:t>
+            </a:r>
+          </a:p>
+        </p:txBody>
+      </p:sp>
+      <p:sp>
+        <p:nvSpPr>
+          <p:cNvPr id="3" name="Content Placeholder 2">
+            <a:extLst>
+              <a:ext uri="{FF2B5EF4-FFF2-40B4-BE49-F238E27FC236}">
+                <a16:creationId xmlns:a16="http://schemas.microsoft.com/office/drawing/2014/main" id="{F224934F-5312-4B36-B34F-3A9AD2B66559}"/>
+              </a:ext>
+            </a:extLst>
+          </p:cNvPr>
+          <p:cNvSpPr>
+            <a:spLocks noGrp="1"/>
+          </p:cNvSpPr>
+          <p:nvPr>
+            <p:ph idx="1"/>
+          </p:nvPr>
+        </p:nvSpPr>
+        <p:spPr/>
+        <p:txBody>
+          <a:bodyPr/>
+          <a:lstStyle/>
+          <a:p>
+            <a:r>
+              <a:rPr lang="en-US" dirty="0"/>
+              <a:t>&lt;Solution code/explanation&gt;</a:t>
+            </a:r>
+          </a:p>
+        </p:txBody>
+      </p:sp>
+    </p:spTree>
+    <p:extLst>
+      <p:ext uri="{BB962C8B-B14F-4D97-AF65-F5344CB8AC3E}">
+        <p14:creationId xmlns:p14="http://schemas.microsoft.com/office/powerpoint/2010/main" val="2062774944"/>
+      </p:ext>
+    </p:extLst>
+  </p:cSld>
+  <p:clrMapOvr>
+    <a:masterClrMapping/>
+  </p:clrMapOvr>
+</p:sld>
+</file>
+
+<file path=ppt/slides/slide21.xml><?xml version="1.0" encoding="utf-8"?>
+<p:sld xmlns:a="http://schemas.openxmlformats.org/drawingml/2006/main" xmlns:r="http://schemas.openxmlformats.org/officeDocument/2006/relationships" xmlns:p="http://schemas.openxmlformats.org/presentationml/2006/main">
+  <p:cSld>
+    <p:spTree>
+      <p:nvGrpSpPr>
+        <p:cNvPr id="1" name=""/>
+        <p:cNvGrpSpPr/>
+        <p:nvPr/>
+      </p:nvGrpSpPr>
+      <p:grpSpPr>
+        <a:xfrm>
+          <a:off x="0" y="0"/>
+          <a:ext cx="0" cy="0"/>
+          <a:chOff x="0" y="0"/>
+          <a:chExt cx="0" cy="0"/>
+        </a:xfrm>
+      </p:grpSpPr>
+      <p:sp>
+        <p:nvSpPr>
+          <p:cNvPr id="2" name="Title 1">
+            <a:extLst>
+              <a:ext uri="{FF2B5EF4-FFF2-40B4-BE49-F238E27FC236}">
+                <a16:creationId xmlns:a16="http://schemas.microsoft.com/office/drawing/2014/main" id="{E24F9319-CF8A-4126-9C3F-43B41E6CCF0E}"/>
+              </a:ext>
+            </a:extLst>
+          </p:cNvPr>
+          <p:cNvSpPr>
+            <a:spLocks noGrp="1"/>
+          </p:cNvSpPr>
+          <p:nvPr>
+            <p:ph type="title"/>
+          </p:nvPr>
+        </p:nvSpPr>
+        <p:spPr>
+          <a:xfrm>
+            <a:off x="913795" y="609600"/>
+            <a:ext cx="10353761" cy="1326321"/>
+          </a:xfrm>
+        </p:spPr>
+        <p:txBody>
+          <a:bodyPr/>
+          <a:lstStyle/>
+          <a:p>
+            <a:pPr algn="l"/>
+            <a:r>
+              <a:rPr lang="en-US" dirty="0"/>
+              <a:t>&lt;Problem?&gt;</a:t>
+            </a:r>
+          </a:p>
+        </p:txBody>
+      </p:sp>
+      <p:sp>
+        <p:nvSpPr>
+          <p:cNvPr id="3" name="Content Placeholder 2">
+            <a:extLst>
+              <a:ext uri="{FF2B5EF4-FFF2-40B4-BE49-F238E27FC236}">
+                <a16:creationId xmlns:a16="http://schemas.microsoft.com/office/drawing/2014/main" id="{F224934F-5312-4B36-B34F-3A9AD2B66559}"/>
+              </a:ext>
+            </a:extLst>
+          </p:cNvPr>
+          <p:cNvSpPr>
+            <a:spLocks noGrp="1"/>
+          </p:cNvSpPr>
+          <p:nvPr>
+            <p:ph idx="1"/>
+          </p:nvPr>
+        </p:nvSpPr>
+        <p:spPr/>
+        <p:txBody>
+          <a:bodyPr/>
+          <a:lstStyle/>
+          <a:p>
+            <a:r>
+              <a:rPr lang="en-US" dirty="0"/>
+              <a:t>&lt;Written conclusion&gt;</a:t>
+            </a:r>
+          </a:p>
+        </p:txBody>
+      </p:sp>
+    </p:spTree>
+    <p:extLst>
+      <p:ext uri="{BB962C8B-B14F-4D97-AF65-F5344CB8AC3E}">
+        <p14:creationId xmlns:p14="http://schemas.microsoft.com/office/powerpoint/2010/main" val="3686214534"/>
       </p:ext>
     </p:extLst>
   </p:cSld>
@@ -8809,6 +11069,443 @@
           <p:cNvPr id="2" name="Title 1">
             <a:extLst>
               <a:ext uri="{FF2B5EF4-FFF2-40B4-BE49-F238E27FC236}">
+                <a16:creationId xmlns:a16="http://schemas.microsoft.com/office/drawing/2014/main" id="{02E15039-390B-4BBE-ADB6-CF6399AC436D}"/>
+              </a:ext>
+            </a:extLst>
+          </p:cNvPr>
+          <p:cNvSpPr>
+            <a:spLocks noGrp="1"/>
+          </p:cNvSpPr>
+          <p:nvPr>
+            <p:ph type="title"/>
+          </p:nvPr>
+        </p:nvSpPr>
+        <p:spPr/>
+        <p:txBody>
+          <a:bodyPr/>
+          <a:lstStyle/>
+          <a:p>
+            <a:pPr algn="l"/>
+            <a:r>
+              <a:rPr lang="en-US" dirty="0"/>
+              <a:t>Outline for today</a:t>
+            </a:r>
+          </a:p>
+        </p:txBody>
+      </p:sp>
+      <p:sp>
+        <p:nvSpPr>
+          <p:cNvPr id="3" name="Text Placeholder 2">
+            <a:extLst>
+              <a:ext uri="{FF2B5EF4-FFF2-40B4-BE49-F238E27FC236}">
+                <a16:creationId xmlns:a16="http://schemas.microsoft.com/office/drawing/2014/main" id="{BA0D8CDB-94C8-4035-BE9C-CB2AC2301CC3}"/>
+              </a:ext>
+            </a:extLst>
+          </p:cNvPr>
+          <p:cNvSpPr>
+            <a:spLocks noGrp="1"/>
+          </p:cNvSpPr>
+          <p:nvPr>
+            <p:ph type="body" idx="1"/>
+          </p:nvPr>
+        </p:nvSpPr>
+        <p:spPr>
+          <a:xfrm>
+            <a:off x="1229244" y="3602038"/>
+            <a:ext cx="9733512" cy="2765206"/>
+          </a:xfrm>
+        </p:spPr>
+        <p:txBody>
+          <a:bodyPr>
+            <a:normAutofit/>
+          </a:bodyPr>
+          <a:lstStyle/>
+          <a:p>
+            <a:pPr marL="457200" indent="-457200" algn="l">
+              <a:buAutoNum type="arabicPeriod"/>
+            </a:pPr>
+            <a:r>
+              <a:rPr lang="en-US" dirty="0">
+                <a:solidFill>
+                  <a:schemeClr val="tx1">
+                    <a:lumMod val="50000"/>
+                  </a:schemeClr>
+                </a:solidFill>
+              </a:rPr>
+              <a:t>Overview of data</a:t>
+            </a:r>
+          </a:p>
+          <a:p>
+            <a:pPr marL="457200" indent="-457200" algn="l">
+              <a:buAutoNum type="arabicPeriod"/>
+            </a:pPr>
+            <a:r>
+              <a:rPr lang="en-US" dirty="0"/>
+              <a:t>Summary of ABV &amp; IBU data</a:t>
+            </a:r>
+          </a:p>
+        </p:txBody>
+      </p:sp>
+      <p:pic>
+        <p:nvPicPr>
+          <p:cNvPr id="4" name="Picture 3">
+            <a:extLst>
+              <a:ext uri="{FF2B5EF4-FFF2-40B4-BE49-F238E27FC236}">
+                <a16:creationId xmlns:a16="http://schemas.microsoft.com/office/drawing/2014/main" id="{A8DF9C2B-4E0C-4681-B2AD-4E83C5B86F63}"/>
+              </a:ext>
+            </a:extLst>
+          </p:cNvPr>
+          <p:cNvPicPr>
+            <a:picLocks noChangeAspect="1"/>
+          </p:cNvPicPr>
+          <p:nvPr/>
+        </p:nvPicPr>
+        <p:blipFill>
+          <a:blip r:embed="rId3"/>
+          <a:stretch>
+            <a:fillRect/>
+          </a:stretch>
+        </p:blipFill>
+        <p:spPr>
+          <a:xfrm>
+            <a:off x="6895613" y="1271297"/>
+            <a:ext cx="4067143" cy="2330741"/>
+          </a:xfrm>
+          <a:prstGeom prst="rect">
+            <a:avLst/>
+          </a:prstGeom>
+          <a:solidFill>
+            <a:srgbClr val="FFFFFF">
+              <a:shade val="85000"/>
+            </a:srgbClr>
+          </a:solidFill>
+          <a:ln w="88900" cap="sq">
+            <a:solidFill>
+              <a:srgbClr val="FFFFFF"/>
+            </a:solidFill>
+            <a:miter lim="800000"/>
+          </a:ln>
+          <a:effectLst>
+            <a:outerShdw blurRad="55000" dist="18000" dir="5400000" algn="tl" rotWithShape="0">
+              <a:srgbClr val="000000">
+                <a:alpha val="40000"/>
+              </a:srgbClr>
+            </a:outerShdw>
+          </a:effectLst>
+          <a:scene3d>
+            <a:camera prst="orthographicFront"/>
+            <a:lightRig rig="twoPt" dir="t">
+              <a:rot lat="0" lon="0" rev="7200000"/>
+            </a:lightRig>
+          </a:scene3d>
+          <a:sp3d>
+            <a:bevelT w="25400" h="19050"/>
+            <a:contourClr>
+              <a:srgbClr val="FFFFFF"/>
+            </a:contourClr>
+          </a:sp3d>
+        </p:spPr>
+      </p:pic>
+      <p:sp>
+        <p:nvSpPr>
+          <p:cNvPr id="5" name="TextBox 4">
+            <a:extLst>
+              <a:ext uri="{FF2B5EF4-FFF2-40B4-BE49-F238E27FC236}">
+                <a16:creationId xmlns:a16="http://schemas.microsoft.com/office/drawing/2014/main" id="{E1B686E5-D1AC-49E7-B424-DF115AF4BD03}"/>
+              </a:ext>
+            </a:extLst>
+          </p:cNvPr>
+          <p:cNvSpPr txBox="1"/>
+          <p:nvPr/>
+        </p:nvSpPr>
+        <p:spPr>
+          <a:xfrm>
+            <a:off x="6096000" y="6581001"/>
+            <a:ext cx="5997107" cy="276999"/>
+          </a:xfrm>
+          <a:prstGeom prst="rect">
+            <a:avLst/>
+          </a:prstGeom>
+          <a:noFill/>
+        </p:spPr>
+        <p:txBody>
+          <a:bodyPr wrap="square" rtlCol="0">
+            <a:spAutoFit/>
+          </a:bodyPr>
+          <a:lstStyle/>
+          <a:p>
+            <a:r>
+              <a:rPr lang="en-US" sz="1200" dirty="0">
+                <a:solidFill>
+                  <a:schemeClr val="bg1"/>
+                </a:solidFill>
+              </a:rPr>
+              <a:t>http://gcmouli.com/blog/2017/01/inference-and-insights/</a:t>
+            </a:r>
+          </a:p>
+        </p:txBody>
+      </p:sp>
+    </p:spTree>
+    <p:extLst>
+      <p:ext uri="{BB962C8B-B14F-4D97-AF65-F5344CB8AC3E}">
+        <p14:creationId xmlns:p14="http://schemas.microsoft.com/office/powerpoint/2010/main" val="385972196"/>
+      </p:ext>
+    </p:extLst>
+  </p:cSld>
+  <p:clrMapOvr>
+    <a:masterClrMapping/>
+  </p:clrMapOvr>
+</p:sld>
+</file>
+
+<file path=ppt/slides/slide4.xml><?xml version="1.0" encoding="utf-8"?>
+<p:sld xmlns:a="http://schemas.openxmlformats.org/drawingml/2006/main" xmlns:r="http://schemas.openxmlformats.org/officeDocument/2006/relationships" xmlns:p="http://schemas.openxmlformats.org/presentationml/2006/main">
+  <p:cSld>
+    <p:spTree>
+      <p:nvGrpSpPr>
+        <p:cNvPr id="1" name=""/>
+        <p:cNvGrpSpPr/>
+        <p:nvPr/>
+      </p:nvGrpSpPr>
+      <p:grpSpPr>
+        <a:xfrm>
+          <a:off x="0" y="0"/>
+          <a:ext cx="0" cy="0"/>
+          <a:chOff x="0" y="0"/>
+          <a:chExt cx="0" cy="0"/>
+        </a:xfrm>
+      </p:grpSpPr>
+      <p:sp>
+        <p:nvSpPr>
+          <p:cNvPr id="2" name="Title 1">
+            <a:extLst>
+              <a:ext uri="{FF2B5EF4-FFF2-40B4-BE49-F238E27FC236}">
+                <a16:creationId xmlns:a16="http://schemas.microsoft.com/office/drawing/2014/main" id="{02E15039-390B-4BBE-ADB6-CF6399AC436D}"/>
+              </a:ext>
+            </a:extLst>
+          </p:cNvPr>
+          <p:cNvSpPr>
+            <a:spLocks noGrp="1"/>
+          </p:cNvSpPr>
+          <p:nvPr>
+            <p:ph type="title"/>
+          </p:nvPr>
+        </p:nvSpPr>
+        <p:spPr/>
+        <p:txBody>
+          <a:bodyPr/>
+          <a:lstStyle/>
+          <a:p>
+            <a:pPr algn="l"/>
+            <a:r>
+              <a:rPr lang="en-US" dirty="0"/>
+              <a:t>Outline for today</a:t>
+            </a:r>
+          </a:p>
+        </p:txBody>
+      </p:sp>
+      <p:sp>
+        <p:nvSpPr>
+          <p:cNvPr id="3" name="Text Placeholder 2">
+            <a:extLst>
+              <a:ext uri="{FF2B5EF4-FFF2-40B4-BE49-F238E27FC236}">
+                <a16:creationId xmlns:a16="http://schemas.microsoft.com/office/drawing/2014/main" id="{BA0D8CDB-94C8-4035-BE9C-CB2AC2301CC3}"/>
+              </a:ext>
+            </a:extLst>
+          </p:cNvPr>
+          <p:cNvSpPr>
+            <a:spLocks noGrp="1"/>
+          </p:cNvSpPr>
+          <p:nvPr>
+            <p:ph type="body" idx="1"/>
+          </p:nvPr>
+        </p:nvSpPr>
+        <p:spPr>
+          <a:xfrm>
+            <a:off x="1229244" y="3602038"/>
+            <a:ext cx="9733512" cy="2765206"/>
+          </a:xfrm>
+        </p:spPr>
+        <p:txBody>
+          <a:bodyPr>
+            <a:normAutofit/>
+          </a:bodyPr>
+          <a:lstStyle/>
+          <a:p>
+            <a:pPr marL="457200" indent="-457200" algn="l">
+              <a:buAutoNum type="arabicPeriod"/>
+            </a:pPr>
+            <a:r>
+              <a:rPr lang="en-US" dirty="0">
+                <a:solidFill>
+                  <a:schemeClr val="tx1">
+                    <a:lumMod val="50000"/>
+                  </a:schemeClr>
+                </a:solidFill>
+              </a:rPr>
+              <a:t>Overview of data</a:t>
+            </a:r>
+          </a:p>
+          <a:p>
+            <a:pPr marL="457200" indent="-457200" algn="l">
+              <a:buAutoNum type="arabicPeriod"/>
+            </a:pPr>
+            <a:r>
+              <a:rPr lang="en-US" dirty="0">
+                <a:solidFill>
+                  <a:schemeClr val="tx1">
+                    <a:lumMod val="50000"/>
+                  </a:schemeClr>
+                </a:solidFill>
+              </a:rPr>
+              <a:t>Summary of ABV &amp; IBU data</a:t>
+            </a:r>
+          </a:p>
+          <a:p>
+            <a:pPr marL="457200" indent="-457200" algn="l">
+              <a:buAutoNum type="arabicPeriod"/>
+            </a:pPr>
+            <a:r>
+              <a:rPr lang="en-US" dirty="0"/>
+              <a:t>Initial insights</a:t>
+            </a:r>
+          </a:p>
+        </p:txBody>
+      </p:sp>
+      <p:pic>
+        <p:nvPicPr>
+          <p:cNvPr id="4" name="Picture 3">
+            <a:extLst>
+              <a:ext uri="{FF2B5EF4-FFF2-40B4-BE49-F238E27FC236}">
+                <a16:creationId xmlns:a16="http://schemas.microsoft.com/office/drawing/2014/main" id="{A8DF9C2B-4E0C-4681-B2AD-4E83C5B86F63}"/>
+              </a:ext>
+            </a:extLst>
+          </p:cNvPr>
+          <p:cNvPicPr>
+            <a:picLocks noChangeAspect="1"/>
+          </p:cNvPicPr>
+          <p:nvPr/>
+        </p:nvPicPr>
+        <p:blipFill>
+          <a:blip r:embed="rId3"/>
+          <a:stretch>
+            <a:fillRect/>
+          </a:stretch>
+        </p:blipFill>
+        <p:spPr>
+          <a:xfrm>
+            <a:off x="6895613" y="1271297"/>
+            <a:ext cx="4067143" cy="2330741"/>
+          </a:xfrm>
+          <a:prstGeom prst="rect">
+            <a:avLst/>
+          </a:prstGeom>
+          <a:solidFill>
+            <a:srgbClr val="FFFFFF">
+              <a:shade val="85000"/>
+            </a:srgbClr>
+          </a:solidFill>
+          <a:ln w="88900" cap="sq">
+            <a:solidFill>
+              <a:srgbClr val="FFFFFF"/>
+            </a:solidFill>
+            <a:miter lim="800000"/>
+          </a:ln>
+          <a:effectLst>
+            <a:outerShdw blurRad="55000" dist="18000" dir="5400000" algn="tl" rotWithShape="0">
+              <a:srgbClr val="000000">
+                <a:alpha val="40000"/>
+              </a:srgbClr>
+            </a:outerShdw>
+          </a:effectLst>
+          <a:scene3d>
+            <a:camera prst="orthographicFront"/>
+            <a:lightRig rig="twoPt" dir="t">
+              <a:rot lat="0" lon="0" rev="7200000"/>
+            </a:lightRig>
+          </a:scene3d>
+          <a:sp3d>
+            <a:bevelT w="25400" h="19050"/>
+            <a:contourClr>
+              <a:srgbClr val="FFFFFF"/>
+            </a:contourClr>
+          </a:sp3d>
+        </p:spPr>
+      </p:pic>
+      <p:sp>
+        <p:nvSpPr>
+          <p:cNvPr id="5" name="TextBox 4">
+            <a:extLst>
+              <a:ext uri="{FF2B5EF4-FFF2-40B4-BE49-F238E27FC236}">
+                <a16:creationId xmlns:a16="http://schemas.microsoft.com/office/drawing/2014/main" id="{E1B686E5-D1AC-49E7-B424-DF115AF4BD03}"/>
+              </a:ext>
+            </a:extLst>
+          </p:cNvPr>
+          <p:cNvSpPr txBox="1"/>
+          <p:nvPr/>
+        </p:nvSpPr>
+        <p:spPr>
+          <a:xfrm>
+            <a:off x="6096000" y="6581001"/>
+            <a:ext cx="5997107" cy="276999"/>
+          </a:xfrm>
+          <a:prstGeom prst="rect">
+            <a:avLst/>
+          </a:prstGeom>
+          <a:noFill/>
+        </p:spPr>
+        <p:txBody>
+          <a:bodyPr wrap="square" rtlCol="0">
+            <a:spAutoFit/>
+          </a:bodyPr>
+          <a:lstStyle/>
+          <a:p>
+            <a:r>
+              <a:rPr lang="en-US" sz="1200" dirty="0">
+                <a:solidFill>
+                  <a:schemeClr val="bg1"/>
+                </a:solidFill>
+              </a:rPr>
+              <a:t>http://gcmouli.com/blog/2017/01/inference-and-insights/</a:t>
+            </a:r>
+          </a:p>
+        </p:txBody>
+      </p:sp>
+    </p:spTree>
+    <p:extLst>
+      <p:ext uri="{BB962C8B-B14F-4D97-AF65-F5344CB8AC3E}">
+        <p14:creationId xmlns:p14="http://schemas.microsoft.com/office/powerpoint/2010/main" val="2633596023"/>
+      </p:ext>
+    </p:extLst>
+  </p:cSld>
+  <p:clrMapOvr>
+    <a:masterClrMapping/>
+  </p:clrMapOvr>
+</p:sld>
+</file>
+
+<file path=ppt/slides/slide5.xml><?xml version="1.0" encoding="utf-8"?>
+<p:sld xmlns:a="http://schemas.openxmlformats.org/drawingml/2006/main" xmlns:r="http://schemas.openxmlformats.org/officeDocument/2006/relationships" xmlns:p="http://schemas.openxmlformats.org/presentationml/2006/main">
+  <p:cSld>
+    <p:spTree>
+      <p:nvGrpSpPr>
+        <p:cNvPr id="1" name=""/>
+        <p:cNvGrpSpPr/>
+        <p:nvPr/>
+      </p:nvGrpSpPr>
+      <p:grpSpPr>
+        <a:xfrm>
+          <a:off x="0" y="0"/>
+          <a:ext cx="0" cy="0"/>
+          <a:chOff x="0" y="0"/>
+          <a:chExt cx="0" cy="0"/>
+        </a:xfrm>
+      </p:grpSpPr>
+      <p:sp>
+        <p:nvSpPr>
+          <p:cNvPr id="2" name="Title 1">
+            <a:extLst>
+              <a:ext uri="{FF2B5EF4-FFF2-40B4-BE49-F238E27FC236}">
                 <a16:creationId xmlns:a16="http://schemas.microsoft.com/office/drawing/2014/main" id="{E24F9319-CF8A-4126-9C3F-43B41E6CCF0E}"/>
               </a:ext>
             </a:extLst>
@@ -8895,7 +11592,7 @@
 </p:sld>
 </file>
 
-<file path=ppt/slides/slide4.xml><?xml version="1.0" encoding="utf-8"?>
+<file path=ppt/slides/slide6.xml><?xml version="1.0" encoding="utf-8"?>
 <p:sld xmlns:a="http://schemas.openxmlformats.org/drawingml/2006/main" xmlns:r="http://schemas.openxmlformats.org/officeDocument/2006/relationships" xmlns:p="http://schemas.openxmlformats.org/presentationml/2006/main">
   <p:cSld>
     <p:spTree>
@@ -8955,7 +11652,7 @@
 </p:sld>
 </file>
 
-<file path=ppt/slides/slide5.xml><?xml version="1.0" encoding="utf-8"?>
+<file path=ppt/slides/slide7.xml><?xml version="1.0" encoding="utf-8"?>
 <p:sld xmlns:a="http://schemas.openxmlformats.org/drawingml/2006/main" xmlns:r="http://schemas.openxmlformats.org/officeDocument/2006/relationships" xmlns:p="http://schemas.openxmlformats.org/presentationml/2006/main">
   <p:cSld>
     <p:spTree>
@@ -9139,517 +11836,6 @@
 </p:sld>
 </file>
 
-<file path=ppt/slides/slide6.xml><?xml version="1.0" encoding="utf-8"?>
-<p:sld xmlns:a="http://schemas.openxmlformats.org/drawingml/2006/main" xmlns:r="http://schemas.openxmlformats.org/officeDocument/2006/relationships" xmlns:p="http://schemas.openxmlformats.org/presentationml/2006/main">
-  <p:cSld>
-    <p:spTree>
-      <p:nvGrpSpPr>
-        <p:cNvPr id="1" name=""/>
-        <p:cNvGrpSpPr/>
-        <p:nvPr/>
-      </p:nvGrpSpPr>
-      <p:grpSpPr>
-        <a:xfrm>
-          <a:off x="0" y="0"/>
-          <a:ext cx="0" cy="0"/>
-          <a:chOff x="0" y="0"/>
-          <a:chExt cx="0" cy="0"/>
-        </a:xfrm>
-      </p:grpSpPr>
-      <p:sp>
-        <p:nvSpPr>
-          <p:cNvPr id="2" name="Title 1">
-            <a:extLst>
-              <a:ext uri="{FF2B5EF4-FFF2-40B4-BE49-F238E27FC236}">
-                <a16:creationId xmlns:a16="http://schemas.microsoft.com/office/drawing/2014/main" id="{E24F9319-CF8A-4126-9C3F-43B41E6CCF0E}"/>
-              </a:ext>
-            </a:extLst>
-          </p:cNvPr>
-          <p:cNvSpPr>
-            <a:spLocks noGrp="1"/>
-          </p:cNvSpPr>
-          <p:nvPr>
-            <p:ph type="title"/>
-          </p:nvPr>
-        </p:nvSpPr>
-        <p:spPr/>
-        <p:txBody>
-          <a:bodyPr/>
-          <a:lstStyle/>
-          <a:p>
-            <a:pPr algn="l"/>
-            <a:r>
-              <a:rPr lang="en-US" dirty="0"/>
-              <a:t>Data overview: missing values</a:t>
-            </a:r>
-          </a:p>
-        </p:txBody>
-      </p:sp>
-      <p:sp>
-        <p:nvSpPr>
-          <p:cNvPr id="3" name="Content Placeholder 2">
-            <a:extLst>
-              <a:ext uri="{FF2B5EF4-FFF2-40B4-BE49-F238E27FC236}">
-                <a16:creationId xmlns:a16="http://schemas.microsoft.com/office/drawing/2014/main" id="{F224934F-5312-4B36-B34F-3A9AD2B66559}"/>
-              </a:ext>
-            </a:extLst>
-          </p:cNvPr>
-          <p:cNvSpPr>
-            <a:spLocks noGrp="1"/>
-          </p:cNvSpPr>
-          <p:nvPr>
-            <p:ph idx="1"/>
-          </p:nvPr>
-        </p:nvSpPr>
-        <p:spPr/>
-        <p:txBody>
-          <a:bodyPr/>
-          <a:lstStyle/>
-          <a:p>
-            <a:r>
-              <a:rPr lang="en-US" dirty="0"/>
-              <a:t>Missing values in ABV &amp; IBU</a:t>
-            </a:r>
-          </a:p>
-          <a:p>
-            <a:r>
-              <a:rPr lang="en-US" dirty="0"/>
-              <a:t>Possibly due to state laws, complexity of testing</a:t>
-            </a:r>
-          </a:p>
-          <a:p>
-            <a:r>
-              <a:rPr lang="en-US" dirty="0"/>
-              <a:t>Two methods for handling missing values:</a:t>
-            </a:r>
-          </a:p>
-          <a:p>
-            <a:pPr marL="800100" lvl="1" indent="-342900">
-              <a:buFont typeface="+mj-lt"/>
-              <a:buAutoNum type="arabicPeriod"/>
-            </a:pPr>
-            <a:r>
-              <a:rPr lang="en-US" dirty="0"/>
-              <a:t>Eliminate missing data lines</a:t>
-            </a:r>
-          </a:p>
-          <a:p>
-            <a:pPr marL="800100" lvl="1" indent="-342900">
-              <a:buFont typeface="+mj-lt"/>
-              <a:buAutoNum type="arabicPeriod"/>
-            </a:pPr>
-            <a:r>
-              <a:rPr lang="en-US" dirty="0"/>
-              <a:t>Replace missing data values with average of relevant values</a:t>
-            </a:r>
-          </a:p>
-        </p:txBody>
-      </p:sp>
-    </p:spTree>
-    <p:extLst>
-      <p:ext uri="{BB962C8B-B14F-4D97-AF65-F5344CB8AC3E}">
-        <p14:creationId xmlns:p14="http://schemas.microsoft.com/office/powerpoint/2010/main" val="2657609671"/>
-      </p:ext>
-    </p:extLst>
-  </p:cSld>
-  <p:clrMapOvr>
-    <a:masterClrMapping/>
-  </p:clrMapOvr>
-</p:sld>
-</file>
-
-<file path=ppt/slides/slide7.xml><?xml version="1.0" encoding="utf-8"?>
-<p:sld xmlns:a="http://schemas.openxmlformats.org/drawingml/2006/main" xmlns:r="http://schemas.openxmlformats.org/officeDocument/2006/relationships" xmlns:p="http://schemas.openxmlformats.org/presentationml/2006/main">
-  <p:cSld>
-    <p:spTree>
-      <p:nvGrpSpPr>
-        <p:cNvPr id="1" name=""/>
-        <p:cNvGrpSpPr/>
-        <p:nvPr/>
-      </p:nvGrpSpPr>
-      <p:grpSpPr>
-        <a:xfrm>
-          <a:off x="0" y="0"/>
-          <a:ext cx="0" cy="0"/>
-          <a:chOff x="0" y="0"/>
-          <a:chExt cx="0" cy="0"/>
-        </a:xfrm>
-      </p:grpSpPr>
-      <p:sp>
-        <p:nvSpPr>
-          <p:cNvPr id="2" name="Title 1">
-            <a:extLst>
-              <a:ext uri="{FF2B5EF4-FFF2-40B4-BE49-F238E27FC236}">
-                <a16:creationId xmlns:a16="http://schemas.microsoft.com/office/drawing/2014/main" id="{F3612843-29AB-4571-A1AA-DD16C56C044A}"/>
-              </a:ext>
-            </a:extLst>
-          </p:cNvPr>
-          <p:cNvSpPr>
-            <a:spLocks noGrp="1"/>
-          </p:cNvSpPr>
-          <p:nvPr>
-            <p:ph type="title"/>
-          </p:nvPr>
-        </p:nvSpPr>
-        <p:spPr/>
-        <p:txBody>
-          <a:bodyPr/>
-          <a:lstStyle/>
-          <a:p>
-            <a:r>
-              <a:rPr lang="en-US" dirty="0"/>
-              <a:t>Comparison of correction methods</a:t>
-            </a:r>
-          </a:p>
-        </p:txBody>
-      </p:sp>
-      <p:sp>
-        <p:nvSpPr>
-          <p:cNvPr id="3" name="Content Placeholder 2">
-            <a:extLst>
-              <a:ext uri="{FF2B5EF4-FFF2-40B4-BE49-F238E27FC236}">
-                <a16:creationId xmlns:a16="http://schemas.microsoft.com/office/drawing/2014/main" id="{DD2D0848-D496-4924-ABB2-F45AD458F1BA}"/>
-              </a:ext>
-            </a:extLst>
-          </p:cNvPr>
-          <p:cNvSpPr>
-            <a:spLocks noGrp="1"/>
-          </p:cNvSpPr>
-          <p:nvPr>
-            <p:ph sz="half" idx="1"/>
-          </p:nvPr>
-        </p:nvSpPr>
-        <p:spPr/>
-        <p:style>
-          <a:lnRef idx="0">
-            <a:scrgbClr r="0" g="0" b="0"/>
-          </a:lnRef>
-          <a:fillRef idx="1003">
-            <a:schemeClr val="dk1"/>
-          </a:fillRef>
-          <a:effectRef idx="0">
-            <a:scrgbClr r="0" g="0" b="0"/>
-          </a:effectRef>
-          <a:fontRef idx="major"/>
-        </p:style>
-        <p:txBody>
-          <a:bodyPr>
-            <a:normAutofit fontScale="92500" lnSpcReduction="10000"/>
-          </a:bodyPr>
-          <a:lstStyle/>
-          <a:p>
-            <a:r>
-              <a:rPr lang="en-US" u="sng" dirty="0"/>
-              <a:t>Using missing data method 1:</a:t>
-            </a:r>
-          </a:p>
-          <a:p>
-            <a:r>
-              <a:rPr lang="en-US" dirty="0">
-                <a:effectLst/>
-              </a:rPr>
-              <a:t>Minimum: 2.7%</a:t>
-            </a:r>
-          </a:p>
-          <a:p>
-            <a:r>
-              <a:rPr lang="en-US" dirty="0">
-                <a:effectLst/>
-              </a:rPr>
-              <a:t>1</a:t>
-            </a:r>
-            <a:r>
-              <a:rPr lang="en-US" baseline="30000" dirty="0">
-                <a:effectLst/>
-              </a:rPr>
-              <a:t>st </a:t>
-            </a:r>
-            <a:r>
-              <a:rPr lang="en-US" dirty="0">
-                <a:effectLst/>
-              </a:rPr>
-              <a:t>Quartile: 5.0%</a:t>
-            </a:r>
-          </a:p>
-          <a:p>
-            <a:r>
-              <a:rPr lang="en-US" dirty="0">
-                <a:effectLst/>
-              </a:rPr>
-              <a:t>Median: 5.7%</a:t>
-            </a:r>
-          </a:p>
-          <a:p>
-            <a:r>
-              <a:rPr lang="en-US" dirty="0">
-                <a:effectLst/>
-              </a:rPr>
-              <a:t>3</a:t>
-            </a:r>
-            <a:r>
-              <a:rPr lang="en-US" baseline="30000" dirty="0">
-                <a:effectLst/>
-              </a:rPr>
-              <a:t>rd </a:t>
-            </a:r>
-            <a:r>
-              <a:rPr lang="en-US" dirty="0">
-                <a:effectLst/>
-              </a:rPr>
-              <a:t>Quartile: 6.8%</a:t>
-            </a:r>
-          </a:p>
-          <a:p>
-            <a:r>
-              <a:rPr lang="en-US" dirty="0">
-                <a:effectLst/>
-              </a:rPr>
-              <a:t>Maximum: 12.5%</a:t>
-            </a:r>
-          </a:p>
-          <a:p>
-            <a:r>
-              <a:rPr lang="en-US" dirty="0">
-                <a:effectLst/>
-              </a:rPr>
-              <a:t>Mean 5.991%</a:t>
-            </a:r>
-          </a:p>
-          <a:p>
-            <a:r>
-              <a:rPr lang="en-US" dirty="0">
-                <a:effectLst/>
-              </a:rPr>
-              <a:t>Standard Deviation: 1.358</a:t>
-            </a:r>
-          </a:p>
-          <a:p>
-            <a:endParaRPr lang="en-US" dirty="0"/>
-          </a:p>
-        </p:txBody>
-      </p:sp>
-      <p:sp>
-        <p:nvSpPr>
-          <p:cNvPr id="8" name="Content Placeholder 3">
-            <a:extLst>
-              <a:ext uri="{FF2B5EF4-FFF2-40B4-BE49-F238E27FC236}">
-                <a16:creationId xmlns:a16="http://schemas.microsoft.com/office/drawing/2014/main" id="{F19DD31E-AF75-4BF0-BCEB-1F07ACE00D08}"/>
-              </a:ext>
-            </a:extLst>
-          </p:cNvPr>
-          <p:cNvSpPr>
-            <a:spLocks noGrp="1"/>
-          </p:cNvSpPr>
-          <p:nvPr>
-            <p:ph sz="half" idx="2"/>
-          </p:nvPr>
-        </p:nvSpPr>
-        <p:spPr>
-          <a:xfrm>
-            <a:off x="6173403" y="2088319"/>
-            <a:ext cx="5094154" cy="3702881"/>
-          </a:xfrm>
-          <a:noFill/>
-        </p:spPr>
-        <p:style>
-          <a:lnRef idx="0">
-            <a:scrgbClr r="0" g="0" b="0"/>
-          </a:lnRef>
-          <a:fillRef idx="1003">
-            <a:schemeClr val="dk1"/>
-          </a:fillRef>
-          <a:effectRef idx="0">
-            <a:scrgbClr r="0" g="0" b="0"/>
-          </a:effectRef>
-          <a:fontRef idx="major"/>
-        </p:style>
-        <p:txBody>
-          <a:bodyPr>
-            <a:normAutofit fontScale="92500" lnSpcReduction="10000"/>
-          </a:bodyPr>
-          <a:lstStyle/>
-          <a:p>
-            <a:r>
-              <a:rPr lang="en-US" u="sng" dirty="0">
-                <a:solidFill>
-                  <a:schemeClr val="bg1">
-                    <a:lumMod val="50000"/>
-                    <a:lumOff val="50000"/>
-                  </a:schemeClr>
-                </a:solidFill>
-              </a:rPr>
-              <a:t>Using missing data method 2:</a:t>
-            </a:r>
-          </a:p>
-          <a:p>
-            <a:r>
-              <a:rPr lang="en-US" dirty="0">
-                <a:solidFill>
-                  <a:schemeClr val="bg1">
-                    <a:lumMod val="50000"/>
-                    <a:lumOff val="50000"/>
-                  </a:schemeClr>
-                </a:solidFill>
-                <a:effectLst/>
-              </a:rPr>
-              <a:t>Minimum: 0.100%</a:t>
-            </a:r>
-          </a:p>
-          <a:p>
-            <a:r>
-              <a:rPr lang="en-US" dirty="0">
-                <a:solidFill>
-                  <a:schemeClr val="bg1">
-                    <a:lumMod val="50000"/>
-                    <a:lumOff val="50000"/>
-                  </a:schemeClr>
-                </a:solidFill>
-                <a:effectLst/>
-              </a:rPr>
-              <a:t>1</a:t>
-            </a:r>
-            <a:r>
-              <a:rPr lang="en-US" baseline="30000" dirty="0">
-                <a:solidFill>
-                  <a:schemeClr val="bg1">
-                    <a:lumMod val="50000"/>
-                    <a:lumOff val="50000"/>
-                  </a:schemeClr>
-                </a:solidFill>
-                <a:effectLst/>
-              </a:rPr>
-              <a:t>st </a:t>
-            </a:r>
-            <a:r>
-              <a:rPr lang="en-US" dirty="0">
-                <a:solidFill>
-                  <a:schemeClr val="bg1">
-                    <a:lumMod val="50000"/>
-                    <a:lumOff val="50000"/>
-                  </a:schemeClr>
-                </a:solidFill>
-                <a:effectLst/>
-              </a:rPr>
-              <a:t>Quartile : 5.0%</a:t>
-            </a:r>
-          </a:p>
-          <a:p>
-            <a:r>
-              <a:rPr lang="en-US" dirty="0">
-                <a:solidFill>
-                  <a:schemeClr val="bg1">
-                    <a:lumMod val="50000"/>
-                    <a:lumOff val="50000"/>
-                  </a:schemeClr>
-                </a:solidFill>
-                <a:effectLst/>
-              </a:rPr>
-              <a:t>Median: 5.7%</a:t>
-            </a:r>
-          </a:p>
-          <a:p>
-            <a:r>
-              <a:rPr lang="en-US" dirty="0">
-                <a:solidFill>
-                  <a:schemeClr val="bg1">
-                    <a:lumMod val="50000"/>
-                    <a:lumOff val="50000"/>
-                  </a:schemeClr>
-                </a:solidFill>
-                <a:effectLst/>
-              </a:rPr>
-              <a:t>3</a:t>
-            </a:r>
-            <a:r>
-              <a:rPr lang="en-US" baseline="30000" dirty="0">
-                <a:solidFill>
-                  <a:schemeClr val="bg1">
-                    <a:lumMod val="50000"/>
-                    <a:lumOff val="50000"/>
-                  </a:schemeClr>
-                </a:solidFill>
-                <a:effectLst/>
-              </a:rPr>
-              <a:t>rd </a:t>
-            </a:r>
-            <a:r>
-              <a:rPr lang="en-US" dirty="0">
-                <a:solidFill>
-                  <a:schemeClr val="bg1">
-                    <a:lumMod val="50000"/>
-                    <a:lumOff val="50000"/>
-                  </a:schemeClr>
-                </a:solidFill>
-                <a:effectLst/>
-              </a:rPr>
-              <a:t>Quartile : 6.7%</a:t>
-            </a:r>
-          </a:p>
-          <a:p>
-            <a:r>
-              <a:rPr lang="en-US" dirty="0">
-                <a:solidFill>
-                  <a:schemeClr val="bg1">
-                    <a:lumMod val="50000"/>
-                    <a:lumOff val="50000"/>
-                  </a:schemeClr>
-                </a:solidFill>
-                <a:effectLst/>
-              </a:rPr>
-              <a:t>Max: 12.8%</a:t>
-            </a:r>
-          </a:p>
-          <a:p>
-            <a:r>
-              <a:rPr lang="en-US" dirty="0">
-                <a:solidFill>
-                  <a:schemeClr val="bg1">
-                    <a:lumMod val="50000"/>
-                    <a:lumOff val="50000"/>
-                  </a:schemeClr>
-                </a:solidFill>
-                <a:effectLst/>
-              </a:rPr>
-              <a:t>Mean: 5.977%</a:t>
-            </a:r>
-          </a:p>
-          <a:p>
-            <a:r>
-              <a:rPr lang="en-US" dirty="0">
-                <a:solidFill>
-                  <a:schemeClr val="bg1">
-                    <a:lumMod val="50000"/>
-                    <a:lumOff val="50000"/>
-                  </a:schemeClr>
-                </a:solidFill>
-                <a:effectLst/>
-              </a:rPr>
-              <a:t>Standard Deviation : 1.337</a:t>
-            </a:r>
-            <a:endParaRPr lang="en-US" dirty="0">
-              <a:solidFill>
-                <a:schemeClr val="bg1">
-                  <a:lumMod val="50000"/>
-                  <a:lumOff val="50000"/>
-                </a:schemeClr>
-              </a:solidFill>
-            </a:endParaRPr>
-          </a:p>
-        </p:txBody>
-      </p:sp>
-    </p:spTree>
-    <p:extLst>
-      <p:ext uri="{BB962C8B-B14F-4D97-AF65-F5344CB8AC3E}">
-        <p14:creationId xmlns:p14="http://schemas.microsoft.com/office/powerpoint/2010/main" val="3339882765"/>
-      </p:ext>
-    </p:extLst>
-  </p:cSld>
-  <p:clrMapOvr>
-    <a:masterClrMapping/>
-  </p:clrMapOvr>
-</p:sld>
-</file>
-
 <file path=ppt/slides/slide8.xml><?xml version="1.0" encoding="utf-8"?>
 <p:sld xmlns:a="http://schemas.openxmlformats.org/drawingml/2006/main" xmlns:r="http://schemas.openxmlformats.org/officeDocument/2006/relationships" xmlns:p="http://schemas.openxmlformats.org/presentationml/2006/main">
   <p:cSld>
@@ -9672,7 +11858,7 @@
           <p:cNvPr id="2" name="Title 1">
             <a:extLst>
               <a:ext uri="{FF2B5EF4-FFF2-40B4-BE49-F238E27FC236}">
-                <a16:creationId xmlns:a16="http://schemas.microsoft.com/office/drawing/2014/main" id="{F3612843-29AB-4571-A1AA-DD16C56C044A}"/>
+                <a16:creationId xmlns:a16="http://schemas.microsoft.com/office/drawing/2014/main" id="{E24F9319-CF8A-4126-9C3F-43B41E6CCF0E}"/>
               </a:ext>
             </a:extLst>
           </p:cNvPr>
@@ -9688,9 +11874,10 @@
           <a:bodyPr/>
           <a:lstStyle/>
           <a:p>
+            <a:pPr algn="l"/>
             <a:r>
               <a:rPr lang="en-US" dirty="0"/>
-              <a:t>Comparison of correction methods</a:t>
+              <a:t>Data overview: missing values</a:t>
             </a:r>
           </a:p>
         </p:txBody>
@@ -9700,7 +11887,7 @@
           <p:cNvPr id="3" name="Content Placeholder 2">
             <a:extLst>
               <a:ext uri="{FF2B5EF4-FFF2-40B4-BE49-F238E27FC236}">
-                <a16:creationId xmlns:a16="http://schemas.microsoft.com/office/drawing/2014/main" id="{DD2D0848-D496-4924-ABB2-F45AD458F1BA}"/>
+                <a16:creationId xmlns:a16="http://schemas.microsoft.com/office/drawing/2014/main" id="{F224934F-5312-4B36-B34F-3A9AD2B66559}"/>
               </a:ext>
             </a:extLst>
           </p:cNvPr>
@@ -9708,327 +11895,25 @@
             <a:spLocks noGrp="1"/>
           </p:cNvSpPr>
           <p:nvPr>
-            <p:ph sz="half" idx="1"/>
-          </p:nvPr>
-        </p:nvSpPr>
-        <p:spPr>
-          <a:noFill/>
-        </p:spPr>
-        <p:style>
-          <a:lnRef idx="0">
-            <a:scrgbClr r="0" g="0" b="0"/>
-          </a:lnRef>
-          <a:fillRef idx="1003">
-            <a:schemeClr val="dk1"/>
-          </a:fillRef>
-          <a:effectRef idx="0">
-            <a:scrgbClr r="0" g="0" b="0"/>
-          </a:effectRef>
-          <a:fontRef idx="major"/>
-        </p:style>
-        <p:txBody>
-          <a:bodyPr>
-            <a:normAutofit fontScale="92500" lnSpcReduction="10000"/>
-          </a:bodyPr>
-          <a:lstStyle/>
-          <a:p>
-            <a:r>
-              <a:rPr lang="en-US" u="sng" dirty="0">
-                <a:solidFill>
-                  <a:schemeClr val="bg1">
-                    <a:lumMod val="50000"/>
-                    <a:lumOff val="50000"/>
-                  </a:schemeClr>
-                </a:solidFill>
-              </a:rPr>
-              <a:t>Using missing data method 1:</a:t>
-            </a:r>
-          </a:p>
-          <a:p>
-            <a:r>
-              <a:rPr lang="en-US" dirty="0">
-                <a:solidFill>
-                  <a:schemeClr val="bg1">
-                    <a:lumMod val="50000"/>
-                    <a:lumOff val="50000"/>
-                  </a:schemeClr>
-                </a:solidFill>
-                <a:effectLst/>
-              </a:rPr>
-              <a:t>Minimum: 2.7%</a:t>
-            </a:r>
-          </a:p>
-          <a:p>
-            <a:r>
-              <a:rPr lang="en-US" dirty="0">
-                <a:solidFill>
-                  <a:schemeClr val="bg1">
-                    <a:lumMod val="50000"/>
-                    <a:lumOff val="50000"/>
-                  </a:schemeClr>
-                </a:solidFill>
-                <a:effectLst/>
-              </a:rPr>
-              <a:t>1</a:t>
-            </a:r>
-            <a:r>
-              <a:rPr lang="en-US" baseline="30000" dirty="0">
-                <a:solidFill>
-                  <a:schemeClr val="bg1">
-                    <a:lumMod val="50000"/>
-                    <a:lumOff val="50000"/>
-                  </a:schemeClr>
-                </a:solidFill>
-                <a:effectLst/>
-              </a:rPr>
-              <a:t>st </a:t>
-            </a:r>
-            <a:r>
-              <a:rPr lang="en-US" dirty="0">
-                <a:solidFill>
-                  <a:schemeClr val="bg1">
-                    <a:lumMod val="50000"/>
-                    <a:lumOff val="50000"/>
-                  </a:schemeClr>
-                </a:solidFill>
-                <a:effectLst/>
-              </a:rPr>
-              <a:t>Quartile: 5.0%</a:t>
-            </a:r>
-          </a:p>
-          <a:p>
-            <a:r>
-              <a:rPr lang="en-US" dirty="0">
-                <a:solidFill>
-                  <a:schemeClr val="bg1">
-                    <a:lumMod val="50000"/>
-                    <a:lumOff val="50000"/>
-                  </a:schemeClr>
-                </a:solidFill>
-                <a:effectLst/>
-              </a:rPr>
-              <a:t>Median: 5.7%</a:t>
-            </a:r>
-          </a:p>
-          <a:p>
-            <a:r>
-              <a:rPr lang="en-US" dirty="0">
-                <a:solidFill>
-                  <a:schemeClr val="bg1">
-                    <a:lumMod val="50000"/>
-                    <a:lumOff val="50000"/>
-                  </a:schemeClr>
-                </a:solidFill>
-                <a:effectLst/>
-              </a:rPr>
-              <a:t>3</a:t>
-            </a:r>
-            <a:r>
-              <a:rPr lang="en-US" baseline="30000" dirty="0">
-                <a:solidFill>
-                  <a:schemeClr val="bg1">
-                    <a:lumMod val="50000"/>
-                    <a:lumOff val="50000"/>
-                  </a:schemeClr>
-                </a:solidFill>
-                <a:effectLst/>
-              </a:rPr>
-              <a:t>rd </a:t>
-            </a:r>
-            <a:r>
-              <a:rPr lang="en-US" dirty="0">
-                <a:solidFill>
-                  <a:schemeClr val="bg1">
-                    <a:lumMod val="50000"/>
-                    <a:lumOff val="50000"/>
-                  </a:schemeClr>
-                </a:solidFill>
-                <a:effectLst/>
-              </a:rPr>
-              <a:t>Quartile: 6.8%</a:t>
-            </a:r>
-          </a:p>
-          <a:p>
-            <a:r>
-              <a:rPr lang="en-US" dirty="0">
-                <a:solidFill>
-                  <a:schemeClr val="bg1">
-                    <a:lumMod val="50000"/>
-                    <a:lumOff val="50000"/>
-                  </a:schemeClr>
-                </a:solidFill>
-                <a:effectLst/>
-              </a:rPr>
-              <a:t>Maximum: 12.5%</a:t>
-            </a:r>
-          </a:p>
-          <a:p>
-            <a:r>
-              <a:rPr lang="en-US" dirty="0">
-                <a:solidFill>
-                  <a:schemeClr val="bg1">
-                    <a:lumMod val="50000"/>
-                    <a:lumOff val="50000"/>
-                  </a:schemeClr>
-                </a:solidFill>
-                <a:effectLst/>
-              </a:rPr>
-              <a:t>Mean 5.991%</a:t>
-            </a:r>
-          </a:p>
-          <a:p>
-            <a:r>
-              <a:rPr lang="en-US" dirty="0">
-                <a:solidFill>
-                  <a:schemeClr val="bg1">
-                    <a:lumMod val="50000"/>
-                    <a:lumOff val="50000"/>
-                  </a:schemeClr>
-                </a:solidFill>
-                <a:effectLst/>
-              </a:rPr>
-              <a:t>Standard Deviation: 1.358</a:t>
-            </a:r>
-          </a:p>
-          <a:p>
-            <a:endParaRPr lang="en-US" dirty="0">
-              <a:solidFill>
-                <a:schemeClr val="bg1">
-                  <a:lumMod val="50000"/>
-                  <a:lumOff val="50000"/>
-                </a:schemeClr>
-              </a:solidFill>
-            </a:endParaRPr>
-          </a:p>
-        </p:txBody>
-      </p:sp>
-      <p:sp>
-        <p:nvSpPr>
-          <p:cNvPr id="4" name="Content Placeholder 3">
-            <a:extLst>
-              <a:ext uri="{FF2B5EF4-FFF2-40B4-BE49-F238E27FC236}">
-                <a16:creationId xmlns:a16="http://schemas.microsoft.com/office/drawing/2014/main" id="{A31FD061-7ED4-4D5F-B360-2A7320E03268}"/>
-              </a:ext>
-            </a:extLst>
-          </p:cNvPr>
-          <p:cNvSpPr>
-            <a:spLocks noGrp="1"/>
-          </p:cNvSpPr>
-          <p:nvPr>
-            <p:ph sz="half" idx="2"/>
-          </p:nvPr>
-        </p:nvSpPr>
-        <p:spPr/>
-        <p:style>
-          <a:lnRef idx="0">
-            <a:scrgbClr r="0" g="0" b="0"/>
-          </a:lnRef>
-          <a:fillRef idx="1003">
-            <a:schemeClr val="dk1"/>
-          </a:fillRef>
-          <a:effectRef idx="0">
-            <a:scrgbClr r="0" g="0" b="0"/>
-          </a:effectRef>
-          <a:fontRef idx="major"/>
-        </p:style>
-        <p:txBody>
-          <a:bodyPr>
-            <a:normAutofit fontScale="92500" lnSpcReduction="10000"/>
-          </a:bodyPr>
-          <a:lstStyle/>
-          <a:p>
-            <a:r>
-              <a:rPr lang="en-US" u="sng" dirty="0"/>
-              <a:t>Using missing data method 2:</a:t>
-            </a:r>
-          </a:p>
-          <a:p>
-            <a:r>
-              <a:rPr lang="en-US" dirty="0">
-                <a:effectLst/>
-              </a:rPr>
-              <a:t>Minimum: 0.100%</a:t>
-            </a:r>
-          </a:p>
-          <a:p>
-            <a:r>
-              <a:rPr lang="en-US" dirty="0">
-                <a:effectLst/>
-              </a:rPr>
-              <a:t>1</a:t>
-            </a:r>
-            <a:r>
-              <a:rPr lang="en-US" baseline="30000" dirty="0">
-                <a:effectLst/>
-              </a:rPr>
-              <a:t>st </a:t>
-            </a:r>
-            <a:r>
-              <a:rPr lang="en-US" dirty="0">
-                <a:effectLst/>
-              </a:rPr>
-              <a:t>Quartile : 5.0%</a:t>
-            </a:r>
-          </a:p>
-          <a:p>
-            <a:r>
-              <a:rPr lang="en-US" dirty="0">
-                <a:effectLst/>
-              </a:rPr>
-              <a:t>Median: 5.7%</a:t>
-            </a:r>
-          </a:p>
-          <a:p>
-            <a:r>
-              <a:rPr lang="en-US" dirty="0">
-                <a:effectLst/>
-              </a:rPr>
-              <a:t>3</a:t>
-            </a:r>
-            <a:r>
-              <a:rPr lang="en-US" baseline="30000" dirty="0">
-                <a:effectLst/>
-              </a:rPr>
-              <a:t>rd </a:t>
-            </a:r>
-            <a:r>
-              <a:rPr lang="en-US" dirty="0">
-                <a:effectLst/>
-              </a:rPr>
-              <a:t>Quartile : 6.7%</a:t>
-            </a:r>
-          </a:p>
-          <a:p>
-            <a:r>
-              <a:rPr lang="en-US" dirty="0">
-                <a:effectLst/>
-              </a:rPr>
-              <a:t>Max: 12.8%</a:t>
-            </a:r>
-          </a:p>
-          <a:p>
-            <a:r>
-              <a:rPr lang="en-US" dirty="0">
-                <a:effectLst/>
-              </a:rPr>
-              <a:t>Mean: 5.977%</a:t>
-            </a:r>
-          </a:p>
-          <a:p>
-            <a:r>
-              <a:rPr lang="en-US" dirty="0">
-                <a:effectLst/>
-              </a:rPr>
-              <a:t>Standard Deviation : 1.337</a:t>
-            </a:r>
-            <a:endParaRPr lang="en-US" dirty="0"/>
+            <p:ph idx="1"/>
+          </p:nvPr>
+        </p:nvSpPr>
+        <p:spPr/>
+        <p:txBody>
+          <a:bodyPr/>
+          <a:lstStyle/>
+          <a:p>
+            <a:r>
+              <a:rPr lang="en-US" dirty="0"/>
+              <a:t>Missing values in ABV &amp; IBU</a:t>
+            </a:r>
           </a:p>
         </p:txBody>
       </p:sp>
     </p:spTree>
     <p:extLst>
       <p:ext uri="{BB962C8B-B14F-4D97-AF65-F5344CB8AC3E}">
-        <p14:creationId xmlns:p14="http://schemas.microsoft.com/office/powerpoint/2010/main" val="1533358323"/>
+        <p14:creationId xmlns:p14="http://schemas.microsoft.com/office/powerpoint/2010/main" val="66722995"/>
       </p:ext>
     </p:extLst>
   </p:cSld>
@@ -10079,7 +11964,7 @@
             <a:pPr algn="l"/>
             <a:r>
               <a:rPr lang="en-US" dirty="0"/>
-              <a:t>Summary of ABV &amp; IBU</a:t>
+              <a:t>Data overview: missing values</a:t>
             </a:r>
           </a:p>
         </p:txBody>
@@ -10106,44 +11991,20 @@
           <a:lstStyle/>
           <a:p>
             <a:r>
+              <a:rPr lang="en-US" dirty="0">
+                <a:solidFill>
+                  <a:schemeClr val="tx1">
+                    <a:lumMod val="50000"/>
+                  </a:schemeClr>
+                </a:solidFill>
+              </a:rPr>
+              <a:t>Missing values in ABV &amp; IBU</a:t>
+            </a:r>
+          </a:p>
+          <a:p>
+            <a:r>
               <a:rPr lang="en-US" dirty="0"/>
-              <a:t>Lowest median ABV: Arizona &amp; Texas (4.00%)</a:t>
-            </a:r>
-          </a:p>
-          <a:p>
-            <a:r>
-              <a:rPr lang="en-US" dirty="0"/>
-              <a:t>Highest median ABV: Maine &amp; Colorado (6.7%, 6.5% respectively)</a:t>
-            </a:r>
-          </a:p>
-          <a:p>
-            <a:r>
-              <a:rPr lang="en-US" dirty="0"/>
-              <a:t>Average median ABV: 5.6% ABV</a:t>
-            </a:r>
-          </a:p>
-          <a:p>
-            <a:r>
-              <a:rPr lang="en-US" dirty="0"/>
-              <a:t>Lowest median IBU: Wisconsin (19 IBU)</a:t>
-            </a:r>
-          </a:p>
-          <a:p>
-            <a:r>
-              <a:rPr lang="en-US" dirty="0"/>
-              <a:t>Highest median IBU: Maine (61 IBU)</a:t>
-            </a:r>
-          </a:p>
-          <a:p>
-            <a:r>
-              <a:rPr lang="en-US" dirty="0"/>
-              <a:t>Average median IBU: 36.98 IBU</a:t>
-            </a:r>
-          </a:p>
-          <a:p>
-            <a:r>
-              <a:rPr lang="en-US" dirty="0"/>
-              <a:t>Maine high in ABV and IBU</a:t>
+              <a:t>Possibly due to state laws, complexity of testing</a:t>
             </a:r>
           </a:p>
         </p:txBody>
@@ -10151,7 +12012,7 @@
     </p:spTree>
     <p:extLst>
       <p:ext uri="{BB962C8B-B14F-4D97-AF65-F5344CB8AC3E}">
-        <p14:creationId xmlns:p14="http://schemas.microsoft.com/office/powerpoint/2010/main" val="2158532176"/>
+        <p14:creationId xmlns:p14="http://schemas.microsoft.com/office/powerpoint/2010/main" val="2657609671"/>
       </p:ext>
     </p:extLst>
   </p:cSld>
@@ -10980,14 +12841,14 @@
 <file path=customXml/itemProps3.xml><?xml version="1.0" encoding="utf-8"?>
 <ds:datastoreItem xmlns:ds="http://schemas.openxmlformats.org/officeDocument/2006/customXml" ds:itemID="{4EBE2BF2-22DB-4D88-AF36-5CDBA4646D6D}">
   <ds:schemaRefs>
-    <ds:schemaRef ds:uri="http://schemas.microsoft.com/office/2006/documentManagement/types"/>
-    <ds:schemaRef ds:uri="http://purl.org/dc/terms/"/>
     <ds:schemaRef ds:uri="http://purl.org/dc/dcmitype/"/>
     <ds:schemaRef ds:uri="http://schemas.openxmlformats.org/package/2006/metadata/core-properties"/>
+    <ds:schemaRef ds:uri="http://purl.org/dc/elements/1.1/"/>
     <ds:schemaRef ds:uri="http://schemas.microsoft.com/office/infopath/2007/PartnerControls"/>
     <ds:schemaRef ds:uri="2af54f07-59f7-4d82-a31c-55b6acc8ee4f"/>
-    <ds:schemaRef ds:uri="http://purl.org/dc/elements/1.1/"/>
+    <ds:schemaRef ds:uri="http://purl.org/dc/terms/"/>
     <ds:schemaRef ds:uri="6da8cb74-d894-479b-aa29-cd56c5ce1d20"/>
+    <ds:schemaRef ds:uri="http://schemas.microsoft.com/office/2006/documentManagement/types"/>
     <ds:schemaRef ds:uri="http://schemas.microsoft.com/office/2006/metadata/properties"/>
     <ds:schemaRef ds:uri="http://www.w3.org/XML/1998/namespace"/>
   </ds:schemaRefs>
